--- a/2016/RSD/RSD_Lebedev.pptx
+++ b/2016/RSD/RSD_Lebedev.pptx
@@ -19,8 +19,8 @@
     <p:sldId id="385" r:id="rId7"/>
     <p:sldId id="463" r:id="rId8"/>
     <p:sldId id="469" r:id="rId9"/>
-    <p:sldId id="470" r:id="rId10"/>
-    <p:sldId id="467" r:id="rId11"/>
+    <p:sldId id="467" r:id="rId10"/>
+    <p:sldId id="470" r:id="rId11"/>
     <p:sldId id="438" r:id="rId12"/>
     <p:sldId id="474" r:id="rId13"/>
     <p:sldId id="439" r:id="rId14"/>
@@ -383,7 +383,7 @@
     </p:spTree>
     <p:extLst>
       <p:ext uri="{BB962C8B-B14F-4D97-AF65-F5344CB8AC3E}">
-        <p14:creationId xmlns="" xmlns:p14="http://schemas.microsoft.com/office/powerpoint/2010/main" val="2142394337"/>
+        <p14:creationId xmlns:p14="http://schemas.microsoft.com/office/powerpoint/2010/main" xmlns="" val="2142394337"/>
       </p:ext>
     </p:extLst>
   </p:cSld>
@@ -664,7 +664,7 @@
     </p:spTree>
     <p:extLst>
       <p:ext uri="{BB962C8B-B14F-4D97-AF65-F5344CB8AC3E}">
-        <p14:creationId xmlns="" xmlns:p14="http://schemas.microsoft.com/office/powerpoint/2010/main" val="1158137510"/>
+        <p14:creationId xmlns:p14="http://schemas.microsoft.com/office/powerpoint/2010/main" xmlns="" val="1158137510"/>
       </p:ext>
     </p:extLst>
   </p:cSld>
@@ -2657,29 +2657,7 @@
                 <a:ea typeface="+mn-ea"/>
                 <a:cs typeface="+mn-cs"/>
               </a:rPr>
-              <a:t>; при этом </a:t>
-            </a:r>
-            <a:r>
-              <a:rPr lang="ru-RU" sz="2400" i="1" kern="1200" dirty="0" smtClean="0">
-                <a:solidFill>
-                  <a:schemeClr val="tx1"/>
-                </a:solidFill>
-                <a:latin typeface="Times New Roman" pitchFamily="18" charset="0"/>
-                <a:ea typeface="+mn-ea"/>
-                <a:cs typeface="+mn-cs"/>
-              </a:rPr>
-              <a:t>испытание</a:t>
-            </a:r>
-            <a:r>
-              <a:rPr lang="ru-RU" sz="2400" kern="1200" dirty="0" smtClean="0">
-                <a:solidFill>
-                  <a:schemeClr val="tx1"/>
-                </a:solidFill>
-                <a:latin typeface="Times New Roman" pitchFamily="18" charset="0"/>
-                <a:ea typeface="+mn-ea"/>
-                <a:cs typeface="+mn-cs"/>
-              </a:rPr>
-              <a:t> является вычислительно-трудоемкой операцией.</a:t>
+              <a:t>; </a:t>
             </a:r>
           </a:p>
           <a:p>
@@ -3448,7 +3426,7 @@
               <a:t>На левом рисунке </a:t>
             </a:r>
             <a:r>
-              <a:rPr lang="en-US" sz="1200" kern="1200" dirty="0" smtClean="0">
+              <a:rPr lang="ru-RU" sz="1200" kern="1200" dirty="0" smtClean="0">
                 <a:solidFill>
                   <a:schemeClr val="tx1"/>
                 </a:solidFill>
@@ -3456,7 +3434,18 @@
                 <a:ea typeface="+mn-ea"/>
                 <a:cs typeface="+mn-cs"/>
               </a:rPr>
-              <a:t>m</a:t>
+              <a:t>отображен</a:t>
+            </a:r>
+            <a:r>
+              <a:rPr lang="ru-RU" sz="1200" kern="1200" baseline="0" dirty="0" smtClean="0">
+                <a:solidFill>
+                  <a:schemeClr val="tx1"/>
+                </a:solidFill>
+                <a:latin typeface="Times New Roman" pitchFamily="18" charset="0"/>
+                <a:ea typeface="+mn-ea"/>
+                <a:cs typeface="+mn-cs"/>
+              </a:rPr>
+              <a:t> вид кривой Пеано с параметром </a:t>
             </a:r>
             <a:r>
               <a:rPr lang="en-US" sz="1200" kern="1200" baseline="0" dirty="0" smtClean="0">
@@ -3467,7 +3456,7 @@
                 <a:ea typeface="+mn-ea"/>
                 <a:cs typeface="+mn-cs"/>
               </a:rPr>
-              <a:t> = 3</a:t>
+              <a:t>m </a:t>
             </a:r>
             <a:r>
               <a:rPr lang="ru-RU" sz="1200" kern="1200" baseline="0" dirty="0" smtClean="0">
@@ -3478,10 +3467,10 @@
                 <a:ea typeface="+mn-ea"/>
                 <a:cs typeface="+mn-cs"/>
               </a:rPr>
-              <a:t>, на среднем </a:t>
-            </a:r>
-            <a:r>
-              <a:rPr lang="en-US" sz="1200" kern="1200" baseline="0" dirty="0" smtClean="0">
+              <a:t>равный трем что соответствует точности поиска 2 в -3 или 125 тысячных, на среднем </a:t>
+            </a:r>
+            <a:r>
+              <a:rPr lang="ru-RU" sz="1200" kern="1200" baseline="0" dirty="0" err="1" smtClean="0">
                 <a:solidFill>
                   <a:schemeClr val="tx1"/>
                 </a:solidFill>
@@ -3489,7 +3478,7 @@
                 <a:ea typeface="+mn-ea"/>
                 <a:cs typeface="+mn-cs"/>
               </a:rPr>
-              <a:t>m = 4</a:t>
+              <a:t>ресунке</a:t>
             </a:r>
             <a:r>
               <a:rPr lang="ru-RU" sz="1200" kern="1200" baseline="0" dirty="0" smtClean="0">
@@ -3500,57 +3489,10 @@
                 <a:ea typeface="+mn-ea"/>
                 <a:cs typeface="+mn-cs"/>
               </a:rPr>
-              <a:t>, на правом </a:t>
-            </a:r>
-            <a:r>
-              <a:rPr lang="en-US" sz="1200" kern="1200" baseline="0" dirty="0" smtClean="0">
-                <a:solidFill>
-                  <a:schemeClr val="tx1"/>
-                </a:solidFill>
-                <a:latin typeface="Times New Roman" pitchFamily="18" charset="0"/>
-                <a:ea typeface="+mn-ea"/>
-                <a:cs typeface="+mn-cs"/>
-              </a:rPr>
-              <a:t>m = 5</a:t>
-            </a:r>
-            <a:r>
-              <a:rPr lang="ru-RU" sz="1200" kern="1200" baseline="0" dirty="0" smtClean="0">
-                <a:solidFill>
-                  <a:schemeClr val="tx1"/>
-                </a:solidFill>
-                <a:latin typeface="Times New Roman" pitchFamily="18" charset="0"/>
-                <a:ea typeface="+mn-ea"/>
-                <a:cs typeface="+mn-cs"/>
-              </a:rPr>
-              <a:t>.</a:t>
-            </a:r>
-            <a:endParaRPr lang="ru-RU" sz="1200" kern="1200" dirty="0" smtClean="0">
-              <a:solidFill>
-                <a:schemeClr val="tx1"/>
-              </a:solidFill>
-              <a:latin typeface="Times New Roman" pitchFamily="18" charset="0"/>
-              <a:ea typeface="+mn-ea"/>
-              <a:cs typeface="+mn-cs"/>
-            </a:endParaRPr>
-          </a:p>
-          <a:p>
-            <a:pPr marL="0" marR="0" indent="0" algn="l" defTabSz="914400" rtl="0" eaLnBrk="0" fontAlgn="base" latinLnBrk="0" hangingPunct="0">
-              <a:lnSpc>
-                <a:spcPct val="100000"/>
-              </a:lnSpc>
-              <a:spcBef>
-                <a:spcPct val="30000"/>
-              </a:spcBef>
-              <a:spcAft>
-                <a:spcPct val="0"/>
-              </a:spcAft>
-              <a:buClrTx/>
-              <a:buSzTx/>
-              <a:buFontTx/>
-              <a:buNone/>
-              <a:tabLst/>
-              <a:defRPr/>
-            </a:pPr>
+              <a:t> распределение точек в двумерном пространстве, на примере решения задачи Гришагина зеленая точка отображает глобальный минимум, красная - найденный минимум, на правом рисунке распределение точек на оси от 0 до 1.</a:t>
+            </a:r>
+          </a:p>
+          <a:p>
             <a:r>
               <a:rPr lang="ru-RU" sz="1200" b="1" kern="1200" dirty="0" smtClean="0">
                 <a:solidFill>
@@ -4665,6 +4607,114 @@
           </a:bodyPr>
           <a:lstStyle/>
           <a:p>
+            <a:r>
+              <a:rPr lang="ru-RU" dirty="0" smtClean="0"/>
+              <a:t>Рассмотрим решение задачи Гришагина как поиск минимума функции </a:t>
+            </a:r>
+            <a:r>
+              <a:rPr lang="en-US" dirty="0" smtClean="0"/>
+              <a:t>F</a:t>
+            </a:r>
+            <a:r>
+              <a:rPr lang="ru-RU" dirty="0" smtClean="0"/>
+              <a:t> от переменных</a:t>
+            </a:r>
+            <a:r>
+              <a:rPr lang="ru-RU" baseline="0" dirty="0" smtClean="0"/>
+              <a:t> </a:t>
+            </a:r>
+            <a:r>
+              <a:rPr lang="en-US" baseline="0" dirty="0" smtClean="0"/>
+              <a:t>x y</a:t>
+            </a:r>
+            <a:r>
+              <a:rPr lang="ru-RU" dirty="0" smtClean="0"/>
+              <a:t>, применим</a:t>
+            </a:r>
+            <a:r>
+              <a:rPr lang="ru-RU" baseline="0" dirty="0" smtClean="0"/>
+              <a:t> метод рекурсивной редукции размерности, переменная </a:t>
+            </a:r>
+            <a:r>
+              <a:rPr lang="ru-RU" baseline="0" dirty="0" err="1" smtClean="0"/>
+              <a:t>х</a:t>
+            </a:r>
+            <a:r>
+              <a:rPr lang="ru-RU" baseline="0" dirty="0" smtClean="0"/>
+              <a:t> будет на верхнем уровне, переменная у на нижнем. Для того чтобы решить задачу нужно найти минимум по переменной </a:t>
+            </a:r>
+            <a:r>
+              <a:rPr lang="ru-RU" baseline="0" dirty="0" err="1" smtClean="0"/>
+              <a:t>х</a:t>
+            </a:r>
+            <a:r>
+              <a:rPr lang="ru-RU" baseline="0" dirty="0" smtClean="0"/>
+              <a:t> функции </a:t>
+            </a:r>
+            <a:r>
+              <a:rPr lang="ru-RU" baseline="0" dirty="0" err="1" smtClean="0"/>
+              <a:t>ф</a:t>
+            </a:r>
+            <a:r>
+              <a:rPr lang="ru-RU" baseline="0" dirty="0" smtClean="0"/>
+              <a:t> штрих от х. Где </a:t>
+            </a:r>
+            <a:r>
+              <a:rPr lang="ru-RU" baseline="0" dirty="0" err="1" smtClean="0"/>
+              <a:t>ф</a:t>
+            </a:r>
+            <a:r>
+              <a:rPr lang="ru-RU" baseline="0" dirty="0" smtClean="0"/>
+              <a:t> штрих это решение задачи поиска минимума </a:t>
+            </a:r>
+            <a:r>
+              <a:rPr lang="ru-RU" baseline="0" dirty="0" err="1" smtClean="0"/>
+              <a:t>ф</a:t>
+            </a:r>
+            <a:r>
+              <a:rPr lang="ru-RU" baseline="0" dirty="0" smtClean="0"/>
+              <a:t>  по у при </a:t>
+            </a:r>
+            <a:r>
+              <a:rPr lang="ru-RU" baseline="0" dirty="0" err="1" smtClean="0"/>
+              <a:t>фксированном</a:t>
+            </a:r>
+            <a:r>
+              <a:rPr lang="ru-RU" baseline="0" dirty="0" smtClean="0"/>
+              <a:t> х. На левом рисунке значение функции </a:t>
+            </a:r>
+            <a:r>
+              <a:rPr lang="ru-RU" baseline="0" dirty="0" err="1" smtClean="0"/>
+              <a:t>ф</a:t>
+            </a:r>
+            <a:r>
+              <a:rPr lang="ru-RU" baseline="0" dirty="0" smtClean="0"/>
+              <a:t> штрих в точках, наименьшее значение и есть искомый минимум, для вычисления каждой точки решаем задачу </a:t>
+            </a:r>
+            <a:r>
+              <a:rPr lang="ru-RU" baseline="0" dirty="0" err="1" smtClean="0"/>
+              <a:t>мнинимизации</a:t>
+            </a:r>
+            <a:r>
+              <a:rPr lang="ru-RU" baseline="0" dirty="0" smtClean="0"/>
+              <a:t> функции изображенной на правом рисунке, </a:t>
+            </a:r>
+            <a:r>
+              <a:rPr lang="ru-RU" baseline="0" dirty="0" err="1" smtClean="0"/>
+              <a:t>приэтом</a:t>
+            </a:r>
+            <a:r>
+              <a:rPr lang="ru-RU" baseline="0" dirty="0" smtClean="0"/>
+              <a:t> координата </a:t>
+            </a:r>
+            <a:r>
+              <a:rPr lang="ru-RU" baseline="0" dirty="0" err="1" smtClean="0"/>
+              <a:t>х</a:t>
+            </a:r>
+            <a:r>
+              <a:rPr lang="ru-RU" baseline="0" dirty="0" smtClean="0"/>
+              <a:t> берется фиксированной.</a:t>
+            </a:r>
             <a:endParaRPr lang="ru-RU" dirty="0"/>
           </a:p>
         </p:txBody>
@@ -4752,6 +4802,104 @@
           </a:bodyPr>
           <a:lstStyle/>
           <a:p>
+            <a:r>
+              <a:rPr lang="ru-RU" dirty="0" smtClean="0"/>
+              <a:t>Рассмотрим более сложную задачу.</a:t>
+            </a:r>
+            <a:r>
+              <a:rPr lang="ru-RU" baseline="0" dirty="0" smtClean="0"/>
+              <a:t> Пусть имеется 8 переменных, первый блок </a:t>
+            </a:r>
+            <a:r>
+              <a:rPr lang="en-US" baseline="0" dirty="0" smtClean="0"/>
+              <a:t>u1</a:t>
+            </a:r>
+            <a:r>
+              <a:rPr lang="ru-RU" baseline="0" dirty="0" smtClean="0"/>
+              <a:t> это переменные с первой по четвертую, второй с пятой по </a:t>
+            </a:r>
+            <a:r>
+              <a:rPr lang="ru-RU" baseline="0" dirty="0" err="1" smtClean="0"/>
+              <a:t>восьмю</a:t>
+            </a:r>
+            <a:r>
+              <a:rPr lang="ru-RU" baseline="0" dirty="0" smtClean="0"/>
+              <a:t>. Для решения задачи верхнего уровня по переменной </a:t>
+            </a:r>
+            <a:r>
+              <a:rPr lang="en-US" baseline="0" dirty="0" smtClean="0"/>
+              <a:t>u1</a:t>
+            </a:r>
+            <a:r>
+              <a:rPr lang="ru-RU" baseline="0" dirty="0" smtClean="0"/>
+              <a:t> используем редукцию размерности с помощью кривой </a:t>
+            </a:r>
+            <a:r>
+              <a:rPr lang="ru-RU" baseline="0" dirty="0" err="1" smtClean="0"/>
+              <a:t>пеано</a:t>
+            </a:r>
+            <a:r>
+              <a:rPr lang="ru-RU" baseline="0" dirty="0" smtClean="0"/>
+              <a:t>. На нижнем уровне используем два процесса, что соответствует </a:t>
+            </a:r>
+            <a:r>
+              <a:rPr lang="en-US" baseline="0" dirty="0" smtClean="0"/>
+              <a:t>p=2 </a:t>
+            </a:r>
+            <a:r>
+              <a:rPr lang="ru-RU" baseline="0" dirty="0" smtClean="0"/>
+              <a:t>из алгоритма глобального </a:t>
+            </a:r>
+            <a:r>
+              <a:rPr lang="ru-RU" baseline="0" dirty="0" err="1" smtClean="0"/>
+              <a:t>поика</a:t>
+            </a:r>
+            <a:r>
+              <a:rPr lang="ru-RU" baseline="0" dirty="0" smtClean="0"/>
+              <a:t>. Для проведения испытаний на верхнем уровне необходимо решить задачу минимизации при фиксированном </a:t>
+            </a:r>
+            <a:r>
+              <a:rPr lang="en-US" baseline="0" dirty="0" smtClean="0"/>
+              <a:t>u1</a:t>
+            </a:r>
+            <a:r>
+              <a:rPr lang="ru-RU" baseline="0" dirty="0" smtClean="0"/>
+              <a:t> по переменной </a:t>
+            </a:r>
+            <a:r>
+              <a:rPr lang="en-US" baseline="0" dirty="0" smtClean="0"/>
+              <a:t>u2. </a:t>
+            </a:r>
+          </a:p>
+          <a:p>
+            <a:r>
+              <a:rPr lang="ru-RU" baseline="0" dirty="0" smtClean="0"/>
+              <a:t>В качестве простого и относительно быстрого способа решения задачи малой размерности на </a:t>
+            </a:r>
+            <a:r>
+              <a:rPr lang="en-US" baseline="0" dirty="0" smtClean="0"/>
+              <a:t>GPU</a:t>
+            </a:r>
+            <a:r>
+              <a:rPr lang="ru-RU" baseline="0" dirty="0" smtClean="0"/>
+              <a:t> будем использовать решение задачи на равномерной сетке. Таким образом на верхнем уровне решается медленно вычисляемая задача – решение четырехмерной задачи. А на нижнем уровне </a:t>
+            </a:r>
+            <a:r>
+              <a:rPr lang="ru-RU" baseline="0" dirty="0" err="1" smtClean="0"/>
+              <a:t>рашаем</a:t>
+            </a:r>
+            <a:r>
+              <a:rPr lang="ru-RU" baseline="0" dirty="0" smtClean="0"/>
+              <a:t> </a:t>
+            </a:r>
+            <a:r>
+              <a:rPr lang="ru-RU" baseline="0" dirty="0" err="1" smtClean="0"/>
+              <a:t>быстровычислимые</a:t>
+            </a:r>
+            <a:r>
+              <a:rPr lang="ru-RU" baseline="0" dirty="0" smtClean="0"/>
+              <a:t> задачи, но в большом количестве.</a:t>
+            </a:r>
             <a:endParaRPr lang="ru-RU" dirty="0"/>
           </a:p>
         </p:txBody>
@@ -7471,7 +7619,7 @@
     </p:spTree>
     <p:extLst>
       <p:ext uri="{BB962C8B-B14F-4D97-AF65-F5344CB8AC3E}">
-        <p14:creationId xmlns:p14="http://schemas.microsoft.com/office/powerpoint/2010/main" xmlns="" val="214461874"/>
+        <p14:creationId xmlns="" xmlns:p14="http://schemas.microsoft.com/office/powerpoint/2010/main" val="214461874"/>
       </p:ext>
     </p:extLst>
   </p:cSld>
@@ -8650,7 +8798,7 @@
 </file>
 
 <file path=ppt/slideMasters/slideMaster1.xml><?xml version="1.0" encoding="utf-8"?>
-<p:sldMaster xmlns:a="http://schemas.openxmlformats.org/drawingml/2006/main" xmlns:r="http://schemas.openxmlformats.org/officeDocument/2006/relationships" xmlns:p="http://schemas.openxmlformats.org/presentationml/2006/main">
+<p:sldMaster xmlns:a="http://schemas.openxmlformats.org/drawingml/2006/main" xmlns:r="http://schemas.openxmlformats.org/officeDocument/2006/relationships" xmlns:p="http://schemas.openxmlformats.org/presentationml/2006/main" preserve="1">
   <p:cSld>
     <p:bg>
       <p:bgPr>
@@ -8822,7 +8970,13 @@
               <a:rPr lang="en-US" sz="1200" dirty="0" smtClean="0">
                 <a:cs typeface="Times New Roman" pitchFamily="18" charset="0"/>
               </a:rPr>
-              <a:t>19</a:t>
+              <a:t>1</a:t>
+            </a:r>
+            <a:r>
+              <a:rPr lang="ru-RU" sz="1200" dirty="0" smtClean="0">
+                <a:cs typeface="Times New Roman" pitchFamily="18" charset="0"/>
+              </a:rPr>
+              <a:t>8</a:t>
             </a:r>
             <a:endParaRPr lang="ru-RU" sz="1200" dirty="0">
               <a:cs typeface="Times New Roman" pitchFamily="18" charset="0"/>
@@ -9021,9 +9175,17 @@
             </a:pPr>
             <a:r>
               <a:rPr lang="ru-RU" sz="1200" b="0" dirty="0" smtClean="0"/>
-              <a:t>Решение задач глобальной оптимизации на гетерогенных кластерных системах</a:t>
-            </a:r>
-            <a:endParaRPr lang="ru-RU" sz="1200" b="0" dirty="0"/>
+              <a:t>Решение задач глобальной оптимизации </a:t>
+            </a:r>
+          </a:p>
+          <a:p>
+            <a:pPr algn="ctr">
+              <a:defRPr/>
+            </a:pPr>
+            <a:r>
+              <a:rPr lang="ru-RU" sz="1200" b="0" dirty="0" smtClean="0"/>
+              <a:t>на графических ускорителях</a:t>
+            </a:r>
           </a:p>
         </p:txBody>
       </p:sp>
@@ -10199,7 +10361,7 @@
         <p:spPr>
           <a:xfrm>
             <a:off x="1670518" y="1603513"/>
-            <a:ext cx="7473482" cy="3308598"/>
+            <a:ext cx="7473482" cy="5201424"/>
           </a:xfrm>
           <a:prstGeom prst="rect">
             <a:avLst/>
@@ -10225,6 +10387,28 @@
               </a:spcBef>
               <a:defRPr/>
             </a:pPr>
+            <a:endParaRPr lang="ru-RU" sz="1600" b="1" cap="small" dirty="0" smtClean="0">
+              <a:solidFill>
+                <a:srgbClr val="FFFFFF"/>
+              </a:solidFill>
+              <a:effectLst>
+                <a:glow rad="139700">
+                  <a:srgbClr val="000000">
+                    <a:satMod val="175000"/>
+                    <a:alpha val="40000"/>
+                  </a:srgbClr>
+                </a:glow>
+              </a:effectLst>
+              <a:cs typeface="Times New Roman" pitchFamily="18" charset="0"/>
+            </a:endParaRPr>
+          </a:p>
+          <a:p>
+            <a:pPr algn="ctr">
+              <a:spcBef>
+                <a:spcPts val="0"/>
+              </a:spcBef>
+              <a:defRPr/>
+            </a:pPr>
             <a:r>
               <a:rPr lang="ru-RU" sz="1600" b="1" cap="small" dirty="0" smtClean="0">
                 <a:solidFill>
@@ -10240,7 +10424,41 @@
                 </a:effectLst>
                 <a:cs typeface="Times New Roman" pitchFamily="18" charset="0"/>
               </a:rPr>
-              <a:t>Нижегородский  государственный университет </a:t>
+              <a:t>Нижегородский  </a:t>
+            </a:r>
+            <a:r>
+              <a:rPr lang="ru-RU" sz="1600" b="1" cap="small" dirty="0" smtClean="0">
+                <a:solidFill>
+                  <a:srgbClr val="FFFFFF"/>
+                </a:solidFill>
+                <a:effectLst>
+                  <a:glow rad="139700">
+                    <a:srgbClr val="000000">
+                      <a:satMod val="175000"/>
+                      <a:alpha val="40000"/>
+                    </a:srgbClr>
+                  </a:glow>
+                </a:effectLst>
+                <a:cs typeface="Times New Roman" pitchFamily="18" charset="0"/>
+              </a:rPr>
+              <a:t>государственный университет </a:t>
+            </a:r>
+            <a:r>
+              <a:rPr lang="ru-RU" sz="1600" b="1" cap="small" dirty="0" smtClean="0">
+                <a:solidFill>
+                  <a:srgbClr val="FFFFFF"/>
+                </a:solidFill>
+                <a:effectLst>
+                  <a:glow rad="139700">
+                    <a:srgbClr val="000000">
+                      <a:satMod val="175000"/>
+                      <a:alpha val="40000"/>
+                    </a:srgbClr>
+                  </a:glow>
+                </a:effectLst>
+                <a:cs typeface="Times New Roman" pitchFamily="18" charset="0"/>
+              </a:rPr>
+              <a:t/>
             </a:r>
             <a:br>
               <a:rPr lang="ru-RU" sz="1600" b="1" cap="small" dirty="0" smtClean="0">
@@ -10273,7 +10491,24 @@
                 </a:effectLst>
                 <a:cs typeface="Times New Roman" pitchFamily="18" charset="0"/>
               </a:rPr>
-              <a:t>им. Н.И. Лобачевского</a:t>
+              <a:t>им</a:t>
+            </a:r>
+            <a:r>
+              <a:rPr lang="ru-RU" sz="1600" b="1" cap="small" dirty="0" smtClean="0">
+                <a:solidFill>
+                  <a:srgbClr val="FFFFFF"/>
+                </a:solidFill>
+                <a:effectLst>
+                  <a:glow rad="139700">
+                    <a:srgbClr val="000000">
+                      <a:satMod val="175000"/>
+                      <a:alpha val="40000"/>
+                    </a:srgbClr>
+                  </a:glow>
+                </a:effectLst>
+                <a:cs typeface="Times New Roman" pitchFamily="18" charset="0"/>
+              </a:rPr>
+              <a:t>. Н.И. Лобачевского</a:t>
             </a:r>
           </a:p>
           <a:p>
@@ -10372,7 +10607,86 @@
               </a:spcBef>
               <a:defRPr/>
             </a:pPr>
-            <a:endParaRPr lang="en-US" sz="1800" b="1" cap="small" dirty="0" smtClean="0">
+            <a:r>
+              <a:rPr lang="ru-RU" sz="2500" b="1" cap="small" dirty="0" smtClean="0">
+                <a:solidFill>
+                  <a:srgbClr val="FFFFFF"/>
+                </a:solidFill>
+                <a:effectLst>
+                  <a:glow rad="139700">
+                    <a:srgbClr val="000000">
+                      <a:satMod val="175000"/>
+                      <a:alpha val="40000"/>
+                    </a:srgbClr>
+                  </a:glow>
+                </a:effectLst>
+                <a:cs typeface="Times New Roman" pitchFamily="18" charset="0"/>
+              </a:rPr>
+              <a:t>Решение </a:t>
+            </a:r>
+            <a:r>
+              <a:rPr lang="ru-RU" sz="2500" b="1" cap="small" dirty="0" smtClean="0">
+                <a:solidFill>
+                  <a:srgbClr val="FFFFFF"/>
+                </a:solidFill>
+                <a:effectLst>
+                  <a:glow rad="139700">
+                    <a:srgbClr val="000000">
+                      <a:satMod val="175000"/>
+                      <a:alpha val="40000"/>
+                    </a:srgbClr>
+                  </a:glow>
+                </a:effectLst>
+                <a:cs typeface="Times New Roman" pitchFamily="18" charset="0"/>
+              </a:rPr>
+              <a:t>задач глобальной оптимизации </a:t>
+            </a:r>
+          </a:p>
+          <a:p>
+            <a:pPr algn="ctr">
+              <a:spcBef>
+                <a:spcPts val="600"/>
+              </a:spcBef>
+              <a:defRPr/>
+            </a:pPr>
+            <a:r>
+              <a:rPr lang="ru-RU" sz="2500" b="1" cap="small" dirty="0" smtClean="0">
+                <a:solidFill>
+                  <a:srgbClr val="FFFFFF"/>
+                </a:solidFill>
+                <a:effectLst>
+                  <a:glow rad="139700">
+                    <a:srgbClr val="000000">
+                      <a:satMod val="175000"/>
+                      <a:alpha val="40000"/>
+                    </a:srgbClr>
+                  </a:glow>
+                </a:effectLst>
+                <a:cs typeface="Times New Roman" pitchFamily="18" charset="0"/>
+              </a:rPr>
+              <a:t>на графических </a:t>
+            </a:r>
+            <a:r>
+              <a:rPr lang="ru-RU" sz="2500" b="1" cap="small" dirty="0" smtClean="0">
+                <a:solidFill>
+                  <a:srgbClr val="FFFFFF"/>
+                </a:solidFill>
+                <a:effectLst>
+                  <a:glow rad="139700">
+                    <a:srgbClr val="000000">
+                      <a:satMod val="175000"/>
+                      <a:alpha val="40000"/>
+                    </a:srgbClr>
+                  </a:glow>
+                </a:effectLst>
+                <a:cs typeface="Times New Roman" pitchFamily="18" charset="0"/>
+              </a:rPr>
+              <a:t>ускорителях</a:t>
+            </a:r>
+          </a:p>
+          <a:p>
+            <a:pPr algn="ctr"/>
+            <a:endParaRPr lang="ru-RU" sz="1600" b="1" u="sng" cap="small" dirty="0" smtClean="0">
               <a:solidFill>
                 <a:srgbClr val="FFFFFF"/>
               </a:solidFill>
@@ -10388,63 +10702,8 @@
             </a:endParaRPr>
           </a:p>
           <a:p>
-            <a:pPr algn="ctr">
-              <a:spcBef>
-                <a:spcPts val="600"/>
-              </a:spcBef>
-              <a:defRPr/>
-            </a:pPr>
-            <a:r>
-              <a:rPr lang="ru-RU" sz="2500" b="1" cap="small" dirty="0" smtClean="0">
-                <a:solidFill>
-                  <a:srgbClr val="FFFFFF"/>
-                </a:solidFill>
-                <a:effectLst>
-                  <a:glow rad="139700">
-                    <a:srgbClr val="000000">
-                      <a:satMod val="175000"/>
-                      <a:alpha val="40000"/>
-                    </a:srgbClr>
-                  </a:glow>
-                </a:effectLst>
-                <a:cs typeface="Times New Roman" pitchFamily="18" charset="0"/>
-              </a:rPr>
-              <a:t>Решение задач глобальной оптимизации </a:t>
-            </a:r>
-          </a:p>
-          <a:p>
-            <a:pPr algn="ctr">
-              <a:spcBef>
-                <a:spcPts val="600"/>
-              </a:spcBef>
-              <a:defRPr/>
-            </a:pPr>
-            <a:r>
-              <a:rPr lang="ru-RU" sz="2500" b="1" cap="small" dirty="0" smtClean="0">
-                <a:solidFill>
-                  <a:srgbClr val="FFFFFF"/>
-                </a:solidFill>
-                <a:effectLst>
-                  <a:glow rad="139700">
-                    <a:srgbClr val="000000">
-                      <a:satMod val="175000"/>
-                      <a:alpha val="40000"/>
-                    </a:srgbClr>
-                  </a:glow>
-                </a:effectLst>
-                <a:cs typeface="Times New Roman" pitchFamily="18" charset="0"/>
-              </a:rPr>
-              <a:t>на графических ускорителях</a:t>
-            </a:r>
-          </a:p>
-          <a:p>
-            <a:pPr algn="ctr">
-              <a:spcBef>
-                <a:spcPts val="600"/>
-              </a:spcBef>
-              <a:defRPr/>
-            </a:pPr>
-            <a:endParaRPr lang="en-US" sz="2500" b="1" cap="small" dirty="0" smtClean="0">
+            <a:pPr algn="ctr"/>
+            <a:endParaRPr lang="ru-RU" sz="1600" b="1" u="sng" cap="small" dirty="0" smtClean="0">
               <a:solidFill>
                 <a:srgbClr val="FFFFFF"/>
               </a:solidFill>
@@ -10461,6 +10720,210 @@
           </a:p>
           <a:p>
             <a:pPr algn="ctr"/>
+            <a:endParaRPr lang="ru-RU" sz="1600" b="1" u="sng" cap="small" dirty="0" smtClean="0">
+              <a:solidFill>
+                <a:srgbClr val="FFFFFF"/>
+              </a:solidFill>
+              <a:effectLst>
+                <a:glow rad="139700">
+                  <a:srgbClr val="000000">
+                    <a:satMod val="175000"/>
+                    <a:alpha val="40000"/>
+                  </a:srgbClr>
+                </a:glow>
+              </a:effectLst>
+              <a:cs typeface="Times New Roman" pitchFamily="18" charset="0"/>
+            </a:endParaRPr>
+          </a:p>
+          <a:p>
+            <a:pPr algn="ctr"/>
+            <a:endParaRPr lang="ru-RU" sz="1600" b="1" u="sng" cap="small" dirty="0" smtClean="0">
+              <a:solidFill>
+                <a:srgbClr val="FFFFFF"/>
+              </a:solidFill>
+              <a:effectLst>
+                <a:glow rad="139700">
+                  <a:srgbClr val="000000">
+                    <a:satMod val="175000"/>
+                    <a:alpha val="40000"/>
+                  </a:srgbClr>
+                </a:glow>
+              </a:effectLst>
+              <a:cs typeface="Times New Roman" pitchFamily="18" charset="0"/>
+            </a:endParaRPr>
+          </a:p>
+          <a:p>
+            <a:pPr algn="ctr"/>
+            <a:endParaRPr lang="ru-RU" sz="1600" b="1" u="sng" cap="small" dirty="0" smtClean="0">
+              <a:solidFill>
+                <a:srgbClr val="FFFFFF"/>
+              </a:solidFill>
+              <a:effectLst>
+                <a:glow rad="139700">
+                  <a:srgbClr val="000000">
+                    <a:satMod val="175000"/>
+                    <a:alpha val="40000"/>
+                  </a:srgbClr>
+                </a:glow>
+              </a:effectLst>
+              <a:cs typeface="Times New Roman" pitchFamily="18" charset="0"/>
+            </a:endParaRPr>
+          </a:p>
+          <a:p>
+            <a:pPr algn="ctr"/>
+            <a:endParaRPr lang="ru-RU" sz="1600" b="1" u="sng" cap="small" dirty="0" smtClean="0">
+              <a:solidFill>
+                <a:srgbClr val="FFFFFF"/>
+              </a:solidFill>
+              <a:effectLst>
+                <a:glow rad="139700">
+                  <a:srgbClr val="000000">
+                    <a:satMod val="175000"/>
+                    <a:alpha val="40000"/>
+                  </a:srgbClr>
+                </a:glow>
+              </a:effectLst>
+              <a:cs typeface="Times New Roman" pitchFamily="18" charset="0"/>
+            </a:endParaRPr>
+          </a:p>
+          <a:p>
+            <a:pPr algn="ctr"/>
+            <a:endParaRPr lang="ru-RU" sz="1600" b="1" u="sng" cap="small" dirty="0" smtClean="0">
+              <a:solidFill>
+                <a:srgbClr val="FFFFFF"/>
+              </a:solidFill>
+              <a:effectLst>
+                <a:glow rad="139700">
+                  <a:srgbClr val="000000">
+                    <a:satMod val="175000"/>
+                    <a:alpha val="40000"/>
+                  </a:srgbClr>
+                </a:glow>
+              </a:effectLst>
+              <a:cs typeface="Times New Roman" pitchFamily="18" charset="0"/>
+            </a:endParaRPr>
+          </a:p>
+          <a:p>
+            <a:pPr algn="ctr"/>
+            <a:endParaRPr lang="ru-RU" sz="1600" b="1" u="sng" cap="small" dirty="0" smtClean="0">
+              <a:solidFill>
+                <a:srgbClr val="FFFFFF"/>
+              </a:solidFill>
+              <a:effectLst>
+                <a:glow rad="139700">
+                  <a:srgbClr val="000000">
+                    <a:satMod val="175000"/>
+                    <a:alpha val="40000"/>
+                  </a:srgbClr>
+                </a:glow>
+              </a:effectLst>
+              <a:cs typeface="Times New Roman" pitchFamily="18" charset="0"/>
+            </a:endParaRPr>
+          </a:p>
+          <a:p>
+            <a:pPr algn="ctr"/>
+            <a:endParaRPr lang="ru-RU" sz="1600" b="1" u="sng" cap="small" dirty="0" smtClean="0">
+              <a:solidFill>
+                <a:srgbClr val="FFFFFF"/>
+              </a:solidFill>
+              <a:effectLst>
+                <a:glow rad="139700">
+                  <a:srgbClr val="000000">
+                    <a:satMod val="175000"/>
+                    <a:alpha val="40000"/>
+                  </a:srgbClr>
+                </a:glow>
+              </a:effectLst>
+              <a:cs typeface="Times New Roman" pitchFamily="18" charset="0"/>
+            </a:endParaRPr>
+          </a:p>
+          <a:p>
+            <a:pPr algn="ctr"/>
+            <a:endParaRPr lang="ru-RU" sz="1600" b="1" u="sng" cap="small" dirty="0" smtClean="0">
+              <a:solidFill>
+                <a:srgbClr val="FFFFFF"/>
+              </a:solidFill>
+              <a:effectLst>
+                <a:glow rad="139700">
+                  <a:srgbClr val="000000">
+                    <a:satMod val="175000"/>
+                    <a:alpha val="40000"/>
+                  </a:srgbClr>
+                </a:glow>
+              </a:effectLst>
+              <a:cs typeface="Times New Roman" pitchFamily="18" charset="0"/>
+            </a:endParaRPr>
+          </a:p>
+          <a:p>
+            <a:pPr algn="ctr"/>
+            <a:r>
+              <a:rPr lang="ru-RU" sz="1600" b="1" cap="small" dirty="0" smtClean="0">
+                <a:solidFill>
+                  <a:srgbClr val="FFFFFF"/>
+                </a:solidFill>
+                <a:effectLst>
+                  <a:glow rad="139700">
+                    <a:srgbClr val="000000">
+                      <a:satMod val="175000"/>
+                      <a:alpha val="40000"/>
+                    </a:srgbClr>
+                  </a:glow>
+                </a:effectLst>
+                <a:cs typeface="Times New Roman" pitchFamily="18" charset="0"/>
+              </a:rPr>
+              <a:t>К.А. </a:t>
+            </a:r>
+            <a:r>
+              <a:rPr lang="ru-RU" sz="1600" b="1" cap="small" dirty="0" err="1" smtClean="0">
+                <a:solidFill>
+                  <a:srgbClr val="FFFFFF"/>
+                </a:solidFill>
+                <a:effectLst>
+                  <a:glow rad="139700">
+                    <a:srgbClr val="000000">
+                      <a:satMod val="175000"/>
+                      <a:alpha val="40000"/>
+                    </a:srgbClr>
+                  </a:glow>
+                </a:effectLst>
+                <a:cs typeface="Times New Roman" pitchFamily="18" charset="0"/>
+              </a:rPr>
+              <a:t>Баркалов</a:t>
+            </a:r>
+            <a:r>
+              <a:rPr lang="ru-RU" sz="1600" b="1" cap="small" dirty="0" smtClean="0">
+                <a:solidFill>
+                  <a:srgbClr val="FFFFFF"/>
+                </a:solidFill>
+                <a:effectLst>
+                  <a:glow rad="139700">
+                    <a:srgbClr val="000000">
+                      <a:satMod val="175000"/>
+                      <a:alpha val="40000"/>
+                    </a:srgbClr>
+                  </a:glow>
+                </a:effectLst>
+                <a:cs typeface="Times New Roman" pitchFamily="18" charset="0"/>
+              </a:rPr>
+              <a:t>, </a:t>
+            </a:r>
+            <a:r>
+              <a:rPr lang="ru-RU" sz="1600" b="1" cap="small" dirty="0" smtClean="0">
+                <a:solidFill>
+                  <a:srgbClr val="FFFFFF"/>
+                </a:solidFill>
+                <a:effectLst>
+                  <a:glow rad="139700">
+                    <a:srgbClr val="000000">
+                      <a:satMod val="175000"/>
+                      <a:alpha val="40000"/>
+                    </a:srgbClr>
+                  </a:glow>
+                </a:effectLst>
+                <a:cs typeface="Times New Roman" pitchFamily="18" charset="0"/>
+              </a:rPr>
+              <a:t> </a:t>
+            </a:r>
             <a:r>
               <a:rPr lang="ru-RU" sz="1600" b="1" u="sng" cap="small" dirty="0" smtClean="0">
                 <a:solidFill>
@@ -10476,7 +10939,24 @@
                 </a:effectLst>
                 <a:cs typeface="Times New Roman" pitchFamily="18" charset="0"/>
               </a:rPr>
-              <a:t>И.Г. Лебедев</a:t>
+              <a:t>И.Г</a:t>
+            </a:r>
+            <a:r>
+              <a:rPr lang="ru-RU" sz="1600" b="1" u="sng" cap="small" dirty="0" smtClean="0">
+                <a:solidFill>
+                  <a:srgbClr val="FFFFFF"/>
+                </a:solidFill>
+                <a:effectLst>
+                  <a:glow rad="139700">
+                    <a:srgbClr val="000000">
+                      <a:satMod val="175000"/>
+                      <a:alpha val="40000"/>
+                    </a:srgbClr>
+                  </a:glow>
+                </a:effectLst>
+                <a:cs typeface="Times New Roman" pitchFamily="18" charset="0"/>
+              </a:rPr>
+              <a:t>. Лебедев</a:t>
             </a:r>
             <a:endParaRPr lang="en-US" b="1" cap="small" dirty="0">
               <a:solidFill>
@@ -10499,7 +10979,7 @@
     </p:spTree>
     <p:extLst>
       <p:ext uri="{BB962C8B-B14F-4D97-AF65-F5344CB8AC3E}">
-        <p14:creationId xmlns:p14="http://schemas.microsoft.com/office/powerpoint/2010/main" xmlns="" val="396481355"/>
+        <p14:creationId xmlns="" xmlns:p14="http://schemas.microsoft.com/office/powerpoint/2010/main" val="396481355"/>
       </p:ext>
     </p:extLst>
   </p:cSld>
@@ -25645,11 +26125,15 @@
           <a:p>
             <a:r>
               <a:rPr lang="ru-RU" b="1" dirty="0" smtClean="0"/>
-              <a:t>Информационно-статистический подход</a:t>
+              <a:t>Информационно-статистический </a:t>
+            </a:r>
+            <a:r>
+              <a:rPr lang="ru-RU" b="1" dirty="0" smtClean="0"/>
+              <a:t>подход </a:t>
             </a:r>
             <a:r>
               <a:rPr lang="en-US" dirty="0" smtClean="0"/>
-              <a:t>( </a:t>
+              <a:t>(</a:t>
             </a:r>
             <a:r>
               <a:rPr lang="ru-RU" dirty="0" err="1" smtClean="0"/>
@@ -25673,7 +26157,7 @@
             </a:r>
             <a:r>
               <a:rPr lang="en-US" dirty="0" smtClean="0"/>
-              <a:t>) )</a:t>
+              <a:t>))</a:t>
             </a:r>
             <a:endParaRPr lang="ru-RU" dirty="0"/>
           </a:p>
@@ -26738,32 +27222,6 @@
           </a:p>
         </p:txBody>
       </p:sp>
-      <p:pic>
-        <p:nvPicPr>
-          <p:cNvPr id="103431" name="Picture 7" descr="D:\Barkalov\Публикации\2014 JOGO\Revision 2\LaTeX\fig1c.jpg"/>
-          <p:cNvPicPr>
-            <a:picLocks noChangeAspect="1" noChangeArrowheads="1"/>
-          </p:cNvPicPr>
-          <p:nvPr/>
-        </p:nvPicPr>
-        <p:blipFill>
-          <a:blip r:embed="rId4" cstate="print"/>
-          <a:srcRect/>
-          <a:stretch>
-            <a:fillRect/>
-          </a:stretch>
-        </p:blipFill>
-        <p:spPr bwMode="auto">
-          <a:xfrm>
-            <a:off x="6225554" y="836712"/>
-            <a:ext cx="2735164" cy="2735164"/>
-          </a:xfrm>
-          <a:prstGeom prst="rect">
-            <a:avLst/>
-          </a:prstGeom>
-          <a:noFill/>
-        </p:spPr>
-      </p:pic>
       <p:graphicFrame>
         <p:nvGraphicFramePr>
           <p:cNvPr id="274433" name="Object 1"/>
@@ -26778,7 +27236,7 @@
         </p:xfrm>
         <a:graphic>
           <a:graphicData uri="http://schemas.openxmlformats.org/presentationml/2006/ole">
-            <p:oleObj spid="_x0000_s274433" name="Формула" r:id="rId5" imgW="2514600" imgH="279360" progId="Equation.3">
+            <p:oleObj spid="_x0000_s274433" name="Формула" r:id="rId4" imgW="2514600" imgH="279360" progId="Equation.3">
               <p:embed/>
             </p:oleObj>
           </a:graphicData>
@@ -26793,7 +27251,7 @@
           <p:nvPr/>
         </p:nvPicPr>
         <p:blipFill>
-          <a:blip r:embed="rId6"/>
+          <a:blip r:embed="rId5"/>
           <a:stretch>
             <a:fillRect/>
           </a:stretch>
@@ -26810,22 +27268,46 @@
       </p:pic>
       <p:pic>
         <p:nvPicPr>
-          <p:cNvPr id="13" name="Рисунок 12" descr="m3.gif"/>
+          <p:cNvPr id="12" name="Рисунок 11" descr="grishagin9_m3_list.gif"/>
           <p:cNvPicPr>
             <a:picLocks noChangeAspect="1"/>
           </p:cNvPicPr>
           <p:nvPr/>
         </p:nvPicPr>
         <p:blipFill>
-          <a:blip r:embed="rId7" cstate="print"/>
+          <a:blip r:embed="rId6"/>
           <a:stretch>
             <a:fillRect/>
           </a:stretch>
         </p:blipFill>
         <p:spPr>
           <a:xfrm>
-            <a:off x="214282" y="785794"/>
-            <a:ext cx="2786082" cy="2786082"/>
+            <a:off x="6072199" y="642918"/>
+            <a:ext cx="2828926" cy="2828926"/>
+          </a:xfrm>
+          <a:prstGeom prst="rect">
+            <a:avLst/>
+          </a:prstGeom>
+        </p:spPr>
+      </p:pic>
+      <p:pic>
+        <p:nvPicPr>
+          <p:cNvPr id="18" name="Рисунок 17" descr="2rasvertki_m3.gif"/>
+          <p:cNvPicPr>
+            <a:picLocks noChangeAspect="1"/>
+          </p:cNvPicPr>
+          <p:nvPr/>
+        </p:nvPicPr>
+        <p:blipFill>
+          <a:blip r:embed="rId7"/>
+          <a:stretch>
+            <a:fillRect/>
+          </a:stretch>
+        </p:blipFill>
+        <p:spPr>
+          <a:xfrm>
+            <a:off x="214282" y="857232"/>
+            <a:ext cx="2643206" cy="2643206"/>
           </a:xfrm>
           <a:prstGeom prst="rect">
             <a:avLst/>
@@ -32609,6 +33091,280 @@
           <a:chExt cx="0" cy="0"/>
         </a:xfrm>
       </p:grpSpPr>
+      <p:pic>
+        <p:nvPicPr>
+          <p:cNvPr id="4" name="Содержимое 3" descr="grish1_bmrr_0.gif"/>
+          <p:cNvPicPr>
+            <a:picLocks noGrp="1" noChangeAspect="1"/>
+          </p:cNvPicPr>
+          <p:nvPr>
+            <p:ph idx="1"/>
+          </p:nvPr>
+        </p:nvPicPr>
+        <p:blipFill>
+          <a:blip r:embed="rId4"/>
+          <a:stretch>
+            <a:fillRect/>
+          </a:stretch>
+        </p:blipFill>
+        <p:spPr>
+          <a:xfrm>
+            <a:off x="109124" y="1752206"/>
+            <a:ext cx="4320000" cy="4320000"/>
+          </a:xfrm>
+        </p:spPr>
+      </p:pic>
+      <p:sp>
+        <p:nvSpPr>
+          <p:cNvPr id="3" name="Заголовок 2"/>
+          <p:cNvSpPr>
+            <a:spLocks noGrp="1"/>
+          </p:cNvSpPr>
+          <p:nvPr>
+            <p:ph type="title"/>
+          </p:nvPr>
+        </p:nvSpPr>
+        <p:spPr/>
+        <p:txBody>
+          <a:bodyPr/>
+          <a:lstStyle/>
+          <a:p>
+            <a:r>
+              <a:rPr lang="ru-RU" dirty="0" smtClean="0"/>
+              <a:t>Вычислительные эксперименты</a:t>
+            </a:r>
+            <a:endParaRPr lang="ru-RU" dirty="0"/>
+          </a:p>
+        </p:txBody>
+      </p:sp>
+      <p:pic>
+        <p:nvPicPr>
+          <p:cNvPr id="5" name="Рисунок 4" descr="grish1_bmrr_1.gif"/>
+          <p:cNvPicPr>
+            <a:picLocks noChangeAspect="1"/>
+          </p:cNvPicPr>
+          <p:nvPr/>
+        </p:nvPicPr>
+        <p:blipFill>
+          <a:blip r:embed="rId5"/>
+          <a:stretch>
+            <a:fillRect/>
+          </a:stretch>
+        </p:blipFill>
+        <p:spPr>
+          <a:xfrm>
+            <a:off x="4643438" y="1609330"/>
+            <a:ext cx="4320000" cy="4320000"/>
+          </a:xfrm>
+          <a:prstGeom prst="rect">
+            <a:avLst/>
+          </a:prstGeom>
+        </p:spPr>
+      </p:pic>
+      <p:graphicFrame>
+        <p:nvGraphicFramePr>
+          <p:cNvPr id="376833" name="Object 5"/>
+          <p:cNvGraphicFramePr>
+            <a:graphicFrameLocks noChangeAspect="1"/>
+          </p:cNvGraphicFramePr>
+          <p:nvPr/>
+        </p:nvGraphicFramePr>
+        <p:xfrm>
+          <a:off x="4786314" y="785794"/>
+          <a:ext cx="4124325" cy="800100"/>
+        </p:xfrm>
+        <a:graphic>
+          <a:graphicData uri="http://schemas.openxmlformats.org/presentationml/2006/ole">
+            <p:oleObj spid="_x0000_s376833" name="Формула" r:id="rId6" imgW="1638000" imgH="291960" progId="Equation.3">
+              <p:embed/>
+            </p:oleObj>
+          </a:graphicData>
+        </a:graphic>
+      </p:graphicFrame>
+      <p:graphicFrame>
+        <p:nvGraphicFramePr>
+          <p:cNvPr id="376835" name="Object 3"/>
+          <p:cNvGraphicFramePr>
+            <a:graphicFrameLocks noChangeAspect="1"/>
+          </p:cNvGraphicFramePr>
+          <p:nvPr/>
+        </p:nvGraphicFramePr>
+        <p:xfrm>
+          <a:off x="428596" y="785794"/>
+          <a:ext cx="3787513" cy="799200"/>
+        </p:xfrm>
+        <a:graphic>
+          <a:graphicData uri="http://schemas.openxmlformats.org/presentationml/2006/ole">
+            <p:oleObj spid="_x0000_s376835" name="Формула" r:id="rId7" imgW="1384200" imgH="291960" progId="Equation.3">
+              <p:embed/>
+            </p:oleObj>
+          </a:graphicData>
+        </a:graphic>
+      </p:graphicFrame>
+      <p:cxnSp>
+        <p:nvCxnSpPr>
+          <p:cNvPr id="12" name="Прямая со стрелкой 11"/>
+          <p:cNvCxnSpPr/>
+          <p:nvPr/>
+        </p:nvCxnSpPr>
+        <p:spPr>
+          <a:xfrm>
+            <a:off x="4500562" y="2428868"/>
+            <a:ext cx="571504" cy="1588"/>
+          </a:xfrm>
+          <a:prstGeom prst="straightConnector1">
+            <a:avLst/>
+          </a:prstGeom>
+          <a:ln>
+            <a:solidFill>
+              <a:schemeClr val="tx1"/>
+            </a:solidFill>
+            <a:tailEnd type="arrow"/>
+          </a:ln>
+        </p:spPr>
+        <p:style>
+          <a:lnRef idx="1">
+            <a:schemeClr val="accent1"/>
+          </a:lnRef>
+          <a:fillRef idx="0">
+            <a:schemeClr val="accent1"/>
+          </a:fillRef>
+          <a:effectRef idx="0">
+            <a:schemeClr val="accent1"/>
+          </a:effectRef>
+          <a:fontRef idx="minor">
+            <a:schemeClr val="tx1"/>
+          </a:fontRef>
+        </p:style>
+      </p:cxnSp>
+      <p:sp>
+        <p:nvSpPr>
+          <p:cNvPr id="13" name="TextBox 12"/>
+          <p:cNvSpPr txBox="1"/>
+          <p:nvPr/>
+        </p:nvSpPr>
+        <p:spPr>
+          <a:xfrm>
+            <a:off x="4572000" y="1928802"/>
+            <a:ext cx="492443" cy="461665"/>
+          </a:xfrm>
+          <a:prstGeom prst="rect">
+            <a:avLst/>
+          </a:prstGeom>
+          <a:noFill/>
+        </p:spPr>
+        <p:txBody>
+          <a:bodyPr wrap="none" rtlCol="0">
+            <a:spAutoFit/>
+          </a:bodyPr>
+          <a:lstStyle/>
+          <a:p>
+            <a:r>
+              <a:rPr lang="en-US" dirty="0" smtClean="0"/>
+              <a:t>x*</a:t>
+            </a:r>
+            <a:endParaRPr lang="ru-RU" dirty="0"/>
+          </a:p>
+        </p:txBody>
+      </p:sp>
+      <p:cxnSp>
+        <p:nvCxnSpPr>
+          <p:cNvPr id="14" name="Прямая со стрелкой 13"/>
+          <p:cNvCxnSpPr/>
+          <p:nvPr/>
+        </p:nvCxnSpPr>
+        <p:spPr>
+          <a:xfrm rot="10800000">
+            <a:off x="3857620" y="5715016"/>
+            <a:ext cx="1215342" cy="1588"/>
+          </a:xfrm>
+          <a:prstGeom prst="straightConnector1">
+            <a:avLst/>
+          </a:prstGeom>
+          <a:ln>
+            <a:solidFill>
+              <a:schemeClr val="tx1"/>
+            </a:solidFill>
+            <a:tailEnd type="arrow"/>
+          </a:ln>
+        </p:spPr>
+        <p:style>
+          <a:lnRef idx="1">
+            <a:schemeClr val="accent1"/>
+          </a:lnRef>
+          <a:fillRef idx="0">
+            <a:schemeClr val="accent1"/>
+          </a:fillRef>
+          <a:effectRef idx="0">
+            <a:schemeClr val="accent1"/>
+          </a:effectRef>
+          <a:fontRef idx="minor">
+            <a:schemeClr val="tx1"/>
+          </a:fontRef>
+        </p:style>
+      </p:cxnSp>
+      <p:sp>
+        <p:nvSpPr>
+          <p:cNvPr id="16" name="TextBox 15"/>
+          <p:cNvSpPr txBox="1"/>
+          <p:nvPr/>
+        </p:nvSpPr>
+        <p:spPr>
+          <a:xfrm>
+            <a:off x="3857620" y="5143512"/>
+            <a:ext cx="1330814" cy="461665"/>
+          </a:xfrm>
+          <a:prstGeom prst="rect">
+            <a:avLst/>
+          </a:prstGeom>
+          <a:noFill/>
+        </p:spPr>
+        <p:txBody>
+          <a:bodyPr wrap="none" rtlCol="0">
+            <a:spAutoFit/>
+          </a:bodyPr>
+          <a:lstStyle/>
+          <a:p>
+            <a:r>
+              <a:rPr lang="en-US" dirty="0" smtClean="0"/>
+              <a:t>F(x*, y*)</a:t>
+            </a:r>
+            <a:endParaRPr lang="ru-RU" dirty="0"/>
+          </a:p>
+        </p:txBody>
+      </p:sp>
+    </p:spTree>
+  </p:cSld>
+  <p:clrMapOvr>
+    <a:masterClrMapping/>
+  </p:clrMapOvr>
+  <p:timing>
+    <p:tnLst>
+      <p:par>
+        <p:cTn id="1" dur="indefinite" restart="never" nodeType="tmRoot"/>
+      </p:par>
+    </p:tnLst>
+  </p:timing>
+</p:sld>
+</file>
+
+<file path=ppt/slides/slide9.xml><?xml version="1.0" encoding="utf-8"?>
+<p:sld xmlns:a="http://schemas.openxmlformats.org/drawingml/2006/main" xmlns:r="http://schemas.openxmlformats.org/officeDocument/2006/relationships" xmlns:p="http://schemas.openxmlformats.org/presentationml/2006/main">
+  <p:cSld>
+    <p:spTree>
+      <p:nvGrpSpPr>
+        <p:cNvPr id="1" name=""/>
+        <p:cNvGrpSpPr/>
+        <p:nvPr/>
+      </p:nvGrpSpPr>
+      <p:grpSpPr>
+        <a:xfrm>
+          <a:off x="0" y="0"/>
+          <a:ext cx="0" cy="0"/>
+          <a:chOff x="0" y="0"/>
+          <a:chExt cx="0" cy="0"/>
+        </a:xfrm>
+      </p:grpSpPr>
       <p:sp>
         <p:nvSpPr>
           <p:cNvPr id="62" name="Rectangle 25"/>
@@ -34087,280 +34843,6 @@
                 <a:sym typeface="Symbol" pitchFamily="18" charset="2"/>
               </a:rPr>
               <a:t>*</a:t>
-            </a:r>
-            <a:endParaRPr lang="ru-RU" dirty="0"/>
-          </a:p>
-        </p:txBody>
-      </p:sp>
-    </p:spTree>
-  </p:cSld>
-  <p:clrMapOvr>
-    <a:masterClrMapping/>
-  </p:clrMapOvr>
-  <p:timing>
-    <p:tnLst>
-      <p:par>
-        <p:cTn id="1" dur="indefinite" restart="never" nodeType="tmRoot"/>
-      </p:par>
-    </p:tnLst>
-  </p:timing>
-</p:sld>
-</file>
-
-<file path=ppt/slides/slide9.xml><?xml version="1.0" encoding="utf-8"?>
-<p:sld xmlns:a="http://schemas.openxmlformats.org/drawingml/2006/main" xmlns:r="http://schemas.openxmlformats.org/officeDocument/2006/relationships" xmlns:p="http://schemas.openxmlformats.org/presentationml/2006/main">
-  <p:cSld>
-    <p:spTree>
-      <p:nvGrpSpPr>
-        <p:cNvPr id="1" name=""/>
-        <p:cNvGrpSpPr/>
-        <p:nvPr/>
-      </p:nvGrpSpPr>
-      <p:grpSpPr>
-        <a:xfrm>
-          <a:off x="0" y="0"/>
-          <a:ext cx="0" cy="0"/>
-          <a:chOff x="0" y="0"/>
-          <a:chExt cx="0" cy="0"/>
-        </a:xfrm>
-      </p:grpSpPr>
-      <p:pic>
-        <p:nvPicPr>
-          <p:cNvPr id="4" name="Содержимое 3" descr="grish1_bmrr_0.gif"/>
-          <p:cNvPicPr>
-            <a:picLocks noGrp="1" noChangeAspect="1"/>
-          </p:cNvPicPr>
-          <p:nvPr>
-            <p:ph idx="1"/>
-          </p:nvPr>
-        </p:nvPicPr>
-        <p:blipFill>
-          <a:blip r:embed="rId4"/>
-          <a:stretch>
-            <a:fillRect/>
-          </a:stretch>
-        </p:blipFill>
-        <p:spPr>
-          <a:xfrm>
-            <a:off x="109124" y="1752206"/>
-            <a:ext cx="4320000" cy="4320000"/>
-          </a:xfrm>
-        </p:spPr>
-      </p:pic>
-      <p:sp>
-        <p:nvSpPr>
-          <p:cNvPr id="3" name="Заголовок 2"/>
-          <p:cNvSpPr>
-            <a:spLocks noGrp="1"/>
-          </p:cNvSpPr>
-          <p:nvPr>
-            <p:ph type="title"/>
-          </p:nvPr>
-        </p:nvSpPr>
-        <p:spPr/>
-        <p:txBody>
-          <a:bodyPr/>
-          <a:lstStyle/>
-          <a:p>
-            <a:r>
-              <a:rPr lang="ru-RU" dirty="0" smtClean="0"/>
-              <a:t>Вычислительные эксперименты</a:t>
-            </a:r>
-            <a:endParaRPr lang="ru-RU" dirty="0"/>
-          </a:p>
-        </p:txBody>
-      </p:sp>
-      <p:pic>
-        <p:nvPicPr>
-          <p:cNvPr id="5" name="Рисунок 4" descr="grish1_bmrr_1.gif"/>
-          <p:cNvPicPr>
-            <a:picLocks noChangeAspect="1"/>
-          </p:cNvPicPr>
-          <p:nvPr/>
-        </p:nvPicPr>
-        <p:blipFill>
-          <a:blip r:embed="rId5"/>
-          <a:stretch>
-            <a:fillRect/>
-          </a:stretch>
-        </p:blipFill>
-        <p:spPr>
-          <a:xfrm>
-            <a:off x="4643438" y="1609330"/>
-            <a:ext cx="4320000" cy="4320000"/>
-          </a:xfrm>
-          <a:prstGeom prst="rect">
-            <a:avLst/>
-          </a:prstGeom>
-        </p:spPr>
-      </p:pic>
-      <p:graphicFrame>
-        <p:nvGraphicFramePr>
-          <p:cNvPr id="376833" name="Object 5"/>
-          <p:cNvGraphicFramePr>
-            <a:graphicFrameLocks noChangeAspect="1"/>
-          </p:cNvGraphicFramePr>
-          <p:nvPr/>
-        </p:nvGraphicFramePr>
-        <p:xfrm>
-          <a:off x="4786314" y="785794"/>
-          <a:ext cx="4124325" cy="800100"/>
-        </p:xfrm>
-        <a:graphic>
-          <a:graphicData uri="http://schemas.openxmlformats.org/presentationml/2006/ole">
-            <p:oleObj spid="_x0000_s376833" name="Формула" r:id="rId6" imgW="1638000" imgH="291960" progId="Equation.3">
-              <p:embed/>
-            </p:oleObj>
-          </a:graphicData>
-        </a:graphic>
-      </p:graphicFrame>
-      <p:graphicFrame>
-        <p:nvGraphicFramePr>
-          <p:cNvPr id="376835" name="Object 3"/>
-          <p:cNvGraphicFramePr>
-            <a:graphicFrameLocks noChangeAspect="1"/>
-          </p:cNvGraphicFramePr>
-          <p:nvPr/>
-        </p:nvGraphicFramePr>
-        <p:xfrm>
-          <a:off x="428596" y="785794"/>
-          <a:ext cx="3787513" cy="799200"/>
-        </p:xfrm>
-        <a:graphic>
-          <a:graphicData uri="http://schemas.openxmlformats.org/presentationml/2006/ole">
-            <p:oleObj spid="_x0000_s376835" name="Формула" r:id="rId7" imgW="1384200" imgH="291960" progId="Equation.3">
-              <p:embed/>
-            </p:oleObj>
-          </a:graphicData>
-        </a:graphic>
-      </p:graphicFrame>
-      <p:cxnSp>
-        <p:nvCxnSpPr>
-          <p:cNvPr id="12" name="Прямая со стрелкой 11"/>
-          <p:cNvCxnSpPr/>
-          <p:nvPr/>
-        </p:nvCxnSpPr>
-        <p:spPr>
-          <a:xfrm>
-            <a:off x="4500562" y="2428868"/>
-            <a:ext cx="571504" cy="1588"/>
-          </a:xfrm>
-          <a:prstGeom prst="straightConnector1">
-            <a:avLst/>
-          </a:prstGeom>
-          <a:ln>
-            <a:solidFill>
-              <a:schemeClr val="tx1"/>
-            </a:solidFill>
-            <a:tailEnd type="arrow"/>
-          </a:ln>
-        </p:spPr>
-        <p:style>
-          <a:lnRef idx="1">
-            <a:schemeClr val="accent1"/>
-          </a:lnRef>
-          <a:fillRef idx="0">
-            <a:schemeClr val="accent1"/>
-          </a:fillRef>
-          <a:effectRef idx="0">
-            <a:schemeClr val="accent1"/>
-          </a:effectRef>
-          <a:fontRef idx="minor">
-            <a:schemeClr val="tx1"/>
-          </a:fontRef>
-        </p:style>
-      </p:cxnSp>
-      <p:sp>
-        <p:nvSpPr>
-          <p:cNvPr id="13" name="TextBox 12"/>
-          <p:cNvSpPr txBox="1"/>
-          <p:nvPr/>
-        </p:nvSpPr>
-        <p:spPr>
-          <a:xfrm>
-            <a:off x="4572000" y="1928802"/>
-            <a:ext cx="492443" cy="461665"/>
-          </a:xfrm>
-          <a:prstGeom prst="rect">
-            <a:avLst/>
-          </a:prstGeom>
-          <a:noFill/>
-        </p:spPr>
-        <p:txBody>
-          <a:bodyPr wrap="none" rtlCol="0">
-            <a:spAutoFit/>
-          </a:bodyPr>
-          <a:lstStyle/>
-          <a:p>
-            <a:r>
-              <a:rPr lang="en-US" dirty="0" smtClean="0"/>
-              <a:t>x*</a:t>
-            </a:r>
-            <a:endParaRPr lang="ru-RU" dirty="0"/>
-          </a:p>
-        </p:txBody>
-      </p:sp>
-      <p:cxnSp>
-        <p:nvCxnSpPr>
-          <p:cNvPr id="14" name="Прямая со стрелкой 13"/>
-          <p:cNvCxnSpPr/>
-          <p:nvPr/>
-        </p:nvCxnSpPr>
-        <p:spPr>
-          <a:xfrm rot="10800000">
-            <a:off x="3857620" y="5715016"/>
-            <a:ext cx="1215342" cy="1588"/>
-          </a:xfrm>
-          <a:prstGeom prst="straightConnector1">
-            <a:avLst/>
-          </a:prstGeom>
-          <a:ln>
-            <a:solidFill>
-              <a:schemeClr val="tx1"/>
-            </a:solidFill>
-            <a:tailEnd type="arrow"/>
-          </a:ln>
-        </p:spPr>
-        <p:style>
-          <a:lnRef idx="1">
-            <a:schemeClr val="accent1"/>
-          </a:lnRef>
-          <a:fillRef idx="0">
-            <a:schemeClr val="accent1"/>
-          </a:fillRef>
-          <a:effectRef idx="0">
-            <a:schemeClr val="accent1"/>
-          </a:effectRef>
-          <a:fontRef idx="minor">
-            <a:schemeClr val="tx1"/>
-          </a:fontRef>
-        </p:style>
-      </p:cxnSp>
-      <p:sp>
-        <p:nvSpPr>
-          <p:cNvPr id="16" name="TextBox 15"/>
-          <p:cNvSpPr txBox="1"/>
-          <p:nvPr/>
-        </p:nvSpPr>
-        <p:spPr>
-          <a:xfrm>
-            <a:off x="3857620" y="5143512"/>
-            <a:ext cx="1330814" cy="461665"/>
-          </a:xfrm>
-          <a:prstGeom prst="rect">
-            <a:avLst/>
-          </a:prstGeom>
-          <a:noFill/>
-        </p:spPr>
-        <p:txBody>
-          <a:bodyPr wrap="none" rtlCol="0">
-            <a:spAutoFit/>
-          </a:bodyPr>
-          <a:lstStyle/>
-          <a:p>
-            <a:r>
-              <a:rPr lang="en-US" dirty="0" smtClean="0"/>
-              <a:t>F(x*, y*)</a:t>
             </a:r>
             <a:endParaRPr lang="ru-RU" dirty="0"/>
           </a:p>

--- a/2016/RSD/RSD_Lebedev.pptx
+++ b/2016/RSD/RSD_Lebedev.pptx
@@ -381,7 +381,7 @@
             <a:pPr>
               <a:defRPr/>
             </a:pPr>
-            <a:fld id="{EDA5B7E7-20AC-4BC7-BE57-F57F6F28EB3C}" type="slidenum">
+            <a:fld id="{7728E55B-B3D5-4722-ACB8-360D60D2E088}" type="slidenum">
               <a:rPr lang="ru-RU"/>
               <a:pPr>
                 <a:defRPr/>
@@ -521,7 +521,7 @@
       </p:sp>
       <p:sp>
         <p:nvSpPr>
-          <p:cNvPr id="25604" name="Rectangle 4"/>
+          <p:cNvPr id="26628" name="Rectangle 4"/>
           <p:cNvSpPr>
             <a:spLocks noGrp="1" noRot="1" noChangeAspect="1" noChangeArrowheads="1" noTextEdit="1"/>
           </p:cNvSpPr>
@@ -663,7 +663,7 @@
             <a:pPr>
               <a:defRPr/>
             </a:pPr>
-            <a:fld id="{53F5BE84-14A8-45A4-8C8E-094E2F7A2912}" type="slidenum">
+            <a:fld id="{11C777D5-74EC-4780-AA64-479A1B598F72}" type="slidenum">
               <a:rPr lang="ru-RU"/>
               <a:pPr>
                 <a:defRPr/>
@@ -837,7 +837,7 @@
             <a:pPr>
               <a:defRPr/>
             </a:pPr>
-            <a:fld id="{1D7CFA18-42A1-43C3-855A-CC2B55B165AD}" type="slidenum">
+            <a:fld id="{17AC783C-B7DA-4599-8D6B-6BA8A2FFA02F}" type="slidenum">
               <a:rPr lang="ru-RU" smtClean="0">
                 <a:solidFill>
                   <a:srgbClr val="000000"/>
@@ -858,7 +858,7 @@
       </p:sp>
       <p:sp>
         <p:nvSpPr>
-          <p:cNvPr id="26627" name="Rectangle 2"/>
+          <p:cNvPr id="27651" name="Rectangle 2"/>
           <p:cNvSpPr>
             <a:spLocks noGrp="1" noRot="1" noChangeAspect="1" noChangeArrowheads="1" noTextEdit="1"/>
           </p:cNvSpPr>
@@ -872,7 +872,7 @@
       </p:sp>
       <p:sp>
         <p:nvSpPr>
-          <p:cNvPr id="26628" name="Rectangle 3"/>
+          <p:cNvPr id="27652" name="Rectangle 3"/>
           <p:cNvSpPr>
             <a:spLocks noGrp="1" noChangeArrowheads="1"/>
           </p:cNvSpPr>
@@ -902,115 +902,6 @@
 </file>
 
 <file path=ppt/notesSlides/notesSlide10.xml><?xml version="1.0" encoding="utf-8"?>
-<p:notes xmlns:a="http://schemas.openxmlformats.org/drawingml/2006/main" xmlns:r="http://schemas.openxmlformats.org/officeDocument/2006/relationships" xmlns:p="http://schemas.openxmlformats.org/presentationml/2006/main">
-  <p:cSld>
-    <p:spTree>
-      <p:nvGrpSpPr>
-        <p:cNvPr id="1" name=""/>
-        <p:cNvGrpSpPr/>
-        <p:nvPr/>
-      </p:nvGrpSpPr>
-      <p:grpSpPr>
-        <a:xfrm>
-          <a:off x="0" y="0"/>
-          <a:ext cx="0" cy="0"/>
-          <a:chOff x="0" y="0"/>
-          <a:chExt cx="0" cy="0"/>
-        </a:xfrm>
-      </p:grpSpPr>
-      <p:sp>
-        <p:nvSpPr>
-          <p:cNvPr id="35842" name="Образ слайда 1"/>
-          <p:cNvSpPr>
-            <a:spLocks noGrp="1" noRot="1" noChangeAspect="1" noTextEdit="1"/>
-          </p:cNvSpPr>
-          <p:nvPr>
-            <p:ph type="sldImg"/>
-          </p:nvPr>
-        </p:nvSpPr>
-        <p:spPr>
-          <a:ln/>
-        </p:spPr>
-      </p:sp>
-      <p:sp>
-        <p:nvSpPr>
-          <p:cNvPr id="35843" name="Заметки 2"/>
-          <p:cNvSpPr>
-            <a:spLocks noGrp="1"/>
-          </p:cNvSpPr>
-          <p:nvPr>
-            <p:ph type="body" idx="1"/>
-          </p:nvPr>
-        </p:nvSpPr>
-        <p:spPr>
-          <a:noFill/>
-          <a:ln/>
-        </p:spPr>
-        <p:txBody>
-          <a:bodyPr/>
-          <a:lstStyle/>
-          <a:p>
-            <a:r>
-              <a:rPr lang="ru-RU" smtClean="0"/>
-              <a:t>Рассмотрим решение задачи Гришагина как поиск минимума функции </a:t>
-            </a:r>
-            <a:r>
-              <a:rPr lang="en-US" smtClean="0"/>
-              <a:t>F</a:t>
-            </a:r>
-            <a:r>
-              <a:rPr lang="ru-RU" smtClean="0"/>
-              <a:t> от переменных </a:t>
-            </a:r>
-            <a:r>
-              <a:rPr lang="en-US" smtClean="0"/>
-              <a:t>x y</a:t>
-            </a:r>
-            <a:r>
-              <a:rPr lang="ru-RU" smtClean="0"/>
-              <a:t>, применим метод рекурсивной редукции размерности, переменная х будет на верхнем уровне, переменная у на нижнем. Для того чтобы решить задачу нужно найти минимум по переменной х функции ф штрих от х. Где ф штрих это решение задачи поиска минимума ф  по у при фксированном х. На левом рисунке значение функции ф штрих в точках, наименьшее значение и есть искомый минимум, для вычисления каждой точки решаем задачу мнинимизации функции изображенной на правом рисунке, приэтом координата х берется фиксированной.</a:t>
-            </a:r>
-          </a:p>
-        </p:txBody>
-      </p:sp>
-      <p:sp>
-        <p:nvSpPr>
-          <p:cNvPr id="30724" name="Номер слайда 3"/>
-          <p:cNvSpPr>
-            <a:spLocks noGrp="1"/>
-          </p:cNvSpPr>
-          <p:nvPr>
-            <p:ph type="sldNum" sz="quarter" idx="5"/>
-          </p:nvPr>
-        </p:nvSpPr>
-        <p:spPr/>
-        <p:txBody>
-          <a:bodyPr/>
-          <a:lstStyle/>
-          <a:p>
-            <a:pPr>
-              <a:defRPr/>
-            </a:pPr>
-            <a:fld id="{93B7CC3C-0A5B-4BD9-A138-307ADEC477D8}" type="slidenum">
-              <a:rPr lang="ru-RU" smtClean="0"/>
-              <a:pPr>
-                <a:defRPr/>
-              </a:pPr>
-              <a:t>10</a:t>
-            </a:fld>
-            <a:endParaRPr lang="ru-RU" smtClean="0"/>
-          </a:p>
-        </p:txBody>
-      </p:sp>
-    </p:spTree>
-  </p:cSld>
-  <p:clrMapOvr>
-    <a:masterClrMapping/>
-  </p:clrMapOvr>
-</p:notes>
-</file>
-
-<file path=ppt/notesSlides/notesSlide11.xml><?xml version="1.0" encoding="utf-8"?>
 <p:notes xmlns:a="http://schemas.openxmlformats.org/drawingml/2006/main" xmlns:r="http://schemas.openxmlformats.org/officeDocument/2006/relationships" xmlns:p="http://schemas.openxmlformats.org/presentationml/2006/main">
   <p:cSld>
     <p:spTree>
@@ -1061,64 +952,30 @@
           <a:p>
             <a:r>
               <a:rPr lang="ru-RU" smtClean="0"/>
-              <a:t>Рассмотрим более сложную задачу. Пусть имеется 8 переменных, первый блок </a:t>
+              <a:t>Рассмотрим решение задачи Гришагина как поиск минимума функции </a:t>
             </a:r>
             <a:r>
               <a:rPr lang="en-US" smtClean="0"/>
-              <a:t>u1</a:t>
+              <a:t>F</a:t>
             </a:r>
             <a:r>
               <a:rPr lang="ru-RU" smtClean="0"/>
-              <a:t> это переменные с первой по четвертую, второй с пятой по восьмю. Для решения задачи верхнего уровня по переменной </a:t>
+              <a:t> от переменных </a:t>
             </a:r>
             <a:r>
               <a:rPr lang="en-US" smtClean="0"/>
-              <a:t>u1</a:t>
+              <a:t>x y</a:t>
             </a:r>
             <a:r>
               <a:rPr lang="ru-RU" smtClean="0"/>
-              <a:t> используем редукцию размерности с помощью кривой пеано. На нижнем уровне используем два процесса, что соответствует </a:t>
-            </a:r>
-            <a:r>
-              <a:rPr lang="en-US" smtClean="0"/>
-              <a:t>p=2 </a:t>
-            </a:r>
-            <a:r>
-              <a:rPr lang="ru-RU" smtClean="0"/>
-              <a:t>из алгоритма глобального поика. Для проведения испытаний на верхнем уровне необходимо решить задачу минимизации при фиксированном </a:t>
-            </a:r>
-            <a:r>
-              <a:rPr lang="en-US" smtClean="0"/>
-              <a:t>u1</a:t>
-            </a:r>
-            <a:r>
-              <a:rPr lang="ru-RU" smtClean="0"/>
-              <a:t> по переменной </a:t>
-            </a:r>
-            <a:r>
-              <a:rPr lang="en-US" smtClean="0"/>
-              <a:t>u2. </a:t>
-            </a:r>
-          </a:p>
-          <a:p>
-            <a:r>
-              <a:rPr lang="ru-RU" smtClean="0"/>
-              <a:t>В качестве простого и относительно быстрого способа решения задачи малой размерности на </a:t>
-            </a:r>
-            <a:r>
-              <a:rPr lang="en-US" smtClean="0"/>
-              <a:t>GPU</a:t>
-            </a:r>
-            <a:r>
-              <a:rPr lang="ru-RU" smtClean="0"/>
-              <a:t> будем использовать решение задачи на равномерной сетке. Таким образом на верхнем уровне решается медленно вычисляемая задача – решение четырехмерной задачи. А на нижнем уровне рашаем быстровычислимые задачи, но в большом количестве.</a:t>
+              <a:t>, применим метод рекурсивной редукции размерности, переменная х будет на верхнем уровне, переменная у на нижнем. Для того чтобы решить задачу нужно найти минимум по переменной х функции ф штрих от х. Где ф штрих это решение задачи поиска минимума ф  по у при фксированном х. На левом рисунке значение функции ф штрих в точках, наименьшее значение и есть искомый минимум, для вычисления каждой точки решаем задачу мнинимизации функции изображенной на правом рисунке, приэтом координата х берется фиксированной.</a:t>
             </a:r>
           </a:p>
         </p:txBody>
       </p:sp>
       <p:sp>
         <p:nvSpPr>
-          <p:cNvPr id="31748" name="Номер слайда 3"/>
+          <p:cNvPr id="30724" name="Номер слайда 3"/>
           <p:cNvSpPr>
             <a:spLocks noGrp="1"/>
           </p:cNvSpPr>
@@ -1134,12 +991,12 @@
             <a:pPr>
               <a:defRPr/>
             </a:pPr>
-            <a:fld id="{EAAA9196-21F2-4D87-A505-B636DB0DE2BF}" type="slidenum">
+            <a:fld id="{4EFA31D3-5874-480F-AC3D-575D66923252}" type="slidenum">
               <a:rPr lang="ru-RU" smtClean="0"/>
               <a:pPr>
                 <a:defRPr/>
               </a:pPr>
-              <a:t>11</a:t>
+              <a:t>10</a:t>
             </a:fld>
             <a:endParaRPr lang="ru-RU" smtClean="0"/>
           </a:p>
@@ -1153,7 +1010,7 @@
 </p:notes>
 </file>
 
-<file path=ppt/notesSlides/notesSlide12.xml><?xml version="1.0" encoding="utf-8"?>
+<file path=ppt/notesSlides/notesSlide11.xml><?xml version="1.0" encoding="utf-8"?>
 <p:notes xmlns:a="http://schemas.openxmlformats.org/drawingml/2006/main" xmlns:r="http://schemas.openxmlformats.org/officeDocument/2006/relationships" xmlns:p="http://schemas.openxmlformats.org/presentationml/2006/main">
   <p:cSld>
     <p:spTree>
@@ -1203,36 +1060,65 @@
           <a:lstStyle/>
           <a:p>
             <a:r>
-              <a:rPr lang="ru-RU" b="1" smtClean="0"/>
-              <a:t>В качестве тестовых </a:t>
-            </a:r>
-            <a:r>
               <a:rPr lang="ru-RU" smtClean="0"/>
-              <a:t>были выбраны задачи, порождаемые с помощью </a:t>
+              <a:t>Рассмотрим более сложную задачу. Пусть имеется 8 переменных, первый блок </a:t>
             </a:r>
             <a:r>
               <a:rPr lang="en-US" smtClean="0"/>
-              <a:t>GKLS</a:t>
+              <a:t>u1</a:t>
             </a:r>
             <a:r>
               <a:rPr lang="ru-RU" smtClean="0"/>
-              <a:t>-генератора. Данный генератор позволяет получать задачи многоэкстремальной оптимизации с заранее известными свойствами: количеством локальных минимумов, размерами их областей притяжения, точкой глобального минимума, значением функции в ней и т.п. </a:t>
-            </a:r>
-          </a:p>
-          <a:p>
+              <a:t> это переменные с первой по четвертую, второй с пятой по восьмю. Для решения задачи верхнего уровня по переменной </a:t>
+            </a:r>
+            <a:r>
+              <a:rPr lang="en-US" smtClean="0"/>
+              <a:t>u1</a:t>
+            </a:r>
             <a:r>
               <a:rPr lang="ru-RU" smtClean="0"/>
-              <a:t>В экспериментах используется набор из 100 сгенерированных функций, каждая из них имеет десять локальных минимумов.</a:t>
-            </a:r>
-          </a:p>
-          <a:p>
-            <a:endParaRPr lang="ru-RU" smtClean="0"/>
+              <a:t> используем редукцию размерности с помощью кривой пеано. На нижнем уровне используем два процесса, что соответствует </a:t>
+            </a:r>
+            <a:r>
+              <a:rPr lang="en-US" smtClean="0"/>
+              <a:t>p=2 </a:t>
+            </a:r>
+            <a:r>
+              <a:rPr lang="ru-RU" smtClean="0"/>
+              <a:t>из алгоритма глобального поика. Для проведения испытаний на верхнем уровне необходимо решить задачу минимизации при фиксированном </a:t>
+            </a:r>
+            <a:r>
+              <a:rPr lang="en-US" smtClean="0"/>
+              <a:t>u1</a:t>
+            </a:r>
+            <a:r>
+              <a:rPr lang="ru-RU" smtClean="0"/>
+              <a:t> по переменной </a:t>
+            </a:r>
+            <a:r>
+              <a:rPr lang="en-US" smtClean="0"/>
+              <a:t>u2. </a:t>
+            </a:r>
+          </a:p>
+          <a:p>
+            <a:r>
+              <a:rPr lang="ru-RU" smtClean="0"/>
+              <a:t>В качестве простого и относительно быстрого способа решения задачи малой размерности на </a:t>
+            </a:r>
+            <a:r>
+              <a:rPr lang="en-US" smtClean="0"/>
+              <a:t>GPU</a:t>
+            </a:r>
+            <a:r>
+              <a:rPr lang="ru-RU" smtClean="0"/>
+              <a:t> будем использовать решение задачи на равномерной сетке. Таким образом на верхнем уровне решается медленно вычисляемая задача – решение четырехмерной задачи. А на нижнем уровне рашаем быстровычислимые задачи, но в большом количестве.</a:t>
+            </a:r>
           </a:p>
         </p:txBody>
       </p:sp>
       <p:sp>
         <p:nvSpPr>
-          <p:cNvPr id="32772" name="Номер слайда 3"/>
+          <p:cNvPr id="31748" name="Номер слайда 3"/>
           <p:cNvSpPr>
             <a:spLocks noGrp="1"/>
           </p:cNvSpPr>
@@ -1248,12 +1134,12 @@
             <a:pPr>
               <a:defRPr/>
             </a:pPr>
-            <a:fld id="{FE7A84FA-5A60-4077-8497-F353E12D74BD}" type="slidenum">
+            <a:fld id="{0A22C33B-2678-4E09-B6F2-2200090731E9}" type="slidenum">
               <a:rPr lang="ru-RU" smtClean="0"/>
               <a:pPr>
                 <a:defRPr/>
               </a:pPr>
-              <a:t>12</a:t>
+              <a:t>11</a:t>
             </a:fld>
             <a:endParaRPr lang="ru-RU" smtClean="0"/>
           </a:p>
@@ -1267,7 +1153,7 @@
 </p:notes>
 </file>
 
-<file path=ppt/notesSlides/notesSlide13.xml><?xml version="1.0" encoding="utf-8"?>
+<file path=ppt/notesSlides/notesSlide12.xml><?xml version="1.0" encoding="utf-8"?>
 <p:notes xmlns:a="http://schemas.openxmlformats.org/drawingml/2006/main" xmlns:r="http://schemas.openxmlformats.org/officeDocument/2006/relationships" xmlns:p="http://schemas.openxmlformats.org/presentationml/2006/main">
   <p:cSld>
     <p:spTree>
@@ -1316,13 +1202,37 @@
           <a:bodyPr/>
           <a:lstStyle/>
           <a:p>
+            <a:r>
+              <a:rPr lang="ru-RU" b="1" smtClean="0"/>
+              <a:t>В качестве тестовых </a:t>
+            </a:r>
+            <a:r>
+              <a:rPr lang="ru-RU" smtClean="0"/>
+              <a:t>были выбраны задачи, порождаемые с помощью </a:t>
+            </a:r>
+            <a:r>
+              <a:rPr lang="en-US" smtClean="0"/>
+              <a:t>GKLS</a:t>
+            </a:r>
+            <a:r>
+              <a:rPr lang="ru-RU" smtClean="0"/>
+              <a:t>-генератора. Данный генератор позволяет получать задачи многоэкстремальной оптимизации с заранее известными свойствами: количеством локальных минимумов, размерами их областей притяжения, точкой глобального минимума, значением функции в ней и т.п. </a:t>
+            </a:r>
+          </a:p>
+          <a:p>
+            <a:r>
+              <a:rPr lang="ru-RU" smtClean="0"/>
+              <a:t>В экспериментах используется набор из 100 сгенерированных функций, каждая из них имеет десять локальных минимумов.</a:t>
+            </a:r>
+          </a:p>
+          <a:p>
             <a:endParaRPr lang="ru-RU" smtClean="0"/>
           </a:p>
         </p:txBody>
       </p:sp>
       <p:sp>
         <p:nvSpPr>
-          <p:cNvPr id="33796" name="Номер слайда 3"/>
+          <p:cNvPr id="32772" name="Номер слайда 3"/>
           <p:cNvSpPr>
             <a:spLocks noGrp="1"/>
           </p:cNvSpPr>
@@ -1338,12 +1248,12 @@
             <a:pPr>
               <a:defRPr/>
             </a:pPr>
-            <a:fld id="{CAF34041-D509-4365-B3A1-34BE3CC2BAC8}" type="slidenum">
+            <a:fld id="{C1923A63-9B60-4F01-B587-E481A53768C5}" type="slidenum">
               <a:rPr lang="ru-RU" smtClean="0"/>
               <a:pPr>
                 <a:defRPr/>
               </a:pPr>
-              <a:t>13</a:t>
+              <a:t>12</a:t>
             </a:fld>
             <a:endParaRPr lang="ru-RU" smtClean="0"/>
           </a:p>
@@ -1357,7 +1267,7 @@
 </p:notes>
 </file>
 
-<file path=ppt/notesSlides/notesSlide14.xml><?xml version="1.0" encoding="utf-8"?>
+<file path=ppt/notesSlides/notesSlide13.xml><?xml version="1.0" encoding="utf-8"?>
 <p:notes xmlns:a="http://schemas.openxmlformats.org/drawingml/2006/main" xmlns:r="http://schemas.openxmlformats.org/officeDocument/2006/relationships" xmlns:p="http://schemas.openxmlformats.org/presentationml/2006/main">
   <p:cSld>
     <p:spTree>
@@ -1390,7 +1300,7 @@
       </p:sp>
       <p:sp>
         <p:nvSpPr>
-          <p:cNvPr id="3" name="Заметки 2"/>
+          <p:cNvPr id="39939" name="Заметки 2"/>
           <p:cNvSpPr>
             <a:spLocks noGrp="1"/>
           </p:cNvSpPr>
@@ -1398,203 +1308,21 @@
             <p:ph type="body" idx="1"/>
           </p:nvPr>
         </p:nvSpPr>
-        <p:spPr/>
+        <p:spPr>
+          <a:noFill/>
+          <a:ln/>
+        </p:spPr>
         <p:txBody>
-          <a:bodyPr>
-            <a:normAutofit fontScale="92500" lnSpcReduction="20000"/>
-          </a:bodyPr>
+          <a:bodyPr/>
           <a:lstStyle/>
           <a:p>
-            <a:pPr>
-              <a:defRPr/>
-            </a:pPr>
-            <a:r>
-              <a:rPr lang="ru-RU" b="1" dirty="0" smtClean="0"/>
-              <a:t>Приведены результаты</a:t>
-            </a:r>
-            <a:r>
-              <a:rPr lang="ru-RU" dirty="0" smtClean="0"/>
-              <a:t> численного сравнения двух известных последовательных алгоритмов – </a:t>
-            </a:r>
-            <a:r>
-              <a:rPr lang="en-US" dirty="0" smtClean="0"/>
-              <a:t>DIRECT</a:t>
-            </a:r>
-            <a:r>
-              <a:rPr lang="ru-RU" dirty="0" smtClean="0"/>
-              <a:t>, </a:t>
-            </a:r>
-            <a:r>
-              <a:rPr lang="en-US" dirty="0" err="1" smtClean="0"/>
-              <a:t>DIRECT</a:t>
-            </a:r>
-            <a:r>
-              <a:rPr lang="en-US" i="1" dirty="0" err="1" smtClean="0"/>
-              <a:t>l</a:t>
-            </a:r>
-            <a:r>
-              <a:rPr lang="ru-RU" dirty="0" smtClean="0"/>
-              <a:t> </a:t>
-            </a:r>
-            <a:r>
-              <a:rPr lang="ru-RU" i="1" dirty="0" smtClean="0"/>
-              <a:t> </a:t>
-            </a:r>
-            <a:r>
-              <a:rPr lang="ru-RU" dirty="0" smtClean="0"/>
-              <a:t>и алгоритма глобального поиска (АГП) </a:t>
-            </a:r>
-          </a:p>
-          <a:p>
-            <a:pPr>
-              <a:defRPr/>
-            </a:pPr>
-            <a:r>
-              <a:rPr lang="ru-RU" dirty="0" smtClean="0"/>
-              <a:t>Глобальный минимум считался найденным, если алгоритм генерировал точку испытания в </a:t>
-            </a:r>
-            <a:r>
-              <a:rPr lang="en-US" dirty="0" smtClean="0">
-                <a:sym typeface="Symbol"/>
-              </a:rPr>
-              <a:t></a:t>
-            </a:r>
-            <a:r>
-              <a:rPr lang="ru-RU" dirty="0" smtClean="0"/>
-              <a:t>-окрестности глобального минимума. Требуемая точность  </a:t>
-            </a:r>
-            <a:r>
-              <a:rPr lang="ru-RU" dirty="0" err="1" smtClean="0"/>
-              <a:t>епсилон</a:t>
-            </a:r>
-            <a:r>
-              <a:rPr lang="ru-RU" dirty="0" smtClean="0"/>
-              <a:t> одна </a:t>
-            </a:r>
-            <a:r>
-              <a:rPr lang="ru-RU" dirty="0" err="1" smtClean="0"/>
-              <a:t>милилионная</a:t>
-            </a:r>
-            <a:r>
-              <a:rPr lang="ru-RU" dirty="0" smtClean="0"/>
-              <a:t> для четырех мерной задачи, и одна </a:t>
-            </a:r>
-            <a:r>
-              <a:rPr lang="ru-RU" dirty="0" err="1" smtClean="0"/>
-              <a:t>десятимилионная</a:t>
-            </a:r>
-            <a:r>
-              <a:rPr lang="ru-RU" dirty="0" smtClean="0"/>
-              <a:t> для </a:t>
-            </a:r>
-            <a:r>
-              <a:rPr lang="ru-RU" dirty="0" err="1" smtClean="0"/>
-              <a:t>пятимерой</a:t>
-            </a:r>
-            <a:r>
-              <a:rPr lang="ru-RU" dirty="0" smtClean="0"/>
-              <a:t>.</a:t>
-            </a:r>
-          </a:p>
-          <a:p>
-            <a:pPr>
-              <a:defRPr/>
-            </a:pPr>
-            <a:r>
-              <a:rPr lang="ru-RU" dirty="0" smtClean="0"/>
-              <a:t>Выделяется два класса сложности задачи, у простого класса радиус притяжения глобального минимума меньше(0,66), что облегчает его поиск.</a:t>
-            </a:r>
-          </a:p>
-          <a:p>
-            <a:pPr>
-              <a:defRPr/>
-            </a:pPr>
-            <a:r>
-              <a:rPr lang="ru-RU" dirty="0" smtClean="0"/>
-              <a:t>Символ «&gt;» отражает ситуацию, когда не все задачи класса были решены каким-либо методом. Это означает, что алгоритм был остановлен по причине достижения максимально допустимого числа итераций </a:t>
-            </a:r>
-            <a:r>
-              <a:rPr lang="en-US" i="1" dirty="0" err="1" smtClean="0"/>
-              <a:t>K</a:t>
-            </a:r>
-            <a:r>
-              <a:rPr lang="en-US" i="1" baseline="-25000" dirty="0" err="1" smtClean="0"/>
-              <a:t>max</a:t>
-            </a:r>
-            <a:r>
-              <a:rPr lang="ru-RU" dirty="0" smtClean="0"/>
-              <a:t>. В этом случае значение </a:t>
-            </a:r>
-            <a:r>
-              <a:rPr lang="en-US" i="1" dirty="0" err="1" smtClean="0"/>
-              <a:t>K</a:t>
-            </a:r>
-            <a:r>
-              <a:rPr lang="en-US" i="1" baseline="-25000" dirty="0" err="1" smtClean="0"/>
-              <a:t>max</a:t>
-            </a:r>
-            <a:r>
-              <a:rPr lang="ru-RU" dirty="0" smtClean="0"/>
-              <a:t> = 1 000 000. Количество нерешенных задач указано в скобках. Для класса </a:t>
-            </a:r>
-            <a:r>
-              <a:rPr lang="en-US" dirty="0" smtClean="0"/>
-              <a:t>Simple</a:t>
-            </a:r>
-            <a:r>
-              <a:rPr lang="ru-RU" dirty="0" smtClean="0"/>
-              <a:t> выбирался параметр </a:t>
-            </a:r>
-            <a:r>
-              <a:rPr lang="en-US" dirty="0" smtClean="0"/>
-              <a:t>r</a:t>
-            </a:r>
-            <a:r>
-              <a:rPr lang="ru-RU" dirty="0" smtClean="0"/>
-              <a:t>=4.5, для класса </a:t>
-            </a:r>
-            <a:r>
-              <a:rPr lang="en-US" dirty="0" smtClean="0"/>
-              <a:t>Hard </a:t>
-            </a:r>
-            <a:r>
-              <a:rPr lang="ru-RU" dirty="0" smtClean="0">
-                <a:sym typeface="Symbol"/>
-              </a:rPr>
-              <a:t></a:t>
-            </a:r>
-            <a:r>
-              <a:rPr lang="ru-RU" dirty="0" smtClean="0"/>
-              <a:t> </a:t>
-            </a:r>
-            <a:r>
-              <a:rPr lang="en-US" dirty="0" smtClean="0"/>
-              <a:t>r</a:t>
-            </a:r>
-            <a:r>
-              <a:rPr lang="ru-RU" dirty="0" smtClean="0"/>
-              <a:t>=5.6; параметр построения кривой Пеано был фиксированный </a:t>
-            </a:r>
-            <a:r>
-              <a:rPr lang="en-US" dirty="0" smtClean="0"/>
-              <a:t>m =10</a:t>
-            </a:r>
-            <a:r>
-              <a:rPr lang="ru-RU" dirty="0" smtClean="0"/>
-              <a:t> . </a:t>
-            </a:r>
-          </a:p>
-          <a:p>
-            <a:pPr>
-              <a:defRPr/>
-            </a:pPr>
-            <a:endParaRPr lang="ru-RU" dirty="0"/>
+            <a:endParaRPr lang="ru-RU" smtClean="0"/>
           </a:p>
         </p:txBody>
       </p:sp>
       <p:sp>
         <p:nvSpPr>
-          <p:cNvPr id="34820" name="Номер слайда 3"/>
+          <p:cNvPr id="33796" name="Номер слайда 3"/>
           <p:cNvSpPr>
             <a:spLocks noGrp="1"/>
           </p:cNvSpPr>
@@ -1610,12 +1338,12 @@
             <a:pPr>
               <a:defRPr/>
             </a:pPr>
-            <a:fld id="{BC99B07C-F18F-4271-A2BE-120AD9E2E748}" type="slidenum">
+            <a:fld id="{180A1D6A-12DF-4004-88A2-87BE02534376}" type="slidenum">
               <a:rPr lang="ru-RU" smtClean="0"/>
               <a:pPr>
                 <a:defRPr/>
               </a:pPr>
-              <a:t>14</a:t>
+              <a:t>13</a:t>
             </a:fld>
             <a:endParaRPr lang="ru-RU" smtClean="0"/>
           </a:p>
@@ -1629,7 +1357,7 @@
 </p:notes>
 </file>
 
-<file path=ppt/notesSlides/notesSlide15.xml><?xml version="1.0" encoding="utf-8"?>
+<file path=ppt/notesSlides/notesSlide14.xml><?xml version="1.0" encoding="utf-8"?>
 <p:notes xmlns:a="http://schemas.openxmlformats.org/drawingml/2006/main" xmlns:r="http://schemas.openxmlformats.org/officeDocument/2006/relationships" xmlns:p="http://schemas.openxmlformats.org/presentationml/2006/main">
   <p:cSld>
     <p:spTree>
@@ -1662,7 +1390,7 @@
       </p:sp>
       <p:sp>
         <p:nvSpPr>
-          <p:cNvPr id="40963" name="Заметки 2"/>
+          <p:cNvPr id="3" name="Заметки 2"/>
           <p:cNvSpPr>
             <a:spLocks noGrp="1"/>
           </p:cNvSpPr>
@@ -1670,21 +1398,203 @@
             <p:ph type="body" idx="1"/>
           </p:nvPr>
         </p:nvSpPr>
-        <p:spPr>
-          <a:noFill/>
-          <a:ln/>
-        </p:spPr>
+        <p:spPr/>
         <p:txBody>
-          <a:bodyPr/>
+          <a:bodyPr>
+            <a:normAutofit fontScale="92500" lnSpcReduction="20000"/>
+          </a:bodyPr>
           <a:lstStyle/>
           <a:p>
-            <a:endParaRPr lang="ru-RU" smtClean="0"/>
+            <a:pPr>
+              <a:defRPr/>
+            </a:pPr>
+            <a:r>
+              <a:rPr lang="ru-RU" b="1" dirty="0" smtClean="0"/>
+              <a:t>Приведены результаты</a:t>
+            </a:r>
+            <a:r>
+              <a:rPr lang="ru-RU" dirty="0" smtClean="0"/>
+              <a:t> численного сравнения двух известных последовательных алгоритмов – </a:t>
+            </a:r>
+            <a:r>
+              <a:rPr lang="en-US" dirty="0" smtClean="0"/>
+              <a:t>DIRECT</a:t>
+            </a:r>
+            <a:r>
+              <a:rPr lang="ru-RU" dirty="0" smtClean="0"/>
+              <a:t>, </a:t>
+            </a:r>
+            <a:r>
+              <a:rPr lang="en-US" dirty="0" err="1" smtClean="0"/>
+              <a:t>DIRECT</a:t>
+            </a:r>
+            <a:r>
+              <a:rPr lang="en-US" i="1" dirty="0" err="1" smtClean="0"/>
+              <a:t>l</a:t>
+            </a:r>
+            <a:r>
+              <a:rPr lang="ru-RU" dirty="0" smtClean="0"/>
+              <a:t> </a:t>
+            </a:r>
+            <a:r>
+              <a:rPr lang="ru-RU" i="1" dirty="0" smtClean="0"/>
+              <a:t> </a:t>
+            </a:r>
+            <a:r>
+              <a:rPr lang="ru-RU" dirty="0" smtClean="0"/>
+              <a:t>и алгоритма глобального поиска (АГП) </a:t>
+            </a:r>
+          </a:p>
+          <a:p>
+            <a:pPr>
+              <a:defRPr/>
+            </a:pPr>
+            <a:r>
+              <a:rPr lang="ru-RU" dirty="0" smtClean="0"/>
+              <a:t>Глобальный минимум считался найденным, если алгоритм генерировал точку испытания в </a:t>
+            </a:r>
+            <a:r>
+              <a:rPr lang="en-US" dirty="0" smtClean="0">
+                <a:sym typeface="Symbol"/>
+              </a:rPr>
+              <a:t></a:t>
+            </a:r>
+            <a:r>
+              <a:rPr lang="ru-RU" dirty="0" smtClean="0"/>
+              <a:t>-окрестности глобального минимума. Требуемая точность  </a:t>
+            </a:r>
+            <a:r>
+              <a:rPr lang="ru-RU" dirty="0" err="1" smtClean="0"/>
+              <a:t>епсилон</a:t>
+            </a:r>
+            <a:r>
+              <a:rPr lang="ru-RU" dirty="0" smtClean="0"/>
+              <a:t> одна </a:t>
+            </a:r>
+            <a:r>
+              <a:rPr lang="ru-RU" dirty="0" err="1" smtClean="0"/>
+              <a:t>милилионная</a:t>
+            </a:r>
+            <a:r>
+              <a:rPr lang="ru-RU" dirty="0" smtClean="0"/>
+              <a:t> для четырех мерной задачи, и одна </a:t>
+            </a:r>
+            <a:r>
+              <a:rPr lang="ru-RU" dirty="0" err="1" smtClean="0"/>
+              <a:t>десятимилионная</a:t>
+            </a:r>
+            <a:r>
+              <a:rPr lang="ru-RU" dirty="0" smtClean="0"/>
+              <a:t> для </a:t>
+            </a:r>
+            <a:r>
+              <a:rPr lang="ru-RU" dirty="0" err="1" smtClean="0"/>
+              <a:t>пятимерой</a:t>
+            </a:r>
+            <a:r>
+              <a:rPr lang="ru-RU" dirty="0" smtClean="0"/>
+              <a:t>.</a:t>
+            </a:r>
+          </a:p>
+          <a:p>
+            <a:pPr>
+              <a:defRPr/>
+            </a:pPr>
+            <a:r>
+              <a:rPr lang="ru-RU" dirty="0" smtClean="0"/>
+              <a:t>Выделяется два класса сложности задачи, у простого класса радиус притяжения глобального минимума меньше(0,66), что облегчает его поиск.</a:t>
+            </a:r>
+          </a:p>
+          <a:p>
+            <a:pPr>
+              <a:defRPr/>
+            </a:pPr>
+            <a:r>
+              <a:rPr lang="ru-RU" dirty="0" smtClean="0"/>
+              <a:t>Символ «&gt;» отражает ситуацию, когда не все задачи класса были решены каким-либо методом. Это означает, что алгоритм был остановлен по причине достижения максимально допустимого числа итераций </a:t>
+            </a:r>
+            <a:r>
+              <a:rPr lang="en-US" i="1" dirty="0" err="1" smtClean="0"/>
+              <a:t>K</a:t>
+            </a:r>
+            <a:r>
+              <a:rPr lang="en-US" i="1" baseline="-25000" dirty="0" err="1" smtClean="0"/>
+              <a:t>max</a:t>
+            </a:r>
+            <a:r>
+              <a:rPr lang="ru-RU" dirty="0" smtClean="0"/>
+              <a:t>. В этом случае значение </a:t>
+            </a:r>
+            <a:r>
+              <a:rPr lang="en-US" i="1" dirty="0" err="1" smtClean="0"/>
+              <a:t>K</a:t>
+            </a:r>
+            <a:r>
+              <a:rPr lang="en-US" i="1" baseline="-25000" dirty="0" err="1" smtClean="0"/>
+              <a:t>max</a:t>
+            </a:r>
+            <a:r>
+              <a:rPr lang="ru-RU" dirty="0" smtClean="0"/>
+              <a:t> = 1 000 000. Количество нерешенных задач указано в скобках. Для класса </a:t>
+            </a:r>
+            <a:r>
+              <a:rPr lang="en-US" dirty="0" smtClean="0"/>
+              <a:t>Simple</a:t>
+            </a:r>
+            <a:r>
+              <a:rPr lang="ru-RU" dirty="0" smtClean="0"/>
+              <a:t> выбирался параметр </a:t>
+            </a:r>
+            <a:r>
+              <a:rPr lang="en-US" dirty="0" smtClean="0"/>
+              <a:t>r</a:t>
+            </a:r>
+            <a:r>
+              <a:rPr lang="ru-RU" dirty="0" smtClean="0"/>
+              <a:t>=4.5, для класса </a:t>
+            </a:r>
+            <a:r>
+              <a:rPr lang="en-US" dirty="0" smtClean="0"/>
+              <a:t>Hard </a:t>
+            </a:r>
+            <a:r>
+              <a:rPr lang="ru-RU" dirty="0" smtClean="0">
+                <a:sym typeface="Symbol"/>
+              </a:rPr>
+              <a:t></a:t>
+            </a:r>
+            <a:r>
+              <a:rPr lang="ru-RU" dirty="0" smtClean="0"/>
+              <a:t> </a:t>
+            </a:r>
+            <a:r>
+              <a:rPr lang="en-US" dirty="0" smtClean="0"/>
+              <a:t>r</a:t>
+            </a:r>
+            <a:r>
+              <a:rPr lang="ru-RU" dirty="0" smtClean="0"/>
+              <a:t>=5.6; параметр построения кривой Пеано был фиксированный </a:t>
+            </a:r>
+            <a:r>
+              <a:rPr lang="en-US" dirty="0" smtClean="0"/>
+              <a:t>m =10</a:t>
+            </a:r>
+            <a:r>
+              <a:rPr lang="ru-RU" dirty="0" smtClean="0"/>
+              <a:t> . </a:t>
+            </a:r>
+          </a:p>
+          <a:p>
+            <a:pPr>
+              <a:defRPr/>
+            </a:pPr>
+            <a:endParaRPr lang="ru-RU" dirty="0"/>
           </a:p>
         </p:txBody>
       </p:sp>
       <p:sp>
         <p:nvSpPr>
-          <p:cNvPr id="35844" name="Номер слайда 3"/>
+          <p:cNvPr id="34820" name="Номер слайда 3"/>
           <p:cNvSpPr>
             <a:spLocks noGrp="1"/>
           </p:cNvSpPr>
@@ -1700,12 +1610,12 @@
             <a:pPr>
               <a:defRPr/>
             </a:pPr>
-            <a:fld id="{54CEE2BA-1751-4044-8AD8-25E80DC3E7FA}" type="slidenum">
+            <a:fld id="{BB4ECEF5-38DC-4C6D-94C4-7DE943D040C2}" type="slidenum">
               <a:rPr lang="ru-RU" smtClean="0"/>
               <a:pPr>
                 <a:defRPr/>
               </a:pPr>
-              <a:t>15</a:t>
+              <a:t>14</a:t>
             </a:fld>
             <a:endParaRPr lang="ru-RU" smtClean="0"/>
           </a:p>
@@ -1719,7 +1629,7 @@
 </p:notes>
 </file>
 
-<file path=ppt/notesSlides/notesSlide16.xml><?xml version="1.0" encoding="utf-8"?>
+<file path=ppt/notesSlides/notesSlide15.xml><?xml version="1.0" encoding="utf-8"?>
 <p:notes xmlns:a="http://schemas.openxmlformats.org/drawingml/2006/main" xmlns:r="http://schemas.openxmlformats.org/officeDocument/2006/relationships" xmlns:p="http://schemas.openxmlformats.org/presentationml/2006/main">
   <p:cSld>
     <p:spTree>
@@ -1774,7 +1684,7 @@
       </p:sp>
       <p:sp>
         <p:nvSpPr>
-          <p:cNvPr id="36868" name="Номер слайда 3"/>
+          <p:cNvPr id="35844" name="Номер слайда 3"/>
           <p:cNvSpPr>
             <a:spLocks noGrp="1"/>
           </p:cNvSpPr>
@@ -1790,12 +1700,12 @@
             <a:pPr>
               <a:defRPr/>
             </a:pPr>
-            <a:fld id="{78D63B86-5BD3-4515-AF45-4B2354668960}" type="slidenum">
+            <a:fld id="{8D6BB8AB-285B-4616-B5D9-D12DA18049BC}" type="slidenum">
               <a:rPr lang="ru-RU" smtClean="0"/>
               <a:pPr>
                 <a:defRPr/>
               </a:pPr>
-              <a:t>16</a:t>
+              <a:t>15</a:t>
             </a:fld>
             <a:endParaRPr lang="ru-RU" smtClean="0"/>
           </a:p>
@@ -1809,7 +1719,7 @@
 </p:notes>
 </file>
 
-<file path=ppt/notesSlides/notesSlide17.xml><?xml version="1.0" encoding="utf-8"?>
+<file path=ppt/notesSlides/notesSlide16.xml><?xml version="1.0" encoding="utf-8"?>
 <p:notes xmlns:a="http://schemas.openxmlformats.org/drawingml/2006/main" xmlns:r="http://schemas.openxmlformats.org/officeDocument/2006/relationships" xmlns:p="http://schemas.openxmlformats.org/presentationml/2006/main">
   <p:cSld>
     <p:spTree>
@@ -1864,7 +1774,7 @@
       </p:sp>
       <p:sp>
         <p:nvSpPr>
-          <p:cNvPr id="37892" name="Номер слайда 3"/>
+          <p:cNvPr id="36868" name="Номер слайда 3"/>
           <p:cNvSpPr>
             <a:spLocks noGrp="1"/>
           </p:cNvSpPr>
@@ -1880,12 +1790,12 @@
             <a:pPr>
               <a:defRPr/>
             </a:pPr>
-            <a:fld id="{686FB117-D3A5-44C9-9C31-9D1BD90FDC8E}" type="slidenum">
+            <a:fld id="{1E792062-3CF1-48E9-8243-DA293675563E}" type="slidenum">
               <a:rPr lang="ru-RU" smtClean="0"/>
               <a:pPr>
                 <a:defRPr/>
               </a:pPr>
-              <a:t>17</a:t>
+              <a:t>16</a:t>
             </a:fld>
             <a:endParaRPr lang="ru-RU" smtClean="0"/>
           </a:p>
@@ -1899,7 +1809,7 @@
 </p:notes>
 </file>
 
-<file path=ppt/notesSlides/notesSlide18.xml><?xml version="1.0" encoding="utf-8"?>
+<file path=ppt/notesSlides/notesSlide17.xml><?xml version="1.0" encoding="utf-8"?>
 <p:notes xmlns:a="http://schemas.openxmlformats.org/drawingml/2006/main" xmlns:r="http://schemas.openxmlformats.org/officeDocument/2006/relationships" xmlns:p="http://schemas.openxmlformats.org/presentationml/2006/main">
   <p:cSld>
     <p:spTree>
@@ -1954,7 +1864,7 @@
       </p:sp>
       <p:sp>
         <p:nvSpPr>
-          <p:cNvPr id="38916" name="Номер слайда 3"/>
+          <p:cNvPr id="37892" name="Номер слайда 3"/>
           <p:cNvSpPr>
             <a:spLocks noGrp="1"/>
           </p:cNvSpPr>
@@ -1970,12 +1880,12 @@
             <a:pPr>
               <a:defRPr/>
             </a:pPr>
-            <a:fld id="{2CA9EC35-B466-40D3-8CD1-4F55DA1236AC}" type="slidenum">
+            <a:fld id="{9F5F7C73-55A3-42D6-8151-47E6BC32ABB6}" type="slidenum">
               <a:rPr lang="ru-RU" smtClean="0"/>
               <a:pPr>
                 <a:defRPr/>
               </a:pPr>
-              <a:t>18</a:t>
+              <a:t>17</a:t>
             </a:fld>
             <a:endParaRPr lang="ru-RU" smtClean="0"/>
           </a:p>
@@ -1989,7 +1899,7 @@
 </p:notes>
 </file>
 
-<file path=ppt/notesSlides/notesSlide19.xml><?xml version="1.0" encoding="utf-8"?>
+<file path=ppt/notesSlides/notesSlide18.xml><?xml version="1.0" encoding="utf-8"?>
 <p:notes xmlns:a="http://schemas.openxmlformats.org/drawingml/2006/main" xmlns:r="http://schemas.openxmlformats.org/officeDocument/2006/relationships" xmlns:p="http://schemas.openxmlformats.org/presentationml/2006/main">
   <p:cSld>
     <p:spTree>
@@ -2044,7 +1954,7 @@
       </p:sp>
       <p:sp>
         <p:nvSpPr>
-          <p:cNvPr id="39940" name="Номер слайда 3"/>
+          <p:cNvPr id="38916" name="Номер слайда 3"/>
           <p:cNvSpPr>
             <a:spLocks noGrp="1"/>
           </p:cNvSpPr>
@@ -2060,12 +1970,12 @@
             <a:pPr>
               <a:defRPr/>
             </a:pPr>
-            <a:fld id="{53E6518E-B65F-4F0C-9CA3-B3CF5822F63A}" type="slidenum">
+            <a:fld id="{55A1B9A6-4355-4ADB-A20D-B57F27156B51}" type="slidenum">
               <a:rPr lang="ru-RU" smtClean="0"/>
               <a:pPr>
                 <a:defRPr/>
               </a:pPr>
-              <a:t>19</a:t>
+              <a:t>18</a:t>
             </a:fld>
             <a:endParaRPr lang="ru-RU" smtClean="0"/>
           </a:p>
@@ -2079,98 +1989,7 @@
 </p:notes>
 </file>
 
-<file path=ppt/notesSlides/notesSlide2.xml><?xml version="1.0" encoding="utf-8"?>
-<p:notes xmlns:a="http://schemas.openxmlformats.org/drawingml/2006/main" xmlns:r="http://schemas.openxmlformats.org/officeDocument/2006/relationships" xmlns:p="http://schemas.openxmlformats.org/presentationml/2006/main">
-  <p:cSld>
-    <p:spTree>
-      <p:nvGrpSpPr>
-        <p:cNvPr id="1" name=""/>
-        <p:cNvGrpSpPr/>
-        <p:nvPr/>
-      </p:nvGrpSpPr>
-      <p:grpSpPr>
-        <a:xfrm>
-          <a:off x="0" y="0"/>
-          <a:ext cx="0" cy="0"/>
-          <a:chOff x="0" y="0"/>
-          <a:chExt cx="0" cy="0"/>
-        </a:xfrm>
-      </p:grpSpPr>
-      <p:sp>
-        <p:nvSpPr>
-          <p:cNvPr id="69634" name="Rectangle 7"/>
-          <p:cNvSpPr>
-            <a:spLocks noGrp="1" noChangeArrowheads="1"/>
-          </p:cNvSpPr>
-          <p:nvPr>
-            <p:ph type="sldNum" sz="quarter" idx="5"/>
-          </p:nvPr>
-        </p:nvSpPr>
-        <p:spPr/>
-        <p:txBody>
-          <a:bodyPr/>
-          <a:lstStyle/>
-          <a:p>
-            <a:pPr>
-              <a:defRPr/>
-            </a:pPr>
-            <a:fld id="{F0035404-CCD9-457A-9B06-EF4FA1CA1D3D}" type="slidenum">
-              <a:rPr lang="ru-RU" smtClean="0"/>
-              <a:pPr>
-                <a:defRPr/>
-              </a:pPr>
-              <a:t>2</a:t>
-            </a:fld>
-            <a:endParaRPr lang="ru-RU" smtClean="0"/>
-          </a:p>
-        </p:txBody>
-      </p:sp>
-      <p:sp>
-        <p:nvSpPr>
-          <p:cNvPr id="27651" name="Rectangle 2"/>
-          <p:cNvSpPr>
-            <a:spLocks noGrp="1" noRot="1" noChangeAspect="1" noChangeArrowheads="1" noTextEdit="1"/>
-          </p:cNvSpPr>
-          <p:nvPr>
-            <p:ph type="sldImg"/>
-          </p:nvPr>
-        </p:nvSpPr>
-        <p:spPr>
-          <a:ln/>
-        </p:spPr>
-      </p:sp>
-      <p:sp>
-        <p:nvSpPr>
-          <p:cNvPr id="27652" name="Rectangle 3"/>
-          <p:cNvSpPr>
-            <a:spLocks noGrp="1" noChangeArrowheads="1"/>
-          </p:cNvSpPr>
-          <p:nvPr>
-            <p:ph type="body" idx="1"/>
-          </p:nvPr>
-        </p:nvSpPr>
-        <p:spPr>
-          <a:noFill/>
-          <a:ln/>
-        </p:spPr>
-        <p:txBody>
-          <a:bodyPr/>
-          <a:lstStyle/>
-          <a:p>
-            <a:pPr eaLnBrk="1" hangingPunct="1"/>
-            <a:endParaRPr lang="ru-RU" smtClean="0"/>
-          </a:p>
-        </p:txBody>
-      </p:sp>
-    </p:spTree>
-  </p:cSld>
-  <p:clrMapOvr>
-    <a:masterClrMapping/>
-  </p:clrMapOvr>
-</p:notes>
-</file>
-
-<file path=ppt/notesSlides/notesSlide20.xml><?xml version="1.0" encoding="utf-8"?>
+<file path=ppt/notesSlides/notesSlide19.xml><?xml version="1.0" encoding="utf-8"?>
 <p:notes xmlns:a="http://schemas.openxmlformats.org/drawingml/2006/main" xmlns:r="http://schemas.openxmlformats.org/officeDocument/2006/relationships" xmlns:p="http://schemas.openxmlformats.org/presentationml/2006/main">
   <p:cSld>
     <p:spTree>
@@ -2241,7 +2060,188 @@
             <a:pPr>
               <a:defRPr/>
             </a:pPr>
-            <a:fld id="{E803AC01-DDEB-4336-95B2-31F4EE028A80}" type="slidenum">
+            <a:fld id="{7AA49CF3-5007-4BA7-ABEA-D0166D6A349A}" type="slidenum">
+              <a:rPr lang="ru-RU" smtClean="0"/>
+              <a:pPr>
+                <a:defRPr/>
+              </a:pPr>
+              <a:t>19</a:t>
+            </a:fld>
+            <a:endParaRPr lang="ru-RU" smtClean="0"/>
+          </a:p>
+        </p:txBody>
+      </p:sp>
+    </p:spTree>
+  </p:cSld>
+  <p:clrMapOvr>
+    <a:masterClrMapping/>
+  </p:clrMapOvr>
+</p:notes>
+</file>
+
+<file path=ppt/notesSlides/notesSlide2.xml><?xml version="1.0" encoding="utf-8"?>
+<p:notes xmlns:a="http://schemas.openxmlformats.org/drawingml/2006/main" xmlns:r="http://schemas.openxmlformats.org/officeDocument/2006/relationships" xmlns:p="http://schemas.openxmlformats.org/presentationml/2006/main">
+  <p:cSld>
+    <p:spTree>
+      <p:nvGrpSpPr>
+        <p:cNvPr id="1" name=""/>
+        <p:cNvGrpSpPr/>
+        <p:nvPr/>
+      </p:nvGrpSpPr>
+      <p:grpSpPr>
+        <a:xfrm>
+          <a:off x="0" y="0"/>
+          <a:ext cx="0" cy="0"/>
+          <a:chOff x="0" y="0"/>
+          <a:chExt cx="0" cy="0"/>
+        </a:xfrm>
+      </p:grpSpPr>
+      <p:sp>
+        <p:nvSpPr>
+          <p:cNvPr id="69634" name="Rectangle 7"/>
+          <p:cNvSpPr>
+            <a:spLocks noGrp="1" noChangeArrowheads="1"/>
+          </p:cNvSpPr>
+          <p:nvPr>
+            <p:ph type="sldNum" sz="quarter" idx="5"/>
+          </p:nvPr>
+        </p:nvSpPr>
+        <p:spPr/>
+        <p:txBody>
+          <a:bodyPr/>
+          <a:lstStyle/>
+          <a:p>
+            <a:pPr>
+              <a:defRPr/>
+            </a:pPr>
+            <a:fld id="{75B62250-0CE3-4503-B3E9-36E782F4D5C3}" type="slidenum">
+              <a:rPr lang="ru-RU" smtClean="0"/>
+              <a:pPr>
+                <a:defRPr/>
+              </a:pPr>
+              <a:t>2</a:t>
+            </a:fld>
+            <a:endParaRPr lang="ru-RU" smtClean="0"/>
+          </a:p>
+        </p:txBody>
+      </p:sp>
+      <p:sp>
+        <p:nvSpPr>
+          <p:cNvPr id="28675" name="Rectangle 2"/>
+          <p:cNvSpPr>
+            <a:spLocks noGrp="1" noRot="1" noChangeAspect="1" noChangeArrowheads="1" noTextEdit="1"/>
+          </p:cNvSpPr>
+          <p:nvPr>
+            <p:ph type="sldImg"/>
+          </p:nvPr>
+        </p:nvSpPr>
+        <p:spPr>
+          <a:ln/>
+        </p:spPr>
+      </p:sp>
+      <p:sp>
+        <p:nvSpPr>
+          <p:cNvPr id="28676" name="Rectangle 3"/>
+          <p:cNvSpPr>
+            <a:spLocks noGrp="1" noChangeArrowheads="1"/>
+          </p:cNvSpPr>
+          <p:nvPr>
+            <p:ph type="body" idx="1"/>
+          </p:nvPr>
+        </p:nvSpPr>
+        <p:spPr>
+          <a:noFill/>
+          <a:ln/>
+        </p:spPr>
+        <p:txBody>
+          <a:bodyPr/>
+          <a:lstStyle/>
+          <a:p>
+            <a:pPr eaLnBrk="1" hangingPunct="1"/>
+            <a:endParaRPr lang="ru-RU" smtClean="0"/>
+          </a:p>
+        </p:txBody>
+      </p:sp>
+    </p:spTree>
+  </p:cSld>
+  <p:clrMapOvr>
+    <a:masterClrMapping/>
+  </p:clrMapOvr>
+</p:notes>
+</file>
+
+<file path=ppt/notesSlides/notesSlide20.xml><?xml version="1.0" encoding="utf-8"?>
+<p:notes xmlns:a="http://schemas.openxmlformats.org/drawingml/2006/main" xmlns:r="http://schemas.openxmlformats.org/officeDocument/2006/relationships" xmlns:p="http://schemas.openxmlformats.org/presentationml/2006/main">
+  <p:cSld>
+    <p:spTree>
+      <p:nvGrpSpPr>
+        <p:cNvPr id="1" name=""/>
+        <p:cNvGrpSpPr/>
+        <p:nvPr/>
+      </p:nvGrpSpPr>
+      <p:grpSpPr>
+        <a:xfrm>
+          <a:off x="0" y="0"/>
+          <a:ext cx="0" cy="0"/>
+          <a:chOff x="0" y="0"/>
+          <a:chExt cx="0" cy="0"/>
+        </a:xfrm>
+      </p:grpSpPr>
+      <p:sp>
+        <p:nvSpPr>
+          <p:cNvPr id="47106" name="Образ слайда 1"/>
+          <p:cNvSpPr>
+            <a:spLocks noGrp="1" noRot="1" noChangeAspect="1" noTextEdit="1"/>
+          </p:cNvSpPr>
+          <p:nvPr>
+            <p:ph type="sldImg"/>
+          </p:nvPr>
+        </p:nvSpPr>
+        <p:spPr>
+          <a:ln/>
+        </p:spPr>
+      </p:sp>
+      <p:sp>
+        <p:nvSpPr>
+          <p:cNvPr id="47107" name="Заметки 2"/>
+          <p:cNvSpPr>
+            <a:spLocks noGrp="1"/>
+          </p:cNvSpPr>
+          <p:nvPr>
+            <p:ph type="body" idx="1"/>
+          </p:nvPr>
+        </p:nvSpPr>
+        <p:spPr>
+          <a:noFill/>
+          <a:ln/>
+        </p:spPr>
+        <p:txBody>
+          <a:bodyPr/>
+          <a:lstStyle/>
+          <a:p>
+            <a:endParaRPr lang="ru-RU" smtClean="0"/>
+          </a:p>
+        </p:txBody>
+      </p:sp>
+      <p:sp>
+        <p:nvSpPr>
+          <p:cNvPr id="39940" name="Номер слайда 3"/>
+          <p:cNvSpPr>
+            <a:spLocks noGrp="1"/>
+          </p:cNvSpPr>
+          <p:nvPr>
+            <p:ph type="sldNum" sz="quarter" idx="5"/>
+          </p:nvPr>
+        </p:nvSpPr>
+        <p:spPr/>
+        <p:txBody>
+          <a:bodyPr/>
+          <a:lstStyle/>
+          <a:p>
+            <a:pPr>
+              <a:defRPr/>
+            </a:pPr>
+            <a:fld id="{98DF7C70-C0E9-4C2B-ADE3-F5A1933E8F21}" type="slidenum">
               <a:rPr lang="ru-RU" smtClean="0"/>
               <a:pPr>
                 <a:defRPr/>
@@ -2295,7 +2295,7 @@
             <a:pPr>
               <a:defRPr/>
             </a:pPr>
-            <a:fld id="{91039B43-6AD0-488E-BE8C-FDFB76342DD6}" type="slidenum">
+            <a:fld id="{67801CA2-5558-4053-A6D9-F2BE06504F96}" type="slidenum">
               <a:rPr lang="ru-RU" smtClean="0"/>
               <a:pPr>
                 <a:defRPr/>
@@ -2308,7 +2308,7 @@
       </p:sp>
       <p:sp>
         <p:nvSpPr>
-          <p:cNvPr id="47107" name="Rectangle 2"/>
+          <p:cNvPr id="48131" name="Rectangle 2"/>
           <p:cNvSpPr>
             <a:spLocks noGrp="1" noRot="1" noChangeAspect="1" noChangeArrowheads="1" noTextEdit="1"/>
           </p:cNvSpPr>
@@ -2322,7 +2322,7 @@
       </p:sp>
       <p:sp>
         <p:nvSpPr>
-          <p:cNvPr id="47108" name="Rectangle 3"/>
+          <p:cNvPr id="48132" name="Rectangle 3"/>
           <p:cNvSpPr>
             <a:spLocks noGrp="1" noChangeArrowheads="1"/>
           </p:cNvSpPr>
@@ -2404,7 +2404,7 @@
           <a:bodyPr/>
           <a:lstStyle/>
           <a:p>
-            <a:endParaRPr lang="ru-RU" sz="2400" dirty="0" smtClean="0"/>
+            <a:endParaRPr lang="ru-RU" sz="2400" smtClean="0"/>
           </a:p>
         </p:txBody>
       </p:sp>
@@ -2426,7 +2426,7 @@
             <a:pPr>
               <a:defRPr/>
             </a:pPr>
-            <a:fld id="{73CA457E-97D3-491B-9C91-3AEE2F643909}" type="slidenum">
+            <a:fld id="{5DA2AA8C-65C5-43B3-95F9-74EDB74165B6}" type="slidenum">
               <a:rPr lang="ru-RU" smtClean="0"/>
               <a:pPr>
                 <a:defRPr/>
@@ -2446,230 +2446,6 @@
 </file>
 
 <file path=ppt/notesSlides/notesSlide4.xml><?xml version="1.0" encoding="utf-8"?>
-<p:notes xmlns:a="http://schemas.openxmlformats.org/drawingml/2006/main" xmlns:r="http://schemas.openxmlformats.org/officeDocument/2006/relationships" xmlns:p="http://schemas.openxmlformats.org/presentationml/2006/main">
-  <p:cSld>
-    <p:spTree>
-      <p:nvGrpSpPr>
-        <p:cNvPr id="1" name=""/>
-        <p:cNvGrpSpPr/>
-        <p:nvPr/>
-      </p:nvGrpSpPr>
-      <p:grpSpPr>
-        <a:xfrm>
-          <a:off x="0" y="0"/>
-          <a:ext cx="0" cy="0"/>
-          <a:chOff x="0" y="0"/>
-          <a:chExt cx="0" cy="0"/>
-        </a:xfrm>
-      </p:grpSpPr>
-      <p:sp>
-        <p:nvSpPr>
-          <p:cNvPr id="29698" name="Образ слайда 1"/>
-          <p:cNvSpPr>
-            <a:spLocks noGrp="1" noRot="1" noChangeAspect="1" noTextEdit="1"/>
-          </p:cNvSpPr>
-          <p:nvPr>
-            <p:ph type="sldImg"/>
-          </p:nvPr>
-        </p:nvSpPr>
-        <p:spPr>
-          <a:ln/>
-        </p:spPr>
-      </p:sp>
-      <p:sp>
-        <p:nvSpPr>
-          <p:cNvPr id="29699" name="Заметки 2"/>
-          <p:cNvSpPr>
-            <a:spLocks noGrp="1"/>
-          </p:cNvSpPr>
-          <p:nvPr>
-            <p:ph type="body" idx="1"/>
-          </p:nvPr>
-        </p:nvSpPr>
-        <p:spPr>
-          <a:noFill/>
-          <a:ln/>
-        </p:spPr>
-        <p:txBody>
-          <a:bodyPr/>
-          <a:lstStyle/>
-          <a:p>
-            <a:r>
-              <a:rPr lang="ru-RU" sz="2400" b="1" smtClean="0"/>
-              <a:t>Задача</a:t>
-            </a:r>
-            <a:r>
-              <a:rPr lang="ru-RU" sz="2400" smtClean="0"/>
-              <a:t> многомерной многоэкстремальной оптимизации может быть определена как проблема поиска наименьшего значения действительной функции </a:t>
-            </a:r>
-            <a:r>
-              <a:rPr lang="ru-RU" sz="2400" i="1" smtClean="0">
-                <a:sym typeface="Symbol" pitchFamily="18" charset="2"/>
-              </a:rPr>
-              <a:t></a:t>
-            </a:r>
-            <a:r>
-              <a:rPr lang="ru-RU" sz="2400" smtClean="0"/>
-              <a:t>(</a:t>
-            </a:r>
-            <a:r>
-              <a:rPr lang="en-US" sz="2400" i="1" smtClean="0"/>
-              <a:t>y</a:t>
-            </a:r>
-            <a:r>
-              <a:rPr lang="ru-RU" sz="2400" smtClean="0"/>
-              <a:t>) в н-мерном пространстве,</a:t>
-            </a:r>
-            <a:r>
-              <a:rPr lang="en-US" sz="2400" smtClean="0"/>
-              <a:t> </a:t>
-            </a:r>
-            <a:r>
-              <a:rPr lang="ru-RU" sz="2400" smtClean="0"/>
-              <a:t>где </a:t>
-            </a:r>
-            <a:r>
-              <a:rPr lang="ru-RU" sz="2400" i="1" smtClean="0"/>
-              <a:t>a</a:t>
-            </a:r>
-            <a:r>
-              <a:rPr lang="ru-RU" sz="2400" smtClean="0"/>
-              <a:t>,</a:t>
-            </a:r>
-            <a:r>
-              <a:rPr lang="ru-RU" sz="2400" i="1" smtClean="0"/>
-              <a:t>b</a:t>
-            </a:r>
-            <a:r>
-              <a:rPr lang="ru-RU" sz="2400" smtClean="0">
-                <a:sym typeface="Symbol" pitchFamily="18" charset="2"/>
-              </a:rPr>
-              <a:t></a:t>
-            </a:r>
-            <a:r>
-              <a:rPr lang="ru-RU" sz="2400" i="1" smtClean="0"/>
-              <a:t>R</a:t>
-            </a:r>
-            <a:r>
-              <a:rPr lang="ru-RU" sz="2400" i="1" baseline="30000" smtClean="0"/>
-              <a:t>N</a:t>
-            </a:r>
-            <a:r>
-              <a:rPr lang="ru-RU" sz="2400" smtClean="0"/>
-              <a:t> есть заданные векторы.</a:t>
-            </a:r>
-          </a:p>
-          <a:p>
-            <a:r>
-              <a:rPr lang="ru-RU" sz="2400" smtClean="0"/>
-              <a:t> Относительно класса рассматриваемых задач предполагается выполнение двух важных условий.</a:t>
-            </a:r>
-          </a:p>
-          <a:p>
-            <a:r>
-              <a:rPr lang="ru-RU" sz="2400" smtClean="0"/>
-              <a:t>Во-первых, предполагается, что оптимизируемая функция </a:t>
-            </a:r>
-            <a:r>
-              <a:rPr lang="ru-RU" sz="2400" i="1" smtClean="0">
-                <a:sym typeface="Symbol" pitchFamily="18" charset="2"/>
-              </a:rPr>
-              <a:t></a:t>
-            </a:r>
-            <a:r>
-              <a:rPr lang="ru-RU" sz="2400" smtClean="0"/>
-              <a:t>(</a:t>
-            </a:r>
-            <a:r>
-              <a:rPr lang="ru-RU" sz="2400" i="1" smtClean="0"/>
-              <a:t>y</a:t>
-            </a:r>
-            <a:r>
-              <a:rPr lang="ru-RU" sz="2400" smtClean="0"/>
-              <a:t>) может быть задана не аналитически, а некоторым алгоритмом вычисления ее значений в точках области </a:t>
-            </a:r>
-            <a:r>
-              <a:rPr lang="ru-RU" sz="2400" i="1" smtClean="0"/>
-              <a:t>D</a:t>
-            </a:r>
-            <a:r>
-              <a:rPr lang="ru-RU" sz="2400" smtClean="0"/>
-              <a:t>; </a:t>
-            </a:r>
-          </a:p>
-          <a:p>
-            <a:r>
-              <a:rPr lang="ru-RU" sz="2400" smtClean="0"/>
-              <a:t>Во-вторых, будем предполагать, что </a:t>
-            </a:r>
-            <a:r>
-              <a:rPr lang="ru-RU" sz="2400" i="1" smtClean="0">
-                <a:sym typeface="Symbol" pitchFamily="18" charset="2"/>
-              </a:rPr>
-              <a:t></a:t>
-            </a:r>
-            <a:r>
-              <a:rPr lang="ru-RU" sz="2400" smtClean="0"/>
-              <a:t>(</a:t>
-            </a:r>
-            <a:r>
-              <a:rPr lang="ru-RU" sz="2400" i="1" smtClean="0"/>
-              <a:t>y</a:t>
-            </a:r>
-            <a:r>
-              <a:rPr lang="ru-RU" sz="2400" smtClean="0"/>
-              <a:t>) удовлетворяет условию Липшица.</a:t>
-            </a:r>
-          </a:p>
-          <a:p>
-            <a:endParaRPr lang="ru-RU" sz="2400" smtClean="0"/>
-          </a:p>
-          <a:p>
-            <a:endParaRPr lang="ru-RU" sz="2400" smtClean="0"/>
-          </a:p>
-          <a:p>
-            <a:endParaRPr lang="ru-RU" sz="2400" smtClean="0"/>
-          </a:p>
-        </p:txBody>
-      </p:sp>
-      <p:sp>
-        <p:nvSpPr>
-          <p:cNvPr id="24580" name="Номер слайда 3"/>
-          <p:cNvSpPr>
-            <a:spLocks noGrp="1"/>
-          </p:cNvSpPr>
-          <p:nvPr>
-            <p:ph type="sldNum" sz="quarter" idx="5"/>
-          </p:nvPr>
-        </p:nvSpPr>
-        <p:spPr/>
-        <p:txBody>
-          <a:bodyPr/>
-          <a:lstStyle/>
-          <a:p>
-            <a:pPr>
-              <a:defRPr/>
-            </a:pPr>
-            <a:fld id="{73CA457E-97D3-491B-9C91-3AEE2F643909}" type="slidenum">
-              <a:rPr lang="ru-RU" smtClean="0"/>
-              <a:pPr>
-                <a:defRPr/>
-              </a:pPr>
-              <a:t>4</a:t>
-            </a:fld>
-            <a:endParaRPr lang="ru-RU" smtClean="0"/>
-          </a:p>
-        </p:txBody>
-      </p:sp>
-    </p:spTree>
-  </p:cSld>
-  <p:clrMapOvr>
-    <a:masterClrMapping/>
-  </p:clrMapOvr>
-</p:notes>
-</file>
-
-<file path=ppt/notesSlides/notesSlide5.xml><?xml version="1.0" encoding="utf-8"?>
 <p:notes xmlns:a="http://schemas.openxmlformats.org/drawingml/2006/main" xmlns:r="http://schemas.openxmlformats.org/officeDocument/2006/relationships" xmlns:p="http://schemas.openxmlformats.org/presentationml/2006/main">
   <p:cSld>
     <p:spTree>
@@ -2702,7 +2478,7 @@
       </p:sp>
       <p:sp>
         <p:nvSpPr>
-          <p:cNvPr id="3" name="Заметки 2"/>
+          <p:cNvPr id="30723" name="Заметки 2"/>
           <p:cNvSpPr>
             <a:spLocks noGrp="1"/>
           </p:cNvSpPr>
@@ -2710,141 +2486,155 @@
             <p:ph type="body" idx="1"/>
           </p:nvPr>
         </p:nvSpPr>
-        <p:spPr/>
+        <p:spPr>
+          <a:noFill/>
+          <a:ln/>
+        </p:spPr>
         <p:txBody>
-          <a:bodyPr>
-            <a:normAutofit/>
-          </a:bodyPr>
+          <a:bodyPr/>
           <a:lstStyle/>
           <a:p>
-            <a:pPr>
-              <a:defRPr/>
-            </a:pPr>
-            <a:r>
-              <a:rPr lang="ru-RU" b="1" dirty="0" smtClean="0"/>
-              <a:t>Численное решение </a:t>
-            </a:r>
-            <a:r>
-              <a:rPr lang="ru-RU" dirty="0" smtClean="0"/>
-              <a:t>задачи сводится к построению оценки </a:t>
-            </a:r>
-            <a:r>
-              <a:rPr lang="en-US" dirty="0" smtClean="0"/>
-              <a:t>y*</a:t>
-            </a:r>
-            <a:r>
-              <a:rPr lang="ru-RU" dirty="0" smtClean="0"/>
-              <a:t>, отвечающей некоторому понятию близости к точке глобального минимума, на основе конечного числа </a:t>
-            </a:r>
-            <a:r>
-              <a:rPr lang="en-US" i="1" dirty="0" smtClean="0"/>
-              <a:t>k</a:t>
-            </a:r>
-            <a:r>
-              <a:rPr lang="ru-RU" i="1" dirty="0" smtClean="0"/>
-              <a:t> испытаний, под испытанием будем понимать</a:t>
-            </a:r>
-            <a:r>
-              <a:rPr lang="en-US" dirty="0" smtClean="0"/>
+            <a:r>
+              <a:rPr lang="ru-RU" sz="2400" b="1" smtClean="0"/>
+              <a:t>Задача</a:t>
+            </a:r>
+            <a:r>
+              <a:rPr lang="ru-RU" sz="2400" smtClean="0"/>
+              <a:t> многомерной многоэкстремальной оптимизации может быть определена как проблема поиска наименьшего значения действительной функции </a:t>
+            </a:r>
+            <a:r>
+              <a:rPr lang="ru-RU" sz="2400" i="1" smtClean="0">
+                <a:sym typeface="Symbol" pitchFamily="18" charset="2"/>
+              </a:rPr>
+              <a:t></a:t>
+            </a:r>
+            <a:r>
+              <a:rPr lang="ru-RU" sz="2400" smtClean="0"/>
+              <a:t>(</a:t>
+            </a:r>
+            <a:r>
+              <a:rPr lang="en-US" sz="2400" i="1" smtClean="0"/>
+              <a:t>y</a:t>
+            </a:r>
+            <a:r>
+              <a:rPr lang="ru-RU" sz="2400" smtClean="0"/>
+              <a:t>) в н-мерном пространстве,</a:t>
+            </a:r>
+            <a:r>
+              <a:rPr lang="en-US" sz="2400" smtClean="0"/>
               <a:t> </a:t>
             </a:r>
             <a:r>
-              <a:rPr lang="ru-RU" dirty="0" smtClean="0"/>
-              <a:t>вычисление значений оптимизируемой функции в точке. </a:t>
-            </a:r>
-          </a:p>
-          <a:p>
-            <a:pPr>
-              <a:defRPr/>
-            </a:pPr>
-            <a:endParaRPr lang="en-US" b="1" dirty="0" smtClean="0">
-              <a:sym typeface="Symbol" pitchFamily="18" charset="2"/>
-            </a:endParaRPr>
-          </a:p>
-          <a:p>
-            <a:pPr>
-              <a:defRPr/>
-            </a:pPr>
-            <a:endParaRPr lang="en-US" b="1" dirty="0" smtClean="0">
-              <a:sym typeface="Symbol" pitchFamily="18" charset="2"/>
-            </a:endParaRPr>
-          </a:p>
-          <a:p>
-            <a:pPr>
-              <a:defRPr/>
-            </a:pPr>
-            <a:r>
-              <a:rPr lang="ru-RU" b="1" dirty="0" smtClean="0">
+              <a:rPr lang="ru-RU" sz="2400" smtClean="0"/>
+              <a:t>где </a:t>
+            </a:r>
+            <a:r>
+              <a:rPr lang="ru-RU" sz="2400" i="1" smtClean="0"/>
+              <a:t>a</a:t>
+            </a:r>
+            <a:r>
+              <a:rPr lang="ru-RU" sz="2400" smtClean="0"/>
+              <a:t>,</a:t>
+            </a:r>
+            <a:r>
+              <a:rPr lang="ru-RU" sz="2400" i="1" smtClean="0"/>
+              <a:t>b</a:t>
+            </a:r>
+            <a:r>
+              <a:rPr lang="ru-RU" sz="2400" smtClean="0">
                 <a:sym typeface="Symbol" pitchFamily="18" charset="2"/>
               </a:rPr>
-              <a:t>Решение поставленной задачи </a:t>
-            </a:r>
-            <a:r>
-              <a:rPr lang="ru-RU" dirty="0" smtClean="0">
+              <a:t></a:t>
+            </a:r>
+            <a:r>
+              <a:rPr lang="ru-RU" sz="2400" i="1" smtClean="0"/>
+              <a:t>R</a:t>
+            </a:r>
+            <a:r>
+              <a:rPr lang="ru-RU" sz="2400" i="1" baseline="30000" smtClean="0"/>
+              <a:t>N</a:t>
+            </a:r>
+            <a:r>
+              <a:rPr lang="ru-RU" sz="2400" smtClean="0"/>
+              <a:t> есть заданные векторы.</a:t>
+            </a:r>
+          </a:p>
+          <a:p>
+            <a:r>
+              <a:rPr lang="ru-RU" sz="2400" smtClean="0"/>
+              <a:t> Относительно класса рассматриваемых задач предполагается выполнение двух важных условий.</a:t>
+            </a:r>
+          </a:p>
+          <a:p>
+            <a:r>
+              <a:rPr lang="ru-RU" sz="2400" smtClean="0"/>
+              <a:t>Во-первых, предполагается, что оптимизируемая функция </a:t>
+            </a:r>
+            <a:r>
+              <a:rPr lang="ru-RU" sz="2400" i="1" smtClean="0">
                 <a:sym typeface="Symbol" pitchFamily="18" charset="2"/>
               </a:rPr>
-              <a:t>можно осуществлять с помощью построения</a:t>
-            </a:r>
-            <a:r>
-              <a:rPr lang="ru-RU" dirty="0" smtClean="0"/>
-              <a:t> случайных или детерминированных покрытий области поиска.</a:t>
-            </a:r>
-          </a:p>
-          <a:p>
-            <a:pPr>
-              <a:spcBef>
-                <a:spcPct val="20000"/>
-              </a:spcBef>
-              <a:buSzPct val="80000"/>
-              <a:buFont typeface="Wingdings" pitchFamily="2" charset="2"/>
-              <a:buNone/>
-              <a:defRPr/>
-            </a:pPr>
-            <a:r>
-              <a:rPr lang="ru-RU" dirty="0" smtClean="0"/>
-              <a:t>При этом число узлов равномерной сетки увеличивается экспоненциально с увеличением размерности задачи. К примеру для решения двухмерной задачи при точности 10</a:t>
-            </a:r>
-            <a:r>
-              <a:rPr lang="en-US" dirty="0" smtClean="0"/>
-              <a:t>^</a:t>
-            </a:r>
-            <a:r>
-              <a:rPr lang="ru-RU" sz="1050" dirty="0" smtClean="0"/>
-              <a:t>-2 необходимо 10</a:t>
-            </a:r>
-            <a:r>
-              <a:rPr lang="en-US" sz="1050" dirty="0" smtClean="0"/>
-              <a:t>^4 </a:t>
-            </a:r>
-            <a:r>
-              <a:rPr lang="ru-RU" sz="1050" dirty="0" smtClean="0"/>
-              <a:t>испытаний.</a:t>
-            </a:r>
-            <a:endParaRPr lang="en-US" dirty="0" smtClean="0"/>
-          </a:p>
-          <a:p>
-            <a:pPr>
-              <a:defRPr/>
-            </a:pPr>
-            <a:r>
-              <a:rPr lang="ru-RU" dirty="0" smtClean="0"/>
-              <a:t>Другим подходом к решению задачи является построение неравномерных </a:t>
-            </a:r>
-            <a:r>
-              <a:rPr lang="ru-RU" b="1" dirty="0" smtClean="0"/>
-              <a:t>адаптивных</a:t>
-            </a:r>
-            <a:r>
-              <a:rPr lang="ru-RU" dirty="0" smtClean="0"/>
-              <a:t> покрытий области поиска. При котором в окрестности оптимального решения строится более плотное покрытие чем вне этой окрестности.</a:t>
-            </a:r>
-            <a:endParaRPr lang="ru-RU" dirty="0"/>
+              <a:t></a:t>
+            </a:r>
+            <a:r>
+              <a:rPr lang="ru-RU" sz="2400" smtClean="0"/>
+              <a:t>(</a:t>
+            </a:r>
+            <a:r>
+              <a:rPr lang="ru-RU" sz="2400" i="1" smtClean="0"/>
+              <a:t>y</a:t>
+            </a:r>
+            <a:r>
+              <a:rPr lang="ru-RU" sz="2400" smtClean="0"/>
+              <a:t>) может быть задана не аналитически, а некоторым алгоритмом вычисления ее значений в точках области </a:t>
+            </a:r>
+            <a:r>
+              <a:rPr lang="ru-RU" sz="2400" i="1" smtClean="0"/>
+              <a:t>D</a:t>
+            </a:r>
+            <a:r>
+              <a:rPr lang="ru-RU" sz="2400" smtClean="0"/>
+              <a:t>; </a:t>
+            </a:r>
+          </a:p>
+          <a:p>
+            <a:r>
+              <a:rPr lang="ru-RU" sz="2400" smtClean="0"/>
+              <a:t>Во-вторых, будем предполагать, что </a:t>
+            </a:r>
+            <a:r>
+              <a:rPr lang="ru-RU" sz="2400" i="1" smtClean="0">
+                <a:sym typeface="Symbol" pitchFamily="18" charset="2"/>
+              </a:rPr>
+              <a:t></a:t>
+            </a:r>
+            <a:r>
+              <a:rPr lang="ru-RU" sz="2400" smtClean="0"/>
+              <a:t>(</a:t>
+            </a:r>
+            <a:r>
+              <a:rPr lang="ru-RU" sz="2400" i="1" smtClean="0"/>
+              <a:t>y</a:t>
+            </a:r>
+            <a:r>
+              <a:rPr lang="ru-RU" sz="2400" smtClean="0"/>
+              <a:t>) удовлетворяет условию Липшица.</a:t>
+            </a:r>
+          </a:p>
+          <a:p>
+            <a:endParaRPr lang="ru-RU" sz="2400" smtClean="0"/>
+          </a:p>
+          <a:p>
+            <a:endParaRPr lang="ru-RU" sz="2400" smtClean="0"/>
+          </a:p>
+          <a:p>
+            <a:endParaRPr lang="ru-RU" sz="2400" smtClean="0"/>
           </a:p>
         </p:txBody>
       </p:sp>
       <p:sp>
         <p:nvSpPr>
-          <p:cNvPr id="25604" name="Номер слайда 3"/>
+          <p:cNvPr id="24580" name="Номер слайда 3"/>
           <p:cNvSpPr>
             <a:spLocks noGrp="1"/>
           </p:cNvSpPr>
@@ -2860,12 +2650,12 @@
             <a:pPr>
               <a:defRPr/>
             </a:pPr>
-            <a:fld id="{E07E65C2-19DB-4055-A94C-15799B8D5AA0}" type="slidenum">
+            <a:fld id="{BC66F400-608F-438C-B8E0-16AC246BA770}" type="slidenum">
               <a:rPr lang="ru-RU" smtClean="0"/>
               <a:pPr>
                 <a:defRPr/>
               </a:pPr>
-              <a:t>5</a:t>
+              <a:t>4</a:t>
             </a:fld>
             <a:endParaRPr lang="ru-RU" smtClean="0"/>
           </a:p>
@@ -2879,7 +2669,7 @@
 </p:notes>
 </file>
 
-<file path=ppt/notesSlides/notesSlide6.xml><?xml version="1.0" encoding="utf-8"?>
+<file path=ppt/notesSlides/notesSlide5.xml><?xml version="1.0" encoding="utf-8"?>
 <p:notes xmlns:a="http://schemas.openxmlformats.org/drawingml/2006/main" xmlns:r="http://schemas.openxmlformats.org/officeDocument/2006/relationships" xmlns:p="http://schemas.openxmlformats.org/presentationml/2006/main">
   <p:cSld>
     <p:spTree>
@@ -2912,7 +2702,7 @@
       </p:sp>
       <p:sp>
         <p:nvSpPr>
-          <p:cNvPr id="31747" name="Заметки 2"/>
+          <p:cNvPr id="3" name="Заметки 2"/>
           <p:cNvSpPr>
             <a:spLocks noGrp="1"/>
           </p:cNvSpPr>
@@ -2920,53 +2710,141 @@
             <p:ph type="body" idx="1"/>
           </p:nvPr>
         </p:nvSpPr>
-        <p:spPr>
-          <a:noFill/>
-          <a:ln/>
-        </p:spPr>
+        <p:spPr/>
         <p:txBody>
-          <a:bodyPr/>
+          <a:bodyPr>
+            <a:normAutofit/>
+          </a:bodyPr>
           <a:lstStyle/>
           <a:p>
-            <a:r>
-              <a:rPr lang="ru-RU" b="1" smtClean="0"/>
-              <a:t>Одним из подходов </a:t>
-            </a:r>
-            <a:r>
-              <a:rPr lang="ru-RU" smtClean="0"/>
-              <a:t>к решению многомерных задач глобальной оптимизации является сведение их к одномерным и использование эффективных одномерных алгоритмов глобального поиска к редуцированной задаче. </a:t>
-            </a:r>
-          </a:p>
-          <a:p>
-            <a:r>
-              <a:rPr lang="ru-RU" smtClean="0"/>
-              <a:t>Рассматривается способ редукции размерности с использованием кривой Пеано </a:t>
-            </a:r>
-            <a:r>
-              <a:rPr lang="en-US" smtClean="0"/>
-              <a:t>Y(x)</a:t>
-            </a:r>
-            <a:r>
-              <a:rPr lang="ru-RU" smtClean="0"/>
-              <a:t>, однозначно отображающей отрезок вещественной оси [0,1] на </a:t>
-            </a:r>
-            <a:r>
-              <a:rPr lang="ru-RU" i="1" smtClean="0"/>
-              <a:t>n</a:t>
-            </a:r>
-            <a:r>
-              <a:rPr lang="ru-RU" smtClean="0"/>
-              <a:t>-мерный куб</a:t>
-            </a:r>
-          </a:p>
-          <a:p>
-            <a:endParaRPr lang="ru-RU" smtClean="0"/>
+            <a:pPr>
+              <a:defRPr/>
+            </a:pPr>
+            <a:r>
+              <a:rPr lang="ru-RU" b="1" dirty="0" smtClean="0"/>
+              <a:t>Численное решение </a:t>
+            </a:r>
+            <a:r>
+              <a:rPr lang="ru-RU" dirty="0" smtClean="0"/>
+              <a:t>задачи сводится к построению оценки </a:t>
+            </a:r>
+            <a:r>
+              <a:rPr lang="en-US" dirty="0" smtClean="0"/>
+              <a:t>y*</a:t>
+            </a:r>
+            <a:r>
+              <a:rPr lang="ru-RU" dirty="0" smtClean="0"/>
+              <a:t>, отвечающей некоторому понятию близости к точке глобального минимума, на основе конечного числа </a:t>
+            </a:r>
+            <a:r>
+              <a:rPr lang="en-US" i="1" dirty="0" smtClean="0"/>
+              <a:t>k</a:t>
+            </a:r>
+            <a:r>
+              <a:rPr lang="ru-RU" i="1" dirty="0" smtClean="0"/>
+              <a:t> испытаний, под испытанием будем понимать</a:t>
+            </a:r>
+            <a:r>
+              <a:rPr lang="en-US" dirty="0" smtClean="0"/>
+              <a:t> </a:t>
+            </a:r>
+            <a:r>
+              <a:rPr lang="ru-RU" dirty="0" smtClean="0"/>
+              <a:t>вычисление значений оптимизируемой функции в точке. </a:t>
+            </a:r>
+          </a:p>
+          <a:p>
+            <a:pPr>
+              <a:defRPr/>
+            </a:pPr>
+            <a:endParaRPr lang="en-US" b="1" dirty="0" smtClean="0">
+              <a:sym typeface="Symbol" pitchFamily="18" charset="2"/>
+            </a:endParaRPr>
+          </a:p>
+          <a:p>
+            <a:pPr>
+              <a:defRPr/>
+            </a:pPr>
+            <a:endParaRPr lang="en-US" b="1" dirty="0" smtClean="0">
+              <a:sym typeface="Symbol" pitchFamily="18" charset="2"/>
+            </a:endParaRPr>
+          </a:p>
+          <a:p>
+            <a:pPr>
+              <a:defRPr/>
+            </a:pPr>
+            <a:r>
+              <a:rPr lang="ru-RU" b="1" dirty="0" smtClean="0">
+                <a:sym typeface="Symbol" pitchFamily="18" charset="2"/>
+              </a:rPr>
+              <a:t>Решение поставленной задачи </a:t>
+            </a:r>
+            <a:r>
+              <a:rPr lang="ru-RU" dirty="0" smtClean="0">
+                <a:sym typeface="Symbol" pitchFamily="18" charset="2"/>
+              </a:rPr>
+              <a:t>можно осуществлять с помощью построения</a:t>
+            </a:r>
+            <a:r>
+              <a:rPr lang="ru-RU" dirty="0" smtClean="0"/>
+              <a:t> случайных или детерминированных покрытий области поиска.</a:t>
+            </a:r>
+          </a:p>
+          <a:p>
+            <a:pPr>
+              <a:spcBef>
+                <a:spcPct val="20000"/>
+              </a:spcBef>
+              <a:buSzPct val="80000"/>
+              <a:buFont typeface="Wingdings" pitchFamily="2" charset="2"/>
+              <a:buNone/>
+              <a:defRPr/>
+            </a:pPr>
+            <a:r>
+              <a:rPr lang="ru-RU" dirty="0" smtClean="0"/>
+              <a:t>При этом число узлов равномерной сетки увеличивается экспоненциально с увеличением размерности задачи. К примеру для решения двухмерной задачи при точности 10</a:t>
+            </a:r>
+            <a:r>
+              <a:rPr lang="en-US" dirty="0" smtClean="0"/>
+              <a:t>^</a:t>
+            </a:r>
+            <a:r>
+              <a:rPr lang="ru-RU" sz="1050" dirty="0" smtClean="0"/>
+              <a:t>-2 необходимо 10</a:t>
+            </a:r>
+            <a:r>
+              <a:rPr lang="en-US" sz="1050" dirty="0" smtClean="0"/>
+              <a:t>^4 </a:t>
+            </a:r>
+            <a:r>
+              <a:rPr lang="ru-RU" sz="1050" dirty="0" smtClean="0"/>
+              <a:t>испытаний.</a:t>
+            </a:r>
+            <a:endParaRPr lang="en-US" dirty="0" smtClean="0"/>
+          </a:p>
+          <a:p>
+            <a:pPr>
+              <a:defRPr/>
+            </a:pPr>
+            <a:r>
+              <a:rPr lang="ru-RU" dirty="0" smtClean="0"/>
+              <a:t>Другим подходом к решению задачи является построение неравномерных </a:t>
+            </a:r>
+            <a:r>
+              <a:rPr lang="ru-RU" b="1" dirty="0" smtClean="0"/>
+              <a:t>адаптивных</a:t>
+            </a:r>
+            <a:r>
+              <a:rPr lang="ru-RU" dirty="0" smtClean="0"/>
+              <a:t> покрытий области поиска. При котором в окрестности оптимального решения строится более плотное покрытие чем вне этой окрестности.</a:t>
+            </a:r>
+            <a:endParaRPr lang="ru-RU" dirty="0"/>
           </a:p>
         </p:txBody>
       </p:sp>
       <p:sp>
         <p:nvSpPr>
-          <p:cNvPr id="26628" name="Номер слайда 3"/>
+          <p:cNvPr id="25604" name="Номер слайда 3"/>
           <p:cNvSpPr>
             <a:spLocks noGrp="1"/>
           </p:cNvSpPr>
@@ -2982,12 +2860,12 @@
             <a:pPr>
               <a:defRPr/>
             </a:pPr>
-            <a:fld id="{8BD02536-8748-4E52-A054-ED6A56D3CC92}" type="slidenum">
+            <a:fld id="{88BB11AD-FE4E-47C1-ABEF-853256C62F49}" type="slidenum">
               <a:rPr lang="ru-RU" smtClean="0"/>
               <a:pPr>
                 <a:defRPr/>
               </a:pPr>
-              <a:t>6</a:t>
+              <a:t>5</a:t>
             </a:fld>
             <a:endParaRPr lang="ru-RU" smtClean="0"/>
           </a:p>
@@ -3001,7 +2879,7 @@
 </p:notes>
 </file>
 
-<file path=ppt/notesSlides/notesSlide7.xml><?xml version="1.0" encoding="utf-8"?>
+<file path=ppt/notesSlides/notesSlide6.xml><?xml version="1.0" encoding="utf-8"?>
 <p:notes xmlns:a="http://schemas.openxmlformats.org/drawingml/2006/main" xmlns:r="http://schemas.openxmlformats.org/officeDocument/2006/relationships" xmlns:p="http://schemas.openxmlformats.org/presentationml/2006/main">
   <p:cSld>
     <p:spTree>
@@ -3051,116 +2929,34 @@
           <a:lstStyle/>
           <a:p>
             <a:r>
+              <a:rPr lang="ru-RU" b="1" smtClean="0"/>
+              <a:t>Одним из подходов </a:t>
+            </a:r>
+            <a:r>
               <a:rPr lang="ru-RU" smtClean="0"/>
-              <a:t> </a:t>
-            </a:r>
-            <a:r>
-              <a:rPr lang="ru-RU" b="1" smtClean="0"/>
-              <a:t>Численно построенная </a:t>
+              <a:t>к решению многомерных задач глобальной оптимизации является сведение их к одномерным и использование эффективных одномерных алгоритмов глобального поиска к редуцированной задаче. </a:t>
+            </a:r>
+          </a:p>
+          <a:p>
+            <a:r>
+              <a:rPr lang="ru-RU" smtClean="0"/>
+              <a:t>Рассматривается способ редукции размерности с использованием кривой Пеано </a:t>
+            </a:r>
+            <a:r>
+              <a:rPr lang="en-US" smtClean="0"/>
+              <a:t>Y(x)</a:t>
+            </a:r>
+            <a:r>
+              <a:rPr lang="ru-RU" smtClean="0"/>
+              <a:t>, однозначно отображающей отрезок вещественной оси [0,1] на </a:t>
             </a:r>
             <a:r>
               <a:rPr lang="ru-RU" i="1" smtClean="0"/>
-              <a:t>развертка</a:t>
+              <a:t>n</a:t>
             </a:r>
             <a:r>
               <a:rPr lang="ru-RU" smtClean="0"/>
-              <a:t> является приближением к теоретической кривой Пеано с точностью порядка 2 </a:t>
-            </a:r>
-            <a:r>
-              <a:rPr lang="en-US" smtClean="0"/>
-              <a:t>^-m</a:t>
-            </a:r>
-            <a:r>
-              <a:rPr lang="ru-RU" smtClean="0"/>
-              <a:t>, где </a:t>
-            </a:r>
-            <a:r>
-              <a:rPr lang="ru-RU" i="1" smtClean="0"/>
-              <a:t>m</a:t>
-            </a:r>
-            <a:r>
-              <a:rPr lang="ru-RU" smtClean="0"/>
-              <a:t> – параметр построения развертки.</a:t>
-            </a:r>
-          </a:p>
-          <a:p>
-            <a:r>
-              <a:rPr lang="ru-RU" smtClean="0"/>
-              <a:t>На левом рисунке отображен вид кривой Пеано с параметром </a:t>
-            </a:r>
-            <a:r>
-              <a:rPr lang="en-US" smtClean="0"/>
-              <a:t>m </a:t>
-            </a:r>
-            <a:r>
-              <a:rPr lang="ru-RU" smtClean="0"/>
-              <a:t>равный трем, на среднем ресунке распределение точек в двумерном пространстве, на примере решения задачи Гришагина зеленая точка отображает глобальный минимум, красная - найденный минимум, на правом рисунке распределение точек на</a:t>
-            </a:r>
-            <a:r>
-              <a:rPr lang="en-US" smtClean="0"/>
-              <a:t> </a:t>
-            </a:r>
-            <a:r>
-              <a:rPr lang="ru-RU" smtClean="0"/>
-              <a:t>отрезке от 0 до 1.</a:t>
-            </a:r>
-          </a:p>
-          <a:p>
-            <a:r>
-              <a:rPr lang="ru-RU" b="1" smtClean="0"/>
-              <a:t>Важным свойством является сохранение ограниченности относительных разностей функции</a:t>
-            </a:r>
-            <a:r>
-              <a:rPr lang="ru-RU" smtClean="0"/>
-              <a:t>: если исходная функция</a:t>
-            </a:r>
-            <a:r>
-              <a:rPr lang="en-US" smtClean="0"/>
-              <a:t> </a:t>
-            </a:r>
-            <a:r>
-              <a:rPr lang="ru-RU" i="1" smtClean="0">
-                <a:sym typeface="Symbol" pitchFamily="18" charset="2"/>
-              </a:rPr>
-              <a:t></a:t>
-            </a:r>
-            <a:r>
-              <a:rPr lang="ru-RU" smtClean="0"/>
-              <a:t>(</a:t>
-            </a:r>
-            <a:r>
-              <a:rPr lang="ru-RU" i="1" smtClean="0"/>
-              <a:t>y) </a:t>
-            </a:r>
-            <a:r>
-              <a:rPr lang="ru-RU" smtClean="0"/>
-              <a:t>удовлетворяла условию Липшица , то функция </a:t>
-            </a:r>
-            <a:r>
-              <a:rPr lang="ru-RU" i="1" smtClean="0">
-                <a:sym typeface="Symbol" pitchFamily="18" charset="2"/>
-              </a:rPr>
-              <a:t></a:t>
-            </a:r>
-            <a:r>
-              <a:rPr lang="ru-RU" smtClean="0"/>
-              <a:t>(</a:t>
-            </a:r>
-            <a:r>
-              <a:rPr lang="ru-RU" i="1" smtClean="0"/>
-              <a:t>y</a:t>
-            </a:r>
-            <a:r>
-              <a:rPr lang="ru-RU" smtClean="0"/>
-              <a:t>(</a:t>
-            </a:r>
-            <a:r>
-              <a:rPr lang="ru-RU" i="1" smtClean="0"/>
-              <a:t>x</a:t>
-            </a:r>
-            <a:r>
-              <a:rPr lang="ru-RU" smtClean="0"/>
-              <a:t>)) на интервале [0,1] будет удовлетворять равномерному условию Гельдера. Что позволяет использовать модифицированный алгоритм решения одномерных задач, для решения многомерных.</a:t>
+              <a:t>-мерный куб</a:t>
             </a:r>
           </a:p>
           <a:p>
@@ -3170,7 +2966,7 @@
       </p:sp>
       <p:sp>
         <p:nvSpPr>
-          <p:cNvPr id="27652" name="Номер слайда 3"/>
+          <p:cNvPr id="26628" name="Номер слайда 3"/>
           <p:cNvSpPr>
             <a:spLocks noGrp="1"/>
           </p:cNvSpPr>
@@ -3186,12 +2982,12 @@
             <a:pPr>
               <a:defRPr/>
             </a:pPr>
-            <a:fld id="{AE37EEA8-3525-49C5-B3B0-286BD50A940E}" type="slidenum">
+            <a:fld id="{FFAA1092-A480-4D46-A9A6-5A65C700035F}" type="slidenum">
               <a:rPr lang="ru-RU" smtClean="0"/>
               <a:pPr>
                 <a:defRPr/>
               </a:pPr>
-              <a:t>7</a:t>
+              <a:t>6</a:t>
             </a:fld>
             <a:endParaRPr lang="ru-RU" smtClean="0"/>
           </a:p>
@@ -3205,7 +3001,7 @@
 </p:notes>
 </file>
 
-<file path=ppt/notesSlides/notesSlide8.xml><?xml version="1.0" encoding="utf-8"?>
+<file path=ppt/notesSlides/notesSlide7.xml><?xml version="1.0" encoding="utf-8"?>
 <p:notes xmlns:a="http://schemas.openxmlformats.org/drawingml/2006/main" xmlns:r="http://schemas.openxmlformats.org/officeDocument/2006/relationships" xmlns:p="http://schemas.openxmlformats.org/presentationml/2006/main">
   <p:cSld>
     <p:spTree>
@@ -3255,12 +3051,50 @@
           <a:lstStyle/>
           <a:p>
             <a:r>
+              <a:rPr lang="ru-RU" smtClean="0"/>
+              <a:t> </a:t>
+            </a:r>
+            <a:r>
               <a:rPr lang="ru-RU" b="1" smtClean="0"/>
-              <a:t>Пусть у нас имеется </a:t>
-            </a:r>
-            <a:r>
-              <a:rPr lang="en-US" b="1" smtClean="0"/>
-              <a:t>p</a:t>
+              <a:t>Численно построенная </a:t>
+            </a:r>
+            <a:r>
+              <a:rPr lang="ru-RU" i="1" smtClean="0"/>
+              <a:t>развертка</a:t>
+            </a:r>
+            <a:r>
+              <a:rPr lang="ru-RU" smtClean="0"/>
+              <a:t> является приближением к теоретической кривой Пеано с точностью порядка 2 </a:t>
+            </a:r>
+            <a:r>
+              <a:rPr lang="en-US" smtClean="0"/>
+              <a:t>^-m</a:t>
+            </a:r>
+            <a:r>
+              <a:rPr lang="ru-RU" smtClean="0"/>
+              <a:t>, где </a:t>
+            </a:r>
+            <a:r>
+              <a:rPr lang="ru-RU" i="1" smtClean="0"/>
+              <a:t>m</a:t>
+            </a:r>
+            <a:r>
+              <a:rPr lang="ru-RU" smtClean="0"/>
+              <a:t> – параметр построения развертки.</a:t>
+            </a:r>
+          </a:p>
+          <a:p>
+            <a:r>
+              <a:rPr lang="ru-RU" smtClean="0"/>
+              <a:t>На левом рисунке отображен вид кривой Пеано с параметром </a:t>
+            </a:r>
+            <a:r>
+              <a:rPr lang="en-US" smtClean="0"/>
+              <a:t>m </a:t>
+            </a:r>
+            <a:r>
+              <a:rPr lang="ru-RU" smtClean="0"/>
+              <a:t>равный трем, на среднем ресунке распределение точек в двумерном пространстве, на примере решения задачи Гришагина зеленая точка отображает глобальный минимум, красная - найденный минимум, на правом рисунке распределение точек на</a:t>
             </a:r>
             <a:r>
               <a:rPr lang="en-US" smtClean="0"/>
@@ -3268,122 +3102,75 @@
             </a:r>
             <a:r>
               <a:rPr lang="ru-RU" smtClean="0"/>
-              <a:t>устройств для параллельного вычисления.</a:t>
-            </a:r>
-          </a:p>
-          <a:p>
+              <a:t>отрезке от 0 до 1.</a:t>
+            </a:r>
+          </a:p>
+          <a:p>
+            <a:r>
+              <a:rPr lang="ru-RU" b="1" smtClean="0"/>
+              <a:t>Важным свойством является сохранение ограниченности относительных разностей функции</a:t>
+            </a:r>
             <a:r>
               <a:rPr lang="ru-RU" smtClean="0"/>
-              <a:t>Первые две итерации проводятся на граничных точках отрезка [</a:t>
+              <a:t>: если исходная функция</a:t>
             </a:r>
             <a:r>
               <a:rPr lang="en-US" smtClean="0"/>
-              <a:t>a</a:t>
-            </a:r>
-            <a:r>
-              <a:rPr lang="ru-RU" smtClean="0"/>
-              <a:t>,</a:t>
-            </a:r>
-            <a:r>
-              <a:rPr lang="en-US" smtClean="0"/>
-              <a:t>b</a:t>
-            </a:r>
-            <a:r>
-              <a:rPr lang="ru-RU" smtClean="0"/>
-              <a:t>]. Выбор точек очередного </a:t>
-            </a:r>
-            <a:r>
-              <a:rPr lang="en-US" smtClean="0"/>
-              <a:t>n-</a:t>
-            </a:r>
-            <a:r>
-              <a:rPr lang="ru-RU" smtClean="0"/>
-              <a:t>го испытания производится по следующим правилам:</a:t>
-            </a:r>
-          </a:p>
-          <a:p>
-            <a:r>
-              <a:rPr lang="ru-RU" smtClean="0"/>
-              <a:t>точки предшествующих испытаний упорядочиваются по возрастанию координаты.</a:t>
-            </a:r>
-          </a:p>
-          <a:p>
-            <a:r>
-              <a:rPr lang="ru-RU" smtClean="0"/>
-              <a:t>Каждому интервалу, ставится в соответствие число </a:t>
-            </a:r>
-            <a:r>
-              <a:rPr lang="en-US" i="1" smtClean="0"/>
-              <a:t>R</a:t>
+              <a:t> </a:t>
+            </a:r>
+            <a:r>
+              <a:rPr lang="ru-RU" i="1" smtClean="0">
+                <a:sym typeface="Symbol" pitchFamily="18" charset="2"/>
+              </a:rPr>
+              <a:t></a:t>
             </a:r>
             <a:r>
               <a:rPr lang="ru-RU" smtClean="0"/>
               <a:t>(</a:t>
             </a:r>
             <a:r>
-              <a:rPr lang="en-US" i="1" smtClean="0"/>
-              <a:t>i</a:t>
+              <a:rPr lang="ru-RU" i="1" smtClean="0"/>
+              <a:t>y) </a:t>
             </a:r>
             <a:r>
               <a:rPr lang="ru-RU" smtClean="0"/>
-              <a:t>), называемое характеристикой этого интервала. </a:t>
-            </a:r>
-          </a:p>
-          <a:p>
-            <a:r>
-              <a:rPr lang="ru-RU" smtClean="0"/>
-              <a:t>Определяем </a:t>
-            </a:r>
-            <a:r>
-              <a:rPr lang="en-US" smtClean="0"/>
-              <a:t>p</a:t>
-            </a:r>
-            <a:r>
-              <a:rPr lang="ru-RU" smtClean="0"/>
-              <a:t> интервалов  с максимальной характеристикой. </a:t>
-            </a:r>
-          </a:p>
-          <a:p>
-            <a:r>
-              <a:rPr lang="ru-RU" smtClean="0"/>
-              <a:t>Проводим параллельно </a:t>
-            </a:r>
-            <a:r>
-              <a:rPr lang="en-US" smtClean="0"/>
-              <a:t>P </a:t>
-            </a:r>
-            <a:r>
-              <a:rPr lang="ru-RU" smtClean="0"/>
-              <a:t>испытаний.</a:t>
-            </a:r>
-          </a:p>
-          <a:p>
-            <a:r>
-              <a:rPr lang="ru-RU" smtClean="0"/>
-              <a:t>В процессе вычисления характеристик интервалов </a:t>
-            </a:r>
-            <a:r>
-              <a:rPr lang="en-US" smtClean="0"/>
-              <a:t>R</a:t>
+              <a:t>удовлетворяла условию Липшица , то функция </a:t>
+            </a:r>
+            <a:r>
+              <a:rPr lang="ru-RU" i="1" smtClean="0">
+                <a:sym typeface="Symbol" pitchFamily="18" charset="2"/>
+              </a:rPr>
+              <a:t></a:t>
             </a:r>
             <a:r>
               <a:rPr lang="ru-RU" smtClean="0"/>
               <a:t>(</a:t>
             </a:r>
             <a:r>
-              <a:rPr lang="en-US" smtClean="0"/>
-              <a:t>i</a:t>
+              <a:rPr lang="ru-RU" i="1" smtClean="0"/>
+              <a:t>y</a:t>
             </a:r>
             <a:r>
               <a:rPr lang="ru-RU" smtClean="0"/>
-              <a:t>) вычисляются текущие оценки канстант Липшица функций задачи, а также текущая оценка решения задачи.</a:t>
-            </a:r>
+              <a:t>(</a:t>
+            </a:r>
+            <a:r>
+              <a:rPr lang="ru-RU" i="1" smtClean="0"/>
+              <a:t>x</a:t>
+            </a:r>
+            <a:r>
+              <a:rPr lang="ru-RU" smtClean="0"/>
+              <a:t>)) на интервале [0,1] будет удовлетворять равномерному условию Гельдера. Что позволяет использовать модифицированный алгоритм решения одномерных задач, для решения многомерных.</a:t>
+            </a:r>
+          </a:p>
+          <a:p>
+            <a:endParaRPr lang="ru-RU" smtClean="0"/>
           </a:p>
         </p:txBody>
       </p:sp>
       <p:sp>
         <p:nvSpPr>
-          <p:cNvPr id="28676" name="Номер слайда 3"/>
+          <p:cNvPr id="27652" name="Номер слайда 3"/>
           <p:cNvSpPr>
             <a:spLocks noGrp="1"/>
           </p:cNvSpPr>
@@ -3399,12 +3186,12 @@
             <a:pPr>
               <a:defRPr/>
             </a:pPr>
-            <a:fld id="{4253DF49-8257-466A-9AEA-73184627DBF6}" type="slidenum">
+            <a:fld id="{EA86EA2B-DCF2-422D-95F1-64A9EA6F84C4}" type="slidenum">
               <a:rPr lang="ru-RU" smtClean="0"/>
               <a:pPr>
                 <a:defRPr/>
               </a:pPr>
-              <a:t>8</a:t>
+              <a:t>7</a:t>
             </a:fld>
             <a:endParaRPr lang="ru-RU" smtClean="0"/>
           </a:p>
@@ -3418,7 +3205,7 @@
 </p:notes>
 </file>
 
-<file path=ppt/notesSlides/notesSlide9.xml><?xml version="1.0" encoding="utf-8"?>
+<file path=ppt/notesSlides/notesSlide8.xml><?xml version="1.0" encoding="utf-8"?>
 <p:notes xmlns:a="http://schemas.openxmlformats.org/drawingml/2006/main" xmlns:r="http://schemas.openxmlformats.org/officeDocument/2006/relationships" xmlns:p="http://schemas.openxmlformats.org/presentationml/2006/main">
   <p:cSld>
     <p:spTree>
@@ -3469,47 +3256,11 @@
           <a:p>
             <a:r>
               <a:rPr lang="ru-RU" b="1" smtClean="0"/>
-              <a:t>Схема рекурсивной оптимизации основана на известном соотношение которое позволяет заменить решение многомерной задачи решением семейства одномерных подзадач, рекурсивно связанных между собой</a:t>
+              <a:t>Пусть у нас имеется </a:t>
             </a:r>
             <a:r>
               <a:rPr lang="en-US" b="1" smtClean="0"/>
-              <a:t>.</a:t>
-            </a:r>
-          </a:p>
-          <a:p>
-            <a:r>
-              <a:rPr lang="ru-RU" smtClean="0"/>
-              <a:t>Для рекурсивной схемы предложено обобщение (блочная рекурсивная схема), которое комбинирует использование разверток и рекурсивной схемы с целью эффективного распараллеливания вычислений.</a:t>
-            </a:r>
-          </a:p>
-          <a:p>
-            <a:r>
-              <a:rPr lang="ru-RU" smtClean="0"/>
-              <a:t>Рассмотрим вектор </a:t>
-            </a:r>
-            <a:r>
-              <a:rPr lang="ru-RU" i="1" smtClean="0"/>
-              <a:t>y</a:t>
-            </a:r>
-            <a:r>
-              <a:rPr lang="ru-RU" smtClean="0"/>
-              <a:t> как вектор блочных переменных где </a:t>
-            </a:r>
-            <a:r>
-              <a:rPr lang="ru-RU" i="1" smtClean="0"/>
-              <a:t>i</a:t>
-            </a:r>
-            <a:r>
-              <a:rPr lang="ru-RU" smtClean="0"/>
-              <a:t>-я блочная переменная </a:t>
-            </a:r>
-            <a:r>
-              <a:rPr lang="en-US" i="1" smtClean="0"/>
-              <a:t>u</a:t>
-            </a:r>
-            <a:r>
-              <a:rPr lang="en-US" i="1" baseline="-25000" smtClean="0"/>
-              <a:t>i</a:t>
+              <a:t>p</a:t>
             </a:r>
             <a:r>
               <a:rPr lang="en-US" smtClean="0"/>
@@ -3517,49 +3268,298 @@
             </a:r>
             <a:r>
               <a:rPr lang="ru-RU" smtClean="0"/>
-              <a:t>представляет собой вектор размерности </a:t>
+              <a:t>устройств для параллельного вычисления.</a:t>
+            </a:r>
+          </a:p>
+          <a:p>
+            <a:r>
+              <a:rPr lang="ru-RU" smtClean="0"/>
+              <a:t>Первые две итерации проводятся на граничных точках отрезка [</a:t>
             </a:r>
             <a:r>
               <a:rPr lang="en-US" smtClean="0"/>
-              <a:t>Ni</a:t>
+              <a:t>a</a:t>
             </a:r>
             <a:r>
               <a:rPr lang="ru-RU" smtClean="0"/>
-              <a:t>  из последовательно взятых компонент вектора </a:t>
-            </a:r>
-            <a:r>
-              <a:rPr lang="ru-RU" i="1" smtClean="0"/>
-              <a:t>y</a:t>
+              <a:t>,</a:t>
+            </a:r>
+            <a:r>
+              <a:rPr lang="en-US" smtClean="0"/>
+              <a:t>b</a:t>
             </a:r>
             <a:r>
               <a:rPr lang="ru-RU" smtClean="0"/>
-              <a:t>, </a:t>
-            </a:r>
-          </a:p>
-          <a:p>
+              <a:t>]. Выбор точек очередного </a:t>
+            </a:r>
+            <a:r>
+              <a:rPr lang="en-US" smtClean="0"/>
+              <a:t>n-</a:t>
+            </a:r>
             <a:r>
               <a:rPr lang="ru-RU" smtClean="0"/>
-              <a:t>Вложенные подзадачи являются многомерными, и для их решения может быть применен способ редукции размерности на основе кривых Пеано.</a:t>
+              <a:t>го испытания производится по следующим правилам:</a:t>
             </a:r>
           </a:p>
           <a:p>
             <a:r>
               <a:rPr lang="ru-RU" smtClean="0"/>
-              <a:t>Процессы параллельной программы будут образовывать дерево, соответствующее уровням вложенных подзадач</a:t>
+              <a:t>точки предшествующих испытаний упорядочиваются по возрастанию координаты.</a:t>
             </a:r>
           </a:p>
           <a:p>
             <a:r>
               <a:rPr lang="ru-RU" smtClean="0"/>
-              <a:t>Каждый узел дерева является процессом</a:t>
-            </a:r>
-            <a:endParaRPr lang="en-US" smtClean="0"/>
+              <a:t>Каждому интервалу, ставится в соответствие число </a:t>
+            </a:r>
+            <a:r>
+              <a:rPr lang="en-US" i="1" smtClean="0"/>
+              <a:t>R</a:t>
+            </a:r>
+            <a:r>
+              <a:rPr lang="ru-RU" smtClean="0"/>
+              <a:t>(</a:t>
+            </a:r>
+            <a:r>
+              <a:rPr lang="en-US" i="1" smtClean="0"/>
+              <a:t>i</a:t>
+            </a:r>
+            <a:r>
+              <a:rPr lang="ru-RU" smtClean="0"/>
+              <a:t>), называемое характеристикой этого интервала. </a:t>
+            </a:r>
+          </a:p>
+          <a:p>
+            <a:r>
+              <a:rPr lang="ru-RU" smtClean="0"/>
+              <a:t>Определяем </a:t>
+            </a:r>
+            <a:r>
+              <a:rPr lang="en-US" smtClean="0"/>
+              <a:t>p</a:t>
+            </a:r>
+            <a:r>
+              <a:rPr lang="ru-RU" smtClean="0"/>
+              <a:t> интервалов  с максимальной характеристикой. </a:t>
+            </a:r>
+          </a:p>
+          <a:p>
+            <a:r>
+              <a:rPr lang="ru-RU" smtClean="0"/>
+              <a:t>Проводим параллельно </a:t>
+            </a:r>
+            <a:r>
+              <a:rPr lang="en-US" smtClean="0"/>
+              <a:t>P </a:t>
+            </a:r>
+            <a:r>
+              <a:rPr lang="ru-RU" smtClean="0"/>
+              <a:t>испытаний.</a:t>
+            </a:r>
+          </a:p>
+          <a:p>
+            <a:r>
+              <a:rPr lang="ru-RU" smtClean="0"/>
+              <a:t>В процессе вычисления характеристик интервалов </a:t>
+            </a:r>
+            <a:r>
+              <a:rPr lang="en-US" smtClean="0"/>
+              <a:t>R</a:t>
+            </a:r>
+            <a:r>
+              <a:rPr lang="ru-RU" smtClean="0"/>
+              <a:t>(</a:t>
+            </a:r>
+            <a:r>
+              <a:rPr lang="en-US" smtClean="0"/>
+              <a:t>i</a:t>
+            </a:r>
+            <a:r>
+              <a:rPr lang="ru-RU" smtClean="0"/>
+              <a:t>) вычисляются текущие оценки канстант Липшица функций задачи, а также текущая оценка решения задачи.</a:t>
+            </a:r>
           </a:p>
         </p:txBody>
       </p:sp>
       <p:sp>
         <p:nvSpPr>
-          <p:cNvPr id="34820" name="Номер слайда 3"/>
+          <p:cNvPr id="28676" name="Номер слайда 3"/>
+          <p:cNvSpPr>
+            <a:spLocks noGrp="1"/>
+          </p:cNvSpPr>
+          <p:nvPr>
+            <p:ph type="sldNum" sz="quarter" idx="5"/>
+          </p:nvPr>
+        </p:nvSpPr>
+        <p:spPr/>
+        <p:txBody>
+          <a:bodyPr/>
+          <a:lstStyle/>
+          <a:p>
+            <a:pPr>
+              <a:defRPr/>
+            </a:pPr>
+            <a:fld id="{9D6D0C2F-C8D4-476B-9970-3C0039C4B973}" type="slidenum">
+              <a:rPr lang="ru-RU" smtClean="0"/>
+              <a:pPr>
+                <a:defRPr/>
+              </a:pPr>
+              <a:t>8</a:t>
+            </a:fld>
+            <a:endParaRPr lang="ru-RU" smtClean="0"/>
+          </a:p>
+        </p:txBody>
+      </p:sp>
+    </p:spTree>
+  </p:cSld>
+  <p:clrMapOvr>
+    <a:masterClrMapping/>
+  </p:clrMapOvr>
+</p:notes>
+</file>
+
+<file path=ppt/notesSlides/notesSlide9.xml><?xml version="1.0" encoding="utf-8"?>
+<p:notes xmlns:a="http://schemas.openxmlformats.org/drawingml/2006/main" xmlns:r="http://schemas.openxmlformats.org/officeDocument/2006/relationships" xmlns:p="http://schemas.openxmlformats.org/presentationml/2006/main">
+  <p:cSld>
+    <p:spTree>
+      <p:nvGrpSpPr>
+        <p:cNvPr id="1" name=""/>
+        <p:cNvGrpSpPr/>
+        <p:nvPr/>
+      </p:nvGrpSpPr>
+      <p:grpSpPr>
+        <a:xfrm>
+          <a:off x="0" y="0"/>
+          <a:ext cx="0" cy="0"/>
+          <a:chOff x="0" y="0"/>
+          <a:chExt cx="0" cy="0"/>
+        </a:xfrm>
+      </p:grpSpPr>
+      <p:sp>
+        <p:nvSpPr>
+          <p:cNvPr id="35842" name="Образ слайда 1"/>
+          <p:cNvSpPr>
+            <a:spLocks noGrp="1" noRot="1" noChangeAspect="1" noTextEdit="1"/>
+          </p:cNvSpPr>
+          <p:nvPr>
+            <p:ph type="sldImg"/>
+          </p:nvPr>
+        </p:nvSpPr>
+        <p:spPr>
+          <a:ln/>
+        </p:spPr>
+      </p:sp>
+      <p:sp>
+        <p:nvSpPr>
+          <p:cNvPr id="35843" name="Заметки 2"/>
+          <p:cNvSpPr>
+            <a:spLocks noGrp="1"/>
+          </p:cNvSpPr>
+          <p:nvPr>
+            <p:ph type="body" idx="1"/>
+          </p:nvPr>
+        </p:nvSpPr>
+        <p:spPr>
+          <a:noFill/>
+          <a:ln/>
+        </p:spPr>
+        <p:txBody>
+          <a:bodyPr/>
+          <a:lstStyle/>
+          <a:p>
+            <a:r>
+              <a:rPr lang="ru-RU" b="1" smtClean="0"/>
+              <a:t>Схема рекурсивной оптимизации основана на известном соотношение которое позволяет заменить решение многомерной задачи решением семейства одномерных подзадач, рекурсивно связанных между собой</a:t>
+            </a:r>
+            <a:r>
+              <a:rPr lang="en-US" b="1" smtClean="0"/>
+              <a:t>.</a:t>
+            </a:r>
+          </a:p>
+          <a:p>
+            <a:r>
+              <a:rPr lang="ru-RU" smtClean="0"/>
+              <a:t>Для рекурсивной схемы предложено обобщение (блочная рекурсивная схема), которое комбинирует использование разверток и рекурсивной схемы с целью эффективного распараллеливания вычислений.</a:t>
+            </a:r>
+          </a:p>
+          <a:p>
+            <a:r>
+              <a:rPr lang="ru-RU" smtClean="0"/>
+              <a:t>Рассмотрим вектор </a:t>
+            </a:r>
+            <a:r>
+              <a:rPr lang="ru-RU" i="1" smtClean="0"/>
+              <a:t>y</a:t>
+            </a:r>
+            <a:r>
+              <a:rPr lang="ru-RU" smtClean="0"/>
+              <a:t> как вектор блочных переменных где </a:t>
+            </a:r>
+            <a:r>
+              <a:rPr lang="ru-RU" i="1" smtClean="0"/>
+              <a:t>i</a:t>
+            </a:r>
+            <a:r>
+              <a:rPr lang="ru-RU" smtClean="0"/>
+              <a:t>-я блочная переменная </a:t>
+            </a:r>
+            <a:r>
+              <a:rPr lang="en-US" i="1" smtClean="0"/>
+              <a:t>u</a:t>
+            </a:r>
+            <a:r>
+              <a:rPr lang="en-US" i="1" baseline="-25000" smtClean="0"/>
+              <a:t>i</a:t>
+            </a:r>
+            <a:r>
+              <a:rPr lang="en-US" smtClean="0"/>
+              <a:t> </a:t>
+            </a:r>
+            <a:r>
+              <a:rPr lang="ru-RU" smtClean="0"/>
+              <a:t>представляет собой вектор размерности </a:t>
+            </a:r>
+            <a:r>
+              <a:rPr lang="en-US" smtClean="0"/>
+              <a:t>Ni</a:t>
+            </a:r>
+            <a:r>
+              <a:rPr lang="ru-RU" smtClean="0"/>
+              <a:t>  из последовательно взятых компонент вектора </a:t>
+            </a:r>
+            <a:r>
+              <a:rPr lang="ru-RU" i="1" smtClean="0"/>
+              <a:t>y</a:t>
+            </a:r>
+            <a:r>
+              <a:rPr lang="ru-RU" smtClean="0"/>
+              <a:t>, </a:t>
+            </a:r>
+          </a:p>
+          <a:p>
+            <a:r>
+              <a:rPr lang="ru-RU" smtClean="0"/>
+              <a:t>Вложенные подзадачи являются многомерными, и для их решения может быть применен способ редукции размерности на основе кривых Пеано.</a:t>
+            </a:r>
+          </a:p>
+          <a:p>
+            <a:r>
+              <a:rPr lang="ru-RU" smtClean="0"/>
+              <a:t>Процессы параллельной программы будут образовывать дерево, соответствующее уровням вложенных подзадач</a:t>
+            </a:r>
+          </a:p>
+          <a:p>
+            <a:r>
+              <a:rPr lang="ru-RU" smtClean="0"/>
+              <a:t>Каждый узел дерева является процессом</a:t>
+            </a:r>
+            <a:endParaRPr lang="en-US" smtClean="0"/>
+          </a:p>
+        </p:txBody>
+      </p:sp>
+      <p:sp>
+        <p:nvSpPr>
+          <p:cNvPr id="35844" name="Номер слайда 3"/>
           <p:cNvSpPr>
             <a:spLocks noGrp="1"/>
           </p:cNvSpPr>
@@ -3574,7 +3574,7 @@
           <a:bodyPr/>
           <a:lstStyle/>
           <a:p>
-            <a:fld id="{8833EE5A-888E-4685-97F9-944457B3DA4E}" type="slidenum">
+            <a:fld id="{0E5BF576-4AF6-40BB-A272-754E57A00650}" type="slidenum">
               <a:rPr lang="ru-RU" smtClean="0">
                 <a:latin typeface="Arial" pitchFamily="34" charset="0"/>
                 <a:cs typeface="Arial" pitchFamily="34" charset="0"/>
@@ -4384,7 +4384,7 @@
             <a:pPr>
               <a:defRPr/>
             </a:pPr>
-            <a:fld id="{163659D4-EA7A-479C-826F-B4D3CBFCA855}" type="slidenum">
+            <a:fld id="{71FA900E-5C13-4A52-B8DD-84DB81E6E3E9}" type="slidenum">
               <a:rPr lang="ru-RU"/>
               <a:pPr>
                 <a:defRPr/>
@@ -7581,7 +7581,7 @@
               </a:lnSpc>
               <a:defRPr/>
             </a:pPr>
-            <a:fld id="{FEFBF0A2-284F-4FBE-B325-0B3A9F62937A}" type="slidenum">
+            <a:fld id="{C36969C6-A102-4410-9B2D-BA9F9EE7F197}" type="slidenum">
               <a:rPr lang="ru-RU" sz="1200">
                 <a:cs typeface="Times New Roman" pitchFamily="18" charset="0"/>
               </a:rPr>
@@ -7600,7 +7600,7 @@
               <a:t> из </a:t>
             </a:r>
             <a:r>
-              <a:rPr lang="ru-RU" sz="1200" dirty="0" smtClean="0">
+              <a:rPr lang="ru-RU" sz="1200" dirty="0">
                 <a:cs typeface="Times New Roman" pitchFamily="18" charset="0"/>
               </a:rPr>
               <a:t>22</a:t>
@@ -7922,19 +7922,19 @@
   </p:cSld>
   <p:clrMap bg1="lt1" tx1="dk1" bg2="lt2" tx2="dk2" accent1="accent1" accent2="accent2" accent3="accent3" accent4="accent4" accent5="accent5" accent6="accent6" hlink="hlink" folHlink="folHlink"/>
   <p:sldLayoutIdLst>
-    <p:sldLayoutId id="2147483733" r:id="rId1"/>
-    <p:sldLayoutId id="2147483734" r:id="rId2"/>
-    <p:sldLayoutId id="2147483735" r:id="rId3"/>
-    <p:sldLayoutId id="2147483736" r:id="rId4"/>
-    <p:sldLayoutId id="2147483737" r:id="rId5"/>
-    <p:sldLayoutId id="2147483738" r:id="rId6"/>
-    <p:sldLayoutId id="2147483739" r:id="rId7"/>
-    <p:sldLayoutId id="2147483740" r:id="rId8"/>
-    <p:sldLayoutId id="2147483741" r:id="rId9"/>
-    <p:sldLayoutId id="2147483742" r:id="rId10"/>
-    <p:sldLayoutId id="2147483743" r:id="rId11"/>
-    <p:sldLayoutId id="2147483744" r:id="rId12"/>
-    <p:sldLayoutId id="2147483756" r:id="rId13"/>
+    <p:sldLayoutId id="2147483760" r:id="rId1"/>
+    <p:sldLayoutId id="2147483761" r:id="rId2"/>
+    <p:sldLayoutId id="2147483762" r:id="rId3"/>
+    <p:sldLayoutId id="2147483763" r:id="rId4"/>
+    <p:sldLayoutId id="2147483764" r:id="rId5"/>
+    <p:sldLayoutId id="2147483765" r:id="rId6"/>
+    <p:sldLayoutId id="2147483766" r:id="rId7"/>
+    <p:sldLayoutId id="2147483767" r:id="rId8"/>
+    <p:sldLayoutId id="2147483768" r:id="rId9"/>
+    <p:sldLayoutId id="2147483769" r:id="rId10"/>
+    <p:sldLayoutId id="2147483770" r:id="rId11"/>
+    <p:sldLayoutId id="2147483771" r:id="rId12"/>
+    <p:sldLayoutId id="2147483783" r:id="rId13"/>
   </p:sldLayoutIdLst>
   <p:timing>
     <p:tnLst>
@@ -8454,18 +8454,18 @@
   </p:cSld>
   <p:clrMap bg1="lt1" tx1="dk1" bg2="lt2" tx2="dk2" accent1="accent1" accent2="accent2" accent3="accent3" accent4="accent4" accent5="accent5" accent6="accent6" hlink="hlink" folHlink="folHlink"/>
   <p:sldLayoutIdLst>
-    <p:sldLayoutId id="2147483745" r:id="rId1"/>
-    <p:sldLayoutId id="2147483746" r:id="rId2"/>
-    <p:sldLayoutId id="2147483747" r:id="rId3"/>
-    <p:sldLayoutId id="2147483748" r:id="rId4"/>
-    <p:sldLayoutId id="2147483749" r:id="rId5"/>
-    <p:sldLayoutId id="2147483750" r:id="rId6"/>
-    <p:sldLayoutId id="2147483751" r:id="rId7"/>
-    <p:sldLayoutId id="2147483752" r:id="rId8"/>
-    <p:sldLayoutId id="2147483753" r:id="rId9"/>
-    <p:sldLayoutId id="2147483754" r:id="rId10"/>
-    <p:sldLayoutId id="2147483755" r:id="rId11"/>
-    <p:sldLayoutId id="2147483757" r:id="rId12"/>
+    <p:sldLayoutId id="2147483772" r:id="rId1"/>
+    <p:sldLayoutId id="2147483773" r:id="rId2"/>
+    <p:sldLayoutId id="2147483774" r:id="rId3"/>
+    <p:sldLayoutId id="2147483775" r:id="rId4"/>
+    <p:sldLayoutId id="2147483776" r:id="rId5"/>
+    <p:sldLayoutId id="2147483777" r:id="rId6"/>
+    <p:sldLayoutId id="2147483778" r:id="rId7"/>
+    <p:sldLayoutId id="2147483779" r:id="rId8"/>
+    <p:sldLayoutId id="2147483780" r:id="rId9"/>
+    <p:sldLayoutId id="2147483781" r:id="rId10"/>
+    <p:sldLayoutId id="2147483782" r:id="rId11"/>
+    <p:sldLayoutId id="2147483784" r:id="rId12"/>
   </p:sldLayoutIdLst>
   <p:timing>
     <p:tnLst>
@@ -9233,24 +9233,7 @@
                 </a:effectLst>
                 <a:cs typeface="Times New Roman" pitchFamily="18" charset="0"/>
               </a:rPr>
-              <a:t>технологий математики и </a:t>
-            </a:r>
-            <a:r>
-              <a:rPr lang="ru-RU" sz="1600" b="1" cap="small" dirty="0">
-                <a:solidFill>
-                  <a:srgbClr val="FFFFFF"/>
-                </a:solidFill>
-                <a:effectLst>
-                  <a:glow rad="139700">
-                    <a:srgbClr val="000000">
-                      <a:satMod val="175000"/>
-                      <a:alpha val="40000"/>
-                    </a:srgbClr>
-                  </a:glow>
-                </a:effectLst>
-                <a:cs typeface="Times New Roman" pitchFamily="18" charset="0"/>
-              </a:rPr>
-              <a:t>механики</a:t>
+              <a:t>технологий математики и механики</a:t>
             </a:r>
             <a:endParaRPr lang="en-US" sz="1600" b="1" cap="small" dirty="0">
               <a:solidFill>
@@ -9708,24 +9691,7 @@
                 </a:effectLst>
                 <a:cs typeface="Times New Roman" pitchFamily="18" charset="0"/>
               </a:rPr>
-              <a:t>К.А. Баркалов</a:t>
-            </a:r>
-            <a:r>
-              <a:rPr lang="ru-RU" sz="1600" b="1" cap="small" dirty="0">
-                <a:solidFill>
-                  <a:srgbClr val="FFFFFF"/>
-                </a:solidFill>
-                <a:effectLst>
-                  <a:glow rad="139700">
-                    <a:srgbClr val="000000">
-                      <a:satMod val="175000"/>
-                      <a:alpha val="40000"/>
-                    </a:srgbClr>
-                  </a:glow>
-                </a:effectLst>
-                <a:cs typeface="Times New Roman" pitchFamily="18" charset="0"/>
-              </a:rPr>
-              <a:t>,</a:t>
+              <a:t>К.А. Баркалов,</a:t>
             </a:r>
             <a:r>
               <a:rPr lang="en-US" sz="1600" b="1" cap="small" dirty="0">
@@ -9759,24 +9725,7 @@
                 </a:effectLst>
                 <a:cs typeface="Times New Roman" pitchFamily="18" charset="0"/>
               </a:rPr>
-              <a:t>И.Г</a:t>
-            </a:r>
-            <a:r>
-              <a:rPr lang="ru-RU" sz="1600" b="1" u="sng" cap="small" dirty="0">
-                <a:solidFill>
-                  <a:srgbClr val="FFFFFF"/>
-                </a:solidFill>
-                <a:effectLst>
-                  <a:glow rad="139700">
-                    <a:srgbClr val="000000">
-                      <a:satMod val="175000"/>
-                      <a:alpha val="40000"/>
-                    </a:srgbClr>
-                  </a:glow>
-                </a:effectLst>
-                <a:cs typeface="Times New Roman" pitchFamily="18" charset="0"/>
-              </a:rPr>
-              <a:t>. Лебедев</a:t>
+              <a:t>И.Г. Лебедев</a:t>
             </a:r>
             <a:endParaRPr lang="en-US" b="1" cap="small" dirty="0">
               <a:solidFill>
@@ -9863,7 +9812,7 @@
         </p:nvSpPr>
         <p:spPr>
           <a:xfrm>
-            <a:off x="142844" y="152400"/>
+            <a:off x="142875" y="152400"/>
             <a:ext cx="8572500" cy="457200"/>
           </a:xfrm>
         </p:spPr>
@@ -9872,7 +9821,7 @@
           <a:lstStyle/>
           <a:p>
             <a:r>
-              <a:rPr lang="ru-RU" dirty="0" smtClean="0"/>
+              <a:rPr lang="ru-RU" smtClean="0"/>
               <a:t>Блочная рекурсивная схема редукции размерности</a:t>
             </a:r>
           </a:p>
@@ -10232,7 +10181,7 @@
         </p:nvSpPr>
         <p:spPr>
           <a:xfrm>
-            <a:off x="142844" y="152400"/>
+            <a:off x="142875" y="152400"/>
             <a:ext cx="7772400" cy="457200"/>
           </a:xfrm>
         </p:spPr>
@@ -10241,7 +10190,7 @@
           <a:lstStyle/>
           <a:p>
             <a:r>
-              <a:rPr lang="ru-RU" dirty="0" smtClean="0"/>
+              <a:rPr lang="ru-RU" smtClean="0"/>
               <a:t>Организация параллельных вычислений</a:t>
             </a:r>
           </a:p>
@@ -10372,42 +10321,42 @@
                 </a:tabLst>
               </a:pPr>
               <a:r>
-                <a:rPr lang="en-US" sz="3200" dirty="0">
+                <a:rPr lang="en-US" sz="3200">
                   <a:latin typeface="Arial" pitchFamily="34" charset="0"/>
                   <a:cs typeface="Times New Roman" pitchFamily="18" charset="0"/>
                 </a:rPr>
                 <a:t>  </a:t>
               </a:r>
               <a:r>
-                <a:rPr lang="en-US" sz="3200" i="1" dirty="0">
+                <a:rPr lang="en-US" sz="3200" i="1">
                   <a:cs typeface="Times New Roman" pitchFamily="18" charset="0"/>
                   <a:sym typeface="Symbol" pitchFamily="18" charset="2"/>
                 </a:rPr>
                 <a:t></a:t>
               </a:r>
               <a:r>
-                <a:rPr lang="en-US" sz="3200" baseline="-30000" dirty="0">
+                <a:rPr lang="en-US" sz="3200" baseline="-30000">
                   <a:latin typeface="Arial" pitchFamily="34" charset="0"/>
                   <a:cs typeface="Times New Roman" pitchFamily="18" charset="0"/>
                 </a:rPr>
                 <a:t>1</a:t>
               </a:r>
               <a:r>
-                <a:rPr lang="en-US" sz="3200" i="1" dirty="0">
+                <a:rPr lang="en-US" sz="3200" i="1">
                   <a:cs typeface="Times New Roman" pitchFamily="18" charset="0"/>
                   <a:sym typeface="Symbol" pitchFamily="18" charset="2"/>
                 </a:rPr>
                 <a:t>(u</a:t>
               </a:r>
               <a:r>
-                <a:rPr lang="en-US" sz="3200" baseline="-30000" dirty="0">
+                <a:rPr lang="en-US" sz="3200" baseline="-30000">
                   <a:cs typeface="Times New Roman" pitchFamily="18" charset="0"/>
                   <a:sym typeface="Symbol" pitchFamily="18" charset="2"/>
                 </a:rPr>
                 <a:t>1</a:t>
               </a:r>
               <a:r>
-                <a:rPr lang="en-US" sz="3200" i="1" dirty="0">
+                <a:rPr lang="en-US" sz="3200" i="1">
                   <a:cs typeface="Times New Roman" pitchFamily="18" charset="0"/>
                   <a:sym typeface="Symbol" pitchFamily="18" charset="2"/>
                 </a:rPr>
@@ -10454,49 +10403,49 @@
                 </a:tabLst>
               </a:pPr>
               <a:r>
-                <a:rPr lang="en-US" sz="3200" i="1" dirty="0">
+                <a:rPr lang="en-US" sz="3200" i="1">
                   <a:cs typeface="Times New Roman" pitchFamily="18" charset="0"/>
                   <a:sym typeface="Symbol" pitchFamily="18" charset="2"/>
                 </a:rPr>
                 <a:t></a:t>
               </a:r>
               <a:r>
-                <a:rPr lang="en-US" sz="3200" baseline="-30000" dirty="0">
+                <a:rPr lang="en-US" sz="3200" baseline="-30000">
                   <a:latin typeface="Arial" pitchFamily="34" charset="0"/>
                   <a:cs typeface="Times New Roman" pitchFamily="18" charset="0"/>
                 </a:rPr>
                 <a:t>2</a:t>
               </a:r>
               <a:r>
-                <a:rPr lang="en-US" sz="3200" i="1" dirty="0">
+                <a:rPr lang="en-US" sz="3200" i="1">
                   <a:cs typeface="Times New Roman" pitchFamily="18" charset="0"/>
                   <a:sym typeface="Symbol" pitchFamily="18" charset="2"/>
                 </a:rPr>
                 <a:t>(u</a:t>
               </a:r>
               <a:r>
-                <a:rPr lang="en-US" sz="3200" baseline="-30000" dirty="0">
+                <a:rPr lang="en-US" sz="3200" baseline="-30000">
                   <a:cs typeface="Times New Roman" pitchFamily="18" charset="0"/>
                   <a:sym typeface="Symbol" pitchFamily="18" charset="2"/>
                 </a:rPr>
                 <a:t>1</a:t>
               </a:r>
               <a:r>
-                <a:rPr lang="en-US" sz="3200" i="1" dirty="0">
+                <a:rPr lang="en-US" sz="3200" i="1">
                   <a:cs typeface="Times New Roman" pitchFamily="18" charset="0"/>
                   <a:sym typeface="Symbol" pitchFamily="18" charset="2"/>
                 </a:rPr>
                 <a:t>*, u</a:t>
               </a:r>
               <a:r>
-                <a:rPr lang="en-US" sz="3200" baseline="-30000" dirty="0">
+                <a:rPr lang="en-US" sz="3200" baseline="-30000">
                   <a:cs typeface="Times New Roman" pitchFamily="18" charset="0"/>
                   <a:sym typeface="Symbol" pitchFamily="18" charset="2"/>
                 </a:rPr>
                 <a:t>2</a:t>
               </a:r>
               <a:r>
-                <a:rPr lang="en-US" sz="3200" i="1" dirty="0">
+                <a:rPr lang="en-US" sz="3200" i="1">
                   <a:cs typeface="Times New Roman" pitchFamily="18" charset="0"/>
                   <a:sym typeface="Symbol" pitchFamily="18" charset="2"/>
                 </a:rPr>
@@ -11160,27 +11109,27 @@
           <a:lstStyle/>
           <a:p>
             <a:r>
-              <a:rPr lang="en-US" i="1" dirty="0">
+              <a:rPr lang="en-US" i="1">
                 <a:cs typeface="Times New Roman" pitchFamily="18" charset="0"/>
                 <a:sym typeface="Symbol" pitchFamily="18" charset="2"/>
               </a:rPr>
               <a:t> *, u</a:t>
             </a:r>
             <a:r>
-              <a:rPr lang="en-US" baseline="-30000" dirty="0">
+              <a:rPr lang="en-US" baseline="-30000">
                 <a:cs typeface="Times New Roman" pitchFamily="18" charset="0"/>
                 <a:sym typeface="Symbol" pitchFamily="18" charset="2"/>
               </a:rPr>
               <a:t>2</a:t>
             </a:r>
             <a:r>
-              <a:rPr lang="en-US" i="1" dirty="0">
+              <a:rPr lang="en-US" i="1">
                 <a:cs typeface="Times New Roman" pitchFamily="18" charset="0"/>
                 <a:sym typeface="Symbol" pitchFamily="18" charset="2"/>
               </a:rPr>
               <a:t>*</a:t>
             </a:r>
-            <a:endParaRPr lang="ru-RU" dirty="0">
+            <a:endParaRPr lang="ru-RU">
               <a:cs typeface="Times New Roman" pitchFamily="18" charset="0"/>
             </a:endParaRPr>
           </a:p>
@@ -11295,20 +11244,20 @@
               <a:buNone/>
             </a:pPr>
             <a:r>
-              <a:rPr lang="en-US" sz="2400" dirty="0" smtClean="0">
+              <a:rPr lang="en-US" sz="2400" smtClean="0">
                 <a:latin typeface="Arial" pitchFamily="34" charset="0"/>
                 <a:cs typeface="Arial" pitchFamily="34" charset="0"/>
               </a:rPr>
               <a:t>GKLS </a:t>
             </a:r>
             <a:r>
-              <a:rPr lang="ru-RU" sz="2400" dirty="0" smtClean="0">
+              <a:rPr lang="ru-RU" sz="2400" smtClean="0">
                 <a:latin typeface="Arial" pitchFamily="34" charset="0"/>
                 <a:cs typeface="Arial" pitchFamily="34" charset="0"/>
               </a:rPr>
               <a:t>генератор позволяет получать задачи многоэкстремальной оптимизации с заранее известными свойствами: количеством локальных минимумов, размерами их областей притяжения, точкой глобального минимума, значением функции в ней и т.п. </a:t>
             </a:r>
-            <a:endParaRPr lang="en-US" sz="2400" dirty="0" smtClean="0">
+            <a:endParaRPr lang="en-US" sz="2400" smtClean="0">
               <a:latin typeface="Arial" pitchFamily="34" charset="0"/>
               <a:cs typeface="Arial" pitchFamily="34" charset="0"/>
             </a:endParaRPr>
@@ -11318,7 +11267,7 @@
               <a:buFontTx/>
               <a:buNone/>
             </a:pPr>
-            <a:endParaRPr lang="ru-RU" dirty="0" smtClean="0">
+            <a:endParaRPr lang="ru-RU" smtClean="0">
               <a:latin typeface="Arial" pitchFamily="34" charset="0"/>
               <a:cs typeface="Arial" pitchFamily="34" charset="0"/>
             </a:endParaRPr>
@@ -11337,7 +11286,7 @@
         </p:nvSpPr>
         <p:spPr>
           <a:xfrm>
-            <a:off x="142844" y="152400"/>
+            <a:off x="142875" y="152400"/>
             <a:ext cx="7772400" cy="457200"/>
           </a:xfrm>
         </p:spPr>
@@ -11346,10 +11295,10 @@
           <a:lstStyle/>
           <a:p>
             <a:r>
-              <a:rPr lang="en-US" dirty="0" smtClean="0"/>
+              <a:rPr lang="en-US" smtClean="0"/>
               <a:t>GKLS generator </a:t>
             </a:r>
-            <a:endParaRPr lang="ru-RU" dirty="0" smtClean="0"/>
+            <a:endParaRPr lang="ru-RU" smtClean="0"/>
           </a:p>
         </p:txBody>
       </p:sp>
@@ -11465,7 +11414,7 @@
           <a:lstStyle/>
           <a:p>
             <a:r>
-              <a:rPr lang="ru-RU" sz="2400" dirty="0" smtClean="0">
+              <a:rPr lang="ru-RU" sz="2400" smtClean="0">
                 <a:latin typeface="Arial" pitchFamily="34" charset="0"/>
                 <a:cs typeface="Arial" pitchFamily="34" charset="0"/>
               </a:rPr>
@@ -11474,118 +11423,48 @@
           </a:p>
           <a:p>
             <a:r>
-              <a:rPr lang="ru-RU" sz="2400" dirty="0" smtClean="0">
+              <a:rPr lang="ru-RU" sz="2400" smtClean="0">
                 <a:latin typeface="Arial" pitchFamily="34" charset="0"/>
                 <a:cs typeface="Arial" pitchFamily="34" charset="0"/>
               </a:rPr>
-              <a:t>Узел кластера располагает двумя 4-х ядерных процессора </a:t>
-            </a:r>
-            <a:r>
-              <a:rPr lang="ru-RU" sz="2400" dirty="0" err="1" smtClean="0">
-                <a:latin typeface="Arial" pitchFamily="34" charset="0"/>
-                <a:cs typeface="Arial" pitchFamily="34" charset="0"/>
-              </a:rPr>
-              <a:t>Intel</a:t>
-            </a:r>
-            <a:r>
-              <a:rPr lang="ru-RU" sz="2400" dirty="0" smtClean="0">
-                <a:latin typeface="Arial" pitchFamily="34" charset="0"/>
-                <a:cs typeface="Arial" pitchFamily="34" charset="0"/>
-              </a:rPr>
-              <a:t> </a:t>
-            </a:r>
-            <a:r>
-              <a:rPr lang="ru-RU" sz="2400" dirty="0" err="1" smtClean="0">
-                <a:latin typeface="Arial" pitchFamily="34" charset="0"/>
-                <a:cs typeface="Arial" pitchFamily="34" charset="0"/>
-              </a:rPr>
-              <a:t>Xeon</a:t>
-            </a:r>
-            <a:r>
-              <a:rPr lang="ru-RU" sz="2400" dirty="0" smtClean="0">
-                <a:latin typeface="Arial" pitchFamily="34" charset="0"/>
-                <a:cs typeface="Arial" pitchFamily="34" charset="0"/>
-              </a:rPr>
-              <a:t> L5630 2.13 </a:t>
-            </a:r>
-            <a:r>
-              <a:rPr lang="ru-RU" sz="2400" dirty="0" err="1" smtClean="0">
-                <a:latin typeface="Arial" pitchFamily="34" charset="0"/>
-                <a:cs typeface="Arial" pitchFamily="34" charset="0"/>
-              </a:rPr>
-              <a:t>GHz</a:t>
-            </a:r>
-            <a:r>
-              <a:rPr lang="ru-RU" sz="2400" dirty="0" smtClean="0">
-                <a:latin typeface="Arial" pitchFamily="34" charset="0"/>
-                <a:cs typeface="Arial" pitchFamily="34" charset="0"/>
-              </a:rPr>
-              <a:t>, 24 </a:t>
-            </a:r>
-            <a:r>
-              <a:rPr lang="ru-RU" sz="2400" dirty="0" err="1" smtClean="0">
-                <a:latin typeface="Arial" pitchFamily="34" charset="0"/>
-                <a:cs typeface="Arial" pitchFamily="34" charset="0"/>
-              </a:rPr>
-              <a:t>Gb</a:t>
-            </a:r>
-            <a:r>
-              <a:rPr lang="ru-RU" sz="2400" dirty="0" smtClean="0">
-                <a:latin typeface="Arial" pitchFamily="34" charset="0"/>
-                <a:cs typeface="Arial" pitchFamily="34" charset="0"/>
-              </a:rPr>
-              <a:t> RAM, две видео карты NVIDIA </a:t>
-            </a:r>
-            <a:r>
-              <a:rPr lang="ru-RU" sz="2400" dirty="0" err="1" smtClean="0">
-                <a:latin typeface="Arial" pitchFamily="34" charset="0"/>
-                <a:cs typeface="Arial" pitchFamily="34" charset="0"/>
-              </a:rPr>
-              <a:t>Tesla</a:t>
-            </a:r>
-            <a:r>
-              <a:rPr lang="ru-RU" sz="2400" dirty="0" smtClean="0">
-                <a:latin typeface="Arial" pitchFamily="34" charset="0"/>
-                <a:cs typeface="Arial" pitchFamily="34" charset="0"/>
-              </a:rPr>
-              <a:t> X2070. </a:t>
-            </a:r>
-            <a:endParaRPr lang="en-US" sz="2400" dirty="0" smtClean="0">
+              <a:t>Узел кластера располагает двумя 4-х ядерных процессора Intel Xeon L5630 2.13 GHz, 24 Gb RAM, две видео карты NVIDIA Tesla X2070. </a:t>
+            </a:r>
+            <a:endParaRPr lang="en-US" sz="2400" smtClean="0">
               <a:latin typeface="Arial" pitchFamily="34" charset="0"/>
               <a:cs typeface="Arial" pitchFamily="34" charset="0"/>
             </a:endParaRPr>
           </a:p>
           <a:p>
             <a:r>
-              <a:rPr lang="ru-RU" sz="2400" dirty="0" smtClean="0">
+              <a:rPr lang="ru-RU" sz="2400" smtClean="0">
                 <a:latin typeface="Arial" pitchFamily="34" charset="0"/>
                 <a:cs typeface="Arial" pitchFamily="34" charset="0"/>
               </a:rPr>
               <a:t>Каждая видео карта располагает 6 </a:t>
             </a:r>
             <a:r>
-              <a:rPr lang="en-US" sz="2400" dirty="0" err="1" smtClean="0">
+              <a:rPr lang="en-US" sz="2400" smtClean="0">
                 <a:latin typeface="Arial" pitchFamily="34" charset="0"/>
                 <a:cs typeface="Arial" pitchFamily="34" charset="0"/>
               </a:rPr>
               <a:t>Gb</a:t>
             </a:r>
             <a:r>
-              <a:rPr lang="ru-RU" sz="2400" dirty="0" smtClean="0">
+              <a:rPr lang="ru-RU" sz="2400" smtClean="0">
                 <a:latin typeface="Arial" pitchFamily="34" charset="0"/>
                 <a:cs typeface="Arial" pitchFamily="34" charset="0"/>
               </a:rPr>
               <a:t> памяти и 448 </a:t>
             </a:r>
             <a:r>
-              <a:rPr lang="en-US" sz="2400" dirty="0" smtClean="0">
+              <a:rPr lang="en-US" sz="2400" smtClean="0">
                 <a:latin typeface="Arial" pitchFamily="34" charset="0"/>
                 <a:cs typeface="Arial" pitchFamily="34" charset="0"/>
               </a:rPr>
               <a:t>CUDA </a:t>
             </a:r>
             <a:r>
-              <a:rPr lang="ru-RU" sz="2400" dirty="0" smtClean="0">
+              <a:rPr lang="ru-RU" sz="2400" smtClean="0">
                 <a:latin typeface="Arial" pitchFamily="34" charset="0"/>
                 <a:cs typeface="Arial" pitchFamily="34" charset="0"/>
               </a:rPr>
@@ -11594,7 +11473,7 @@
           </a:p>
           <a:p>
             <a:r>
-              <a:rPr lang="ru-RU" sz="2400" dirty="0" smtClean="0">
+              <a:rPr lang="ru-RU" sz="2400" smtClean="0">
                 <a:latin typeface="Arial" pitchFamily="34" charset="0"/>
                 <a:cs typeface="Arial" pitchFamily="34" charset="0"/>
               </a:rPr>
@@ -11615,7 +11494,7 @@
         </p:nvSpPr>
         <p:spPr>
           <a:xfrm>
-            <a:off x="142844" y="152400"/>
+            <a:off x="142875" y="152400"/>
             <a:ext cx="7772400" cy="457200"/>
           </a:xfrm>
         </p:spPr>
@@ -11624,10 +11503,10 @@
           <a:lstStyle/>
           <a:p>
             <a:r>
-              <a:rPr lang="en-US" dirty="0" smtClean="0"/>
+              <a:rPr lang="en-US" smtClean="0"/>
               <a:t>GKLS generator </a:t>
             </a:r>
-            <a:endParaRPr lang="ru-RU" dirty="0" smtClean="0"/>
+            <a:endParaRPr lang="ru-RU" smtClean="0"/>
           </a:p>
         </p:txBody>
       </p:sp>
@@ -11675,8 +11554,8 @@
         </p:nvSpPr>
         <p:spPr>
           <a:xfrm>
-            <a:off x="285720" y="836613"/>
-            <a:ext cx="8429684" cy="4968875"/>
+            <a:off x="285750" y="836613"/>
+            <a:ext cx="8429625" cy="4968875"/>
           </a:xfrm>
         </p:spPr>
         <p:txBody>
@@ -11688,69 +11567,62 @@
               <a:buNone/>
             </a:pPr>
             <a:r>
-              <a:rPr lang="ru-RU" sz="2400" dirty="0" smtClean="0">
+              <a:rPr lang="ru-RU" sz="2400" smtClean="0">
                 <a:latin typeface="Arial" pitchFamily="34" charset="0"/>
                 <a:cs typeface="Arial" pitchFamily="34" charset="0"/>
               </a:rPr>
               <a:t>Результаты сравнения трех последовательных алгоритмов </a:t>
             </a:r>
             <a:r>
-              <a:rPr lang="en-US" sz="2400" dirty="0" smtClean="0">
+              <a:rPr lang="en-US" sz="2400" smtClean="0">
                 <a:latin typeface="Arial" pitchFamily="34" charset="0"/>
                 <a:cs typeface="Arial" pitchFamily="34" charset="0"/>
               </a:rPr>
-              <a:t>– DIRECT [1], </a:t>
-            </a:r>
-            <a:r>
-              <a:rPr lang="en-US" sz="2400" dirty="0" err="1" smtClean="0">
+              <a:t>– DIRECT [1], DIRECT</a:t>
+            </a:r>
+            <a:r>
+              <a:rPr lang="en-US" sz="2400" i="1" smtClean="0">
                 <a:latin typeface="Arial" pitchFamily="34" charset="0"/>
                 <a:cs typeface="Arial" pitchFamily="34" charset="0"/>
               </a:rPr>
-              <a:t>DIRECT</a:t>
-            </a:r>
-            <a:r>
-              <a:rPr lang="en-US" sz="2400" i="1" dirty="0" err="1" smtClean="0">
+              <a:t>l</a:t>
+            </a:r>
+            <a:r>
+              <a:rPr lang="en-US" sz="2400" smtClean="0">
                 <a:latin typeface="Arial" pitchFamily="34" charset="0"/>
                 <a:cs typeface="Arial" pitchFamily="34" charset="0"/>
               </a:rPr>
-              <a:t>l</a:t>
-            </a:r>
-            <a:r>
-              <a:rPr lang="en-US" sz="2400" dirty="0" smtClean="0">
+              <a:t> [2] </a:t>
+            </a:r>
+            <a:r>
+              <a:rPr lang="ru-RU" sz="2400" smtClean="0">
                 <a:latin typeface="Arial" pitchFamily="34" charset="0"/>
                 <a:cs typeface="Arial" pitchFamily="34" charset="0"/>
               </a:rPr>
-              <a:t> [2] </a:t>
-            </a:r>
-            <a:r>
-              <a:rPr lang="ru-RU" sz="2400" dirty="0" smtClean="0">
+              <a:t>и алгоритм глобального поиска</a:t>
+            </a:r>
+            <a:r>
+              <a:rPr lang="en-US" sz="2400" smtClean="0">
                 <a:latin typeface="Arial" pitchFamily="34" charset="0"/>
                 <a:cs typeface="Arial" pitchFamily="34" charset="0"/>
               </a:rPr>
-              <a:t>и алгоритм глобального поиска</a:t>
-            </a:r>
-            <a:r>
-              <a:rPr lang="en-US" sz="2400" dirty="0" smtClean="0">
+              <a:t> (</a:t>
+            </a:r>
+            <a:r>
+              <a:rPr lang="ru-RU" sz="2400" smtClean="0">
                 <a:latin typeface="Arial" pitchFamily="34" charset="0"/>
                 <a:cs typeface="Arial" pitchFamily="34" charset="0"/>
               </a:rPr>
-              <a:t> (</a:t>
-            </a:r>
-            <a:r>
-              <a:rPr lang="ru-RU" sz="2400" dirty="0" smtClean="0">
+              <a:t>АГП</a:t>
+            </a:r>
+            <a:r>
+              <a:rPr lang="en-US" sz="2400" smtClean="0">
                 <a:latin typeface="Arial" pitchFamily="34" charset="0"/>
                 <a:cs typeface="Arial" pitchFamily="34" charset="0"/>
               </a:rPr>
-              <a:t>АГП</a:t>
-            </a:r>
-            <a:r>
-              <a:rPr lang="en-US" sz="2400" dirty="0" smtClean="0">
-                <a:latin typeface="Arial" pitchFamily="34" charset="0"/>
-                <a:cs typeface="Arial" pitchFamily="34" charset="0"/>
-              </a:rPr>
               <a:t>)</a:t>
             </a:r>
-            <a:endParaRPr lang="ru-RU" sz="2400" dirty="0" smtClean="0">
+            <a:endParaRPr lang="ru-RU" sz="2400" smtClean="0">
               <a:latin typeface="Arial" pitchFamily="34" charset="0"/>
               <a:cs typeface="Arial" pitchFamily="34" charset="0"/>
             </a:endParaRPr>
@@ -11760,7 +11632,7 @@
               <a:buFontTx/>
               <a:buNone/>
             </a:pPr>
-            <a:endParaRPr lang="ru-RU" sz="2400" dirty="0" smtClean="0">
+            <a:endParaRPr lang="ru-RU" sz="2400" smtClean="0">
               <a:latin typeface="Arial" pitchFamily="34" charset="0"/>
               <a:cs typeface="Arial" pitchFamily="34" charset="0"/>
             </a:endParaRPr>
@@ -11770,7 +11642,7 @@
               <a:buFontTx/>
               <a:buNone/>
             </a:pPr>
-            <a:endParaRPr lang="ru-RU" sz="2400" dirty="0" smtClean="0">
+            <a:endParaRPr lang="ru-RU" sz="2400" smtClean="0">
               <a:latin typeface="Arial" pitchFamily="34" charset="0"/>
               <a:cs typeface="Arial" pitchFamily="34" charset="0"/>
             </a:endParaRPr>
@@ -11780,7 +11652,7 @@
               <a:buFontTx/>
               <a:buNone/>
             </a:pPr>
-            <a:endParaRPr lang="ru-RU" sz="2400" dirty="0" smtClean="0">
+            <a:endParaRPr lang="ru-RU" sz="2400" smtClean="0">
               <a:latin typeface="Arial" pitchFamily="34" charset="0"/>
               <a:cs typeface="Arial" pitchFamily="34" charset="0"/>
             </a:endParaRPr>
@@ -11790,7 +11662,7 @@
               <a:buFontTx/>
               <a:buNone/>
             </a:pPr>
-            <a:endParaRPr lang="ru-RU" sz="2400" dirty="0" smtClean="0">
+            <a:endParaRPr lang="ru-RU" sz="2400" smtClean="0">
               <a:latin typeface="Arial" pitchFamily="34" charset="0"/>
               <a:cs typeface="Arial" pitchFamily="34" charset="0"/>
             </a:endParaRPr>
@@ -11800,7 +11672,7 @@
               <a:buFontTx/>
               <a:buNone/>
             </a:pPr>
-            <a:endParaRPr lang="ru-RU" sz="2400" dirty="0" smtClean="0">
+            <a:endParaRPr lang="ru-RU" sz="2400" smtClean="0">
               <a:latin typeface="Arial" pitchFamily="34" charset="0"/>
               <a:cs typeface="Arial" pitchFamily="34" charset="0"/>
             </a:endParaRPr>
@@ -11810,7 +11682,7 @@
               <a:buFontTx/>
               <a:buNone/>
             </a:pPr>
-            <a:endParaRPr lang="ru-RU" sz="2400" dirty="0" smtClean="0">
+            <a:endParaRPr lang="ru-RU" sz="2400" smtClean="0">
               <a:latin typeface="Arial" pitchFamily="34" charset="0"/>
               <a:cs typeface="Arial" pitchFamily="34" charset="0"/>
             </a:endParaRPr>
@@ -11821,23 +11693,12 @@
               <a:buNone/>
             </a:pPr>
             <a:r>
-              <a:rPr lang="ru-RU" sz="2400" dirty="0" smtClean="0">
+              <a:rPr lang="ru-RU" sz="2400" smtClean="0">
                 <a:latin typeface="Arial" pitchFamily="34" charset="0"/>
                 <a:cs typeface="Arial" pitchFamily="34" charset="0"/>
               </a:rPr>
-              <a:t>Критерий остановки: 		</a:t>
-            </a:r>
-            <a:r>
-              <a:rPr lang="ru-RU" sz="2400" dirty="0" smtClean="0">
-                <a:latin typeface="Arial" pitchFamily="34" charset="0"/>
-                <a:cs typeface="Arial" pitchFamily="34" charset="0"/>
-              </a:rPr>
-              <a:t> , </a:t>
-            </a:r>
-            <a:endParaRPr lang="ru-RU" sz="2400" dirty="0" smtClean="0">
-              <a:latin typeface="Arial" pitchFamily="34" charset="0"/>
-              <a:cs typeface="Arial" pitchFamily="34" charset="0"/>
-            </a:endParaRPr>
+              <a:t>Критерий остановки: 		 , </a:t>
+            </a:r>
           </a:p>
           <a:p>
             <a:pPr marL="0" indent="0" algn="r">
@@ -11845,65 +11706,19 @@
               <a:buNone/>
             </a:pPr>
             <a:r>
-              <a:rPr lang="ru-RU" i="1" dirty="0" smtClean="0">
+              <a:rPr lang="ru-RU" i="1" smtClean="0">
                 <a:latin typeface="Arial" pitchFamily="34" charset="0"/>
                 <a:cs typeface="Arial" pitchFamily="34" charset="0"/>
               </a:rPr>
               <a:t>Результаты работы первых двух алгоритмов приводятся по работе  </a:t>
             </a:r>
             <a:r>
-              <a:rPr lang="en-US" i="1" dirty="0" err="1" smtClean="0">
+              <a:rPr lang="en-US" i="1" smtClean="0">
                 <a:latin typeface="Arial" pitchFamily="34" charset="0"/>
                 <a:cs typeface="Arial" pitchFamily="34" charset="0"/>
               </a:rPr>
-              <a:t>Sergeyev</a:t>
-            </a:r>
-            <a:r>
-              <a:rPr lang="en-US" i="1" dirty="0" smtClean="0">
-                <a:latin typeface="Arial" pitchFamily="34" charset="0"/>
-                <a:cs typeface="Arial" pitchFamily="34" charset="0"/>
-              </a:rPr>
-              <a:t>, </a:t>
-            </a:r>
-            <a:r>
-              <a:rPr lang="en-US" i="1" dirty="0" err="1" smtClean="0">
-                <a:latin typeface="Arial" pitchFamily="34" charset="0"/>
-                <a:cs typeface="Arial" pitchFamily="34" charset="0"/>
-              </a:rPr>
-              <a:t>Ya.D</a:t>
-            </a:r>
-            <a:r>
-              <a:rPr lang="en-US" i="1" dirty="0" smtClean="0">
-                <a:latin typeface="Arial" pitchFamily="34" charset="0"/>
-                <a:cs typeface="Arial" pitchFamily="34" charset="0"/>
-              </a:rPr>
-              <a:t>. Global search based on efficient diagonal partitions and a set of </a:t>
-            </a:r>
-            <a:r>
-              <a:rPr lang="en-US" i="1" dirty="0" err="1" smtClean="0">
-                <a:latin typeface="Arial" pitchFamily="34" charset="0"/>
-                <a:cs typeface="Arial" pitchFamily="34" charset="0"/>
-              </a:rPr>
-              <a:t>Lipschitz</a:t>
-            </a:r>
-            <a:r>
-              <a:rPr lang="en-US" i="1" dirty="0" smtClean="0">
-                <a:latin typeface="Arial" pitchFamily="34" charset="0"/>
-                <a:cs typeface="Arial" pitchFamily="34" charset="0"/>
-              </a:rPr>
-              <a:t> </a:t>
-            </a:r>
-            <a:r>
-              <a:rPr lang="en-US" i="1" dirty="0" smtClean="0">
-                <a:latin typeface="Arial" pitchFamily="34" charset="0"/>
-                <a:cs typeface="Arial" pitchFamily="34" charset="0"/>
-              </a:rPr>
-              <a:t>constants.</a:t>
-            </a:r>
-            <a:endParaRPr lang="en-US" i="1" dirty="0" smtClean="0">
-              <a:latin typeface="Arial" pitchFamily="34" charset="0"/>
-              <a:cs typeface="Arial" pitchFamily="34" charset="0"/>
-            </a:endParaRPr>
+              <a:t>Sergeyev, Ya.D. Global search based on efficient diagonal partitions and a set of Lipschitz constants.</a:t>
+            </a:r>
           </a:p>
         </p:txBody>
       </p:sp>
@@ -11919,7 +11734,7 @@
         </p:nvSpPr>
         <p:spPr>
           <a:xfrm>
-            <a:off x="142844" y="152400"/>
+            <a:off x="142875" y="152400"/>
             <a:ext cx="7772400" cy="457200"/>
           </a:xfrm>
         </p:spPr>
@@ -11928,7 +11743,7 @@
           <a:lstStyle/>
           <a:p>
             <a:r>
-              <a:rPr lang="ru-RU" dirty="0" smtClean="0"/>
+              <a:rPr lang="ru-RU" smtClean="0"/>
               <a:t>Сравнение с другими методами</a:t>
             </a:r>
           </a:p>
@@ -13158,7 +12973,7 @@
           <p:nvPr/>
         </p:nvGraphicFramePr>
         <p:xfrm>
-          <a:off x="3740156" y="4572008"/>
+          <a:off x="3740150" y="4572000"/>
           <a:ext cx="1689100" cy="576263"/>
         </p:xfrm>
         <a:graphic>
@@ -13222,7 +13037,7 @@
           <p:nvPr/>
         </p:nvGraphicFramePr>
         <p:xfrm>
-          <a:off x="5654696" y="4564063"/>
+          <a:off x="5654675" y="4564063"/>
           <a:ext cx="1917700" cy="593725"/>
         </p:xfrm>
         <a:graphic>
@@ -13308,7 +13123,7 @@
         </p:nvSpPr>
         <p:spPr>
           <a:xfrm>
-            <a:off x="142844" y="152400"/>
+            <a:off x="142875" y="152400"/>
             <a:ext cx="7772400" cy="457200"/>
           </a:xfrm>
         </p:spPr>
@@ -13317,14 +13132,14 @@
           <a:lstStyle/>
           <a:p>
             <a:r>
-              <a:rPr lang="ru-RU" dirty="0" smtClean="0"/>
+              <a:rPr lang="ru-RU" smtClean="0"/>
               <a:t>Решение на </a:t>
             </a:r>
             <a:r>
-              <a:rPr lang="en-US" dirty="0" smtClean="0"/>
+              <a:rPr lang="en-US" smtClean="0"/>
               <a:t>CPU</a:t>
             </a:r>
-            <a:endParaRPr lang="ru-RU" dirty="0" smtClean="0"/>
+            <a:endParaRPr lang="ru-RU" smtClean="0"/>
           </a:p>
         </p:txBody>
       </p:sp>
@@ -18848,7 +18663,7 @@
         </p:nvSpPr>
         <p:spPr>
           <a:xfrm>
-            <a:off x="142844" y="152400"/>
+            <a:off x="142875" y="152400"/>
             <a:ext cx="7772400" cy="457200"/>
           </a:xfrm>
         </p:spPr>
@@ -18857,14 +18672,14 @@
           <a:lstStyle/>
           <a:p>
             <a:r>
-              <a:rPr lang="ru-RU" dirty="0" smtClean="0"/>
+              <a:rPr lang="ru-RU" smtClean="0"/>
               <a:t>Решение на </a:t>
             </a:r>
             <a:r>
-              <a:rPr lang="en-US" dirty="0" smtClean="0"/>
+              <a:rPr lang="en-US" smtClean="0"/>
               <a:t>GPU</a:t>
             </a:r>
-            <a:endParaRPr lang="ru-RU" dirty="0" smtClean="0"/>
+            <a:endParaRPr lang="ru-RU" smtClean="0"/>
           </a:p>
         </p:txBody>
       </p:sp>
@@ -18893,62 +18708,62 @@
               <a:buNone/>
             </a:pPr>
             <a:r>
-              <a:rPr lang="ru-RU" sz="2400" dirty="0" smtClean="0">
+              <a:rPr lang="ru-RU" sz="2400" smtClean="0">
                 <a:latin typeface="Arial" pitchFamily="34" charset="0"/>
                 <a:cs typeface="Arial" pitchFamily="34" charset="0"/>
               </a:rPr>
               <a:t>Параллельный алгоритм глобального поиска для вычислений целевой функции используется </a:t>
             </a:r>
             <a:r>
-              <a:rPr lang="en-US" sz="2400" dirty="0" smtClean="0">
+              <a:rPr lang="en-US" sz="2400" smtClean="0">
                 <a:latin typeface="Arial" pitchFamily="34" charset="0"/>
                 <a:cs typeface="Arial" pitchFamily="34" charset="0"/>
               </a:rPr>
               <a:t>CUDA.</a:t>
             </a:r>
             <a:r>
-              <a:rPr lang="ru-RU" sz="2400" dirty="0" smtClean="0">
+              <a:rPr lang="ru-RU" sz="2400" smtClean="0">
                 <a:latin typeface="Arial" pitchFamily="34" charset="0"/>
                 <a:cs typeface="Arial" pitchFamily="34" charset="0"/>
               </a:rPr>
               <a:t> На узле два ускорителя по </a:t>
             </a:r>
             <a:r>
-              <a:rPr lang="en-US" sz="2400" i="1" dirty="0" smtClean="0">
+              <a:rPr lang="en-US" sz="2400" i="1" smtClean="0">
                 <a:latin typeface="Arial" pitchFamily="34" charset="0"/>
                 <a:cs typeface="Arial" pitchFamily="34" charset="0"/>
               </a:rPr>
               <a:t>p</a:t>
             </a:r>
             <a:r>
-              <a:rPr lang="ru-RU" sz="2400" i="1" dirty="0" smtClean="0">
+              <a:rPr lang="ru-RU" sz="2400" i="1" smtClean="0">
                 <a:latin typeface="Arial" pitchFamily="34" charset="0"/>
                 <a:cs typeface="Arial" pitchFamily="34" charset="0"/>
               </a:rPr>
               <a:t> </a:t>
             </a:r>
             <a:r>
-              <a:rPr lang="ru-RU" sz="2400" dirty="0" smtClean="0">
+              <a:rPr lang="ru-RU" sz="2400" smtClean="0">
                 <a:latin typeface="Arial" pitchFamily="34" charset="0"/>
                 <a:cs typeface="Arial" pitchFamily="34" charset="0"/>
               </a:rPr>
               <a:t>нитей на каждом. Размер </a:t>
             </a:r>
             <a:r>
-              <a:rPr lang="en-US" sz="2400" dirty="0" smtClean="0">
+              <a:rPr lang="en-US" sz="2400" smtClean="0">
                 <a:latin typeface="Arial" pitchFamily="34" charset="0"/>
                 <a:cs typeface="Arial" pitchFamily="34" charset="0"/>
               </a:rPr>
               <a:t>CUDA </a:t>
             </a:r>
             <a:r>
-              <a:rPr lang="ru-RU" sz="2400" dirty="0" smtClean="0">
+              <a:rPr lang="ru-RU" sz="2400" smtClean="0">
                 <a:latin typeface="Arial" pitchFamily="34" charset="0"/>
                 <a:cs typeface="Arial" pitchFamily="34" charset="0"/>
               </a:rPr>
               <a:t>блока равен 32.  Каждая нить вычисляет одну функцию. </a:t>
             </a:r>
-            <a:endParaRPr lang="en-US" sz="2400" dirty="0" smtClean="0">
+            <a:endParaRPr lang="en-US" sz="2400" smtClean="0">
               <a:latin typeface="Arial" pitchFamily="34" charset="0"/>
               <a:cs typeface="Arial" pitchFamily="34" charset="0"/>
             </a:endParaRPr>
@@ -22045,96 +21860,96 @@
               <a:buNone/>
             </a:pPr>
             <a:r>
-              <a:rPr lang="en-US" sz="2400" dirty="0" smtClean="0">
+              <a:rPr lang="en-US" sz="2400" smtClean="0">
                 <a:latin typeface="Arial" pitchFamily="34" charset="0"/>
                 <a:cs typeface="Arial" pitchFamily="34" charset="0"/>
               </a:rPr>
               <a:t>	</a:t>
             </a:r>
             <a:r>
-              <a:rPr lang="ru-RU" sz="2400" dirty="0" smtClean="0">
+              <a:rPr lang="ru-RU" sz="2400" smtClean="0">
                 <a:latin typeface="Arial" pitchFamily="34" charset="0"/>
                 <a:cs typeface="Arial" pitchFamily="34" charset="0"/>
               </a:rPr>
               <a:t>  Параллельный алгоритм перебора, вычислений происходят на </a:t>
             </a:r>
             <a:r>
-              <a:rPr lang="en-US" sz="2400" dirty="0" smtClean="0">
+              <a:rPr lang="en-US" sz="2400" smtClean="0">
                 <a:latin typeface="Arial" pitchFamily="34" charset="0"/>
                 <a:cs typeface="Arial" pitchFamily="34" charset="0"/>
               </a:rPr>
               <a:t>GPU </a:t>
             </a:r>
             <a:r>
-              <a:rPr lang="ru-RU" sz="2400" dirty="0" smtClean="0">
+              <a:rPr lang="ru-RU" sz="2400" smtClean="0">
                 <a:latin typeface="Arial" pitchFamily="34" charset="0"/>
                 <a:cs typeface="Arial" pitchFamily="34" charset="0"/>
               </a:rPr>
               <a:t>с использованием  </a:t>
             </a:r>
             <a:r>
-              <a:rPr lang="en-US" sz="2400" dirty="0" smtClean="0">
+              <a:rPr lang="en-US" sz="2400" smtClean="0">
                 <a:latin typeface="Arial" pitchFamily="34" charset="0"/>
                 <a:cs typeface="Arial" pitchFamily="34" charset="0"/>
               </a:rPr>
               <a:t>CUDA.</a:t>
             </a:r>
             <a:r>
-              <a:rPr lang="ru-RU" sz="2400" dirty="0" smtClean="0">
+              <a:rPr lang="ru-RU" sz="2400" smtClean="0">
                 <a:latin typeface="Arial" pitchFamily="34" charset="0"/>
                 <a:cs typeface="Arial" pitchFamily="34" charset="0"/>
               </a:rPr>
               <a:t> На узле два ускорителя, число нитей вычисляется  исходя из шага сетки. Размер </a:t>
             </a:r>
             <a:r>
-              <a:rPr lang="en-US" sz="2400" dirty="0" smtClean="0">
+              <a:rPr lang="en-US" sz="2400" smtClean="0">
                 <a:latin typeface="Arial" pitchFamily="34" charset="0"/>
                 <a:cs typeface="Arial" pitchFamily="34" charset="0"/>
               </a:rPr>
               <a:t>CUDA </a:t>
             </a:r>
             <a:r>
-              <a:rPr lang="ru-RU" sz="2400" dirty="0" smtClean="0">
+              <a:rPr lang="ru-RU" sz="2400" smtClean="0">
                 <a:latin typeface="Arial" pitchFamily="34" charset="0"/>
                 <a:cs typeface="Arial" pitchFamily="34" charset="0"/>
               </a:rPr>
               <a:t>блока равен 32.  Каждая нить вычисляет несколько значений функции исходя из ограничения на число блоков.  </a:t>
             </a:r>
             <a:br>
-              <a:rPr lang="ru-RU" sz="2400" dirty="0" smtClean="0">
+              <a:rPr lang="ru-RU" sz="2400" smtClean="0">
                 <a:latin typeface="Arial" pitchFamily="34" charset="0"/>
                 <a:cs typeface="Arial" pitchFamily="34" charset="0"/>
               </a:rPr>
             </a:br>
             <a:r>
-              <a:rPr lang="ru-RU" sz="2400" dirty="0" smtClean="0">
+              <a:rPr lang="ru-RU" sz="2400" smtClean="0">
                 <a:latin typeface="Arial" pitchFamily="34" charset="0"/>
                 <a:cs typeface="Arial" pitchFamily="34" charset="0"/>
               </a:rPr>
               <a:t>   Шаг сетки 0.027,   </a:t>
             </a:r>
             <a:r>
-              <a:rPr lang="en-US" sz="2400" i="1" dirty="0" err="1" smtClean="0">
+              <a:rPr lang="en-US" sz="2400" i="1" smtClean="0">
                 <a:latin typeface="Arial" pitchFamily="34" charset="0"/>
                 <a:cs typeface="Arial" pitchFamily="34" charset="0"/>
               </a:rPr>
               <a:t>K</a:t>
             </a:r>
             <a:r>
-              <a:rPr lang="en-US" sz="2400" i="1" baseline="-25000" dirty="0" err="1" smtClean="0">
+              <a:rPr lang="en-US" sz="2400" i="1" baseline="-25000" smtClean="0">
                 <a:latin typeface="Arial" pitchFamily="34" charset="0"/>
                 <a:cs typeface="Arial" pitchFamily="34" charset="0"/>
               </a:rPr>
               <a:t>max</a:t>
             </a:r>
             <a:r>
-              <a:rPr lang="ru-RU" sz="2400" dirty="0" smtClean="0">
+              <a:rPr lang="ru-RU" sz="2400" smtClean="0">
                 <a:latin typeface="Arial" pitchFamily="34" charset="0"/>
                 <a:cs typeface="Arial" pitchFamily="34" charset="0"/>
               </a:rPr>
               <a:t> = 30 000 000</a:t>
             </a:r>
-            <a:endParaRPr lang="en-US" sz="2400" dirty="0" smtClean="0">
+            <a:endParaRPr lang="en-US" sz="2400" smtClean="0">
               <a:latin typeface="Arial" pitchFamily="34" charset="0"/>
               <a:cs typeface="Arial" pitchFamily="34" charset="0"/>
             </a:endParaRPr>
@@ -22145,7 +21960,7 @@
               <a:buNone/>
             </a:pPr>
             <a:r>
-              <a:rPr lang="ru-RU" sz="2400" dirty="0" smtClean="0">
+              <a:rPr lang="ru-RU" sz="2400" smtClean="0">
                 <a:latin typeface="Arial" pitchFamily="34" charset="0"/>
                 <a:cs typeface="Arial" pitchFamily="34" charset="0"/>
               </a:rPr>
@@ -22166,7 +21981,7 @@
         </p:nvSpPr>
         <p:spPr>
           <a:xfrm>
-            <a:off x="142844" y="152400"/>
+            <a:off x="142875" y="152400"/>
             <a:ext cx="7772400" cy="457200"/>
           </a:xfrm>
         </p:spPr>
@@ -22175,14 +21990,14 @@
           <a:lstStyle/>
           <a:p>
             <a:r>
-              <a:rPr lang="ru-RU" dirty="0" smtClean="0"/>
+              <a:rPr lang="ru-RU" smtClean="0"/>
               <a:t>Решение на </a:t>
             </a:r>
             <a:r>
-              <a:rPr lang="en-US" dirty="0" smtClean="0"/>
+              <a:rPr lang="en-US" smtClean="0"/>
               <a:t>GPU</a:t>
             </a:r>
-            <a:endParaRPr lang="ru-RU" dirty="0" smtClean="0"/>
+            <a:endParaRPr lang="ru-RU" smtClean="0"/>
           </a:p>
         </p:txBody>
       </p:sp>
@@ -23582,7 +23397,7 @@
         </p:nvSpPr>
         <p:spPr>
           <a:xfrm>
-            <a:off x="142844" y="152400"/>
+            <a:off x="142875" y="152400"/>
             <a:ext cx="7772400" cy="457200"/>
           </a:xfrm>
         </p:spPr>
@@ -23591,10 +23406,9 @@
           <a:lstStyle/>
           <a:p>
             <a:r>
-              <a:rPr lang="ru-RU" dirty="0" smtClean="0"/>
+              <a:rPr lang="ru-RU" smtClean="0"/>
               <a:t>Гибридное решение</a:t>
             </a:r>
-            <a:endParaRPr lang="ru-RU" dirty="0" smtClean="0"/>
           </a:p>
         </p:txBody>
       </p:sp>
@@ -23610,8 +23424,8 @@
         </p:nvSpPr>
         <p:spPr>
           <a:xfrm>
-            <a:off x="285720" y="836613"/>
-            <a:ext cx="8643998" cy="4968875"/>
+            <a:off x="285750" y="836613"/>
+            <a:ext cx="8643938" cy="4968875"/>
           </a:xfrm>
         </p:spPr>
         <p:txBody>
@@ -23619,7 +23433,7 @@
           <a:lstStyle/>
           <a:p>
             <a:r>
-              <a:rPr lang="ru-RU" sz="2400" dirty="0" smtClean="0">
+              <a:rPr lang="ru-RU" sz="2400" smtClean="0">
                 <a:latin typeface="Arial" pitchFamily="34" charset="0"/>
                 <a:cs typeface="Arial" pitchFamily="34" charset="0"/>
               </a:rPr>
@@ -23628,14 +23442,14 @@
           </a:p>
           <a:p>
             <a:r>
-              <a:rPr lang="en-US" sz="2400" dirty="0" smtClean="0">
+              <a:rPr lang="en-US" sz="2400" smtClean="0">
                 <a:latin typeface="Arial" pitchFamily="34" charset="0"/>
                 <a:cs typeface="Arial" pitchFamily="34" charset="0"/>
               </a:rPr>
               <a:t>AGP</a:t>
             </a:r>
             <a:r>
-              <a:rPr lang="ru-RU" sz="2400" dirty="0" smtClean="0">
+              <a:rPr lang="ru-RU" sz="2400" smtClean="0">
                 <a:latin typeface="Arial" pitchFamily="34" charset="0"/>
                 <a:cs typeface="Arial" pitchFamily="34" charset="0"/>
               </a:rPr>
@@ -23644,14 +23458,14 @@
           </a:p>
           <a:p>
             <a:r>
-              <a:rPr lang="en-US" sz="2400" dirty="0" smtClean="0">
+              <a:rPr lang="en-US" sz="2400" smtClean="0">
                 <a:latin typeface="Arial" pitchFamily="34" charset="0"/>
                 <a:cs typeface="Arial" pitchFamily="34" charset="0"/>
               </a:rPr>
               <a:t>B-AGP – </a:t>
             </a:r>
             <a:r>
-              <a:rPr lang="ru-RU" sz="2400" dirty="0" smtClean="0">
+              <a:rPr lang="ru-RU" sz="2400" smtClean="0">
                 <a:latin typeface="Arial" pitchFamily="34" charset="0"/>
                 <a:cs typeface="Arial" pitchFamily="34" charset="0"/>
               </a:rPr>
@@ -23660,28 +23474,28 @@
           </a:p>
           <a:p>
             <a:r>
-              <a:rPr lang="en-US" sz="2400" dirty="0" smtClean="0">
+              <a:rPr lang="en-US" sz="2400" smtClean="0">
                 <a:latin typeface="Arial" pitchFamily="34" charset="0"/>
                 <a:cs typeface="Arial" pitchFamily="34" charset="0"/>
               </a:rPr>
               <a:t>H-AGP – </a:t>
             </a:r>
             <a:r>
-              <a:rPr lang="ru-RU" sz="2400" dirty="0" smtClean="0">
+              <a:rPr lang="ru-RU" sz="2400" smtClean="0">
                 <a:latin typeface="Arial" pitchFamily="34" charset="0"/>
                 <a:cs typeface="Arial" pitchFamily="34" charset="0"/>
               </a:rPr>
               <a:t>рекурсивной схемы редукции размерности , по одному процессу на уровне, с перебором реализованным на</a:t>
             </a:r>
             <a:r>
-              <a:rPr lang="en-US" sz="2400" dirty="0" smtClean="0">
+              <a:rPr lang="en-US" sz="2400" smtClean="0">
                 <a:latin typeface="Arial" pitchFamily="34" charset="0"/>
                 <a:cs typeface="Arial" pitchFamily="34" charset="0"/>
               </a:rPr>
               <a:t> GPU</a:t>
             </a:r>
             <a:r>
-              <a:rPr lang="ru-RU" sz="2400" dirty="0" smtClean="0">
+              <a:rPr lang="ru-RU" sz="2400" smtClean="0">
                 <a:latin typeface="Arial" pitchFamily="34" charset="0"/>
                 <a:cs typeface="Arial" pitchFamily="34" charset="0"/>
               </a:rPr>
@@ -23690,28 +23504,28 @@
           </a:p>
           <a:p>
             <a:r>
-              <a:rPr lang="en-US" sz="2400" dirty="0" smtClean="0">
+              <a:rPr lang="en-US" sz="2400" smtClean="0">
                 <a:latin typeface="Arial" pitchFamily="34" charset="0"/>
                 <a:cs typeface="Arial" pitchFamily="34" charset="0"/>
               </a:rPr>
               <a:t>M-AGP – </a:t>
             </a:r>
             <a:r>
-              <a:rPr lang="ru-RU" sz="2400" dirty="0" smtClean="0">
+              <a:rPr lang="ru-RU" sz="2400" smtClean="0">
                 <a:latin typeface="Arial" pitchFamily="34" charset="0"/>
                 <a:cs typeface="Arial" pitchFamily="34" charset="0"/>
               </a:rPr>
               <a:t>рекурсивной схемы редукции размерности , одни процесс на верхнем уровне и четыре на нижнем, используется четыре узла кластера. На нижнем уровне перебор реализованный на</a:t>
             </a:r>
             <a:r>
-              <a:rPr lang="en-US" sz="2400" dirty="0" smtClean="0">
+              <a:rPr lang="en-US" sz="2400" smtClean="0">
                 <a:latin typeface="Arial" pitchFamily="34" charset="0"/>
                 <a:cs typeface="Arial" pitchFamily="34" charset="0"/>
               </a:rPr>
               <a:t> GPU</a:t>
             </a:r>
             <a:r>
-              <a:rPr lang="ru-RU" sz="2400" dirty="0" smtClean="0">
+              <a:rPr lang="ru-RU" sz="2400" smtClean="0">
                 <a:latin typeface="Arial" pitchFamily="34" charset="0"/>
                 <a:cs typeface="Arial" pitchFamily="34" charset="0"/>
               </a:rPr>
@@ -23719,7 +23533,7 @@
             </a:r>
           </a:p>
           <a:p>
-            <a:endParaRPr lang="ru-RU" sz="2400" dirty="0" smtClean="0">
+            <a:endParaRPr lang="ru-RU" sz="2400" smtClean="0">
               <a:latin typeface="Arial" pitchFamily="34" charset="0"/>
               <a:cs typeface="Arial" pitchFamily="34" charset="0"/>
             </a:endParaRPr>
@@ -23770,7 +23584,7 @@
         </p:nvSpPr>
         <p:spPr>
           <a:xfrm>
-            <a:off x="142844" y="152400"/>
+            <a:off x="142875" y="152400"/>
             <a:ext cx="7772400" cy="457200"/>
           </a:xfrm>
         </p:spPr>
@@ -23779,10 +23593,9 @@
           <a:lstStyle/>
           <a:p>
             <a:r>
-              <a:rPr lang="ru-RU" dirty="0" smtClean="0"/>
+              <a:rPr lang="ru-RU" smtClean="0"/>
               <a:t>Гибридное решение</a:t>
             </a:r>
-            <a:endParaRPr lang="ru-RU" dirty="0" smtClean="0"/>
           </a:p>
         </p:txBody>
       </p:sp>
@@ -26263,15 +26076,15 @@
           </a:bodyPr>
           <a:lstStyle/>
           <a:p>
-            <a:endParaRPr lang="en-US" b="1" i="1" u="sng" dirty="0"/>
-          </a:p>
-          <a:p>
-            <a:r>
-              <a:rPr lang="ru-RU" b="1" i="1" dirty="0"/>
+            <a:endParaRPr lang="en-US" b="1" i="1" u="sng"/>
+          </a:p>
+          <a:p>
+            <a:r>
+              <a:rPr lang="ru-RU" b="1" i="1"/>
               <a:t>К.А. Баркалов,  </a:t>
             </a:r>
             <a:r>
-              <a:rPr lang="ru-RU" b="1" i="1" u="sng" dirty="0"/>
+              <a:rPr lang="ru-RU" b="1" i="1" u="sng"/>
               <a:t>И.Г. Лебедев</a:t>
             </a:r>
           </a:p>
@@ -26307,7 +26120,7 @@
           <a:p>
             <a:pPr algn="ctr" eaLnBrk="0" hangingPunct="0"/>
             <a:r>
-              <a:rPr lang="ru-RU" sz="3000" b="1" dirty="0">
+              <a:rPr lang="ru-RU" sz="3000" b="1">
                 <a:solidFill>
                   <a:schemeClr val="tx2"/>
                 </a:solidFill>
@@ -26319,7 +26132,7 @@
           <a:p>
             <a:pPr algn="ctr" eaLnBrk="0" hangingPunct="0"/>
             <a:r>
-              <a:rPr lang="ru-RU" sz="3000" b="1" dirty="0">
+              <a:rPr lang="ru-RU" sz="3000" b="1">
                 <a:solidFill>
                   <a:schemeClr val="tx2"/>
                 </a:solidFill>
@@ -26410,24 +26223,6 @@
               </a:rPr>
               <a:t>26-27 сентября 2016 г.</a:t>
             </a:r>
-            <a:endParaRPr lang="ru-RU" sz="2000" dirty="0">
-              <a:ln w="18415" cmpd="sng">
-                <a:solidFill>
-                  <a:srgbClr val="FFFFFF"/>
-                </a:solidFill>
-                <a:prstDash val="solid"/>
-              </a:ln>
-              <a:solidFill>
-                <a:srgbClr val="FFFFFF"/>
-              </a:solidFill>
-              <a:effectLst>
-                <a:outerShdw blurRad="63500" dir="3600000" algn="tl" rotWithShape="0">
-                  <a:srgbClr val="000000">
-                    <a:alpha val="70000"/>
-                  </a:srgbClr>
-                </a:outerShdw>
-              </a:effectLst>
-            </a:endParaRPr>
           </a:p>
         </p:txBody>
       </p:sp>
@@ -26594,7 +26389,7 @@
               </a:spcAft>
             </a:pPr>
             <a:r>
-              <a:rPr lang="ru-RU" sz="1800" b="1" dirty="0">
+              <a:rPr lang="ru-RU" sz="1800" b="1">
                 <a:cs typeface="Times New Roman" pitchFamily="18" charset="0"/>
               </a:rPr>
               <a:t>Нижегородский государственный университет им. Н.И. Лобачевского </a:t>
@@ -26610,7 +26405,7 @@
               </a:spcAft>
             </a:pPr>
             <a:r>
-              <a:rPr lang="ru-RU" sz="1800" b="1" dirty="0">
+              <a:rPr lang="ru-RU" sz="1800" b="1">
                 <a:cs typeface="Times New Roman" pitchFamily="18" charset="0"/>
               </a:rPr>
               <a:t>Институт информационных технологий, математики и механики</a:t>
@@ -26652,7 +26447,7 @@
       </p:grpSpPr>
       <p:sp>
         <p:nvSpPr>
-          <p:cNvPr id="2" name="Содержимое 1"/>
+          <p:cNvPr id="23554" name="Содержимое 1"/>
           <p:cNvSpPr>
             <a:spLocks noGrp="1"/>
           </p:cNvSpPr>
@@ -26662,8 +26457,8 @@
         </p:nvSpPr>
         <p:spPr>
           <a:xfrm>
-            <a:off x="214282" y="836613"/>
-            <a:ext cx="8501122" cy="4968875"/>
+            <a:off x="214313" y="836613"/>
+            <a:ext cx="8501062" cy="4968875"/>
           </a:xfrm>
         </p:spPr>
         <p:txBody>
@@ -26671,250 +26466,70 @@
           <a:lstStyle/>
           <a:p>
             <a:r>
-              <a:rPr lang="en-US" dirty="0" err="1" smtClean="0">
-                <a:solidFill>
-                  <a:schemeClr val="tx1"/>
-                </a:solidFill>
+              <a:rPr lang="en-US" smtClean="0">
                 <a:latin typeface="Arial" pitchFamily="34" charset="0"/>
                 <a:cs typeface="Arial" pitchFamily="34" charset="0"/>
               </a:rPr>
-              <a:t>Gergel</a:t>
-            </a:r>
-            <a:r>
-              <a:rPr lang="en-US" dirty="0" smtClean="0">
-                <a:solidFill>
-                  <a:schemeClr val="tx1"/>
-                </a:solidFill>
+              <a:t>Gergel V.P., Sergeyev Ya.D. Sequential and parallel algorithms for global minimizing functions with Lipschitzian derivatives // Computers and Mathematics with Applications 1999. Vol. 37 No. 4-5. P. 163</a:t>
+            </a:r>
+            <a:r>
+              <a:rPr lang="en-US" smtClean="0">
                 <a:latin typeface="Arial" pitchFamily="34" charset="0"/>
                 <a:cs typeface="Arial" pitchFamily="34" charset="0"/>
-              </a:rPr>
-              <a:t> V.P., </a:t>
-            </a:r>
-            <a:r>
-              <a:rPr lang="en-US" dirty="0" err="1" smtClean="0">
-                <a:solidFill>
-                  <a:schemeClr val="tx1"/>
-                </a:solidFill>
+                <a:sym typeface="Symbol" pitchFamily="18" charset="2"/>
+              </a:rPr>
+              <a:t></a:t>
+            </a:r>
+            <a:r>
+              <a:rPr lang="en-US" smtClean="0">
                 <a:latin typeface="Arial" pitchFamily="34" charset="0"/>
                 <a:cs typeface="Arial" pitchFamily="34" charset="0"/>
               </a:rPr>
-              <a:t>Sergeyev</a:t>
-            </a:r>
-            <a:r>
-              <a:rPr lang="en-US" dirty="0" smtClean="0">
-                <a:solidFill>
-                  <a:schemeClr val="tx1"/>
-                </a:solidFill>
-                <a:latin typeface="Arial" pitchFamily="34" charset="0"/>
-                <a:cs typeface="Arial" pitchFamily="34" charset="0"/>
-              </a:rPr>
-              <a:t> </a:t>
-            </a:r>
-            <a:r>
-              <a:rPr lang="en-US" dirty="0" err="1" smtClean="0">
-                <a:solidFill>
-                  <a:schemeClr val="tx1"/>
-                </a:solidFill>
-                <a:latin typeface="Arial" pitchFamily="34" charset="0"/>
-                <a:cs typeface="Arial" pitchFamily="34" charset="0"/>
-              </a:rPr>
-              <a:t>Ya.D</a:t>
-            </a:r>
-            <a:r>
-              <a:rPr lang="en-US" dirty="0" smtClean="0">
-                <a:solidFill>
-                  <a:schemeClr val="tx1"/>
-                </a:solidFill>
-                <a:latin typeface="Arial" pitchFamily="34" charset="0"/>
-                <a:cs typeface="Arial" pitchFamily="34" charset="0"/>
-              </a:rPr>
-              <a:t>. Sequential and parallel algorithms for global minimizing functions with </a:t>
-            </a:r>
-            <a:r>
-              <a:rPr lang="en-US" dirty="0" err="1" smtClean="0">
-                <a:solidFill>
-                  <a:schemeClr val="tx1"/>
-                </a:solidFill>
-                <a:latin typeface="Arial" pitchFamily="34" charset="0"/>
-                <a:cs typeface="Arial" pitchFamily="34" charset="0"/>
-              </a:rPr>
-              <a:t>Lipschitzian</a:t>
-            </a:r>
-            <a:r>
-              <a:rPr lang="en-US" dirty="0" smtClean="0">
-                <a:solidFill>
-                  <a:schemeClr val="tx1"/>
-                </a:solidFill>
-                <a:latin typeface="Arial" pitchFamily="34" charset="0"/>
-                <a:cs typeface="Arial" pitchFamily="34" charset="0"/>
-              </a:rPr>
-              <a:t> derivatives // Computers and Mathematics with Applications 1999. Vol. 37 No. 4-5. P. 163</a:t>
-            </a:r>
-            <a:r>
-              <a:rPr lang="en-US" dirty="0" smtClean="0">
-                <a:solidFill>
-                  <a:schemeClr val="tx1"/>
-                </a:solidFill>
-                <a:latin typeface="Arial" pitchFamily="34" charset="0"/>
-                <a:cs typeface="Arial" pitchFamily="34" charset="0"/>
-                <a:sym typeface="Symbol"/>
-              </a:rPr>
-              <a:t></a:t>
-            </a:r>
-            <a:r>
-              <a:rPr lang="en-US" dirty="0" smtClean="0">
-                <a:solidFill>
-                  <a:schemeClr val="tx1"/>
-                </a:solidFill>
-                <a:latin typeface="Arial" pitchFamily="34" charset="0"/>
-                <a:cs typeface="Arial" pitchFamily="34" charset="0"/>
-              </a:rPr>
-              <a:t>179</a:t>
-            </a:r>
-            <a:r>
-              <a:rPr lang="en-US" dirty="0" smtClean="0">
-                <a:solidFill>
-                  <a:schemeClr val="tx1"/>
-                </a:solidFill>
-                <a:latin typeface="Arial" pitchFamily="34" charset="0"/>
-                <a:cs typeface="Arial" pitchFamily="34" charset="0"/>
-              </a:rPr>
-              <a:t>.</a:t>
-            </a:r>
-            <a:endParaRPr lang="ru-RU" dirty="0" smtClean="0">
+              <a:t>179.</a:t>
+            </a:r>
+            <a:endParaRPr lang="ru-RU" smtClean="0">
               <a:latin typeface="Arial" pitchFamily="34" charset="0"/>
               <a:cs typeface="Arial" pitchFamily="34" charset="0"/>
             </a:endParaRPr>
           </a:p>
           <a:p>
             <a:r>
-              <a:rPr lang="en-US" dirty="0" err="1" smtClean="0">
-                <a:solidFill>
-                  <a:schemeClr val="tx1"/>
-                </a:solidFill>
+              <a:rPr lang="en-US" smtClean="0">
                 <a:latin typeface="Arial" pitchFamily="34" charset="0"/>
                 <a:cs typeface="Arial" pitchFamily="34" charset="0"/>
               </a:rPr>
-              <a:t>Gergel</a:t>
-            </a:r>
-            <a:r>
-              <a:rPr lang="en-US" dirty="0" smtClean="0">
-                <a:solidFill>
-                  <a:schemeClr val="tx1"/>
-                </a:solidFill>
-                <a:latin typeface="Arial" pitchFamily="34" charset="0"/>
-                <a:cs typeface="Arial" pitchFamily="34" charset="0"/>
-              </a:rPr>
-              <a:t> V.P., </a:t>
-            </a:r>
-            <a:r>
-              <a:rPr lang="en-US" dirty="0" err="1" smtClean="0">
-                <a:solidFill>
-                  <a:schemeClr val="tx1"/>
-                </a:solidFill>
-                <a:latin typeface="Arial" pitchFamily="34" charset="0"/>
-                <a:cs typeface="Arial" pitchFamily="34" charset="0"/>
-              </a:rPr>
-              <a:t>Strongin</a:t>
-            </a:r>
-            <a:r>
-              <a:rPr lang="en-US" dirty="0" smtClean="0">
-                <a:solidFill>
-                  <a:schemeClr val="tx1"/>
-                </a:solidFill>
-                <a:latin typeface="Arial" pitchFamily="34" charset="0"/>
-                <a:cs typeface="Arial" pitchFamily="34" charset="0"/>
-              </a:rPr>
-              <a:t> R.G. Parallel computing for globally optimal decision making on cluster systems // Future Generation Computer Systems 2005. Vol. 21 No. 5. P. 673-678.</a:t>
-            </a:r>
-            <a:endParaRPr lang="ru-RU" dirty="0" smtClean="0">
-              <a:solidFill>
-                <a:schemeClr val="tx1"/>
-              </a:solidFill>
+              <a:t>Gergel V.P., Strongin R.G. Parallel computing for globally optimal decision making on cluster systems // Future Generation Computer Systems 2005. Vol. 21 No. 5. P. 673-678.</a:t>
+            </a:r>
+            <a:endParaRPr lang="ru-RU" smtClean="0">
               <a:latin typeface="Arial" pitchFamily="34" charset="0"/>
               <a:cs typeface="Arial" pitchFamily="34" charset="0"/>
             </a:endParaRPr>
           </a:p>
           <a:p>
             <a:r>
-              <a:rPr lang="ru-RU" dirty="0" smtClean="0">
-                <a:solidFill>
-                  <a:schemeClr val="tx1"/>
-                </a:solidFill>
+              <a:rPr lang="ru-RU" smtClean="0">
                 <a:latin typeface="Arial" pitchFamily="34" charset="0"/>
                 <a:cs typeface="Arial" pitchFamily="34" charset="0"/>
               </a:rPr>
-              <a:t>Сысоев А.В. Баркалов К.А. </a:t>
-            </a:r>
-            <a:r>
-              <a:rPr lang="ru-RU" dirty="0" err="1" smtClean="0">
-                <a:solidFill>
-                  <a:schemeClr val="tx1"/>
-                </a:solidFill>
+              <a:t>Сысоев А.В. Баркалов К.А. Гергель В.П. Лебедев И.Г. Решение задач глобальной оптимизации на гетерогенных кластерных системах // Суперкомпьютерные дни в России: Труды международной конференции (28-29 сентября 2015 г., г. Москва).Москва: Изд-во МГУ. 2015. С. 411-419</a:t>
+            </a:r>
+          </a:p>
+          <a:p>
+            <a:r>
+              <a:rPr lang="en-US" smtClean="0">
                 <a:latin typeface="Arial" pitchFamily="34" charset="0"/>
                 <a:cs typeface="Arial" pitchFamily="34" charset="0"/>
               </a:rPr>
-              <a:t>Гергель</a:t>
-            </a:r>
-            <a:r>
-              <a:rPr lang="ru-RU" dirty="0" smtClean="0">
-                <a:solidFill>
-                  <a:schemeClr val="tx1"/>
-                </a:solidFill>
-                <a:latin typeface="Arial" pitchFamily="34" charset="0"/>
-                <a:cs typeface="Arial" pitchFamily="34" charset="0"/>
-              </a:rPr>
-              <a:t> В.П. Лебедев И.Г. Решение задач глобальной оптимизации на гетерогенных кластерных системах // Суперкомпьютерные дни в России: Труды международной конференции (28-29 сентября 2015 г., г. Москва).Москва: Изд-во МГУ. 2015. С. 411-419</a:t>
-            </a:r>
-            <a:endParaRPr lang="ru-RU" dirty="0" smtClean="0">
-              <a:solidFill>
-                <a:schemeClr val="tx1"/>
-              </a:solidFill>
-              <a:latin typeface="Arial" pitchFamily="34" charset="0"/>
-              <a:cs typeface="Arial" pitchFamily="34" charset="0"/>
-            </a:endParaRPr>
-          </a:p>
-          <a:p>
-            <a:pPr lvl="0"/>
-            <a:r>
-              <a:rPr lang="en-US" dirty="0" err="1" smtClean="0">
-                <a:latin typeface="Arial" pitchFamily="34" charset="0"/>
-                <a:cs typeface="Arial" pitchFamily="34" charset="0"/>
-              </a:rPr>
-              <a:t>K.Barkalov</a:t>
-            </a:r>
-            <a:r>
-              <a:rPr lang="en-US" dirty="0" smtClean="0">
-                <a:latin typeface="Arial" pitchFamily="34" charset="0"/>
-                <a:cs typeface="Arial" pitchFamily="34" charset="0"/>
-              </a:rPr>
-              <a:t>, V. </a:t>
-            </a:r>
-            <a:r>
-              <a:rPr lang="en-US" dirty="0" err="1" smtClean="0">
-                <a:latin typeface="Arial" pitchFamily="34" charset="0"/>
-                <a:cs typeface="Arial" pitchFamily="34" charset="0"/>
-              </a:rPr>
-              <a:t>Gergel</a:t>
-            </a:r>
-            <a:r>
-              <a:rPr lang="en-US" dirty="0" smtClean="0">
-                <a:latin typeface="Arial" pitchFamily="34" charset="0"/>
-                <a:cs typeface="Arial" pitchFamily="34" charset="0"/>
-              </a:rPr>
-              <a:t>. Parallel global optimization on GPU // Journal of Global Optimization vol. 66 (1), 2016, pp. 3-20.</a:t>
-            </a:r>
-            <a:endParaRPr lang="en-US" dirty="0" smtClean="0">
+              <a:t>K.Barkalov, V. Gergel. Parallel global optimization on GPU // Journal of Global Optimization vol. 66 (1), 2016, pp. 3-20.</a:t>
+            </a:r>
+            <a:endParaRPr lang="en-US" smtClean="0">
               <a:latin typeface="Arial" pitchFamily="34" charset="0"/>
               <a:cs typeface="Arial" pitchFamily="34" charset="0"/>
               <a:sym typeface="Symbol" pitchFamily="18" charset="2"/>
             </a:endParaRPr>
           </a:p>
           <a:p>
-            <a:endParaRPr lang="ru-RU" dirty="0" smtClean="0">
-              <a:solidFill>
-                <a:schemeClr val="tx1"/>
-              </a:solidFill>
+            <a:endParaRPr lang="ru-RU" smtClean="0">
               <a:latin typeface="Arial" pitchFamily="34" charset="0"/>
               <a:cs typeface="Arial" pitchFamily="34" charset="0"/>
             </a:endParaRPr>
@@ -26923,7 +26538,7 @@
       </p:sp>
       <p:sp>
         <p:nvSpPr>
-          <p:cNvPr id="3" name="Заголовок 2"/>
+          <p:cNvPr id="23555" name="Заголовок 2"/>
           <p:cNvSpPr>
             <a:spLocks noGrp="1"/>
           </p:cNvSpPr>
@@ -26933,7 +26548,7 @@
         </p:nvSpPr>
         <p:spPr>
           <a:xfrm>
-            <a:off x="142844" y="152400"/>
+            <a:off x="142875" y="152400"/>
             <a:ext cx="7772400" cy="457200"/>
           </a:xfrm>
         </p:spPr>
@@ -26942,10 +26557,9 @@
           <a:lstStyle/>
           <a:p>
             <a:r>
-              <a:rPr lang="ru-RU" dirty="0" smtClean="0"/>
+              <a:rPr lang="ru-RU" smtClean="0"/>
               <a:t>Литература</a:t>
             </a:r>
-            <a:endParaRPr lang="ru-RU" dirty="0"/>
           </a:p>
         </p:txBody>
       </p:sp>
@@ -26983,7 +26597,7 @@
       </p:grpSpPr>
       <p:sp>
         <p:nvSpPr>
-          <p:cNvPr id="23554" name="Заголовок 2"/>
+          <p:cNvPr id="24578" name="Заголовок 2"/>
           <p:cNvSpPr>
             <a:spLocks noGrp="1"/>
           </p:cNvSpPr>
@@ -26993,7 +26607,7 @@
         </p:nvSpPr>
         <p:spPr>
           <a:xfrm>
-            <a:off x="142844" y="152400"/>
+            <a:off x="142875" y="152400"/>
             <a:ext cx="7772400" cy="457200"/>
           </a:xfrm>
         </p:spPr>
@@ -27002,7 +26616,7 @@
           <a:lstStyle/>
           <a:p>
             <a:r>
-              <a:rPr lang="ru-RU" dirty="0" smtClean="0"/>
+              <a:rPr lang="ru-RU" smtClean="0"/>
               <a:t>Контакты</a:t>
             </a:r>
           </a:p>
@@ -27010,7 +26624,7 @@
       </p:sp>
       <p:sp>
         <p:nvSpPr>
-          <p:cNvPr id="23555" name="Содержимое 2"/>
+          <p:cNvPr id="24579" name="Содержимое 2"/>
           <p:cNvSpPr>
             <a:spLocks noGrp="1"/>
           </p:cNvSpPr>
@@ -27021,7 +26635,7 @@
         <p:spPr>
           <a:xfrm>
             <a:off x="238125" y="1071563"/>
-            <a:ext cx="8548688" cy="5214937"/>
+            <a:ext cx="8691594" cy="5214937"/>
           </a:xfrm>
         </p:spPr>
         <p:txBody>
@@ -27033,23 +26647,19 @@
           <a:p>
             <a:r>
               <a:rPr lang="ru-RU" sz="2800" dirty="0" err="1" smtClean="0"/>
-              <a:t>к</a:t>
-            </a:r>
-            <a:r>
-              <a:rPr lang="ru-RU" sz="2800" dirty="0" err="1" smtClean="0"/>
-              <a:t>.ф.-м.н</a:t>
+              <a:t>к.ф.-м.н</a:t>
             </a:r>
             <a:r>
               <a:rPr lang="ru-RU" sz="2800" dirty="0" smtClean="0"/>
-              <a:t>., </a:t>
+              <a:t>., доц., доцент</a:t>
             </a:r>
             <a:r>
               <a:rPr lang="ru-RU" sz="2800" dirty="0" smtClean="0"/>
-              <a:t>доцент каф</a:t>
+              <a:t> </a:t>
             </a:r>
             <a:r>
               <a:rPr lang="ru-RU" sz="2800" dirty="0" smtClean="0"/>
-              <a:t>. МОСТ института ИТММ</a:t>
+              <a:t>каф. МОСТ института ИТММ</a:t>
             </a:r>
             <a:r>
               <a:rPr lang="en-US" sz="2800" dirty="0" smtClean="0"/>
@@ -27087,11 +26697,7 @@
           <a:p>
             <a:r>
               <a:rPr lang="ru-RU" sz="2800" dirty="0" smtClean="0"/>
-              <a:t>аспирант </a:t>
-            </a:r>
-            <a:r>
-              <a:rPr lang="ru-RU" sz="2800" dirty="0" smtClean="0"/>
-              <a:t>каф. МОСТ института ИТММ</a:t>
+              <a:t>аспирант каф. МОСТ института ИТММ</a:t>
             </a:r>
             <a:r>
               <a:rPr lang="en-US" sz="2800" dirty="0" smtClean="0"/>
@@ -27164,7 +26770,7 @@
       </p:grpSpPr>
       <p:sp>
         <p:nvSpPr>
-          <p:cNvPr id="24578" name="Rectangle 2"/>
+          <p:cNvPr id="25602" name="Rectangle 2"/>
           <p:cNvSpPr>
             <a:spLocks noChangeArrowheads="1"/>
           </p:cNvSpPr>
@@ -27237,7 +26843,7 @@
       </p:grpSpPr>
       <p:sp>
         <p:nvSpPr>
-          <p:cNvPr id="3081" name="Rectangle 2"/>
+          <p:cNvPr id="14338" name="Rectangle 2"/>
           <p:cNvSpPr>
             <a:spLocks noGrp="1" noChangeArrowheads="1"/>
           </p:cNvSpPr>
@@ -27259,10 +26865,9 @@
               <a:lnSpc>
                 <a:spcPct val="80000"/>
               </a:lnSpc>
-              <a:defRPr/>
             </a:pPr>
             <a:r>
-              <a:rPr lang="ru-RU" sz="2400" i="1" dirty="0" smtClean="0">
+              <a:rPr lang="ru-RU" sz="2400" i="1" smtClean="0">
                 <a:latin typeface="Arial" pitchFamily="34" charset="0"/>
                 <a:cs typeface="Arial" pitchFamily="34" charset="0"/>
               </a:rPr>
@@ -27274,10 +26879,9 @@
               <a:lnSpc>
                 <a:spcPct val="80000"/>
               </a:lnSpc>
-              <a:defRPr/>
             </a:pPr>
             <a:r>
-              <a:rPr lang="ru-RU" sz="2400" i="1" dirty="0" smtClean="0">
+              <a:rPr lang="ru-RU" sz="2400" i="1" smtClean="0">
                 <a:latin typeface="Arial" pitchFamily="34" charset="0"/>
                 <a:cs typeface="Arial" pitchFamily="34" charset="0"/>
               </a:rPr>
@@ -27289,10 +26893,9 @@
               <a:lnSpc>
                 <a:spcPct val="80000"/>
               </a:lnSpc>
-              <a:defRPr/>
             </a:pPr>
             <a:r>
-              <a:rPr lang="ru-RU" sz="2400" i="1" dirty="0" smtClean="0">
+              <a:rPr lang="ru-RU" sz="2400" i="1" smtClean="0">
                 <a:latin typeface="Arial" pitchFamily="34" charset="0"/>
                 <a:cs typeface="Arial" pitchFamily="34" charset="0"/>
               </a:rPr>
@@ -27304,10 +26907,9 @@
               <a:lnSpc>
                 <a:spcPct val="80000"/>
               </a:lnSpc>
-              <a:defRPr/>
             </a:pPr>
             <a:r>
-              <a:rPr lang="ru-RU" sz="2400" i="1" dirty="0" smtClean="0">
+              <a:rPr lang="ru-RU" sz="2400" i="1" smtClean="0">
                 <a:latin typeface="Arial" pitchFamily="34" charset="0"/>
                 <a:cs typeface="Arial" pitchFamily="34" charset="0"/>
               </a:rPr>
@@ -27319,10 +26921,9 @@
               <a:lnSpc>
                 <a:spcPct val="80000"/>
               </a:lnSpc>
-              <a:defRPr/>
             </a:pPr>
             <a:r>
-              <a:rPr lang="ru-RU" sz="2400" i="1" dirty="0" smtClean="0">
+              <a:rPr lang="ru-RU" sz="2400" i="1" smtClean="0">
                 <a:latin typeface="Arial" pitchFamily="34" charset="0"/>
                 <a:cs typeface="Arial" pitchFamily="34" charset="0"/>
               </a:rPr>
@@ -27334,10 +26935,9 @@
               <a:lnSpc>
                 <a:spcPct val="80000"/>
               </a:lnSpc>
-              <a:defRPr/>
             </a:pPr>
             <a:r>
-              <a:rPr lang="ru-RU" sz="2400" i="1" dirty="0" smtClean="0">
+              <a:rPr lang="ru-RU" sz="2400" i="1" smtClean="0">
                 <a:latin typeface="Arial" pitchFamily="34" charset="0"/>
                 <a:cs typeface="Arial" pitchFamily="34" charset="0"/>
               </a:rPr>
@@ -27349,28 +26949,13 @@
               <a:lnSpc>
                 <a:spcPct val="80000"/>
               </a:lnSpc>
-              <a:defRPr/>
             </a:pPr>
             <a:r>
-              <a:rPr lang="ru-RU" sz="2400" i="1" dirty="0" smtClean="0">
+              <a:rPr lang="ru-RU" sz="2400" i="1" smtClean="0">
                 <a:latin typeface="Arial" pitchFamily="34" charset="0"/>
                 <a:cs typeface="Arial" pitchFamily="34" charset="0"/>
               </a:rPr>
-              <a:t>GKLS </a:t>
-            </a:r>
-            <a:r>
-              <a:rPr lang="ru-RU" sz="2400" i="1" dirty="0" err="1" smtClean="0">
-                <a:latin typeface="Arial" pitchFamily="34" charset="0"/>
-                <a:cs typeface="Arial" pitchFamily="34" charset="0"/>
-              </a:rPr>
-              <a:t>generator</a:t>
-            </a:r>
-            <a:r>
-              <a:rPr lang="ru-RU" sz="2400" i="1" dirty="0" smtClean="0">
-                <a:latin typeface="Arial" pitchFamily="34" charset="0"/>
-                <a:cs typeface="Arial" pitchFamily="34" charset="0"/>
-              </a:rPr>
-              <a:t> </a:t>
+              <a:t>GKLS generator </a:t>
             </a:r>
           </a:p>
           <a:p>
@@ -27378,10 +26963,9 @@
               <a:lnSpc>
                 <a:spcPct val="80000"/>
               </a:lnSpc>
-              <a:defRPr/>
             </a:pPr>
             <a:r>
-              <a:rPr lang="ru-RU" sz="2400" i="1" dirty="0" smtClean="0">
+              <a:rPr lang="ru-RU" sz="2400" i="1" smtClean="0">
                 <a:latin typeface="Arial" pitchFamily="34" charset="0"/>
                 <a:cs typeface="Arial" pitchFamily="34" charset="0"/>
               </a:rPr>
@@ -27393,10 +26977,9 @@
               <a:lnSpc>
                 <a:spcPct val="80000"/>
               </a:lnSpc>
-              <a:defRPr/>
             </a:pPr>
             <a:r>
-              <a:rPr lang="ru-RU" sz="2400" i="1" dirty="0" smtClean="0">
+              <a:rPr lang="ru-RU" sz="2400" i="1" smtClean="0">
                 <a:latin typeface="Arial" pitchFamily="34" charset="0"/>
                 <a:cs typeface="Arial" pitchFamily="34" charset="0"/>
               </a:rPr>
@@ -27408,10 +26991,9 @@
               <a:lnSpc>
                 <a:spcPct val="80000"/>
               </a:lnSpc>
-              <a:defRPr/>
             </a:pPr>
             <a:r>
-              <a:rPr lang="ru-RU" sz="2400" i="1" dirty="0" smtClean="0">
+              <a:rPr lang="ru-RU" sz="2400" i="1" smtClean="0">
                 <a:latin typeface="Arial" pitchFamily="34" charset="0"/>
                 <a:cs typeface="Arial" pitchFamily="34" charset="0"/>
               </a:rPr>
@@ -27423,10 +27005,9 @@
               <a:lnSpc>
                 <a:spcPct val="80000"/>
               </a:lnSpc>
-              <a:defRPr/>
             </a:pPr>
             <a:r>
-              <a:rPr lang="ru-RU" sz="2400" i="1" dirty="0" smtClean="0">
+              <a:rPr lang="ru-RU" sz="2400" i="1" smtClean="0">
                 <a:latin typeface="Arial" pitchFamily="34" charset="0"/>
                 <a:cs typeface="Arial" pitchFamily="34" charset="0"/>
               </a:rPr>
@@ -27438,9 +27019,8 @@
               <a:lnSpc>
                 <a:spcPct val="80000"/>
               </a:lnSpc>
-              <a:defRPr/>
             </a:pPr>
-            <a:endParaRPr lang="ru-RU" sz="2400" i="1" dirty="0" smtClean="0">
+            <a:endParaRPr lang="ru-RU" sz="2400" i="1" smtClean="0">
               <a:latin typeface="Arial" pitchFamily="34" charset="0"/>
               <a:cs typeface="Arial" pitchFamily="34" charset="0"/>
             </a:endParaRPr>
@@ -27450,9 +27030,8 @@
               <a:lnSpc>
                 <a:spcPct val="80000"/>
               </a:lnSpc>
-              <a:defRPr/>
             </a:pPr>
-            <a:endParaRPr lang="ru-RU" sz="2400" i="1" dirty="0" smtClean="0">
+            <a:endParaRPr lang="ru-RU" sz="2400" i="1" smtClean="0">
               <a:latin typeface="Arial" pitchFamily="34" charset="0"/>
               <a:cs typeface="Arial" pitchFamily="34" charset="0"/>
             </a:endParaRPr>
@@ -27462,9 +27041,8 @@
               <a:lnSpc>
                 <a:spcPct val="80000"/>
               </a:lnSpc>
-              <a:defRPr/>
             </a:pPr>
-            <a:endParaRPr lang="ru-RU" sz="2400" i="1" dirty="0" smtClean="0">
+            <a:endParaRPr lang="ru-RU" sz="2400" i="1" smtClean="0">
               <a:latin typeface="Arial" pitchFamily="34" charset="0"/>
               <a:cs typeface="Arial" pitchFamily="34" charset="0"/>
             </a:endParaRPr>
@@ -27474,9 +27052,8 @@
               <a:lnSpc>
                 <a:spcPct val="80000"/>
               </a:lnSpc>
-              <a:defRPr/>
             </a:pPr>
-            <a:endParaRPr lang="ru-RU" sz="2400" i="1" dirty="0" smtClean="0">
+            <a:endParaRPr lang="ru-RU" sz="2400" i="1" smtClean="0">
               <a:latin typeface="Arial" pitchFamily="34" charset="0"/>
               <a:cs typeface="Arial" pitchFamily="34" charset="0"/>
             </a:endParaRPr>
@@ -27485,7 +27062,7 @@
       </p:sp>
       <p:sp>
         <p:nvSpPr>
-          <p:cNvPr id="1029" name="Rectangle 8"/>
+          <p:cNvPr id="14339" name="Rectangle 8"/>
           <p:cNvSpPr>
             <a:spLocks noChangeArrowheads="1"/>
           </p:cNvSpPr>
@@ -27519,7 +27096,7 @@
       </p:sp>
       <p:sp>
         <p:nvSpPr>
-          <p:cNvPr id="1030" name="Заголовок 11"/>
+          <p:cNvPr id="14340" name="Заголовок 11"/>
           <p:cNvSpPr>
             <a:spLocks noGrp="1"/>
           </p:cNvSpPr>
@@ -27529,7 +27106,7 @@
         </p:nvSpPr>
         <p:spPr>
           <a:xfrm>
-            <a:off x="142844" y="152400"/>
+            <a:off x="142875" y="152400"/>
             <a:ext cx="7772400" cy="457200"/>
           </a:xfrm>
         </p:spPr>
@@ -27543,10 +27120,10 @@
               </a:spcBef>
             </a:pPr>
             <a:r>
-              <a:rPr lang="ru-RU" dirty="0" smtClean="0"/>
+              <a:rPr lang="ru-RU" smtClean="0"/>
               <a:t>Содержание</a:t>
             </a:r>
-            <a:endParaRPr lang="en-US" dirty="0" smtClean="0">
+            <a:endParaRPr lang="en-US" smtClean="0">
               <a:cs typeface="Arial" pitchFamily="34" charset="0"/>
             </a:endParaRPr>
           </a:p>
@@ -27554,7 +27131,7 @@
       </p:sp>
       <p:sp>
         <p:nvSpPr>
-          <p:cNvPr id="1031" name="Rectangle 2"/>
+          <p:cNvPr id="14341" name="Rectangle 2"/>
           <p:cNvSpPr>
             <a:spLocks noChangeArrowheads="1"/>
           </p:cNvSpPr>
@@ -27588,7 +27165,7 @@
       </p:sp>
       <p:sp>
         <p:nvSpPr>
-          <p:cNvPr id="1032" name="Rectangle 3"/>
+          <p:cNvPr id="14342" name="Rectangle 3"/>
           <p:cNvSpPr>
             <a:spLocks noChangeArrowheads="1"/>
           </p:cNvSpPr>
@@ -27897,7 +27474,7 @@
         </p:nvSpPr>
         <p:spPr>
           <a:xfrm>
-            <a:off x="142844" y="152400"/>
+            <a:off x="142875" y="152400"/>
             <a:ext cx="7772400" cy="457200"/>
           </a:xfrm>
         </p:spPr>
@@ -27911,12 +27488,12 @@
               </a:spcBef>
             </a:pPr>
             <a:r>
-              <a:rPr lang="ru-RU" dirty="0" smtClean="0">
+              <a:rPr lang="ru-RU" smtClean="0">
                 <a:cs typeface="Arial" pitchFamily="34" charset="0"/>
               </a:rPr>
               <a:t>Постановка задачи</a:t>
             </a:r>
-            <a:endParaRPr lang="en-US" dirty="0" smtClean="0">
+            <a:endParaRPr lang="en-US" smtClean="0">
               <a:cs typeface="Arial" pitchFamily="34" charset="0"/>
             </a:endParaRPr>
           </a:p>
@@ -27970,7 +27547,7 @@
         </p:xfrm>
         <a:graphic>
           <a:graphicData uri="http://schemas.openxmlformats.org/presentationml/2006/ole">
-            <p:oleObj spid="_x0000_s75778" name="Формула" r:id="rId4" imgW="3009600" imgH="253800" progId="Equation.3">
+            <p:oleObj spid="_x0000_s1026" name="Формула" r:id="rId4" imgW="3009600" imgH="253800" progId="Equation.3">
               <p:embed/>
             </p:oleObj>
           </a:graphicData>
@@ -28024,7 +27601,7 @@
         </p:xfrm>
         <a:graphic>
           <a:graphicData uri="http://schemas.openxmlformats.org/presentationml/2006/ole">
-            <p:oleObj spid="_x0000_s75779" name="Формула" r:id="rId5" imgW="2082800" imgH="457200" progId="Equation.3">
+            <p:oleObj spid="_x0000_s1027" name="Формула" r:id="rId5" imgW="2082800" imgH="457200" progId="Equation.3">
               <p:embed/>
             </p:oleObj>
           </a:graphicData>
@@ -28088,21 +27665,21 @@
               </a:lnSpc>
             </a:pPr>
             <a:r>
-              <a:rPr lang="ru-RU" sz="2400" dirty="0" smtClean="0">
+              <a:rPr lang="ru-RU" sz="2400" smtClean="0">
                 <a:latin typeface="Arial" pitchFamily="34" charset="0"/>
                 <a:cs typeface="Arial" pitchFamily="34" charset="0"/>
               </a:rPr>
               <a:t>Построение неравномерных адаптивных покрытий</a:t>
             </a:r>
             <a:r>
-              <a:rPr lang="en-US" sz="2400" dirty="0" smtClean="0">
+              <a:rPr lang="en-US" sz="2400" smtClean="0">
                 <a:latin typeface="Arial" pitchFamily="34" charset="0"/>
                 <a:cs typeface="Arial" pitchFamily="34" charset="0"/>
               </a:rPr>
               <a:t> </a:t>
             </a:r>
             <a:r>
-              <a:rPr lang="ru-RU" sz="2400" dirty="0" smtClean="0">
+              <a:rPr lang="ru-RU" sz="2400" smtClean="0">
                 <a:latin typeface="Arial" pitchFamily="34" charset="0"/>
                 <a:cs typeface="Arial" pitchFamily="34" charset="0"/>
               </a:rPr>
@@ -28119,7 +27696,7 @@
               </a:spcBef>
             </a:pPr>
             <a:r>
-              <a:rPr lang="ru-RU" sz="2400" dirty="0" smtClean="0">
+              <a:rPr lang="ru-RU" sz="2400" smtClean="0">
                 <a:latin typeface="Arial" pitchFamily="34" charset="0"/>
                 <a:cs typeface="Arial" pitchFamily="34" charset="0"/>
               </a:rPr>
@@ -28127,14 +27704,14 @@
             </a:r>
           </a:p>
           <a:p>
-            <a:endParaRPr lang="ru-RU" dirty="0" smtClean="0">
+            <a:endParaRPr lang="ru-RU" smtClean="0">
               <a:latin typeface="Arial" pitchFamily="34" charset="0"/>
               <a:cs typeface="Arial" pitchFamily="34" charset="0"/>
             </a:endParaRPr>
           </a:p>
           <a:p>
             <a:r>
-              <a:rPr lang="ru-RU" sz="2400" dirty="0" smtClean="0">
+              <a:rPr lang="ru-RU" sz="2400" smtClean="0">
                 <a:latin typeface="Arial" pitchFamily="34" charset="0"/>
                 <a:ea typeface="Times"/>
                 <a:cs typeface="Arial" pitchFamily="34" charset="0"/>
@@ -28142,7 +27719,7 @@
               <a:t>При точности </a:t>
             </a:r>
             <a:r>
-              <a:rPr lang="en-US" sz="2400" i="1" dirty="0" smtClean="0">
+              <a:rPr lang="en-US" sz="2400" i="1" smtClean="0">
                 <a:latin typeface="Arial" pitchFamily="34" charset="0"/>
                 <a:ea typeface="Times"/>
                 <a:cs typeface="Arial" pitchFamily="34" charset="0"/>
@@ -28151,7 +27728,7 @@
               <a:t> </a:t>
             </a:r>
             <a:r>
-              <a:rPr lang="en-US" sz="2400" dirty="0" smtClean="0">
+              <a:rPr lang="en-US" sz="2400" smtClean="0">
                 <a:latin typeface="Arial" pitchFamily="34" charset="0"/>
                 <a:ea typeface="Times"/>
                 <a:cs typeface="Arial" pitchFamily="34" charset="0"/>
@@ -28160,7 +27737,7 @@
               <a:t> </a:t>
             </a:r>
             <a:r>
-              <a:rPr lang="ru-RU" sz="2400" dirty="0" smtClean="0">
+              <a:rPr lang="ru-RU" sz="2400" smtClean="0">
                 <a:latin typeface="Arial" pitchFamily="34" charset="0"/>
                 <a:ea typeface="Times"/>
                 <a:cs typeface="Arial" pitchFamily="34" charset="0"/>
@@ -28168,7 +27745,7 @@
               <a:t>10</a:t>
             </a:r>
             <a:r>
-              <a:rPr lang="en-US" sz="2400" baseline="30000" dirty="0" smtClean="0">
+              <a:rPr lang="en-US" sz="2400" baseline="30000" smtClean="0">
                 <a:latin typeface="Arial" pitchFamily="34" charset="0"/>
                 <a:ea typeface="Times"/>
                 <a:cs typeface="Arial" pitchFamily="34" charset="0"/>
@@ -28177,7 +27754,7 @@
               <a:t>2</a:t>
             </a:r>
             <a:r>
-              <a:rPr lang="ru-RU" sz="2400" baseline="30000" dirty="0" smtClean="0">
+              <a:rPr lang="ru-RU" sz="2400" baseline="30000" smtClean="0">
                 <a:latin typeface="Arial" pitchFamily="34" charset="0"/>
                 <a:ea typeface="Times"/>
                 <a:cs typeface="Arial" pitchFamily="34" charset="0"/>
@@ -28186,7 +27763,7 @@
               <a:t>  </a:t>
             </a:r>
             <a:r>
-              <a:rPr lang="en-US" sz="2400" dirty="0" smtClean="0">
+              <a:rPr lang="en-US" sz="2400" smtClean="0">
                 <a:latin typeface="Arial" pitchFamily="34" charset="0"/>
                 <a:ea typeface="Times"/>
                 <a:cs typeface="Arial" pitchFamily="34" charset="0"/>
@@ -28194,31 +27771,31 @@
               <a:t> </a:t>
             </a:r>
             <a:r>
-              <a:rPr lang="en-US" sz="2400" dirty="0" smtClean="0">
+              <a:rPr lang="en-US" sz="2400" smtClean="0">
                 <a:latin typeface="Arial" pitchFamily="34" charset="0"/>
                 <a:cs typeface="Arial" pitchFamily="34" charset="0"/>
               </a:rPr>
               <a:t>128</a:t>
             </a:r>
             <a:r>
-              <a:rPr lang="en-US" sz="2400" dirty="0" smtClean="0">
+              <a:rPr lang="en-US" sz="2400" smtClean="0">
                 <a:latin typeface="Arial" pitchFamily="34" charset="0"/>
                 <a:ea typeface="Times"/>
-                <a:cs typeface="Arial" pitchFamily="34" charset="0"/>
+                <a:cs typeface="Times"/>
               </a:rPr>
               <a:t> </a:t>
             </a:r>
             <a:r>
-              <a:rPr lang="ru-RU" sz="2400" dirty="0" smtClean="0">
+              <a:rPr lang="ru-RU" sz="2400" smtClean="0">
                 <a:latin typeface="Arial" pitchFamily="34" charset="0"/>
                 <a:ea typeface="Times"/>
-                <a:cs typeface="Arial" pitchFamily="34" charset="0"/>
+                <a:cs typeface="Times"/>
               </a:rPr>
               <a:t>испытаний</a:t>
             </a:r>
           </a:p>
           <a:p>
-            <a:endParaRPr lang="ru-RU" dirty="0" smtClean="0">
+            <a:endParaRPr lang="ru-RU" smtClean="0">
               <a:latin typeface="Arial" pitchFamily="34" charset="0"/>
               <a:cs typeface="Arial" pitchFamily="34" charset="0"/>
             </a:endParaRPr>
@@ -28237,7 +27814,7 @@
         </p:nvSpPr>
         <p:spPr>
           <a:xfrm>
-            <a:off x="142844" y="152400"/>
+            <a:off x="142875" y="152400"/>
             <a:ext cx="7772400" cy="457200"/>
           </a:xfrm>
         </p:spPr>
@@ -28246,12 +27823,12 @@
           <a:lstStyle/>
           <a:p>
             <a:r>
-              <a:rPr lang="ru-RU" dirty="0" smtClean="0">
+              <a:rPr lang="ru-RU" smtClean="0">
                 <a:sym typeface="Symbol" pitchFamily="18" charset="2"/>
               </a:rPr>
               <a:t>Поиск решения</a:t>
             </a:r>
-            <a:endParaRPr lang="ru-RU" dirty="0" smtClean="0"/>
+            <a:endParaRPr lang="ru-RU" smtClean="0"/>
           </a:p>
         </p:txBody>
       </p:sp>
@@ -28264,8 +27841,8 @@
           <p:nvPr/>
         </p:nvGraphicFramePr>
         <p:xfrm>
-          <a:off x="576265" y="4186238"/>
-          <a:ext cx="4424363" cy="555625"/>
+          <a:off x="576263" y="4186238"/>
+          <a:ext cx="4424362" cy="555625"/>
         </p:xfrm>
         <a:graphic>
           <a:graphicData uri="http://schemas.openxmlformats.org/presentationml/2006/ole">
@@ -28285,8 +27862,8 @@
         </p:nvSpPr>
         <p:spPr bwMode="auto">
           <a:xfrm>
-            <a:off x="714348" y="5643578"/>
-            <a:ext cx="8286808" cy="769441"/>
+            <a:off x="714375" y="5643563"/>
+            <a:ext cx="8286750" cy="769937"/>
           </a:xfrm>
           <a:prstGeom prst="rect">
             <a:avLst/>
@@ -28300,67 +27877,64 @@
           </a:ln>
         </p:spPr>
         <p:txBody>
-          <a:bodyPr wrap="square">
+          <a:bodyPr>
             <a:spAutoFit/>
           </a:bodyPr>
           <a:lstStyle/>
           <a:p>
             <a:pPr algn="r"/>
             <a:r>
-              <a:rPr lang="ru-RU" sz="2200" i="1" dirty="0">
+              <a:rPr lang="ru-RU" sz="2200" i="1">
                 <a:latin typeface="Arial" pitchFamily="34" charset="0"/>
               </a:rPr>
               <a:t>Информационно-статистический подход </a:t>
             </a:r>
-            <a:endParaRPr lang="ru-RU" sz="2200" i="1" dirty="0" smtClean="0">
-              <a:latin typeface="Arial" pitchFamily="34" charset="0"/>
-            </a:endParaRPr>
           </a:p>
           <a:p>
             <a:pPr algn="r"/>
             <a:r>
-              <a:rPr lang="en-US" sz="2200" i="1" dirty="0" smtClean="0">
+              <a:rPr lang="en-US" sz="2200" i="1">
                 <a:latin typeface="Arial" pitchFamily="34" charset="0"/>
               </a:rPr>
               <a:t>(</a:t>
             </a:r>
             <a:r>
-              <a:rPr lang="ru-RU" sz="2200" i="1" dirty="0" err="1">
+              <a:rPr lang="ru-RU" sz="2200" i="1">
                 <a:latin typeface="Arial" pitchFamily="34" charset="0"/>
               </a:rPr>
               <a:t>Стронгин</a:t>
             </a:r>
             <a:r>
-              <a:rPr lang="en-US" sz="2200" i="1" dirty="0">
+              <a:rPr lang="en-US" sz="2200" i="1">
                 <a:latin typeface="Arial" pitchFamily="34" charset="0"/>
               </a:rPr>
               <a:t>,</a:t>
             </a:r>
             <a:r>
-              <a:rPr lang="ru-RU" sz="2200" i="1" dirty="0">
+              <a:rPr lang="ru-RU" sz="2200" i="1">
                 <a:latin typeface="Arial" pitchFamily="34" charset="0"/>
               </a:rPr>
               <a:t> Сергеев</a:t>
             </a:r>
             <a:r>
-              <a:rPr lang="en-US" sz="2200" i="1" dirty="0">
+              <a:rPr lang="en-US" sz="2200" i="1">
                 <a:latin typeface="Arial" pitchFamily="34" charset="0"/>
               </a:rPr>
               <a:t> (</a:t>
             </a:r>
             <a:r>
-              <a:rPr lang="ru-RU" sz="2200" i="1" dirty="0">
+              <a:rPr lang="ru-RU" sz="2200" i="1">
                 <a:latin typeface="Arial" pitchFamily="34" charset="0"/>
               </a:rPr>
               <a:t>2000</a:t>
             </a:r>
             <a:r>
-              <a:rPr lang="en-US" sz="2200" i="1" dirty="0">
+              <a:rPr lang="en-US" sz="2200" i="1">
                 <a:latin typeface="Arial" pitchFamily="34" charset="0"/>
               </a:rPr>
               <a:t>))</a:t>
             </a:r>
-            <a:endParaRPr lang="ru-RU" sz="2200" i="1" dirty="0">
+            <a:endParaRPr lang="ru-RU" sz="2200" i="1">
               <a:latin typeface="Arial" pitchFamily="34" charset="0"/>
             </a:endParaRPr>
           </a:p>
@@ -28449,7 +28023,7 @@
         </p:blipFill>
         <p:spPr bwMode="auto">
           <a:xfrm>
-            <a:off x="827088" y="776301"/>
+            <a:off x="827088" y="776288"/>
             <a:ext cx="6296025" cy="4581525"/>
           </a:xfrm>
           <a:prstGeom prst="rect">
@@ -28580,7 +28154,7 @@
         <p:spPr bwMode="auto">
           <a:xfrm>
             <a:off x="6732588" y="1412875"/>
-            <a:ext cx="1802416" cy="707886"/>
+            <a:ext cx="1801812" cy="708025"/>
           </a:xfrm>
           <a:prstGeom prst="rect">
             <a:avLst/>
@@ -28600,19 +28174,19 @@
           <a:lstStyle/>
           <a:p>
             <a:r>
-              <a:rPr lang="en-US" sz="2000" i="1" dirty="0">
+              <a:rPr lang="en-US" sz="2000" i="1">
                 <a:latin typeface="Arial" pitchFamily="34" charset="0"/>
               </a:rPr>
               <a:t>N</a:t>
             </a:r>
             <a:r>
-              <a:rPr lang="en-US" sz="2000" dirty="0">
+              <a:rPr lang="en-US" sz="2000">
                 <a:latin typeface="Arial" pitchFamily="34" charset="0"/>
               </a:rPr>
               <a:t>-</a:t>
             </a:r>
             <a:r>
-              <a:rPr lang="ru-RU" sz="2000" dirty="0">
+              <a:rPr lang="ru-RU" sz="2000">
                 <a:latin typeface="Arial" pitchFamily="34" charset="0"/>
               </a:rPr>
               <a:t>мерное </a:t>
@@ -28620,7 +28194,7 @@
           </a:p>
           <a:p>
             <a:r>
-              <a:rPr lang="ru-RU" sz="2000" dirty="0">
+              <a:rPr lang="ru-RU" sz="2000">
                 <a:latin typeface="Arial" pitchFamily="34" charset="0"/>
               </a:rPr>
               <a:t>пространство</a:t>
@@ -28639,7 +28213,7 @@
         <p:spPr bwMode="auto">
           <a:xfrm>
             <a:off x="7235825" y="4724400"/>
-            <a:ext cx="1412566" cy="707886"/>
+            <a:ext cx="1412875" cy="708025"/>
           </a:xfrm>
           <a:prstGeom prst="rect">
             <a:avLst/>
@@ -28659,13 +28233,13 @@
           <a:lstStyle/>
           <a:p>
             <a:r>
-              <a:rPr lang="en-US" sz="2000" dirty="0">
+              <a:rPr lang="en-US" sz="2000">
                 <a:latin typeface="Arial" pitchFamily="34" charset="0"/>
               </a:rPr>
               <a:t>1-</a:t>
             </a:r>
             <a:r>
-              <a:rPr lang="ru-RU" sz="2000" dirty="0">
+              <a:rPr lang="ru-RU" sz="2000">
                 <a:latin typeface="Arial" pitchFamily="34" charset="0"/>
               </a:rPr>
               <a:t>мерный </a:t>
@@ -28673,7 +28247,7 @@
           </a:p>
           <a:p>
             <a:r>
-              <a:rPr lang="ru-RU" sz="2000" dirty="0">
+              <a:rPr lang="ru-RU" sz="2000">
                 <a:latin typeface="Arial" pitchFamily="34" charset="0"/>
               </a:rPr>
               <a:t>интервал</a:t>
@@ -28692,7 +28266,7 @@
         <p:spPr bwMode="auto">
           <a:xfrm>
             <a:off x="4899025" y="3284538"/>
-            <a:ext cx="3764172" cy="1015663"/>
+            <a:ext cx="3763963" cy="1016000"/>
           </a:xfrm>
           <a:prstGeom prst="rect">
             <a:avLst/>
@@ -28712,7 +28286,7 @@
           <a:lstStyle/>
           <a:p>
             <a:r>
-              <a:rPr lang="ru-RU" sz="2000" dirty="0">
+              <a:rPr lang="ru-RU" sz="2000">
                 <a:latin typeface="Arial" pitchFamily="34" charset="0"/>
               </a:rPr>
               <a:t>Кривая Пеано, </a:t>
@@ -28720,169 +28294,169 @@
           </a:p>
           <a:p>
             <a:r>
-              <a:rPr lang="ru-RU" sz="2000" dirty="0">
+              <a:rPr lang="ru-RU" sz="2000">
                 <a:latin typeface="Arial" pitchFamily="34" charset="0"/>
               </a:rPr>
               <a:t>заполняет пространство</a:t>
             </a:r>
-            <a:endParaRPr lang="en-US" sz="2000" dirty="0">
+            <a:endParaRPr lang="en-US" sz="2000">
               <a:latin typeface="Arial" pitchFamily="34" charset="0"/>
             </a:endParaRPr>
           </a:p>
           <a:p>
             <a:r>
-              <a:rPr lang="ru-RU" sz="2000" dirty="0">
+              <a:rPr lang="ru-RU" sz="2000">
                 <a:latin typeface="Arial" pitchFamily="34" charset="0"/>
                 <a:sym typeface="Symbol" pitchFamily="18" charset="2"/>
               </a:rPr>
               <a:t> </a:t>
             </a:r>
             <a:r>
-              <a:rPr lang="en-US" sz="2000" i="1" dirty="0">
+              <a:rPr lang="en-US" sz="2000" i="1">
                 <a:latin typeface="Arial" pitchFamily="34" charset="0"/>
                 <a:sym typeface="Symbol" pitchFamily="18" charset="2"/>
               </a:rPr>
               <a:t>y</a:t>
             </a:r>
             <a:r>
-              <a:rPr lang="en-US" sz="2000" dirty="0">
+              <a:rPr lang="en-US" sz="2000">
                 <a:latin typeface="Arial" pitchFamily="34" charset="0"/>
                 <a:sym typeface="Symbol" pitchFamily="18" charset="2"/>
               </a:rPr>
               <a:t>(</a:t>
             </a:r>
             <a:r>
-              <a:rPr lang="en-US" sz="2000" i="1" dirty="0">
+              <a:rPr lang="en-US" sz="2000" i="1">
                 <a:latin typeface="Arial" pitchFamily="34" charset="0"/>
                 <a:sym typeface="Symbol" pitchFamily="18" charset="2"/>
               </a:rPr>
               <a:t>x</a:t>
             </a:r>
             <a:r>
-              <a:rPr lang="en-US" sz="2000" dirty="0">
+              <a:rPr lang="en-US" sz="2000">
                 <a:latin typeface="Arial" pitchFamily="34" charset="0"/>
                 <a:sym typeface="Symbol" pitchFamily="18" charset="2"/>
               </a:rPr>
               <a:t>)</a:t>
             </a:r>
             <a:r>
-              <a:rPr lang="ru-RU" sz="2000" dirty="0">
+              <a:rPr lang="ru-RU" sz="2000">
                 <a:latin typeface="Arial" pitchFamily="34" charset="0"/>
                 <a:sym typeface="Symbol" pitchFamily="18" charset="2"/>
               </a:rPr>
               <a:t></a:t>
             </a:r>
             <a:r>
-              <a:rPr lang="en-US" sz="2000" dirty="0">
+              <a:rPr lang="en-US" sz="2000">
                 <a:latin typeface="Arial" pitchFamily="34" charset="0"/>
                 <a:sym typeface="Symbol" pitchFamily="18" charset="2"/>
               </a:rPr>
               <a:t> 0</a:t>
             </a:r>
             <a:r>
-              <a:rPr lang="ru-RU" sz="2000" dirty="0">
+              <a:rPr lang="ru-RU" sz="2000">
                 <a:latin typeface="Arial" pitchFamily="34" charset="0"/>
                 <a:sym typeface="Symbol" pitchFamily="18" charset="2"/>
               </a:rPr>
               <a:t></a:t>
             </a:r>
             <a:r>
-              <a:rPr lang="en-US" sz="2000" i="1" dirty="0">
+              <a:rPr lang="en-US" sz="2000" i="1">
                 <a:latin typeface="Arial" pitchFamily="34" charset="0"/>
                 <a:sym typeface="Symbol" pitchFamily="18" charset="2"/>
               </a:rPr>
               <a:t>x</a:t>
             </a:r>
             <a:r>
-              <a:rPr lang="ru-RU" sz="2000" dirty="0">
+              <a:rPr lang="ru-RU" sz="2000">
                 <a:latin typeface="Arial" pitchFamily="34" charset="0"/>
                 <a:sym typeface="Symbol" pitchFamily="18" charset="2"/>
               </a:rPr>
               <a:t></a:t>
             </a:r>
             <a:r>
-              <a:rPr lang="en-US" sz="2000" dirty="0">
+              <a:rPr lang="en-US" sz="2000">
                 <a:latin typeface="Arial" pitchFamily="34" charset="0"/>
                 <a:sym typeface="Symbol" pitchFamily="18" charset="2"/>
               </a:rPr>
               <a:t>1</a:t>
             </a:r>
             <a:r>
-              <a:rPr lang="ru-RU" sz="2000" dirty="0">
+              <a:rPr lang="ru-RU" sz="2000">
                 <a:latin typeface="Arial" pitchFamily="34" charset="0"/>
                 <a:sym typeface="Symbol" pitchFamily="18" charset="2"/>
               </a:rPr>
               <a:t>    </a:t>
             </a:r>
             <a:r>
-              <a:rPr lang="en-US" sz="2000" i="1" dirty="0">
+              <a:rPr lang="en-US" sz="2000" i="1">
                 <a:latin typeface="Arial" pitchFamily="34" charset="0"/>
                 <a:sym typeface="Symbol" pitchFamily="18" charset="2"/>
               </a:rPr>
               <a:t>y</a:t>
             </a:r>
             <a:r>
-              <a:rPr lang="ru-RU" sz="2000" dirty="0">
+              <a:rPr lang="ru-RU" sz="2000">
                 <a:latin typeface="Arial" pitchFamily="34" charset="0"/>
                 <a:sym typeface="Symbol" pitchFamily="18" charset="2"/>
               </a:rPr>
               <a:t></a:t>
             </a:r>
             <a:r>
-              <a:rPr lang="en-US" sz="2000" i="1" dirty="0">
+              <a:rPr lang="en-US" sz="2000" i="1">
                 <a:latin typeface="Arial" pitchFamily="34" charset="0"/>
                 <a:sym typeface="Symbol" pitchFamily="18" charset="2"/>
               </a:rPr>
               <a:t>R</a:t>
             </a:r>
             <a:r>
-              <a:rPr lang="en-US" sz="2000" i="1" baseline="30000" dirty="0">
+              <a:rPr lang="en-US" sz="2000" i="1" baseline="30000">
                 <a:latin typeface="Arial" pitchFamily="34" charset="0"/>
                 <a:sym typeface="Symbol" pitchFamily="18" charset="2"/>
               </a:rPr>
               <a:t>N</a:t>
             </a:r>
             <a:r>
-              <a:rPr lang="en-US" sz="2000" dirty="0">
+              <a:rPr lang="en-US" sz="2000">
                 <a:latin typeface="Arial" pitchFamily="34" charset="0"/>
                 <a:sym typeface="Symbol" pitchFamily="18" charset="2"/>
               </a:rPr>
               <a:t>: </a:t>
             </a:r>
             <a:r>
-              <a:rPr lang="en-US" sz="2000" i="1" dirty="0">
+              <a:rPr lang="en-US" sz="2000" i="1">
                 <a:latin typeface="Arial" pitchFamily="34" charset="0"/>
               </a:rPr>
               <a:t>y</a:t>
             </a:r>
             <a:r>
-              <a:rPr lang="ru-RU" sz="2000" dirty="0">
+              <a:rPr lang="ru-RU" sz="2000">
                 <a:latin typeface="Arial" pitchFamily="34" charset="0"/>
                 <a:sym typeface="Symbol" pitchFamily="18" charset="2"/>
               </a:rPr>
               <a:t></a:t>
             </a:r>
             <a:r>
-              <a:rPr lang="en-US" sz="2000" i="1" dirty="0">
+              <a:rPr lang="en-US" sz="2000" i="1">
                 <a:latin typeface="Arial" pitchFamily="34" charset="0"/>
               </a:rPr>
               <a:t>D</a:t>
             </a:r>
             <a:r>
-              <a:rPr lang="en-US" sz="2000" i="1" dirty="0">
+              <a:rPr lang="en-US" sz="2000" i="1">
                 <a:latin typeface="Arial" pitchFamily="34" charset="0"/>
                 <a:sym typeface="Symbol" pitchFamily="18" charset="2"/>
               </a:rPr>
               <a:t> </a:t>
             </a:r>
             <a:r>
-              <a:rPr lang="ru-RU" sz="2000" dirty="0">
+              <a:rPr lang="ru-RU" sz="2000">
                 <a:latin typeface="Arial" pitchFamily="34" charset="0"/>
                 <a:sym typeface="Symbol" pitchFamily="18" charset="2"/>
               </a:rPr>
               <a:t></a:t>
             </a:r>
-            <a:endParaRPr lang="ru-RU" sz="2000" dirty="0">
+            <a:endParaRPr lang="ru-RU" sz="2000">
               <a:latin typeface="Arial" pitchFamily="34" charset="0"/>
             </a:endParaRPr>
           </a:p>
@@ -28900,7 +28474,7 @@
         </p:nvSpPr>
         <p:spPr>
           <a:xfrm>
-            <a:off x="142844" y="152400"/>
+            <a:off x="142875" y="152400"/>
             <a:ext cx="7772400" cy="457200"/>
           </a:xfrm>
         </p:spPr>
@@ -28910,12 +28484,12 @@
           <a:p>
             <a:pPr eaLnBrk="1" hangingPunct="1"/>
             <a:r>
-              <a:rPr lang="ru-RU" dirty="0" smtClean="0">
+              <a:rPr lang="ru-RU" smtClean="0">
                 <a:cs typeface="Arial" pitchFamily="34" charset="0"/>
               </a:rPr>
               <a:t>Редукция размерности</a:t>
             </a:r>
-            <a:endParaRPr lang="en-US" dirty="0" smtClean="0">
+            <a:endParaRPr lang="en-US" smtClean="0">
               <a:cs typeface="Arial" pitchFamily="34" charset="0"/>
             </a:endParaRPr>
           </a:p>
@@ -28931,8 +28505,8 @@
         </p:nvCxnSpPr>
         <p:spPr>
           <a:xfrm rot="10800000">
-            <a:off x="3132139" y="2781300"/>
-            <a:ext cx="1766886" cy="1011070"/>
+            <a:off x="3132138" y="2781300"/>
+            <a:ext cx="1766887" cy="1011238"/>
           </a:xfrm>
           <a:prstGeom prst="straightConnector1">
             <a:avLst/>
@@ -28995,202 +28569,202 @@
               </a:lnSpc>
             </a:pPr>
             <a:r>
-              <a:rPr lang="en-US" sz="2800" dirty="0">
+              <a:rPr lang="en-US" sz="2800">
                 <a:latin typeface="Arial" pitchFamily="34" charset="0"/>
                 <a:sym typeface="Symbol" pitchFamily="18" charset="2"/>
               </a:rPr>
               <a:t>min</a:t>
             </a:r>
             <a:r>
-              <a:rPr lang="ru-RU" sz="2800" dirty="0">
+              <a:rPr lang="ru-RU" sz="2800">
                 <a:latin typeface="Arial" pitchFamily="34" charset="0"/>
                 <a:sym typeface="Symbol" pitchFamily="18" charset="2"/>
               </a:rPr>
               <a:t>  </a:t>
             </a:r>
             <a:r>
-              <a:rPr lang="ru-RU" sz="2800" i="1" dirty="0">
+              <a:rPr lang="ru-RU" sz="2800" i="1">
                 <a:latin typeface="Arial" pitchFamily="34" charset="0"/>
                 <a:sym typeface="Symbol" pitchFamily="18" charset="2"/>
               </a:rPr>
               <a:t></a:t>
             </a:r>
             <a:r>
-              <a:rPr lang="en-US" sz="2800" dirty="0">
+              <a:rPr lang="en-US" sz="2800">
                 <a:latin typeface="Arial" pitchFamily="34" charset="0"/>
                 <a:sym typeface="Symbol" pitchFamily="18" charset="2"/>
               </a:rPr>
               <a:t>(</a:t>
             </a:r>
             <a:r>
-              <a:rPr lang="en-US" sz="2800" i="1" dirty="0">
+              <a:rPr lang="en-US" sz="2800" i="1">
                 <a:latin typeface="Arial" pitchFamily="34" charset="0"/>
                 <a:sym typeface="Symbol" pitchFamily="18" charset="2"/>
               </a:rPr>
               <a:t>y</a:t>
             </a:r>
             <a:r>
-              <a:rPr lang="en-US" sz="2800" dirty="0">
+              <a:rPr lang="en-US" sz="2800">
                 <a:latin typeface="Arial" pitchFamily="34" charset="0"/>
                 <a:sym typeface="Symbol" pitchFamily="18" charset="2"/>
               </a:rPr>
               <a:t>)</a:t>
             </a:r>
             <a:r>
-              <a:rPr lang="ru-RU" sz="2800" dirty="0">
+              <a:rPr lang="ru-RU" sz="2800">
                 <a:latin typeface="Arial" pitchFamily="34" charset="0"/>
                 <a:sym typeface="Symbol" pitchFamily="18" charset="2"/>
               </a:rPr>
               <a:t></a:t>
             </a:r>
             <a:r>
-              <a:rPr lang="en-US" sz="2800" dirty="0">
+              <a:rPr lang="en-US" sz="2800">
                 <a:latin typeface="Arial" pitchFamily="34" charset="0"/>
                 <a:sym typeface="Symbol" pitchFamily="18" charset="2"/>
               </a:rPr>
               <a:t> </a:t>
             </a:r>
             <a:r>
-              <a:rPr lang="en-US" sz="2800" i="1" dirty="0">
+              <a:rPr lang="en-US" sz="2800" i="1">
                 <a:latin typeface="Arial" pitchFamily="34" charset="0"/>
                 <a:sym typeface="Symbol" pitchFamily="18" charset="2"/>
               </a:rPr>
               <a:t>y</a:t>
             </a:r>
             <a:r>
-              <a:rPr lang="ru-RU" sz="2800" dirty="0">
+              <a:rPr lang="ru-RU" sz="2800">
                 <a:latin typeface="Arial" pitchFamily="34" charset="0"/>
                 <a:sym typeface="Symbol" pitchFamily="18" charset="2"/>
               </a:rPr>
               <a:t></a:t>
             </a:r>
             <a:r>
-              <a:rPr lang="en-US" sz="2800" i="1" dirty="0">
+              <a:rPr lang="en-US" sz="2800" i="1">
                 <a:latin typeface="Arial" pitchFamily="34" charset="0"/>
                 <a:sym typeface="Symbol" pitchFamily="18" charset="2"/>
               </a:rPr>
               <a:t>D</a:t>
             </a:r>
             <a:r>
-              <a:rPr lang="ru-RU" sz="2800" dirty="0">
+              <a:rPr lang="ru-RU" sz="2800">
                 <a:latin typeface="Arial" pitchFamily="34" charset="0"/>
                 <a:sym typeface="Symbol" pitchFamily="18" charset="2"/>
               </a:rPr>
               <a:t></a:t>
             </a:r>
             <a:r>
-              <a:rPr lang="en-US" sz="2800" dirty="0">
+              <a:rPr lang="en-US" sz="2800">
                 <a:latin typeface="Arial" pitchFamily="34" charset="0"/>
                 <a:sym typeface="Symbol" pitchFamily="18" charset="2"/>
               </a:rPr>
               <a:t> </a:t>
             </a:r>
             <a:r>
-              <a:rPr lang="ru-RU" sz="2800" dirty="0">
+              <a:rPr lang="ru-RU" sz="2800">
                 <a:latin typeface="Arial" pitchFamily="34" charset="0"/>
                 <a:sym typeface="Symbol" pitchFamily="18" charset="2"/>
               </a:rPr>
               <a:t> </a:t>
             </a:r>
             <a:r>
-              <a:rPr lang="en-US" sz="2800" dirty="0">
+              <a:rPr lang="en-US" sz="2800">
                 <a:latin typeface="Arial" pitchFamily="34" charset="0"/>
                 <a:sym typeface="Symbol" pitchFamily="18" charset="2"/>
               </a:rPr>
               <a:t>min</a:t>
             </a:r>
             <a:r>
-              <a:rPr lang="ru-RU" sz="2800" dirty="0">
+              <a:rPr lang="ru-RU" sz="2800">
                 <a:latin typeface="Arial" pitchFamily="34" charset="0"/>
                 <a:sym typeface="Symbol" pitchFamily="18" charset="2"/>
               </a:rPr>
               <a:t>  </a:t>
             </a:r>
             <a:r>
-              <a:rPr lang="ru-RU" sz="2800" i="1" dirty="0">
+              <a:rPr lang="ru-RU" sz="2800" i="1">
                 <a:latin typeface="Arial" pitchFamily="34" charset="0"/>
                 <a:sym typeface="Symbol" pitchFamily="18" charset="2"/>
               </a:rPr>
               <a:t></a:t>
             </a:r>
             <a:r>
-              <a:rPr lang="en-US" sz="2800" dirty="0">
+              <a:rPr lang="en-US" sz="2800">
                 <a:latin typeface="Arial" pitchFamily="34" charset="0"/>
                 <a:sym typeface="Symbol" pitchFamily="18" charset="2"/>
               </a:rPr>
               <a:t>(</a:t>
             </a:r>
             <a:r>
-              <a:rPr lang="en-US" sz="2800" i="1" dirty="0">
+              <a:rPr lang="en-US" sz="2800" i="1">
                 <a:latin typeface="Arial" pitchFamily="34" charset="0"/>
                 <a:sym typeface="Symbol" pitchFamily="18" charset="2"/>
               </a:rPr>
               <a:t>y</a:t>
             </a:r>
             <a:r>
-              <a:rPr lang="en-US" sz="2800" dirty="0">
+              <a:rPr lang="en-US" sz="2800">
                 <a:latin typeface="Arial" pitchFamily="34" charset="0"/>
                 <a:sym typeface="Symbol" pitchFamily="18" charset="2"/>
               </a:rPr>
               <a:t>(</a:t>
             </a:r>
             <a:r>
-              <a:rPr lang="en-US" sz="2800" i="1" dirty="0">
+              <a:rPr lang="en-US" sz="2800" i="1">
                 <a:latin typeface="Arial" pitchFamily="34" charset="0"/>
                 <a:sym typeface="Symbol" pitchFamily="18" charset="2"/>
               </a:rPr>
               <a:t>x</a:t>
             </a:r>
             <a:r>
-              <a:rPr lang="en-US" sz="2800" dirty="0">
+              <a:rPr lang="en-US" sz="2800">
                 <a:latin typeface="Arial" pitchFamily="34" charset="0"/>
                 <a:sym typeface="Symbol" pitchFamily="18" charset="2"/>
               </a:rPr>
               <a:t>))</a:t>
             </a:r>
             <a:r>
-              <a:rPr lang="ru-RU" sz="2800" dirty="0">
+              <a:rPr lang="ru-RU" sz="2800">
                 <a:latin typeface="Arial" pitchFamily="34" charset="0"/>
                 <a:sym typeface="Symbol" pitchFamily="18" charset="2"/>
               </a:rPr>
               <a:t></a:t>
             </a:r>
             <a:r>
-              <a:rPr lang="en-US" sz="2800" dirty="0">
+              <a:rPr lang="en-US" sz="2800">
                 <a:latin typeface="Arial" pitchFamily="34" charset="0"/>
                 <a:sym typeface="Symbol" pitchFamily="18" charset="2"/>
               </a:rPr>
               <a:t> </a:t>
             </a:r>
             <a:r>
-              <a:rPr lang="en-US" sz="2800" i="1" dirty="0">
+              <a:rPr lang="en-US" sz="2800" i="1">
                 <a:latin typeface="Arial" pitchFamily="34" charset="0"/>
                 <a:sym typeface="Symbol" pitchFamily="18" charset="2"/>
               </a:rPr>
               <a:t>x</a:t>
             </a:r>
             <a:r>
-              <a:rPr lang="ru-RU" sz="2800" dirty="0">
+              <a:rPr lang="ru-RU" sz="2800">
                 <a:latin typeface="Arial" pitchFamily="34" charset="0"/>
                 <a:sym typeface="Symbol" pitchFamily="18" charset="2"/>
               </a:rPr>
               <a:t></a:t>
             </a:r>
             <a:r>
-              <a:rPr lang="en-US" sz="2800" dirty="0">
+              <a:rPr lang="en-US" sz="2800">
                 <a:latin typeface="Arial" pitchFamily="34" charset="0"/>
                 <a:sym typeface="Symbol" pitchFamily="18" charset="2"/>
               </a:rPr>
               <a:t>[0,1]</a:t>
             </a:r>
             <a:r>
-              <a:rPr lang="ru-RU" sz="2800" dirty="0">
+              <a:rPr lang="ru-RU" sz="2800">
                 <a:latin typeface="Arial" pitchFamily="34" charset="0"/>
                 <a:sym typeface="Symbol" pitchFamily="18" charset="2"/>
               </a:rPr>
               <a:t></a:t>
             </a:r>
-            <a:endParaRPr lang="en-US" sz="2800" dirty="0">
+            <a:endParaRPr lang="en-US" sz="2800">
               <a:latin typeface="Arial" pitchFamily="34" charset="0"/>
             </a:endParaRPr>
           </a:p>
@@ -29266,29 +28840,17 @@
               <a:buSzPct val="80000"/>
             </a:pPr>
             <a:r>
-              <a:rPr lang="ru-RU" i="1" dirty="0">
+              <a:rPr lang="ru-RU" i="1">
                 <a:latin typeface="Arial" pitchFamily="34" charset="0"/>
                 <a:ea typeface="Times"/>
-              </a:rPr>
-              <a:t>Численный метод построения  кривой Пеано с заданной точностью рассмотрены Сергеевым, </a:t>
-            </a:r>
-            <a:r>
-              <a:rPr lang="ru-RU" i="1" dirty="0" err="1">
-                <a:latin typeface="Arial" pitchFamily="34" charset="0"/>
-                <a:ea typeface="Times"/>
-              </a:rPr>
-              <a:t>Стронгиным</a:t>
-            </a:r>
-            <a:r>
-              <a:rPr lang="ru-RU" i="1" dirty="0">
-                <a:latin typeface="Arial" pitchFamily="34" charset="0"/>
-                <a:ea typeface="Times"/>
-              </a:rPr>
-              <a:t> (2013)</a:t>
-            </a:r>
-            <a:endParaRPr lang="en-US" i="1" dirty="0">
+                <a:cs typeface="Times"/>
+              </a:rPr>
+              <a:t>Численный метод построения  кривой Пеано с заданной точностью рассмотрены Сергеевым, Стронгиным (2013)</a:t>
+            </a:r>
+            <a:endParaRPr lang="en-US" i="1">
               <a:latin typeface="Arial" pitchFamily="34" charset="0"/>
               <a:ea typeface="Times"/>
+              <a:cs typeface="Times"/>
             </a:endParaRPr>
           </a:p>
           <a:p>
@@ -29302,16 +28864,13 @@
               <a:buSzPct val="80000"/>
             </a:pPr>
             <a:r>
-              <a:rPr lang="ru-RU" dirty="0">
+              <a:rPr lang="ru-RU">
                 <a:latin typeface="Arial" pitchFamily="34" charset="0"/>
                 <a:ea typeface="Times"/>
+                <a:cs typeface="Times"/>
               </a:rPr>
               <a:t>Условие Липшица трансформируется в условие </a:t>
             </a:r>
-            <a:endParaRPr lang="ru-RU" dirty="0" smtClean="0">
-              <a:latin typeface="Arial" pitchFamily="34" charset="0"/>
-              <a:ea typeface="Times"/>
-            </a:endParaRPr>
           </a:p>
           <a:p>
             <a:pPr eaLnBrk="0" hangingPunct="0">
@@ -29323,9 +28882,10 @@
               </a:spcBef>
               <a:buSzPct val="80000"/>
             </a:pPr>
-            <a:endParaRPr lang="ru-RU" sz="200" dirty="0">
+            <a:endParaRPr lang="ru-RU" sz="200">
               <a:latin typeface="Arial" pitchFamily="34" charset="0"/>
               <a:ea typeface="Times"/>
+              <a:cs typeface="Times"/>
             </a:endParaRPr>
           </a:p>
           <a:p>
@@ -29338,9 +28898,10 @@
               </a:spcBef>
               <a:buSzPct val="80000"/>
             </a:pPr>
-            <a:endParaRPr lang="ru-RU" sz="200" dirty="0" smtClean="0">
+            <a:endParaRPr lang="ru-RU" sz="200">
               <a:latin typeface="Arial" pitchFamily="34" charset="0"/>
               <a:ea typeface="Times"/>
+              <a:cs typeface="Times"/>
             </a:endParaRPr>
           </a:p>
           <a:p>
@@ -29354,9 +28915,10 @@
               <a:buSzPct val="80000"/>
             </a:pPr>
             <a:r>
-              <a:rPr lang="ru-RU" dirty="0" smtClean="0">
+              <a:rPr lang="ru-RU">
                 <a:latin typeface="Arial" pitchFamily="34" charset="0"/>
                 <a:ea typeface="Times"/>
+                <a:cs typeface="Times"/>
               </a:rPr>
               <a:t>Гельдера:                                                          </a:t>
             </a:r>
@@ -29372,65 +28934,74 @@
               <a:buSzPct val="80000"/>
             </a:pPr>
             <a:r>
-              <a:rPr lang="ru-RU" dirty="0" smtClean="0">
+              <a:rPr lang="ru-RU">
                 <a:latin typeface="Arial" pitchFamily="34" charset="0"/>
                 <a:ea typeface="Times"/>
+                <a:cs typeface="Times"/>
               </a:rPr>
               <a:t> где </a:t>
             </a:r>
             <a:r>
-              <a:rPr lang="en-US" i="1" dirty="0">
+              <a:rPr lang="en-US" i="1">
                 <a:latin typeface="Arial" pitchFamily="34" charset="0"/>
                 <a:ea typeface="Times"/>
+                <a:cs typeface="Times"/>
               </a:rPr>
               <a:t>x</a:t>
             </a:r>
             <a:r>
-              <a:rPr lang="en-US" baseline="-25000" dirty="0">
+              <a:rPr lang="en-US" baseline="-25000">
                 <a:latin typeface="Arial" pitchFamily="34" charset="0"/>
                 <a:ea typeface="Times"/>
+                <a:cs typeface="Times"/>
               </a:rPr>
               <a:t>1</a:t>
             </a:r>
             <a:r>
-              <a:rPr lang="en-US" dirty="0">
+              <a:rPr lang="en-US">
                 <a:latin typeface="Arial" pitchFamily="34" charset="0"/>
                 <a:ea typeface="Times"/>
+                <a:cs typeface="Times"/>
               </a:rPr>
               <a:t>, </a:t>
             </a:r>
             <a:r>
-              <a:rPr lang="en-US" i="1" dirty="0">
+              <a:rPr lang="en-US" i="1">
                 <a:latin typeface="Arial" pitchFamily="34" charset="0"/>
                 <a:ea typeface="Times"/>
+                <a:cs typeface="Times"/>
               </a:rPr>
               <a:t>x</a:t>
             </a:r>
             <a:r>
-              <a:rPr lang="en-US" baseline="-25000" dirty="0">
+              <a:rPr lang="en-US" baseline="-25000">
                 <a:latin typeface="Arial" pitchFamily="34" charset="0"/>
                 <a:ea typeface="Times"/>
+                <a:cs typeface="Times"/>
               </a:rPr>
               <a:t>2</a:t>
             </a:r>
             <a:r>
-              <a:rPr lang="ru-RU" dirty="0">
+              <a:rPr lang="ru-RU">
                 <a:latin typeface="Arial" pitchFamily="34" charset="0"/>
                 <a:ea typeface="Times"/>
+                <a:cs typeface="Times"/>
                 <a:sym typeface="Symbol" pitchFamily="18" charset="2"/>
               </a:rPr>
               <a:t></a:t>
             </a:r>
             <a:r>
-              <a:rPr lang="en-US" dirty="0">
+              <a:rPr lang="en-US">
                 <a:latin typeface="Arial" pitchFamily="34" charset="0"/>
                 <a:ea typeface="Times"/>
+                <a:cs typeface="Times"/>
               </a:rPr>
               <a:t>[0,1]</a:t>
             </a:r>
-            <a:endParaRPr lang="en-US" dirty="0">
+            <a:endParaRPr lang="en-US">
               <a:latin typeface="Arial" pitchFamily="34" charset="0"/>
               <a:ea typeface="Times"/>
+              <a:cs typeface="Times"/>
               <a:sym typeface="Symbol" pitchFamily="18" charset="2"/>
             </a:endParaRPr>
           </a:p>
@@ -29448,7 +29019,7 @@
         </p:nvSpPr>
         <p:spPr>
           <a:xfrm>
-            <a:off x="142844" y="152400"/>
+            <a:off x="142875" y="152400"/>
             <a:ext cx="7772400" cy="457200"/>
           </a:xfrm>
         </p:spPr>
@@ -29457,12 +29028,12 @@
           <a:lstStyle/>
           <a:p>
             <a:r>
-              <a:rPr lang="ru-RU" dirty="0" smtClean="0">
+              <a:rPr lang="ru-RU" smtClean="0">
                 <a:cs typeface="Arial" pitchFamily="34" charset="0"/>
               </a:rPr>
               <a:t>Редукция размерности</a:t>
             </a:r>
-            <a:endParaRPr lang="ru-RU" dirty="0" smtClean="0"/>
+            <a:endParaRPr lang="ru-RU" smtClean="0"/>
           </a:p>
         </p:txBody>
       </p:sp>
@@ -29475,8 +29046,8 @@
           <p:nvPr/>
         </p:nvGraphicFramePr>
         <p:xfrm>
-          <a:off x="2071670" y="5143512"/>
-          <a:ext cx="5237062" cy="630238"/>
+          <a:off x="2071688" y="5143500"/>
+          <a:ext cx="5237162" cy="630238"/>
         </p:xfrm>
         <a:graphic>
           <a:graphicData uri="http://schemas.openxmlformats.org/presentationml/2006/ole">
@@ -29626,7 +29197,7 @@
         </p:nvSpPr>
         <p:spPr>
           <a:xfrm>
-            <a:off x="142844" y="152400"/>
+            <a:off x="142875" y="152400"/>
             <a:ext cx="7772400" cy="457200"/>
           </a:xfrm>
         </p:spPr>
@@ -29636,7 +29207,7 @@
           <a:p>
             <a:pPr eaLnBrk="1" hangingPunct="1"/>
             <a:r>
-              <a:rPr lang="ru-RU" dirty="0" smtClean="0"/>
+              <a:rPr lang="ru-RU" smtClean="0"/>
               <a:t>Параллельный алгоритм глобального поиска</a:t>
             </a:r>
           </a:p>
@@ -29654,7 +29225,7 @@
         </p:nvSpPr>
         <p:spPr>
           <a:xfrm>
-            <a:off x="215930" y="1484313"/>
+            <a:off x="215900" y="1484313"/>
             <a:ext cx="8642350" cy="4752975"/>
           </a:xfrm>
         </p:spPr>
@@ -29670,14 +29241,14 @@
               <a:buNone/>
             </a:pPr>
             <a:r>
-              <a:rPr lang="en-US" sz="2400" i="1" dirty="0" smtClean="0">
+              <a:rPr lang="en-US" sz="2400" i="1" smtClean="0">
                 <a:latin typeface="Arial" pitchFamily="34" charset="0"/>
                 <a:cs typeface="Arial" pitchFamily="34" charset="0"/>
               </a:rPr>
               <a:t>1.	0 </a:t>
             </a:r>
             <a:r>
-              <a:rPr lang="en-US" sz="2400" dirty="0" smtClean="0">
+              <a:rPr lang="en-US" sz="2400" smtClean="0">
                 <a:latin typeface="Arial" pitchFamily="34" charset="0"/>
                 <a:cs typeface="Arial" pitchFamily="34" charset="0"/>
                 <a:sym typeface="Symbol" pitchFamily="18" charset="2"/>
@@ -29685,21 +29256,21 @@
               <a:t></a:t>
             </a:r>
             <a:r>
-              <a:rPr lang="en-US" sz="2400" i="1" dirty="0" smtClean="0">
+              <a:rPr lang="en-US" sz="2400" i="1" smtClean="0">
                 <a:latin typeface="Arial" pitchFamily="34" charset="0"/>
                 <a:cs typeface="Arial" pitchFamily="34" charset="0"/>
               </a:rPr>
               <a:t> x</a:t>
             </a:r>
             <a:r>
-              <a:rPr lang="en-US" sz="2400" baseline="-30000" dirty="0" smtClean="0">
+              <a:rPr lang="en-US" sz="2400" baseline="-30000" smtClean="0">
                 <a:latin typeface="Arial" pitchFamily="34" charset="0"/>
                 <a:cs typeface="Arial" pitchFamily="34" charset="0"/>
               </a:rPr>
               <a:t>0</a:t>
             </a:r>
             <a:r>
-              <a:rPr lang="en-US" sz="2400" dirty="0" smtClean="0">
+              <a:rPr lang="en-US" sz="2400" smtClean="0">
                 <a:latin typeface="Arial" pitchFamily="34" charset="0"/>
                 <a:cs typeface="Arial" pitchFamily="34" charset="0"/>
                 <a:sym typeface="Symbol" pitchFamily="18" charset="2"/>
@@ -29707,7 +29278,7 @@
               <a:t></a:t>
             </a:r>
             <a:r>
-              <a:rPr lang="en-US" sz="2400" dirty="0" smtClean="0">
+              <a:rPr lang="en-US" sz="2400" smtClean="0">
                 <a:latin typeface="Arial" pitchFamily="34" charset="0"/>
                 <a:cs typeface="Arial" pitchFamily="34" charset="0"/>
                 <a:sym typeface="Math1"/>
@@ -29715,7 +29286,7 @@
               <a:t>…</a:t>
             </a:r>
             <a:r>
-              <a:rPr lang="en-US" sz="2400" dirty="0" smtClean="0">
+              <a:rPr lang="en-US" sz="2400" smtClean="0">
                 <a:latin typeface="Arial" pitchFamily="34" charset="0"/>
                 <a:cs typeface="Arial" pitchFamily="34" charset="0"/>
                 <a:sym typeface="Symbol" pitchFamily="18" charset="2"/>
@@ -29723,21 +29294,21 @@
               <a:t></a:t>
             </a:r>
             <a:r>
-              <a:rPr lang="en-US" sz="2400" i="1" dirty="0" smtClean="0">
+              <a:rPr lang="en-US" sz="2400" i="1" smtClean="0">
                 <a:latin typeface="Arial" pitchFamily="34" charset="0"/>
                 <a:cs typeface="Arial" pitchFamily="34" charset="0"/>
               </a:rPr>
               <a:t>x</a:t>
             </a:r>
             <a:r>
-              <a:rPr lang="en-US" sz="2400" i="1" baseline="-30000" dirty="0" smtClean="0">
+              <a:rPr lang="en-US" sz="2400" i="1" baseline="-30000" smtClean="0">
                 <a:latin typeface="Arial" pitchFamily="34" charset="0"/>
                 <a:cs typeface="Arial" pitchFamily="34" charset="0"/>
               </a:rPr>
               <a:t>i</a:t>
             </a:r>
             <a:r>
-              <a:rPr lang="en-US" sz="2400" dirty="0" smtClean="0">
+              <a:rPr lang="en-US" sz="2400" smtClean="0">
                 <a:latin typeface="Arial" pitchFamily="34" charset="0"/>
                 <a:cs typeface="Arial" pitchFamily="34" charset="0"/>
                 <a:sym typeface="Symbol" pitchFamily="18" charset="2"/>
@@ -29745,7 +29316,7 @@
               <a:t></a:t>
             </a:r>
             <a:r>
-              <a:rPr lang="en-US" sz="2400" dirty="0" smtClean="0">
+              <a:rPr lang="en-US" sz="2400" smtClean="0">
                 <a:latin typeface="Arial" pitchFamily="34" charset="0"/>
                 <a:cs typeface="Arial" pitchFamily="34" charset="0"/>
                 <a:sym typeface="Math1"/>
@@ -29753,7 +29324,7 @@
               <a:t>…</a:t>
             </a:r>
             <a:r>
-              <a:rPr lang="en-US" sz="2400" dirty="0" smtClean="0">
+              <a:rPr lang="en-US" sz="2400" smtClean="0">
                 <a:latin typeface="Arial" pitchFamily="34" charset="0"/>
                 <a:cs typeface="Arial" pitchFamily="34" charset="0"/>
                 <a:sym typeface="Symbol" pitchFamily="18" charset="2"/>
@@ -29761,28 +29332,21 @@
               <a:t></a:t>
             </a:r>
             <a:r>
-              <a:rPr lang="en-US" sz="2400" i="1" dirty="0" err="1" smtClean="0">
+              <a:rPr lang="en-US" sz="2400" i="1" smtClean="0">
                 <a:latin typeface="Arial" pitchFamily="34" charset="0"/>
                 <a:cs typeface="Arial" pitchFamily="34" charset="0"/>
               </a:rPr>
               <a:t>x</a:t>
             </a:r>
             <a:r>
-              <a:rPr lang="en-US" sz="2400" i="1" baseline="-30000" dirty="0" err="1" smtClean="0">
+              <a:rPr lang="en-US" sz="2400" i="1" baseline="-30000" smtClean="0">
                 <a:latin typeface="Arial" pitchFamily="34" charset="0"/>
                 <a:cs typeface="Arial" pitchFamily="34" charset="0"/>
               </a:rPr>
-              <a:t>k</a:t>
-            </a:r>
-            <a:r>
-              <a:rPr lang="en-US" sz="2400" i="1" baseline="-30000" dirty="0" smtClean="0">
-                <a:latin typeface="Arial" pitchFamily="34" charset="0"/>
-                <a:cs typeface="Arial" pitchFamily="34" charset="0"/>
-              </a:rPr>
-              <a:t> </a:t>
-            </a:r>
-            <a:r>
-              <a:rPr lang="en-US" sz="2400" dirty="0" smtClean="0">
+              <a:t>k </a:t>
+            </a:r>
+            <a:r>
+              <a:rPr lang="en-US" sz="2400" smtClean="0">
                 <a:latin typeface="Arial" pitchFamily="34" charset="0"/>
                 <a:cs typeface="Arial" pitchFamily="34" charset="0"/>
                 <a:sym typeface="Symbol" pitchFamily="18" charset="2"/>
@@ -29790,27 +29354,27 @@
               <a:t></a:t>
             </a:r>
             <a:r>
-              <a:rPr lang="en-US" sz="2400" i="1" baseline="-30000" dirty="0" smtClean="0">
+              <a:rPr lang="en-US" sz="2400" i="1" baseline="-30000" smtClean="0">
                 <a:latin typeface="Arial" pitchFamily="34" charset="0"/>
                 <a:cs typeface="Arial" pitchFamily="34" charset="0"/>
               </a:rPr>
               <a:t> </a:t>
             </a:r>
             <a:r>
-              <a:rPr lang="en-US" sz="2400" i="1" dirty="0" smtClean="0">
+              <a:rPr lang="en-US" sz="2400" i="1" smtClean="0">
                 <a:latin typeface="Arial" pitchFamily="34" charset="0"/>
                 <a:cs typeface="Arial" pitchFamily="34" charset="0"/>
               </a:rPr>
               <a:t>1</a:t>
             </a:r>
             <a:r>
-              <a:rPr lang="ru-RU" sz="2400" dirty="0" smtClean="0">
+              <a:rPr lang="ru-RU" sz="2400" smtClean="0">
                 <a:latin typeface="Arial" pitchFamily="34" charset="0"/>
                 <a:cs typeface="Arial" pitchFamily="34" charset="0"/>
               </a:rPr>
               <a:t>,  </a:t>
             </a:r>
-            <a:endParaRPr lang="en-US" sz="2400" dirty="0" smtClean="0">
+            <a:endParaRPr lang="en-US" sz="2400" smtClean="0">
               <a:latin typeface="Arial" pitchFamily="34" charset="0"/>
               <a:cs typeface="Arial" pitchFamily="34" charset="0"/>
             </a:endParaRPr>
@@ -29821,35 +29385,35 @@
               <a:buNone/>
             </a:pPr>
             <a:r>
-              <a:rPr lang="en-US" sz="2400" dirty="0" smtClean="0">
+              <a:rPr lang="en-US" sz="2400" smtClean="0">
                 <a:latin typeface="Arial" pitchFamily="34" charset="0"/>
                 <a:cs typeface="Arial" pitchFamily="34" charset="0"/>
               </a:rPr>
               <a:t>2.	</a:t>
             </a:r>
             <a:r>
-              <a:rPr lang="ru-RU" sz="2400" dirty="0" smtClean="0">
+              <a:rPr lang="ru-RU" sz="2400" smtClean="0">
                 <a:latin typeface="Arial" pitchFamily="34" charset="0"/>
                 <a:cs typeface="Arial" pitchFamily="34" charset="0"/>
               </a:rPr>
               <a:t>Для каждого (</a:t>
             </a:r>
             <a:r>
-              <a:rPr lang="en-US" sz="2400" i="1" dirty="0" smtClean="0">
+              <a:rPr lang="en-US" sz="2400" i="1" smtClean="0">
                 <a:latin typeface="Arial" pitchFamily="34" charset="0"/>
                 <a:cs typeface="Arial" pitchFamily="34" charset="0"/>
               </a:rPr>
               <a:t>x</a:t>
             </a:r>
             <a:r>
-              <a:rPr lang="en-US" sz="2400" i="1" baseline="-30000" dirty="0" smtClean="0">
+              <a:rPr lang="en-US" sz="2400" i="1" baseline="-30000" smtClean="0">
                 <a:latin typeface="Arial" pitchFamily="34" charset="0"/>
                 <a:cs typeface="Arial" pitchFamily="34" charset="0"/>
               </a:rPr>
               <a:t>i</a:t>
             </a:r>
             <a:r>
-              <a:rPr lang="en-US" sz="2400" i="1" baseline="-30000" dirty="0" smtClean="0">
+              <a:rPr lang="en-US" sz="2400" i="1" baseline="-30000" smtClean="0">
                 <a:latin typeface="Arial" pitchFamily="34" charset="0"/>
                 <a:cs typeface="Arial" pitchFamily="34" charset="0"/>
                 <a:sym typeface="Symbol" pitchFamily="18" charset="2"/>
@@ -29857,42 +29421,42 @@
               <a:t></a:t>
             </a:r>
             <a:r>
-              <a:rPr lang="ru-RU" sz="2400" baseline="-30000" dirty="0" smtClean="0">
+              <a:rPr lang="ru-RU" sz="2400" baseline="-30000" smtClean="0">
                 <a:latin typeface="Arial" pitchFamily="34" charset="0"/>
                 <a:cs typeface="Arial" pitchFamily="34" charset="0"/>
               </a:rPr>
               <a:t>1</a:t>
             </a:r>
             <a:r>
-              <a:rPr lang="ru-RU" sz="2400" dirty="0" smtClean="0">
+              <a:rPr lang="ru-RU" sz="2400" smtClean="0">
                 <a:latin typeface="Arial" pitchFamily="34" charset="0"/>
                 <a:cs typeface="Arial" pitchFamily="34" charset="0"/>
               </a:rPr>
               <a:t>,</a:t>
             </a:r>
             <a:r>
-              <a:rPr lang="en-US" sz="2400" i="1" dirty="0" smtClean="0">
+              <a:rPr lang="en-US" sz="2400" i="1" smtClean="0">
                 <a:latin typeface="Arial" pitchFamily="34" charset="0"/>
                 <a:cs typeface="Arial" pitchFamily="34" charset="0"/>
               </a:rPr>
               <a:t>x</a:t>
             </a:r>
             <a:r>
-              <a:rPr lang="en-US" sz="2400" i="1" baseline="-30000" dirty="0" smtClean="0">
+              <a:rPr lang="en-US" sz="2400" i="1" baseline="-30000" smtClean="0">
                 <a:latin typeface="Arial" pitchFamily="34" charset="0"/>
                 <a:cs typeface="Arial" pitchFamily="34" charset="0"/>
               </a:rPr>
               <a:t>i</a:t>
             </a:r>
             <a:r>
-              <a:rPr lang="ru-RU" sz="2400" dirty="0" smtClean="0">
+              <a:rPr lang="ru-RU" sz="2400" smtClean="0">
                 <a:latin typeface="Arial" pitchFamily="34" charset="0"/>
                 <a:cs typeface="Arial" pitchFamily="34" charset="0"/>
               </a:rPr>
               <a:t>), 1</a:t>
             </a:r>
             <a:r>
-              <a:rPr lang="en-US" sz="2400" dirty="0" smtClean="0">
+              <a:rPr lang="en-US" sz="2400" smtClean="0">
                 <a:latin typeface="Arial" pitchFamily="34" charset="0"/>
                 <a:cs typeface="Arial" pitchFamily="34" charset="0"/>
                 <a:sym typeface="Symbol" pitchFamily="18" charset="2"/>
@@ -29900,14 +29464,14 @@
               <a:t></a:t>
             </a:r>
             <a:r>
-              <a:rPr lang="en-US" sz="2400" i="1" dirty="0" err="1" smtClean="0">
+              <a:rPr lang="en-US" sz="2400" i="1" smtClean="0">
                 <a:latin typeface="Arial" pitchFamily="34" charset="0"/>
                 <a:cs typeface="Arial" pitchFamily="34" charset="0"/>
               </a:rPr>
               <a:t>i</a:t>
             </a:r>
             <a:r>
-              <a:rPr lang="en-US" sz="2400" dirty="0" err="1" smtClean="0">
+              <a:rPr lang="en-US" sz="2400" smtClean="0">
                 <a:latin typeface="Arial" pitchFamily="34" charset="0"/>
                 <a:cs typeface="Arial" pitchFamily="34" charset="0"/>
                 <a:sym typeface="Symbol" pitchFamily="18" charset="2"/>
@@ -29915,21 +29479,21 @@
               <a:t></a:t>
             </a:r>
             <a:r>
-              <a:rPr lang="en-US" sz="2400" i="1" dirty="0" err="1" smtClean="0">
+              <a:rPr lang="en-US" sz="2400" i="1" smtClean="0">
                 <a:latin typeface="Arial" pitchFamily="34" charset="0"/>
                 <a:cs typeface="Arial" pitchFamily="34" charset="0"/>
               </a:rPr>
               <a:t>k</a:t>
             </a:r>
             <a:r>
-              <a:rPr lang="ru-RU" sz="2400" dirty="0" smtClean="0">
+              <a:rPr lang="ru-RU" sz="2400" smtClean="0">
                 <a:latin typeface="Arial" pitchFamily="34" charset="0"/>
                 <a:cs typeface="Arial" pitchFamily="34" charset="0"/>
               </a:rPr>
               <a:t>, </a:t>
             </a:r>
             <a:r>
-              <a:rPr lang="ru-RU" sz="2400" dirty="0" smtClean="0">
+              <a:rPr lang="ru-RU" sz="2400" smtClean="0">
                 <a:latin typeface="Arial" pitchFamily="34" charset="0"/>
                 <a:cs typeface="Arial" pitchFamily="34" charset="0"/>
                 <a:sym typeface="Symbol" pitchFamily="18" charset="2"/>
@@ -29937,7 +29501,7 @@
               <a:t></a:t>
             </a:r>
             <a:r>
-              <a:rPr lang="en-US" sz="2400" i="1" baseline="-25000" dirty="0" err="1" smtClean="0">
+              <a:rPr lang="en-US" sz="2400" i="1" baseline="-25000" smtClean="0">
                 <a:latin typeface="Arial" pitchFamily="34" charset="0"/>
                 <a:cs typeface="Arial" pitchFamily="34" charset="0"/>
                 <a:sym typeface="Symbol" pitchFamily="18" charset="2"/>
@@ -29945,21 +29509,21 @@
               <a:t>i</a:t>
             </a:r>
             <a:r>
-              <a:rPr lang="ru-RU" sz="2400" dirty="0" smtClean="0">
+              <a:rPr lang="ru-RU" sz="2400" smtClean="0">
                 <a:latin typeface="Arial" pitchFamily="34" charset="0"/>
                 <a:cs typeface="Arial" pitchFamily="34" charset="0"/>
               </a:rPr>
               <a:t> </a:t>
             </a:r>
             <a:r>
-              <a:rPr lang="ru-RU" sz="2400" dirty="0" smtClean="0">
+              <a:rPr lang="ru-RU" sz="2400" smtClean="0">
                 <a:latin typeface="Arial" pitchFamily="34" charset="0"/>
                 <a:cs typeface="Arial" pitchFamily="34" charset="0"/>
                 <a:sym typeface="Symbol" pitchFamily="18" charset="2"/>
               </a:rPr>
               <a:t> длина интервала, </a:t>
             </a:r>
-            <a:endParaRPr lang="en-US" sz="2400" dirty="0" smtClean="0">
+            <a:endParaRPr lang="en-US" sz="2400" smtClean="0">
               <a:latin typeface="Arial" pitchFamily="34" charset="0"/>
               <a:cs typeface="Arial" pitchFamily="34" charset="0"/>
               <a:sym typeface="Symbol" pitchFamily="18" charset="2"/>
@@ -29974,28 +29538,21 @@
               <a:buNone/>
             </a:pPr>
             <a:r>
-              <a:rPr lang="en-US" sz="2400" i="1" dirty="0" smtClean="0">
+              <a:rPr lang="en-US" sz="2400" i="1" smtClean="0">
                 <a:latin typeface="Arial" pitchFamily="34" charset="0"/>
                 <a:cs typeface="Arial" pitchFamily="34" charset="0"/>
               </a:rPr>
-              <a:t>	</a:t>
-            </a:r>
-            <a:r>
-              <a:rPr lang="en-US" sz="2400" i="1" dirty="0" smtClean="0">
+              <a:t>	r</a:t>
+            </a:r>
+            <a:r>
+              <a:rPr lang="ru-RU" sz="2400" i="1" smtClean="0">
                 <a:latin typeface="Arial" pitchFamily="34" charset="0"/>
                 <a:cs typeface="Arial" pitchFamily="34" charset="0"/>
               </a:rPr>
-              <a:t>r</a:t>
-            </a:r>
-            <a:r>
-              <a:rPr lang="ru-RU" sz="2400" i="1" dirty="0" smtClean="0">
-                <a:latin typeface="Arial" pitchFamily="34" charset="0"/>
-                <a:cs typeface="Arial" pitchFamily="34" charset="0"/>
-              </a:rPr>
               <a:t> </a:t>
             </a:r>
             <a:r>
-              <a:rPr lang="en-US" sz="2400" dirty="0" smtClean="0">
+              <a:rPr lang="en-US" sz="2400" smtClean="0">
                 <a:latin typeface="Arial" pitchFamily="34" charset="0"/>
                 <a:cs typeface="Arial" pitchFamily="34" charset="0"/>
                 <a:sym typeface="Symbol" pitchFamily="18" charset="2"/>
@@ -30003,14 +29560,14 @@
               <a:t>&gt;1, </a:t>
             </a:r>
             <a:r>
-              <a:rPr lang="ru-RU" sz="2400" dirty="0" smtClean="0">
+              <a:rPr lang="ru-RU" sz="2400" smtClean="0">
                 <a:latin typeface="Arial" pitchFamily="34" charset="0"/>
                 <a:cs typeface="Arial" pitchFamily="34" charset="0"/>
                 <a:sym typeface="Symbol" pitchFamily="18" charset="2"/>
               </a:rPr>
               <a:t> параметр метода.</a:t>
             </a:r>
-            <a:endParaRPr lang="en-US" sz="2400" dirty="0" smtClean="0">
+            <a:endParaRPr lang="en-US" sz="2400" smtClean="0">
               <a:latin typeface="Arial" pitchFamily="34" charset="0"/>
               <a:cs typeface="Arial" pitchFamily="34" charset="0"/>
               <a:sym typeface="Symbol" pitchFamily="18" charset="2"/>
@@ -30025,7 +29582,7 @@
               <a:buNone/>
             </a:pPr>
             <a:r>
-              <a:rPr lang="en-US" sz="2400" dirty="0" smtClean="0">
+              <a:rPr lang="en-US" sz="2400" smtClean="0">
                 <a:solidFill>
                   <a:srgbClr val="000000"/>
                 </a:solidFill>
@@ -30037,7 +29594,7 @@
               <a:t>3. 	</a:t>
             </a:r>
             <a:r>
-              <a:rPr lang="ru-RU" sz="2400" dirty="0" smtClean="0">
+              <a:rPr lang="ru-RU" sz="2400" smtClean="0">
                 <a:solidFill>
                   <a:srgbClr val="000000"/>
                 </a:solidFill>
@@ -30048,7 +29605,7 @@
               <a:t>Сортируем интервалы по убыванию характеристик</a:t>
             </a:r>
             <a:r>
-              <a:rPr lang="en-US" sz="2400" dirty="0" smtClean="0">
+              <a:rPr lang="en-US" sz="2400" smtClean="0">
                 <a:solidFill>
                   <a:srgbClr val="000000"/>
                 </a:solidFill>
@@ -30060,7 +29617,7 @@
               <a:t>, </a:t>
             </a:r>
             <a:r>
-              <a:rPr lang="ru-RU" sz="2400" dirty="0" smtClean="0">
+              <a:rPr lang="ru-RU" sz="2400" smtClean="0">
                 <a:solidFill>
                   <a:srgbClr val="000000"/>
                 </a:solidFill>
@@ -30072,7 +29629,7 @@
               <a:t>берем </a:t>
             </a:r>
             <a:r>
-              <a:rPr lang="en-US" sz="2400" i="1" dirty="0" smtClean="0">
+              <a:rPr lang="en-US" sz="2400" i="1" smtClean="0">
                 <a:solidFill>
                   <a:srgbClr val="000000"/>
                 </a:solidFill>
@@ -30083,7 +29640,7 @@
               <a:t>p</a:t>
             </a:r>
             <a:r>
-              <a:rPr lang="en-US" sz="2400" dirty="0" smtClean="0">
+              <a:rPr lang="en-US" sz="2400" smtClean="0">
                 <a:solidFill>
                   <a:srgbClr val="000000"/>
                 </a:solidFill>
@@ -30094,7 +29651,7 @@
               <a:t> </a:t>
             </a:r>
             <a:r>
-              <a:rPr lang="ru-RU" sz="2400" dirty="0" smtClean="0">
+              <a:rPr lang="ru-RU" sz="2400" smtClean="0">
                 <a:solidFill>
                   <a:srgbClr val="000000"/>
                 </a:solidFill>
@@ -30105,7 +29662,7 @@
               <a:t>интервалов  </a:t>
             </a:r>
             <a:r>
-              <a:rPr lang="pt-BR" sz="2400" i="1" dirty="0" smtClean="0">
+              <a:rPr lang="pt-BR" sz="2400" i="1" smtClean="0">
                 <a:solidFill>
                   <a:srgbClr val="000000"/>
                 </a:solidFill>
@@ -30116,7 +29673,7 @@
               <a:t>R</a:t>
             </a:r>
             <a:r>
-              <a:rPr lang="pt-BR" sz="2400" dirty="0" smtClean="0">
+              <a:rPr lang="pt-BR" sz="2400" smtClean="0">
                 <a:solidFill>
                   <a:srgbClr val="000000"/>
                 </a:solidFill>
@@ -30127,7 +29684,7 @@
               <a:t>(</a:t>
             </a:r>
             <a:r>
-              <a:rPr lang="pt-BR" sz="2400" i="1" dirty="0" smtClean="0">
+              <a:rPr lang="pt-BR" sz="2400" i="1" smtClean="0">
                 <a:solidFill>
                   <a:srgbClr val="000000"/>
                 </a:solidFill>
@@ -30138,7 +29695,7 @@
               <a:t>t</a:t>
             </a:r>
             <a:r>
-              <a:rPr lang="pt-BR" sz="2400" baseline="-25000" dirty="0" smtClean="0">
+              <a:rPr lang="pt-BR" sz="2400" baseline="-25000" smtClean="0">
                 <a:solidFill>
                   <a:srgbClr val="000000"/>
                 </a:solidFill>
@@ -30149,7 +29706,7 @@
               <a:t>1</a:t>
             </a:r>
             <a:r>
-              <a:rPr lang="pt-BR" sz="2400" dirty="0" smtClean="0">
+              <a:rPr lang="pt-BR" sz="2400" smtClean="0">
                 <a:solidFill>
                   <a:srgbClr val="000000"/>
                 </a:solidFill>
@@ -30160,7 +29717,7 @@
               <a:t>)</a:t>
             </a:r>
             <a:r>
-              <a:rPr lang="pt-BR" sz="2400" dirty="0" smtClean="0">
+              <a:rPr lang="pt-BR" sz="2400" smtClean="0">
                 <a:solidFill>
                   <a:srgbClr val="000000"/>
                 </a:solidFill>
@@ -30172,7 +29729,7 @@
               <a:t></a:t>
             </a:r>
             <a:r>
-              <a:rPr lang="pt-BR" sz="2400" i="1" dirty="0" smtClean="0">
+              <a:rPr lang="pt-BR" sz="2400" i="1" smtClean="0">
                 <a:solidFill>
                   <a:srgbClr val="000000"/>
                 </a:solidFill>
@@ -30183,7 +29740,7 @@
               <a:t>R</a:t>
             </a:r>
             <a:r>
-              <a:rPr lang="pt-BR" sz="2400" dirty="0" smtClean="0">
+              <a:rPr lang="pt-BR" sz="2400" smtClean="0">
                 <a:solidFill>
                   <a:srgbClr val="000000"/>
                 </a:solidFill>
@@ -30194,7 +29751,7 @@
               <a:t>(</a:t>
             </a:r>
             <a:r>
-              <a:rPr lang="pt-BR" sz="2400" i="1" dirty="0" smtClean="0">
+              <a:rPr lang="pt-BR" sz="2400" i="1" smtClean="0">
                 <a:solidFill>
                   <a:srgbClr val="000000"/>
                 </a:solidFill>
@@ -30205,7 +29762,7 @@
               <a:t>t</a:t>
             </a:r>
             <a:r>
-              <a:rPr lang="pt-BR" sz="2400" baseline="-25000" dirty="0" smtClean="0">
+              <a:rPr lang="pt-BR" sz="2400" baseline="-25000" smtClean="0">
                 <a:solidFill>
                   <a:srgbClr val="000000"/>
                 </a:solidFill>
@@ -30216,7 +29773,7 @@
               <a:t>2</a:t>
             </a:r>
             <a:r>
-              <a:rPr lang="pt-BR" sz="2400" dirty="0" smtClean="0">
+              <a:rPr lang="pt-BR" sz="2400" smtClean="0">
                 <a:solidFill>
                   <a:srgbClr val="000000"/>
                 </a:solidFill>
@@ -30227,7 +29784,7 @@
               <a:t>)</a:t>
             </a:r>
             <a:r>
-              <a:rPr lang="pt-BR" sz="2400" dirty="0" smtClean="0">
+              <a:rPr lang="pt-BR" sz="2400" smtClean="0">
                 <a:solidFill>
                   <a:srgbClr val="000000"/>
                 </a:solidFill>
@@ -30239,7 +29796,7 @@
               <a:t> </a:t>
             </a:r>
             <a:r>
-              <a:rPr lang="pt-BR" sz="2400" dirty="0" smtClean="0">
+              <a:rPr lang="pt-BR" sz="2400" smtClean="0">
                 <a:solidFill>
                   <a:srgbClr val="000000"/>
                 </a:solidFill>
@@ -30250,7 +29807,7 @@
               <a:t>...</a:t>
             </a:r>
             <a:r>
-              <a:rPr lang="pt-BR" sz="2400" i="1" dirty="0" smtClean="0">
+              <a:rPr lang="pt-BR" sz="2400" i="1" smtClean="0">
                 <a:solidFill>
                   <a:srgbClr val="000000"/>
                 </a:solidFill>
@@ -30261,7 +29818,7 @@
               <a:t> </a:t>
             </a:r>
             <a:r>
-              <a:rPr lang="pt-BR" sz="2400" dirty="0" smtClean="0">
+              <a:rPr lang="pt-BR" sz="2400" smtClean="0">
                 <a:solidFill>
                   <a:srgbClr val="000000"/>
                 </a:solidFill>
@@ -30273,7 +29830,7 @@
               <a:t> </a:t>
             </a:r>
             <a:r>
-              <a:rPr lang="pt-BR" sz="2400" i="1" dirty="0" smtClean="0">
+              <a:rPr lang="pt-BR" sz="2400" i="1" smtClean="0">
                 <a:solidFill>
                   <a:srgbClr val="000000"/>
                 </a:solidFill>
@@ -30284,7 +29841,7 @@
               <a:t>R</a:t>
             </a:r>
             <a:r>
-              <a:rPr lang="pt-BR" sz="2400" dirty="0" smtClean="0">
+              <a:rPr lang="pt-BR" sz="2400" smtClean="0">
                 <a:solidFill>
                   <a:srgbClr val="000000"/>
                 </a:solidFill>
@@ -30295,7 +29852,7 @@
               <a:t>(</a:t>
             </a:r>
             <a:r>
-              <a:rPr lang="pt-BR" sz="2400" i="1" dirty="0" smtClean="0">
+              <a:rPr lang="pt-BR" sz="2400" i="1" smtClean="0">
                 <a:solidFill>
                   <a:srgbClr val="000000"/>
                 </a:solidFill>
@@ -30306,7 +29863,7 @@
               <a:t>t</a:t>
             </a:r>
             <a:r>
-              <a:rPr lang="pt-BR" sz="2400" i="1" baseline="-25000" dirty="0" smtClean="0">
+              <a:rPr lang="pt-BR" sz="2400" i="1" baseline="-25000" smtClean="0">
                 <a:solidFill>
                   <a:srgbClr val="000000"/>
                 </a:solidFill>
@@ -30317,7 +29874,7 @@
               <a:t>p</a:t>
             </a:r>
             <a:r>
-              <a:rPr lang="pt-BR" sz="2400" dirty="0" smtClean="0">
+              <a:rPr lang="pt-BR" sz="2400" smtClean="0">
                 <a:solidFill>
                   <a:srgbClr val="000000"/>
                 </a:solidFill>
@@ -30327,7 +29884,7 @@
               </a:rPr>
               <a:t>)</a:t>
             </a:r>
-            <a:endParaRPr lang="en-US" sz="2400" i="1" dirty="0" smtClean="0">
+            <a:endParaRPr lang="en-US" sz="2400" i="1" smtClean="0">
               <a:solidFill>
                 <a:srgbClr val="000000"/>
               </a:solidFill>
@@ -30347,7 +29904,7 @@
               <a:buNone/>
             </a:pPr>
             <a:r>
-              <a:rPr lang="en-US" sz="2400" b="1" dirty="0" smtClean="0">
+              <a:rPr lang="en-US" sz="2400" b="1" smtClean="0">
                 <a:solidFill>
                   <a:srgbClr val="000000"/>
                 </a:solidFill>
@@ -30358,7 +29915,7 @@
               <a:t>4.	</a:t>
             </a:r>
             <a:r>
-              <a:rPr lang="ru-RU" sz="2400" b="1" dirty="0" smtClean="0">
+              <a:rPr lang="ru-RU" sz="2400" b="1" smtClean="0">
                 <a:solidFill>
                   <a:srgbClr val="000000"/>
                 </a:solidFill>
@@ -30369,7 +29926,7 @@
               <a:t>Проводим </a:t>
             </a:r>
             <a:r>
-              <a:rPr lang="en-US" sz="2400" b="1" dirty="0" smtClean="0">
+              <a:rPr lang="en-US" sz="2400" b="1" smtClean="0">
                 <a:solidFill>
                   <a:srgbClr val="000000"/>
                 </a:solidFill>
@@ -30380,7 +29937,7 @@
               <a:t>p </a:t>
             </a:r>
             <a:r>
-              <a:rPr lang="ru-RU" sz="2400" b="1" dirty="0" smtClean="0">
+              <a:rPr lang="ru-RU" sz="2400" b="1" smtClean="0">
                 <a:solidFill>
                   <a:srgbClr val="000000"/>
                 </a:solidFill>
@@ -30401,7 +29958,7 @@
               <a:buNone/>
             </a:pPr>
             <a:r>
-              <a:rPr lang="en-US" sz="2400" b="1" dirty="0" smtClean="0">
+              <a:rPr lang="en-US" sz="2400" b="1" smtClean="0">
                 <a:solidFill>
                   <a:srgbClr val="000000"/>
                 </a:solidFill>
@@ -30413,7 +29970,7 @@
               <a:t>	</a:t>
             </a:r>
             <a:r>
-              <a:rPr lang="ru-RU" sz="2400" b="1" dirty="0" smtClean="0">
+              <a:rPr lang="ru-RU" sz="2400" b="1" smtClean="0">
                 <a:solidFill>
                   <a:srgbClr val="000000"/>
                 </a:solidFill>
@@ -30425,7 +29982,7 @@
               <a:t>(</a:t>
             </a:r>
             <a:r>
-              <a:rPr lang="en-US" sz="2400" b="1" i="1" dirty="0" smtClean="0">
+              <a:rPr lang="en-US" sz="2400" b="1" i="1" smtClean="0">
                 <a:solidFill>
                   <a:srgbClr val="000000"/>
                 </a:solidFill>
@@ -30437,7 +29994,7 @@
               <a:t>x</a:t>
             </a:r>
             <a:r>
-              <a:rPr lang="en-US" sz="2400" b="1" i="1" baseline="-25000" dirty="0" smtClean="0">
+              <a:rPr lang="en-US" sz="2400" b="1" i="1" baseline="-25000" smtClean="0">
                 <a:solidFill>
                   <a:srgbClr val="000000"/>
                 </a:solidFill>
@@ -30449,7 +30006,7 @@
               <a:t>t</a:t>
             </a:r>
             <a:r>
-              <a:rPr lang="en-US" sz="2400" b="1" i="1" baseline="-60000" dirty="0" smtClean="0">
+              <a:rPr lang="en-US" sz="2400" b="1" i="1" baseline="-60000" smtClean="0">
                 <a:solidFill>
                   <a:srgbClr val="000000"/>
                 </a:solidFill>
@@ -30461,7 +30018,7 @@
               <a:t>1</a:t>
             </a:r>
             <a:r>
-              <a:rPr lang="en-US" sz="2400" b="1" baseline="-25000" dirty="0" smtClean="0">
+              <a:rPr lang="en-US" sz="2400" b="1" baseline="-25000" smtClean="0">
                 <a:solidFill>
                   <a:srgbClr val="000000"/>
                 </a:solidFill>
@@ -30473,7 +30030,7 @@
               <a:t></a:t>
             </a:r>
             <a:r>
-              <a:rPr lang="en-US" sz="2400" b="1" i="1" dirty="0" smtClean="0">
+              <a:rPr lang="en-US" sz="2400" b="1" i="1" smtClean="0">
                 <a:solidFill>
                   <a:srgbClr val="000000"/>
                 </a:solidFill>
@@ -30485,7 +30042,7 @@
               <a:t>,x</a:t>
             </a:r>
             <a:r>
-              <a:rPr lang="en-US" sz="2400" b="1" i="1" baseline="-25000" dirty="0" smtClean="0">
+              <a:rPr lang="en-US" sz="2400" b="1" i="1" baseline="-25000" smtClean="0">
                 <a:solidFill>
                   <a:srgbClr val="000000"/>
                 </a:solidFill>
@@ -30497,7 +30054,7 @@
               <a:t>t</a:t>
             </a:r>
             <a:r>
-              <a:rPr lang="en-US" sz="2400" b="1" i="1" baseline="-60000" dirty="0" smtClean="0">
+              <a:rPr lang="en-US" sz="2400" b="1" i="1" baseline="-60000" smtClean="0">
                 <a:solidFill>
                   <a:srgbClr val="000000"/>
                 </a:solidFill>
@@ -30509,7 +30066,7 @@
               <a:t>1</a:t>
             </a:r>
             <a:r>
-              <a:rPr lang="ru-RU" sz="2400" b="1" dirty="0" smtClean="0">
+              <a:rPr lang="ru-RU" sz="2400" b="1" smtClean="0">
                 <a:solidFill>
                   <a:srgbClr val="000000"/>
                 </a:solidFill>
@@ -30521,7 +30078,7 @@
               <a:t>)</a:t>
             </a:r>
             <a:r>
-              <a:rPr lang="ru-RU" sz="2400" b="1" i="1" dirty="0" smtClean="0">
+              <a:rPr lang="ru-RU" sz="2400" b="1" i="1" smtClean="0">
                 <a:solidFill>
                   <a:srgbClr val="000000"/>
                 </a:solidFill>
@@ -30533,7 +30090,7 @@
               <a:t>,</a:t>
             </a:r>
             <a:r>
-              <a:rPr lang="ru-RU" sz="2400" b="1" dirty="0" smtClean="0">
+              <a:rPr lang="ru-RU" sz="2400" b="1" smtClean="0">
                 <a:solidFill>
                   <a:srgbClr val="000000"/>
                 </a:solidFill>
@@ -30545,7 +30102,7 @@
               <a:t> (</a:t>
             </a:r>
             <a:r>
-              <a:rPr lang="en-US" sz="2400" b="1" i="1" dirty="0" smtClean="0">
+              <a:rPr lang="en-US" sz="2400" b="1" i="1" smtClean="0">
                 <a:solidFill>
                   <a:srgbClr val="000000"/>
                 </a:solidFill>
@@ -30557,7 +30114,7 @@
               <a:t>x</a:t>
             </a:r>
             <a:r>
-              <a:rPr lang="en-US" sz="2400" b="1" i="1" baseline="-25000" dirty="0" smtClean="0">
+              <a:rPr lang="en-US" sz="2400" b="1" i="1" baseline="-25000" smtClean="0">
                 <a:solidFill>
                   <a:srgbClr val="000000"/>
                 </a:solidFill>
@@ -30569,7 +30126,7 @@
               <a:t>t</a:t>
             </a:r>
             <a:r>
-              <a:rPr lang="en-US" sz="2400" b="1" i="1" baseline="-60000" dirty="0" smtClean="0">
+              <a:rPr lang="en-US" sz="2400" b="1" i="1" baseline="-60000" smtClean="0">
                 <a:solidFill>
                   <a:srgbClr val="000000"/>
                 </a:solidFill>
@@ -30581,7 +30138,7 @@
               <a:t>2</a:t>
             </a:r>
             <a:r>
-              <a:rPr lang="en-US" sz="2400" b="1" baseline="-25000" dirty="0" smtClean="0">
+              <a:rPr lang="en-US" sz="2400" b="1" baseline="-25000" smtClean="0">
                 <a:solidFill>
                   <a:srgbClr val="000000"/>
                 </a:solidFill>
@@ -30593,7 +30150,7 @@
               <a:t></a:t>
             </a:r>
             <a:r>
-              <a:rPr lang="en-US" sz="2400" b="1" i="1" dirty="0" smtClean="0">
+              <a:rPr lang="en-US" sz="2400" b="1" i="1" smtClean="0">
                 <a:solidFill>
                   <a:srgbClr val="000000"/>
                 </a:solidFill>
@@ -30605,7 +30162,7 @@
               <a:t>,x</a:t>
             </a:r>
             <a:r>
-              <a:rPr lang="en-US" sz="2400" b="1" i="1" baseline="-25000" dirty="0" smtClean="0">
+              <a:rPr lang="en-US" sz="2400" b="1" i="1" baseline="-25000" smtClean="0">
                 <a:solidFill>
                   <a:srgbClr val="000000"/>
                 </a:solidFill>
@@ -30617,7 +30174,7 @@
               <a:t>t</a:t>
             </a:r>
             <a:r>
-              <a:rPr lang="en-US" sz="2400" b="1" i="1" baseline="-60000" dirty="0" smtClean="0">
+              <a:rPr lang="en-US" sz="2400" b="1" i="1" baseline="-60000" smtClean="0">
                 <a:solidFill>
                   <a:srgbClr val="000000"/>
                 </a:solidFill>
@@ -30629,7 +30186,7 @@
               <a:t>2</a:t>
             </a:r>
             <a:r>
-              <a:rPr lang="ru-RU" sz="2400" b="1" dirty="0" smtClean="0">
+              <a:rPr lang="ru-RU" sz="2400" b="1" smtClean="0">
                 <a:solidFill>
                   <a:srgbClr val="000000"/>
                 </a:solidFill>
@@ -30641,7 +30198,7 @@
               <a:t>)</a:t>
             </a:r>
             <a:r>
-              <a:rPr lang="en-US" sz="2400" b="1" dirty="0" smtClean="0">
+              <a:rPr lang="en-US" sz="2400" b="1" smtClean="0">
                 <a:solidFill>
                   <a:srgbClr val="000000"/>
                 </a:solidFill>
@@ -30653,7 +30210,7 @@
               <a:t>,…</a:t>
             </a:r>
             <a:r>
-              <a:rPr lang="ru-RU" sz="2400" b="1" dirty="0" smtClean="0">
+              <a:rPr lang="ru-RU" sz="2400" b="1" smtClean="0">
                 <a:solidFill>
                   <a:srgbClr val="000000"/>
                 </a:solidFill>
@@ -30665,7 +30222,7 @@
               <a:t> (</a:t>
             </a:r>
             <a:r>
-              <a:rPr lang="en-US" sz="2400" b="1" i="1" dirty="0" err="1" smtClean="0">
+              <a:rPr lang="en-US" sz="2400" b="1" i="1" smtClean="0">
                 <a:solidFill>
                   <a:srgbClr val="000000"/>
                 </a:solidFill>
@@ -30677,7 +30234,7 @@
               <a:t>x</a:t>
             </a:r>
             <a:r>
-              <a:rPr lang="en-US" sz="2400" b="1" i="1" baseline="-25000" dirty="0" err="1" smtClean="0">
+              <a:rPr lang="en-US" sz="2400" b="1" i="1" baseline="-25000" smtClean="0">
                 <a:solidFill>
                   <a:srgbClr val="000000"/>
                 </a:solidFill>
@@ -30689,7 +30246,7 @@
               <a:t>t</a:t>
             </a:r>
             <a:r>
-              <a:rPr lang="en-US" sz="2400" b="1" i="1" baseline="-60000" dirty="0" err="1" smtClean="0">
+              <a:rPr lang="en-US" sz="2400" b="1" i="1" baseline="-60000" smtClean="0">
                 <a:solidFill>
                   <a:srgbClr val="000000"/>
                 </a:solidFill>
@@ -30701,7 +30258,7 @@
               <a:t>p</a:t>
             </a:r>
             <a:r>
-              <a:rPr lang="en-US" sz="2400" b="1" baseline="-25000" dirty="0" smtClean="0">
+              <a:rPr lang="en-US" sz="2400" b="1" baseline="-25000" smtClean="0">
                 <a:solidFill>
                   <a:srgbClr val="000000"/>
                 </a:solidFill>
@@ -30713,7 +30270,7 @@
               <a:t></a:t>
             </a:r>
             <a:r>
-              <a:rPr lang="en-US" sz="2400" b="1" i="1" dirty="0" smtClean="0">
+              <a:rPr lang="en-US" sz="2400" b="1" i="1" smtClean="0">
                 <a:solidFill>
                   <a:srgbClr val="000000"/>
                 </a:solidFill>
@@ -30722,10 +30279,10 @@
                 <a:cs typeface="Arial" pitchFamily="34" charset="0"/>
                 <a:sym typeface="Symbol" pitchFamily="18" charset="2"/>
               </a:rPr>
-              <a:t>,</a:t>
-            </a:r>
-            <a:r>
-              <a:rPr lang="en-US" sz="2400" b="1" i="1" dirty="0" err="1" smtClean="0">
+              <a:t>,x</a:t>
+            </a:r>
+            <a:r>
+              <a:rPr lang="en-US" sz="2400" b="1" i="1" baseline="-25000" smtClean="0">
                 <a:solidFill>
                   <a:srgbClr val="000000"/>
                 </a:solidFill>
@@ -30734,10 +30291,10 @@
                 <a:cs typeface="Arial" pitchFamily="34" charset="0"/>
                 <a:sym typeface="Symbol" pitchFamily="18" charset="2"/>
               </a:rPr>
-              <a:t>x</a:t>
-            </a:r>
-            <a:r>
-              <a:rPr lang="en-US" sz="2400" b="1" i="1" baseline="-25000" dirty="0" err="1" smtClean="0">
+              <a:t>t</a:t>
+            </a:r>
+            <a:r>
+              <a:rPr lang="en-US" sz="2400" b="1" i="1" baseline="-60000" smtClean="0">
                 <a:solidFill>
                   <a:srgbClr val="000000"/>
                 </a:solidFill>
@@ -30746,10 +30303,10 @@
                 <a:cs typeface="Arial" pitchFamily="34" charset="0"/>
                 <a:sym typeface="Symbol" pitchFamily="18" charset="2"/>
               </a:rPr>
-              <a:t>t</a:t>
-            </a:r>
-            <a:r>
-              <a:rPr lang="en-US" sz="2400" b="1" i="1" baseline="-60000" dirty="0" err="1" smtClean="0">
+              <a:t>p</a:t>
+            </a:r>
+            <a:r>
+              <a:rPr lang="ru-RU" sz="2400" b="1" smtClean="0">
                 <a:solidFill>
                   <a:srgbClr val="000000"/>
                 </a:solidFill>
@@ -30758,335 +30315,287 @@
                 <a:cs typeface="Arial" pitchFamily="34" charset="0"/>
                 <a:sym typeface="Symbol" pitchFamily="18" charset="2"/>
               </a:rPr>
-              <a:t>p</a:t>
-            </a:r>
-            <a:r>
-              <a:rPr lang="ru-RU" sz="2400" b="1" dirty="0" smtClean="0">
+              <a:t>)</a:t>
+            </a:r>
+            <a:endParaRPr lang="ru-RU" sz="2400" smtClean="0">
+              <a:latin typeface="Arial" pitchFamily="34" charset="0"/>
+              <a:cs typeface="Arial" pitchFamily="34" charset="0"/>
+            </a:endParaRPr>
+          </a:p>
+          <a:p>
+            <a:pPr marL="457200" indent="-457200" eaLnBrk="1" hangingPunct="1">
+              <a:buFontTx/>
+              <a:buNone/>
+            </a:pPr>
+            <a:r>
+              <a:rPr lang="en-US" sz="2400" smtClean="0">
                 <a:solidFill>
                   <a:srgbClr val="000000"/>
                 </a:solidFill>
                 <a:latin typeface="Arial" pitchFamily="34" charset="0"/>
                 <a:ea typeface="Times"/>
-                <a:cs typeface="Arial" pitchFamily="34" charset="0"/>
-                <a:sym typeface="Symbol" pitchFamily="18" charset="2"/>
-              </a:rPr>
-              <a:t>)</a:t>
-            </a:r>
-            <a:endParaRPr lang="ru-RU" sz="2400" dirty="0" smtClean="0">
-              <a:latin typeface="Arial" pitchFamily="34" charset="0"/>
-              <a:cs typeface="Arial" pitchFamily="34" charset="0"/>
-            </a:endParaRPr>
-          </a:p>
-          <a:p>
-            <a:pPr marL="457200" indent="-457200" eaLnBrk="1" hangingPunct="1">
-              <a:buFontTx/>
-              <a:buNone/>
-            </a:pPr>
-            <a:r>
-              <a:rPr lang="en-US" sz="2400" dirty="0" smtClean="0">
+                <a:cs typeface="Times"/>
+              </a:rPr>
+              <a:t>5.	</a:t>
+            </a:r>
+            <a:r>
+              <a:rPr lang="ru-RU" sz="2400" smtClean="0">
                 <a:solidFill>
                   <a:srgbClr val="000000"/>
                 </a:solidFill>
                 <a:latin typeface="Arial" pitchFamily="34" charset="0"/>
                 <a:ea typeface="Times"/>
-                <a:cs typeface="Arial" pitchFamily="34" charset="0"/>
-              </a:rPr>
-              <a:t>5.	</a:t>
-            </a:r>
-            <a:r>
-              <a:rPr lang="ru-RU" sz="2400" dirty="0" smtClean="0">
+                <a:cs typeface="Times"/>
+              </a:rPr>
+              <a:t>Критерий остановки</a:t>
+            </a:r>
+            <a:r>
+              <a:rPr lang="en-US" sz="2400" smtClean="0">
                 <a:solidFill>
                   <a:srgbClr val="000000"/>
                 </a:solidFill>
                 <a:latin typeface="Arial" pitchFamily="34" charset="0"/>
                 <a:ea typeface="Times"/>
-                <a:cs typeface="Arial" pitchFamily="34" charset="0"/>
-              </a:rPr>
-              <a:t>Критерий остановки</a:t>
-            </a:r>
-            <a:r>
-              <a:rPr lang="en-US" sz="2400" dirty="0" smtClean="0">
+                <a:cs typeface="Times"/>
+              </a:rPr>
+              <a:t>: </a:t>
+            </a:r>
+            <a:r>
+              <a:rPr lang="en-US" sz="2400" i="1" smtClean="0">
                 <a:solidFill>
                   <a:srgbClr val="000000"/>
                 </a:solidFill>
                 <a:latin typeface="Arial" pitchFamily="34" charset="0"/>
                 <a:ea typeface="Times"/>
-                <a:cs typeface="Arial" pitchFamily="34" charset="0"/>
-              </a:rPr>
-              <a:t>: </a:t>
-            </a:r>
-            <a:r>
-              <a:rPr lang="en-US" sz="2400" i="1" dirty="0" err="1" smtClean="0">
+                <a:cs typeface="Times"/>
+              </a:rPr>
+              <a:t>x</a:t>
+            </a:r>
+            <a:r>
+              <a:rPr lang="en-US" sz="2400" i="1" baseline="-25000" smtClean="0">
                 <a:solidFill>
                   <a:srgbClr val="000000"/>
                 </a:solidFill>
                 <a:latin typeface="Arial" pitchFamily="34" charset="0"/>
                 <a:ea typeface="Times"/>
-                <a:cs typeface="Arial" pitchFamily="34" charset="0"/>
-              </a:rPr>
-              <a:t>x</a:t>
-            </a:r>
-            <a:r>
-              <a:rPr lang="en-US" sz="2400" i="1" baseline="-25000" dirty="0" err="1" smtClean="0">
+                <a:cs typeface="Times"/>
+              </a:rPr>
+              <a:t>t</a:t>
+            </a:r>
+            <a:r>
+              <a:rPr lang="en-US" sz="2400" i="1" baseline="-60000" smtClean="0">
                 <a:solidFill>
                   <a:srgbClr val="000000"/>
                 </a:solidFill>
                 <a:latin typeface="Arial" pitchFamily="34" charset="0"/>
                 <a:ea typeface="Times"/>
-                <a:cs typeface="Arial" pitchFamily="34" charset="0"/>
-              </a:rPr>
-              <a:t>t</a:t>
-            </a:r>
-            <a:r>
-              <a:rPr lang="en-US" sz="2400" i="1" baseline="-60000" dirty="0" err="1" smtClean="0">
+                <a:cs typeface="Times"/>
+                <a:sym typeface="Symbol" pitchFamily="18" charset="2"/>
+              </a:rPr>
+              <a:t>i</a:t>
+            </a:r>
+            <a:r>
+              <a:rPr lang="en-US" sz="2400" i="1" smtClean="0">
                 <a:solidFill>
                   <a:srgbClr val="000000"/>
                 </a:solidFill>
                 <a:latin typeface="Arial" pitchFamily="34" charset="0"/>
                 <a:ea typeface="Times"/>
-                <a:cs typeface="Arial" pitchFamily="34" charset="0"/>
+                <a:cs typeface="Times"/>
                 <a:sym typeface="Symbol" pitchFamily="18" charset="2"/>
               </a:rPr>
-              <a:t>i</a:t>
-            </a:r>
-            <a:r>
-              <a:rPr lang="en-US" sz="2400" i="1" dirty="0" err="1" smtClean="0">
+              <a:t>x</a:t>
+            </a:r>
+            <a:r>
+              <a:rPr lang="en-US" sz="2400" i="1" baseline="-25000" smtClean="0">
                 <a:solidFill>
                   <a:srgbClr val="000000"/>
                 </a:solidFill>
                 <a:latin typeface="Arial" pitchFamily="34" charset="0"/>
                 <a:ea typeface="Times"/>
-                <a:cs typeface="Arial" pitchFamily="34" charset="0"/>
+                <a:cs typeface="Times"/>
                 <a:sym typeface="Symbol" pitchFamily="18" charset="2"/>
               </a:rPr>
-              <a:t>x</a:t>
-            </a:r>
-            <a:r>
-              <a:rPr lang="en-US" sz="2400" i="1" baseline="-25000" dirty="0" err="1" smtClean="0">
+              <a:t>t</a:t>
+            </a:r>
+            <a:r>
+              <a:rPr lang="en-US" sz="2400" i="1" baseline="-60000" smtClean="0">
                 <a:solidFill>
                   <a:srgbClr val="000000"/>
                 </a:solidFill>
                 <a:latin typeface="Arial" pitchFamily="34" charset="0"/>
                 <a:ea typeface="Times"/>
-                <a:cs typeface="Arial" pitchFamily="34" charset="0"/>
+                <a:cs typeface="Times"/>
                 <a:sym typeface="Symbol" pitchFamily="18" charset="2"/>
               </a:rPr>
-              <a:t>t</a:t>
-            </a:r>
-            <a:r>
-              <a:rPr lang="en-US" sz="2400" i="1" baseline="-60000" dirty="0" err="1" smtClean="0">
+              <a:t>i</a:t>
+            </a:r>
+            <a:r>
+              <a:rPr lang="en-US" sz="2400" baseline="-25000" smtClean="0">
                 <a:solidFill>
                   <a:srgbClr val="000000"/>
                 </a:solidFill>
                 <a:latin typeface="Arial" pitchFamily="34" charset="0"/>
                 <a:ea typeface="Times"/>
-                <a:cs typeface="Arial" pitchFamily="34" charset="0"/>
+                <a:cs typeface="Times"/>
                 <a:sym typeface="Symbol" pitchFamily="18" charset="2"/>
               </a:rPr>
-              <a:t>i</a:t>
-            </a:r>
-            <a:r>
-              <a:rPr lang="en-US" sz="2400" baseline="-25000" dirty="0" smtClean="0">
+              <a:t></a:t>
+            </a:r>
+            <a:r>
+              <a:rPr lang="en-US" sz="2400" smtClean="0">
                 <a:solidFill>
                   <a:srgbClr val="000000"/>
                 </a:solidFill>
                 <a:latin typeface="Arial" pitchFamily="34" charset="0"/>
                 <a:ea typeface="Times"/>
-                <a:cs typeface="Arial" pitchFamily="34" charset="0"/>
+                <a:cs typeface="Times"/>
                 <a:sym typeface="Symbol" pitchFamily="18" charset="2"/>
               </a:rPr>
-              <a:t></a:t>
-            </a:r>
-            <a:r>
-              <a:rPr lang="en-US" sz="2400" dirty="0" smtClean="0">
+              <a:t></a:t>
+            </a:r>
+            <a:r>
+              <a:rPr lang="en-US" sz="2400" i="1" smtClean="0">
                 <a:solidFill>
                   <a:srgbClr val="000000"/>
                 </a:solidFill>
                 <a:latin typeface="Arial" pitchFamily="34" charset="0"/>
                 <a:ea typeface="Times"/>
-                <a:cs typeface="Arial" pitchFamily="34" charset="0"/>
+                <a:cs typeface="Times"/>
                 <a:sym typeface="Symbol" pitchFamily="18" charset="2"/>
               </a:rPr>
-              <a:t></a:t>
-            </a:r>
-            <a:r>
-              <a:rPr lang="en-US" sz="2400" i="1" dirty="0" smtClean="0">
+              <a:t></a:t>
+            </a:r>
+            <a:r>
+              <a:rPr lang="ru-RU" sz="2400" i="1" smtClean="0">
                 <a:solidFill>
                   <a:srgbClr val="000000"/>
                 </a:solidFill>
                 <a:latin typeface="Arial" pitchFamily="34" charset="0"/>
                 <a:ea typeface="Times"/>
+                <a:cs typeface="Times"/>
+                <a:sym typeface="Symbol" pitchFamily="18" charset="2"/>
+              </a:rPr>
+              <a:t>, </a:t>
+            </a:r>
+            <a:r>
+              <a:rPr lang="ru-RU" sz="2400" smtClean="0">
+                <a:latin typeface="Arial" pitchFamily="34" charset="0"/>
+                <a:cs typeface="Arial" pitchFamily="34" charset="0"/>
+              </a:rPr>
+              <a:t>1</a:t>
+            </a:r>
+            <a:r>
+              <a:rPr lang="en-US" sz="2400" smtClean="0">
+                <a:latin typeface="Arial" pitchFamily="34" charset="0"/>
                 <a:cs typeface="Arial" pitchFamily="34" charset="0"/>
                 <a:sym typeface="Symbol" pitchFamily="18" charset="2"/>
               </a:rPr>
-              <a:t></a:t>
-            </a:r>
-            <a:r>
-              <a:rPr lang="ru-RU" sz="2400" i="1" dirty="0" smtClean="0">
+              <a:t></a:t>
+            </a:r>
+            <a:r>
+              <a:rPr lang="en-US" sz="2400" i="1" smtClean="0">
+                <a:latin typeface="Arial" pitchFamily="34" charset="0"/>
+                <a:cs typeface="Arial" pitchFamily="34" charset="0"/>
+              </a:rPr>
+              <a:t>i</a:t>
+            </a:r>
+            <a:r>
+              <a:rPr lang="en-US" sz="2400" smtClean="0">
+                <a:latin typeface="Arial" pitchFamily="34" charset="0"/>
+                <a:cs typeface="Arial" pitchFamily="34" charset="0"/>
+                <a:sym typeface="Symbol" pitchFamily="18" charset="2"/>
+              </a:rPr>
+              <a:t></a:t>
+            </a:r>
+            <a:r>
+              <a:rPr lang="en-US" sz="2400" i="1" smtClean="0">
+                <a:latin typeface="Arial" pitchFamily="34" charset="0"/>
+                <a:cs typeface="Arial" pitchFamily="34" charset="0"/>
+                <a:sym typeface="Symbol" pitchFamily="18" charset="2"/>
+              </a:rPr>
+              <a:t>p</a:t>
+            </a:r>
+            <a:endParaRPr lang="en-US" sz="2400" i="1" smtClean="0">
+              <a:solidFill>
+                <a:srgbClr val="000000"/>
+              </a:solidFill>
+              <a:latin typeface="Arial" pitchFamily="34" charset="0"/>
+              <a:ea typeface="Times"/>
+              <a:cs typeface="Times"/>
+              <a:sym typeface="Symbol" pitchFamily="18" charset="2"/>
+            </a:endParaRPr>
+          </a:p>
+          <a:p>
+            <a:pPr marL="457200" indent="-457200" algn="r" eaLnBrk="1" hangingPunct="1">
+              <a:buFontTx/>
+              <a:buNone/>
+            </a:pPr>
+            <a:endParaRPr lang="ru-RU" sz="200" i="1" smtClean="0">
+              <a:solidFill>
+                <a:srgbClr val="000000"/>
+              </a:solidFill>
+              <a:latin typeface="Arial" pitchFamily="34" charset="0"/>
+              <a:ea typeface="Times"/>
+              <a:cs typeface="Times"/>
+              <a:sym typeface="Symbol" pitchFamily="18" charset="2"/>
+            </a:endParaRPr>
+          </a:p>
+          <a:p>
+            <a:pPr marL="457200" indent="-457200" algn="r" eaLnBrk="1" hangingPunct="1">
+              <a:buFontTx/>
+              <a:buNone/>
+            </a:pPr>
+            <a:endParaRPr lang="ru-RU" sz="200" i="1" smtClean="0">
+              <a:solidFill>
+                <a:srgbClr val="000000"/>
+              </a:solidFill>
+              <a:latin typeface="Arial" pitchFamily="34" charset="0"/>
+              <a:ea typeface="Times"/>
+              <a:cs typeface="Times"/>
+              <a:sym typeface="Symbol" pitchFamily="18" charset="2"/>
+            </a:endParaRPr>
+          </a:p>
+          <a:p>
+            <a:pPr marL="457200" indent="-457200" algn="r" eaLnBrk="1" hangingPunct="1">
+              <a:buFontTx/>
+              <a:buNone/>
+            </a:pPr>
+            <a:endParaRPr lang="ru-RU" sz="200" i="1" smtClean="0">
+              <a:solidFill>
+                <a:srgbClr val="000000"/>
+              </a:solidFill>
+              <a:latin typeface="Arial" pitchFamily="34" charset="0"/>
+              <a:ea typeface="Times"/>
+              <a:cs typeface="Times"/>
+              <a:sym typeface="Symbol" pitchFamily="18" charset="2"/>
+            </a:endParaRPr>
+          </a:p>
+          <a:p>
+            <a:pPr marL="457200" indent="-457200" algn="r" eaLnBrk="1" hangingPunct="1">
+              <a:buFontTx/>
+              <a:buNone/>
+            </a:pPr>
+            <a:r>
+              <a:rPr lang="ru-RU" i="1" smtClean="0">
                 <a:solidFill>
                   <a:srgbClr val="000000"/>
                 </a:solidFill>
                 <a:latin typeface="Arial" pitchFamily="34" charset="0"/>
                 <a:ea typeface="Times"/>
-                <a:cs typeface="Arial" pitchFamily="34" charset="0"/>
+                <a:cs typeface="Times"/>
                 <a:sym typeface="Symbol" pitchFamily="18" charset="2"/>
               </a:rPr>
-              <a:t>, </a:t>
-            </a:r>
-            <a:r>
-              <a:rPr lang="ru-RU" sz="2400" dirty="0" smtClean="0">
+              <a:t>Сергеев, Гришагин, Стронгин </a:t>
+            </a:r>
+            <a:r>
+              <a:rPr lang="en-US" i="1" smtClean="0">
                 <a:latin typeface="Arial" pitchFamily="34" charset="0"/>
                 <a:cs typeface="Arial" pitchFamily="34" charset="0"/>
               </a:rPr>
-              <a:t>1</a:t>
-            </a:r>
-            <a:r>
-              <a:rPr lang="en-US" sz="2400" dirty="0" smtClean="0">
-                <a:latin typeface="Arial" pitchFamily="34" charset="0"/>
-                <a:cs typeface="Arial" pitchFamily="34" charset="0"/>
-                <a:sym typeface="Symbol" pitchFamily="18" charset="2"/>
-              </a:rPr>
-              <a:t></a:t>
-            </a:r>
-            <a:r>
-              <a:rPr lang="en-US" sz="2400" i="1" dirty="0" err="1" smtClean="0">
-                <a:latin typeface="Arial" pitchFamily="34" charset="0"/>
-                <a:cs typeface="Arial" pitchFamily="34" charset="0"/>
-              </a:rPr>
-              <a:t>i</a:t>
-            </a:r>
-            <a:r>
-              <a:rPr lang="en-US" sz="2400" dirty="0" err="1" smtClean="0">
-                <a:latin typeface="Arial" pitchFamily="34" charset="0"/>
-                <a:cs typeface="Arial" pitchFamily="34" charset="0"/>
-                <a:sym typeface="Symbol" pitchFamily="18" charset="2"/>
-              </a:rPr>
-              <a:t></a:t>
-            </a:r>
-            <a:r>
-              <a:rPr lang="en-US" sz="2400" i="1" dirty="0" err="1" smtClean="0">
-                <a:latin typeface="Arial" pitchFamily="34" charset="0"/>
-                <a:cs typeface="Arial" pitchFamily="34" charset="0"/>
-                <a:sym typeface="Symbol" pitchFamily="18" charset="2"/>
-              </a:rPr>
-              <a:t>p</a:t>
-            </a:r>
-            <a:endParaRPr lang="en-US" sz="2400" i="1" dirty="0" smtClean="0">
-              <a:solidFill>
-                <a:srgbClr val="000000"/>
-              </a:solidFill>
-              <a:latin typeface="Arial" pitchFamily="34" charset="0"/>
-              <a:ea typeface="Times"/>
-              <a:cs typeface="Arial" pitchFamily="34" charset="0"/>
-              <a:sym typeface="Symbol" pitchFamily="18" charset="2"/>
-            </a:endParaRPr>
-          </a:p>
-          <a:p>
-            <a:pPr marL="457200" indent="-457200" algn="r" eaLnBrk="1" hangingPunct="1">
-              <a:buFontTx/>
-              <a:buNone/>
-            </a:pPr>
-            <a:endParaRPr lang="ru-RU" sz="200" i="1" dirty="0" smtClean="0">
-              <a:solidFill>
-                <a:srgbClr val="000000"/>
-              </a:solidFill>
-              <a:latin typeface="Arial" pitchFamily="34" charset="0"/>
-              <a:ea typeface="Times"/>
-              <a:cs typeface="Arial" pitchFamily="34" charset="0"/>
-              <a:sym typeface="Symbol" pitchFamily="18" charset="2"/>
-            </a:endParaRPr>
-          </a:p>
-          <a:p>
-            <a:pPr marL="457200" indent="-457200" algn="r" eaLnBrk="1" hangingPunct="1">
-              <a:buFontTx/>
-              <a:buNone/>
-            </a:pPr>
-            <a:endParaRPr lang="ru-RU" sz="200" i="1" dirty="0" smtClean="0">
-              <a:solidFill>
-                <a:srgbClr val="000000"/>
-              </a:solidFill>
-              <a:latin typeface="Arial" pitchFamily="34" charset="0"/>
-              <a:ea typeface="Times"/>
-              <a:cs typeface="Arial" pitchFamily="34" charset="0"/>
-              <a:sym typeface="Symbol" pitchFamily="18" charset="2"/>
-            </a:endParaRPr>
-          </a:p>
-          <a:p>
-            <a:pPr marL="457200" indent="-457200" algn="r" eaLnBrk="1" hangingPunct="1">
-              <a:buFontTx/>
-              <a:buNone/>
-            </a:pPr>
-            <a:endParaRPr lang="ru-RU" sz="200" i="1" dirty="0" smtClean="0">
-              <a:solidFill>
-                <a:srgbClr val="000000"/>
-              </a:solidFill>
-              <a:latin typeface="Arial" pitchFamily="34" charset="0"/>
-              <a:ea typeface="Times"/>
-              <a:cs typeface="Arial" pitchFamily="34" charset="0"/>
-              <a:sym typeface="Symbol" pitchFamily="18" charset="2"/>
-            </a:endParaRPr>
-          </a:p>
-          <a:p>
-            <a:pPr marL="457200" indent="-457200" algn="r" eaLnBrk="1" hangingPunct="1">
-              <a:buFontTx/>
-              <a:buNone/>
-            </a:pPr>
-            <a:r>
-              <a:rPr lang="ru-RU" i="1" dirty="0" smtClean="0">
-                <a:solidFill>
-                  <a:srgbClr val="000000"/>
-                </a:solidFill>
-                <a:latin typeface="Arial" pitchFamily="34" charset="0"/>
-                <a:ea typeface="Times"/>
-                <a:cs typeface="Arial" pitchFamily="34" charset="0"/>
-                <a:sym typeface="Symbol" pitchFamily="18" charset="2"/>
-              </a:rPr>
-              <a:t>Сергеев</a:t>
-            </a:r>
-            <a:r>
-              <a:rPr lang="ru-RU" i="1" dirty="0" smtClean="0">
-                <a:solidFill>
-                  <a:srgbClr val="000000"/>
-                </a:solidFill>
-                <a:latin typeface="Arial" pitchFamily="34" charset="0"/>
-                <a:ea typeface="Times"/>
-                <a:cs typeface="Arial" pitchFamily="34" charset="0"/>
-                <a:sym typeface="Symbol" pitchFamily="18" charset="2"/>
-              </a:rPr>
-              <a:t>, Гришагин, </a:t>
-            </a:r>
-            <a:r>
-              <a:rPr lang="ru-RU" i="1" dirty="0" err="1" smtClean="0">
-                <a:solidFill>
-                  <a:srgbClr val="000000"/>
-                </a:solidFill>
-                <a:latin typeface="Arial" pitchFamily="34" charset="0"/>
-                <a:ea typeface="Times"/>
-                <a:cs typeface="Arial" pitchFamily="34" charset="0"/>
-                <a:sym typeface="Symbol" pitchFamily="18" charset="2"/>
-              </a:rPr>
-              <a:t>Стронгин</a:t>
-            </a:r>
-            <a:r>
-              <a:rPr lang="ru-RU" i="1" dirty="0" smtClean="0">
-                <a:solidFill>
-                  <a:srgbClr val="000000"/>
-                </a:solidFill>
-                <a:latin typeface="Arial" pitchFamily="34" charset="0"/>
-                <a:ea typeface="Times"/>
-                <a:cs typeface="Arial" pitchFamily="34" charset="0"/>
-                <a:sym typeface="Symbol" pitchFamily="18" charset="2"/>
-              </a:rPr>
-              <a:t> </a:t>
-            </a:r>
-            <a:r>
-              <a:rPr lang="en-US" i="1" dirty="0" smtClean="0">
-                <a:latin typeface="Arial" pitchFamily="34" charset="0"/>
-                <a:cs typeface="Arial" pitchFamily="34" charset="0"/>
-              </a:rPr>
               <a:t>(1997).</a:t>
             </a:r>
-            <a:endParaRPr lang="ru-RU" i="1" dirty="0" smtClean="0">
+            <a:endParaRPr lang="ru-RU" i="1" smtClean="0">
               <a:latin typeface="Arial" pitchFamily="34" charset="0"/>
               <a:cs typeface="Arial" pitchFamily="34" charset="0"/>
               <a:sym typeface="Symbol" pitchFamily="18" charset="2"/>
@@ -31105,7 +30614,7 @@
           </p:nvPr>
         </p:nvGraphicFramePr>
         <p:xfrm>
-          <a:off x="5180044" y="1285860"/>
+          <a:off x="5180013" y="1285875"/>
           <a:ext cx="3821112" cy="936625"/>
         </p:xfrm>
         <a:graphic>
@@ -31125,7 +30634,7 @@
           <p:nvPr/>
         </p:nvGraphicFramePr>
         <p:xfrm>
-          <a:off x="4357686" y="2489200"/>
+          <a:off x="4357688" y="2489200"/>
           <a:ext cx="4738687" cy="1011238"/>
         </p:xfrm>
         <a:graphic>
@@ -31414,18 +30923,18 @@
                 </a:spcBef>
               </a:pPr>
               <a:r>
-                <a:rPr lang="en-US" sz="1400" i="1" dirty="0">
+                <a:rPr lang="en-US" sz="1400" i="1">
                   <a:latin typeface="Arial" pitchFamily="34" charset="0"/>
                 </a:rPr>
                 <a:t>x</a:t>
               </a:r>
               <a:r>
-                <a:rPr lang="en-US" sz="1400" i="1" baseline="-25000" dirty="0">
+                <a:rPr lang="en-US" sz="1400" i="1" baseline="-25000">
                   <a:latin typeface="Arial" pitchFamily="34" charset="0"/>
                 </a:rPr>
                 <a:t>i-1</a:t>
               </a:r>
-              <a:endParaRPr lang="ru-RU" sz="1400" i="1" dirty="0">
+              <a:endParaRPr lang="ru-RU" sz="1400" i="1">
                 <a:latin typeface="Arial" pitchFamily="34" charset="0"/>
               </a:endParaRPr>
             </a:p>
@@ -31889,7 +31398,7 @@
           <p:nvPr/>
         </p:nvGraphicFramePr>
         <p:xfrm>
-          <a:off x="3871918" y="1582738"/>
+          <a:off x="3871913" y="1582738"/>
           <a:ext cx="1414462" cy="431800"/>
         </p:xfrm>
         <a:graphic>
@@ -32093,7 +31602,7 @@
         </p:nvSpPr>
         <p:spPr>
           <a:xfrm>
-            <a:off x="142844" y="152400"/>
+            <a:off x="142875" y="152400"/>
             <a:ext cx="8496300" cy="457200"/>
           </a:xfrm>
         </p:spPr>
@@ -32102,7 +31611,7 @@
           <a:lstStyle/>
           <a:p>
             <a:r>
-              <a:rPr lang="ru-RU" dirty="0" smtClean="0"/>
+              <a:rPr lang="ru-RU" smtClean="0"/>
               <a:t>Блочная рекурсивная схема редукции размерности</a:t>
             </a:r>
           </a:p>
@@ -32394,7 +31903,7 @@
       </p:sp>
       <p:sp>
         <p:nvSpPr>
-          <p:cNvPr id="5136" name="AutoShape 35"/>
+          <p:cNvPr id="5135" name="AutoShape 35"/>
           <p:cNvSpPr>
             <a:spLocks noChangeAspect="1" noChangeArrowheads="1" noTextEdit="1"/>
           </p:cNvSpPr>
@@ -32426,7 +31935,7 @@
       </p:sp>
       <p:sp>
         <p:nvSpPr>
-          <p:cNvPr id="5137" name="Oval 32"/>
+          <p:cNvPr id="5136" name="Oval 32"/>
           <p:cNvSpPr>
             <a:spLocks noChangeArrowheads="1"/>
           </p:cNvSpPr>
@@ -32434,8 +31943,8 @@
         </p:nvSpPr>
         <p:spPr bwMode="auto">
           <a:xfrm>
-            <a:off x="3713644" y="865404"/>
-            <a:ext cx="1268657" cy="420456"/>
+            <a:off x="3713163" y="865188"/>
+            <a:ext cx="1268412" cy="420687"/>
           </a:xfrm>
           <a:prstGeom prst="ellipse">
             <a:avLst/>
@@ -32462,7 +31971,7 @@
               </a:tabLst>
             </a:pPr>
             <a:r>
-              <a:rPr lang="en-US" altLang="zh-CN" sz="1800" dirty="0">
+              <a:rPr lang="en-US" altLang="zh-CN" sz="1800">
                 <a:latin typeface="Arial" pitchFamily="34" charset="0"/>
                 <a:ea typeface="SimSun" pitchFamily="2" charset="-122"/>
                 <a:cs typeface="Times New Roman" pitchFamily="18" charset="0"/>
@@ -32470,7 +31979,7 @@
               <a:t> </a:t>
             </a:r>
             <a:r>
-              <a:rPr lang="ru-RU" altLang="zh-CN" sz="1800" dirty="0" smtClean="0">
+              <a:rPr lang="ru-RU" altLang="zh-CN" sz="1800">
                 <a:latin typeface="Arial" pitchFamily="34" charset="0"/>
                 <a:ea typeface="SimSun" pitchFamily="2" charset="-122"/>
                 <a:cs typeface="Times New Roman" pitchFamily="18" charset="0"/>
@@ -32478,7 +31987,7 @@
               <a:t> </a:t>
             </a:r>
             <a:r>
-              <a:rPr lang="en-US" altLang="zh-CN" sz="1800" i="1" dirty="0" smtClean="0">
+              <a:rPr lang="en-US" altLang="zh-CN" sz="1800" i="1">
                 <a:ea typeface="SimSun" pitchFamily="2" charset="-122"/>
                 <a:cs typeface="Times New Roman" pitchFamily="18" charset="0"/>
                 <a:sym typeface="Symbol" pitchFamily="18" charset="2"/>
@@ -32486,7 +31995,7 @@
               <a:t></a:t>
             </a:r>
             <a:r>
-              <a:rPr lang="en-US" altLang="zh-CN" sz="2200" baseline="-30000" dirty="0">
+              <a:rPr lang="en-US" altLang="zh-CN" sz="2200" baseline="-30000">
                 <a:latin typeface="Arial" pitchFamily="34" charset="0"/>
                 <a:ea typeface="SimSun" pitchFamily="2" charset="-122"/>
                 <a:cs typeface="Times New Roman" pitchFamily="18" charset="0"/>
@@ -32494,7 +32003,7 @@
               <a:t>1</a:t>
             </a:r>
             <a:r>
-              <a:rPr lang="en-US" altLang="zh-CN" sz="2200" i="1" dirty="0">
+              <a:rPr lang="en-US" altLang="zh-CN" sz="2200" i="1">
                 <a:ea typeface="SimSun" pitchFamily="2" charset="-122"/>
                 <a:cs typeface="Times New Roman" pitchFamily="18" charset="0"/>
                 <a:sym typeface="Symbol" pitchFamily="18" charset="2"/>
@@ -32502,7 +32011,7 @@
               <a:t>(u</a:t>
             </a:r>
             <a:r>
-              <a:rPr lang="en-US" altLang="zh-CN" sz="2200" baseline="-30000" dirty="0">
+              <a:rPr lang="en-US" altLang="zh-CN" sz="2200" baseline="-30000">
                 <a:ea typeface="SimSun" pitchFamily="2" charset="-122"/>
                 <a:cs typeface="Times New Roman" pitchFamily="18" charset="0"/>
                 <a:sym typeface="Symbol" pitchFamily="18" charset="2"/>
@@ -32510,7 +32019,7 @@
               <a:t>1</a:t>
             </a:r>
             <a:r>
-              <a:rPr lang="en-US" altLang="zh-CN" sz="1800" i="1" dirty="0">
+              <a:rPr lang="en-US" altLang="zh-CN" sz="1800" i="1">
                 <a:ea typeface="SimSun" pitchFamily="2" charset="-122"/>
                 <a:cs typeface="Times New Roman" pitchFamily="18" charset="0"/>
                 <a:sym typeface="Symbol" pitchFamily="18" charset="2"/>
@@ -32522,7 +32031,7 @@
       </p:sp>
       <p:sp>
         <p:nvSpPr>
-          <p:cNvPr id="5138" name="Oval 31"/>
+          <p:cNvPr id="5137" name="Oval 31"/>
           <p:cNvSpPr>
             <a:spLocks noChangeArrowheads="1"/>
           </p:cNvSpPr>
@@ -32530,8 +32039,8 @@
         </p:nvSpPr>
         <p:spPr bwMode="auto">
           <a:xfrm>
-            <a:off x="2729987" y="1507554"/>
-            <a:ext cx="1270509" cy="421248"/>
+            <a:off x="2730500" y="1508125"/>
+            <a:ext cx="1270000" cy="420688"/>
           </a:xfrm>
           <a:prstGeom prst="ellipse">
             <a:avLst/>
@@ -32558,7 +32067,7 @@
               </a:tabLst>
             </a:pPr>
             <a:r>
-              <a:rPr lang="en-US" altLang="zh-CN" sz="1600" dirty="0">
+              <a:rPr lang="en-US" altLang="zh-CN" sz="1600">
                 <a:latin typeface="Arial" pitchFamily="34" charset="0"/>
                 <a:ea typeface="SimSun" pitchFamily="2" charset="-122"/>
                 <a:cs typeface="Times New Roman" pitchFamily="18" charset="0"/>
@@ -32566,7 +32075,7 @@
               <a:t> </a:t>
             </a:r>
             <a:r>
-              <a:rPr lang="en-US" altLang="zh-CN" sz="1800" i="1" dirty="0" smtClean="0">
+              <a:rPr lang="en-US" altLang="zh-CN" sz="1800" i="1">
                 <a:ea typeface="SimSun" pitchFamily="2" charset="-122"/>
                 <a:cs typeface="Times New Roman" pitchFamily="18" charset="0"/>
                 <a:sym typeface="Symbol" pitchFamily="18" charset="2"/>
@@ -32574,7 +32083,7 @@
               <a:t></a:t>
             </a:r>
             <a:r>
-              <a:rPr lang="en-US" altLang="zh-CN" sz="1800" baseline="-30000" dirty="0">
+              <a:rPr lang="en-US" altLang="zh-CN" sz="1800" baseline="-30000">
                 <a:latin typeface="Arial" pitchFamily="34" charset="0"/>
                 <a:ea typeface="SimSun" pitchFamily="2" charset="-122"/>
                 <a:cs typeface="Times New Roman" pitchFamily="18" charset="0"/>
@@ -32582,7 +32091,7 @@
               <a:t>2</a:t>
             </a:r>
             <a:r>
-              <a:rPr lang="en-US" altLang="zh-CN" sz="1800" i="1" dirty="0">
+              <a:rPr lang="en-US" altLang="zh-CN" sz="1800" i="1">
                 <a:ea typeface="SimSun" pitchFamily="2" charset="-122"/>
                 <a:cs typeface="Times New Roman" pitchFamily="18" charset="0"/>
                 <a:sym typeface="Symbol" pitchFamily="18" charset="2"/>
@@ -32590,7 +32099,7 @@
               <a:t>(u</a:t>
             </a:r>
             <a:r>
-              <a:rPr lang="en-US" altLang="zh-CN" sz="1800" baseline="-30000" dirty="0">
+              <a:rPr lang="en-US" altLang="zh-CN" sz="1800" baseline="-30000">
                 <a:ea typeface="SimSun" pitchFamily="2" charset="-122"/>
                 <a:cs typeface="Times New Roman" pitchFamily="18" charset="0"/>
                 <a:sym typeface="Symbol" pitchFamily="18" charset="2"/>
@@ -32598,7 +32107,7 @@
               <a:t>1</a:t>
             </a:r>
             <a:r>
-              <a:rPr lang="en-US" altLang="zh-CN" sz="1800" i="1" dirty="0">
+              <a:rPr lang="en-US" altLang="zh-CN" sz="1800" i="1">
                 <a:ea typeface="SimSun" pitchFamily="2" charset="-122"/>
                 <a:cs typeface="Times New Roman" pitchFamily="18" charset="0"/>
                 <a:sym typeface="Symbol" pitchFamily="18" charset="2"/>
@@ -32606,7 +32115,7 @@
               <a:t>, u</a:t>
             </a:r>
             <a:r>
-              <a:rPr lang="en-US" altLang="zh-CN" sz="1800" baseline="-30000" dirty="0">
+              <a:rPr lang="en-US" altLang="zh-CN" sz="1800" baseline="-30000">
                 <a:ea typeface="SimSun" pitchFamily="2" charset="-122"/>
                 <a:cs typeface="Times New Roman" pitchFamily="18" charset="0"/>
                 <a:sym typeface="Symbol" pitchFamily="18" charset="2"/>
@@ -32614,7 +32123,7 @@
               <a:t>2</a:t>
             </a:r>
             <a:r>
-              <a:rPr lang="en-US" altLang="zh-CN" sz="1800" i="1" dirty="0">
+              <a:rPr lang="en-US" altLang="zh-CN" sz="1800" i="1">
                 <a:ea typeface="SimSun" pitchFamily="2" charset="-122"/>
                 <a:cs typeface="Times New Roman" pitchFamily="18" charset="0"/>
                 <a:sym typeface="Symbol" pitchFamily="18" charset="2"/>
@@ -32626,7 +32135,7 @@
       </p:sp>
       <p:sp>
         <p:nvSpPr>
-          <p:cNvPr id="5139" name="Oval 30"/>
+          <p:cNvPr id="5138" name="Oval 30"/>
           <p:cNvSpPr>
             <a:spLocks noChangeArrowheads="1"/>
           </p:cNvSpPr>
@@ -32634,8 +32143,8 @@
         </p:nvSpPr>
         <p:spPr bwMode="auto">
           <a:xfrm>
-            <a:off x="4825803" y="1484023"/>
-            <a:ext cx="1269583" cy="421248"/>
+            <a:off x="4826000" y="1484313"/>
+            <a:ext cx="1270000" cy="420687"/>
           </a:xfrm>
           <a:prstGeom prst="ellipse">
             <a:avLst/>
@@ -32662,7 +32171,7 @@
               </a:tabLst>
             </a:pPr>
             <a:r>
-              <a:rPr lang="en-US" altLang="zh-CN" sz="1600" dirty="0">
+              <a:rPr lang="en-US" altLang="zh-CN" sz="1600">
                 <a:latin typeface="Arial" pitchFamily="34" charset="0"/>
                 <a:ea typeface="SimSun" pitchFamily="2" charset="-122"/>
                 <a:cs typeface="Times New Roman" pitchFamily="18" charset="0"/>
@@ -32670,7 +32179,7 @@
               <a:t> </a:t>
             </a:r>
             <a:r>
-              <a:rPr lang="en-US" altLang="zh-CN" sz="1800" i="1" dirty="0" smtClean="0">
+              <a:rPr lang="en-US" altLang="zh-CN" sz="1800" i="1">
                 <a:ea typeface="SimSun" pitchFamily="2" charset="-122"/>
                 <a:cs typeface="Times New Roman" pitchFamily="18" charset="0"/>
                 <a:sym typeface="Symbol" pitchFamily="18" charset="2"/>
@@ -32678,7 +32187,7 @@
               <a:t></a:t>
             </a:r>
             <a:r>
-              <a:rPr lang="en-US" altLang="zh-CN" sz="1800" baseline="-30000" dirty="0" smtClean="0">
+              <a:rPr lang="en-US" altLang="zh-CN" sz="1800" baseline="-30000">
                 <a:latin typeface="Arial" pitchFamily="34" charset="0"/>
                 <a:ea typeface="SimSun" pitchFamily="2" charset="-122"/>
                 <a:cs typeface="Times New Roman" pitchFamily="18" charset="0"/>
@@ -32686,7 +32195,7 @@
               <a:t>2</a:t>
             </a:r>
             <a:r>
-              <a:rPr lang="en-US" altLang="zh-CN" sz="1800" i="1" dirty="0" smtClean="0">
+              <a:rPr lang="en-US" altLang="zh-CN" sz="1800" i="1">
                 <a:ea typeface="SimSun" pitchFamily="2" charset="-122"/>
                 <a:cs typeface="Times New Roman" pitchFamily="18" charset="0"/>
                 <a:sym typeface="Symbol" pitchFamily="18" charset="2"/>
@@ -32694,7 +32203,7 @@
               <a:t>(u</a:t>
             </a:r>
             <a:r>
-              <a:rPr lang="en-US" altLang="zh-CN" sz="1800" baseline="-30000" dirty="0" smtClean="0">
+              <a:rPr lang="en-US" altLang="zh-CN" sz="1800" baseline="-30000">
                 <a:ea typeface="SimSun" pitchFamily="2" charset="-122"/>
                 <a:cs typeface="Times New Roman" pitchFamily="18" charset="0"/>
                 <a:sym typeface="Symbol" pitchFamily="18" charset="2"/>
@@ -32702,7 +32211,7 @@
               <a:t>1</a:t>
             </a:r>
             <a:r>
-              <a:rPr lang="en-US" altLang="zh-CN" sz="1800" i="1" dirty="0" smtClean="0">
+              <a:rPr lang="en-US" altLang="zh-CN" sz="1800" i="1">
                 <a:ea typeface="SimSun" pitchFamily="2" charset="-122"/>
                 <a:cs typeface="Times New Roman" pitchFamily="18" charset="0"/>
                 <a:sym typeface="Symbol" pitchFamily="18" charset="2"/>
@@ -32710,7 +32219,7 @@
               <a:t>, u</a:t>
             </a:r>
             <a:r>
-              <a:rPr lang="en-US" altLang="zh-CN" sz="1800" baseline="-30000" dirty="0" smtClean="0">
+              <a:rPr lang="en-US" altLang="zh-CN" sz="1800" baseline="-30000">
                 <a:ea typeface="SimSun" pitchFamily="2" charset="-122"/>
                 <a:cs typeface="Times New Roman" pitchFamily="18" charset="0"/>
                 <a:sym typeface="Symbol" pitchFamily="18" charset="2"/>
@@ -32718,7 +32227,7 @@
               <a:t>2</a:t>
             </a:r>
             <a:r>
-              <a:rPr lang="en-US" altLang="zh-CN" sz="1800" i="1" dirty="0" smtClean="0">
+              <a:rPr lang="en-US" altLang="zh-CN" sz="1800" i="1">
                 <a:ea typeface="SimSun" pitchFamily="2" charset="-122"/>
                 <a:cs typeface="Times New Roman" pitchFamily="18" charset="0"/>
                 <a:sym typeface="Symbol" pitchFamily="18" charset="2"/>
@@ -32733,14 +32242,14 @@
               </a:tabLst>
             </a:pPr>
             <a:r>
-              <a:rPr lang="en-US" altLang="zh-CN" sz="1600" dirty="0" smtClean="0">
+              <a:rPr lang="en-US" altLang="zh-CN" sz="1600">
                 <a:latin typeface="Arial" pitchFamily="34" charset="0"/>
                 <a:ea typeface="SimSun" pitchFamily="2" charset="-122"/>
                 <a:cs typeface="Times New Roman" pitchFamily="18" charset="0"/>
               </a:rPr>
               <a:t> </a:t>
             </a:r>
-            <a:endParaRPr lang="en-US" altLang="zh-CN" sz="1800" i="1" dirty="0">
+            <a:endParaRPr lang="en-US" altLang="zh-CN" sz="1800" i="1">
               <a:ea typeface="SimSun" pitchFamily="2" charset="-122"/>
               <a:cs typeface="Times New Roman" pitchFamily="18" charset="0"/>
               <a:sym typeface="Symbol" pitchFamily="18" charset="2"/>
@@ -32750,7 +32259,7 @@
       </p:sp>
       <p:cxnSp>
         <p:nvCxnSpPr>
-          <p:cNvPr id="5140" name="AutoShape 29"/>
+          <p:cNvPr id="5139" name="AutoShape 29"/>
           <p:cNvCxnSpPr>
             <a:cxnSpLocks noChangeShapeType="1"/>
           </p:cNvCxnSpPr>
@@ -32758,8 +32267,8 @@
         </p:nvCxnSpPr>
         <p:spPr bwMode="auto">
           <a:xfrm flipH="1">
-            <a:off x="3349715" y="1187883"/>
-            <a:ext cx="550060" cy="304058"/>
+            <a:off x="3349625" y="1187450"/>
+            <a:ext cx="550863" cy="304800"/>
           </a:xfrm>
           <a:prstGeom prst="straightConnector1">
             <a:avLst/>
@@ -32777,7 +32286,7 @@
       </p:cxnSp>
       <p:cxnSp>
         <p:nvCxnSpPr>
-          <p:cNvPr id="5141" name="AutoShape 28"/>
+          <p:cNvPr id="5140" name="AutoShape 28"/>
           <p:cNvCxnSpPr>
             <a:cxnSpLocks noChangeShapeType="1"/>
           </p:cNvCxnSpPr>
@@ -32785,8 +32294,8 @@
         </p:nvCxnSpPr>
         <p:spPr bwMode="auto">
           <a:xfrm>
-            <a:off x="4796170" y="1187883"/>
-            <a:ext cx="664887" cy="296140"/>
+            <a:off x="4795838" y="1187450"/>
+            <a:ext cx="665162" cy="296863"/>
           </a:xfrm>
           <a:prstGeom prst="straightConnector1">
             <a:avLst/>
@@ -32804,7 +32313,7 @@
       </p:cxnSp>
       <p:cxnSp>
         <p:nvCxnSpPr>
-          <p:cNvPr id="5142" name="AutoShape 27"/>
+          <p:cNvPr id="5141" name="AutoShape 27"/>
           <p:cNvCxnSpPr>
             <a:cxnSpLocks noChangeShapeType="1"/>
           </p:cNvCxnSpPr>
@@ -32812,8 +32321,8 @@
         </p:nvCxnSpPr>
         <p:spPr bwMode="auto">
           <a:xfrm flipH="1">
-            <a:off x="1672680" y="1851427"/>
-            <a:ext cx="1227912" cy="488552"/>
+            <a:off x="1673225" y="1851025"/>
+            <a:ext cx="1227138" cy="488950"/>
           </a:xfrm>
           <a:prstGeom prst="straightConnector1">
             <a:avLst/>
@@ -32831,7 +32340,7 @@
       </p:cxnSp>
       <p:cxnSp>
         <p:nvCxnSpPr>
-          <p:cNvPr id="5143" name="AutoShape 26"/>
+          <p:cNvPr id="5142" name="AutoShape 26"/>
           <p:cNvCxnSpPr>
             <a:cxnSpLocks noChangeShapeType="1"/>
           </p:cNvCxnSpPr>
@@ -32839,8 +32348,8 @@
         </p:nvCxnSpPr>
         <p:spPr bwMode="auto">
           <a:xfrm>
-            <a:off x="3349715" y="1913189"/>
-            <a:ext cx="184279" cy="426790"/>
+            <a:off x="3349625" y="1912938"/>
+            <a:ext cx="184150" cy="427037"/>
           </a:xfrm>
           <a:prstGeom prst="straightConnector1">
             <a:avLst/>
@@ -32858,7 +32367,7 @@
       </p:cxnSp>
       <p:cxnSp>
         <p:nvCxnSpPr>
-          <p:cNvPr id="5144" name="AutoShape 25"/>
+          <p:cNvPr id="5143" name="AutoShape 25"/>
           <p:cNvCxnSpPr>
             <a:cxnSpLocks noChangeShapeType="1"/>
           </p:cNvCxnSpPr>
@@ -32866,8 +32375,8 @@
         </p:nvCxnSpPr>
         <p:spPr bwMode="auto">
           <a:xfrm flipH="1">
-            <a:off x="5367528" y="1905271"/>
-            <a:ext cx="93529" cy="434709"/>
+            <a:off x="5367338" y="1905000"/>
+            <a:ext cx="93662" cy="434975"/>
           </a:xfrm>
           <a:prstGeom prst="straightConnector1">
             <a:avLst/>
@@ -32885,7 +32394,7 @@
       </p:cxnSp>
       <p:cxnSp>
         <p:nvCxnSpPr>
-          <p:cNvPr id="5145" name="AutoShape 24"/>
+          <p:cNvPr id="5144" name="AutoShape 24"/>
           <p:cNvCxnSpPr>
             <a:cxnSpLocks noChangeShapeType="1"/>
           </p:cNvCxnSpPr>
@@ -32893,8 +32402,8 @@
         </p:nvCxnSpPr>
         <p:spPr bwMode="auto">
           <a:xfrm>
-            <a:off x="5909254" y="1843509"/>
-            <a:ext cx="1314033" cy="489344"/>
+            <a:off x="5908675" y="1843088"/>
+            <a:ext cx="1314450" cy="490537"/>
           </a:xfrm>
           <a:prstGeom prst="straightConnector1">
             <a:avLst/>
@@ -32912,7 +32421,7 @@
       </p:cxnSp>
       <p:sp>
         <p:nvSpPr>
-          <p:cNvPr id="5146" name="Rectangle 23"/>
+          <p:cNvPr id="5145" name="Rectangle 23"/>
           <p:cNvSpPr>
             <a:spLocks noChangeArrowheads="1"/>
           </p:cNvSpPr>
@@ -32920,8 +32429,8 @@
         </p:nvSpPr>
         <p:spPr bwMode="auto">
           <a:xfrm>
-            <a:off x="4199808" y="1570331"/>
-            <a:ext cx="440789" cy="214583"/>
+            <a:off x="4200525" y="1570038"/>
+            <a:ext cx="439738" cy="214312"/>
           </a:xfrm>
           <a:prstGeom prst="rect">
             <a:avLst/>
@@ -32956,7 +32465,7 @@
       </p:sp>
       <p:sp>
         <p:nvSpPr>
-          <p:cNvPr id="5147" name="Rectangle 22"/>
+          <p:cNvPr id="5146" name="Rectangle 22"/>
           <p:cNvSpPr>
             <a:spLocks noChangeArrowheads="1"/>
           </p:cNvSpPr>
@@ -32964,8 +32473,8 @@
         </p:nvSpPr>
         <p:spPr bwMode="auto">
           <a:xfrm>
-            <a:off x="6139835" y="2900587"/>
-            <a:ext cx="440789" cy="214583"/>
+            <a:off x="6140450" y="2900363"/>
+            <a:ext cx="439738" cy="214312"/>
           </a:xfrm>
           <a:prstGeom prst="rect">
             <a:avLst/>
@@ -33000,7 +32509,7 @@
       </p:sp>
       <p:sp>
         <p:nvSpPr>
-          <p:cNvPr id="5148" name="Rectangle 21"/>
+          <p:cNvPr id="5147" name="Rectangle 21"/>
           <p:cNvSpPr>
             <a:spLocks noChangeArrowheads="1"/>
           </p:cNvSpPr>
@@ -33008,8 +32517,8 @@
         </p:nvSpPr>
         <p:spPr bwMode="auto">
           <a:xfrm>
-            <a:off x="2370905" y="2864955"/>
-            <a:ext cx="440789" cy="214583"/>
+            <a:off x="2370138" y="2865438"/>
+            <a:ext cx="441325" cy="214312"/>
           </a:xfrm>
           <a:prstGeom prst="rect">
             <a:avLst/>
@@ -33044,7 +32553,7 @@
       </p:sp>
       <p:sp>
         <p:nvSpPr>
-          <p:cNvPr id="5149" name="Oval 20"/>
+          <p:cNvPr id="5148" name="Oval 20"/>
           <p:cNvSpPr>
             <a:spLocks noChangeArrowheads="1"/>
           </p:cNvSpPr>
@@ -33052,8 +32561,8 @@
         </p:nvSpPr>
         <p:spPr bwMode="auto">
           <a:xfrm>
-            <a:off x="821661" y="3167430"/>
-            <a:ext cx="1674257" cy="420456"/>
+            <a:off x="822325" y="3167063"/>
+            <a:ext cx="1673225" cy="420687"/>
           </a:xfrm>
           <a:prstGeom prst="ellipse">
             <a:avLst/>
@@ -33080,14 +32589,14 @@
               </a:tabLst>
             </a:pPr>
             <a:r>
-              <a:rPr lang="ru-RU" altLang="zh-CN" sz="1600" i="1" dirty="0">
+              <a:rPr lang="ru-RU" altLang="zh-CN" sz="1600" i="1">
                 <a:cs typeface="Times New Roman" pitchFamily="18" charset="0"/>
                 <a:sym typeface="Symbol" pitchFamily="18" charset="2"/>
               </a:rPr>
               <a:t></a:t>
             </a:r>
             <a:r>
-              <a:rPr lang="en-US" altLang="zh-CN" sz="1600" i="1" baseline="-30000" dirty="0">
+              <a:rPr lang="en-US" altLang="zh-CN" sz="1600" i="1" baseline="-30000">
                 <a:latin typeface="Arial" pitchFamily="34" charset="0"/>
                 <a:ea typeface="SimSun" pitchFamily="2" charset="-122"/>
                 <a:cs typeface="Times New Roman" pitchFamily="18" charset="0"/>
@@ -33095,7 +32604,7 @@
               <a:t>M</a:t>
             </a:r>
             <a:r>
-              <a:rPr lang="en-US" altLang="zh-CN" sz="1600" dirty="0">
+              <a:rPr lang="en-US" altLang="zh-CN" sz="1600">
                 <a:ea typeface="SimSun" pitchFamily="2" charset="-122"/>
                 <a:cs typeface="Times New Roman" pitchFamily="18" charset="0"/>
                 <a:sym typeface="Symbol" pitchFamily="18" charset="2"/>
@@ -33103,7 +32612,7 @@
               <a:t>(</a:t>
             </a:r>
             <a:r>
-              <a:rPr lang="en-US" altLang="zh-CN" sz="1600" i="1" dirty="0">
+              <a:rPr lang="en-US" altLang="zh-CN" sz="1600" i="1">
                 <a:ea typeface="SimSun" pitchFamily="2" charset="-122"/>
                 <a:cs typeface="Times New Roman" pitchFamily="18" charset="0"/>
                 <a:sym typeface="Symbol" pitchFamily="18" charset="2"/>
@@ -33111,7 +32620,7 @@
               <a:t>u</a:t>
             </a:r>
             <a:r>
-              <a:rPr lang="en-US" altLang="zh-CN" sz="1600" baseline="-30000" dirty="0">
+              <a:rPr lang="en-US" altLang="zh-CN" sz="1600" baseline="-30000">
                 <a:ea typeface="SimSun" pitchFamily="2" charset="-122"/>
                 <a:cs typeface="Times New Roman" pitchFamily="18" charset="0"/>
                 <a:sym typeface="Symbol" pitchFamily="18" charset="2"/>
@@ -33119,7 +32628,7 @@
               <a:t>1,…,</a:t>
             </a:r>
             <a:r>
-              <a:rPr lang="en-US" altLang="zh-CN" sz="1600" i="1" dirty="0" err="1">
+              <a:rPr lang="en-US" altLang="zh-CN" sz="1600" i="1">
                 <a:ea typeface="SimSun" pitchFamily="2" charset="-122"/>
                 <a:cs typeface="Times New Roman" pitchFamily="18" charset="0"/>
                 <a:sym typeface="Symbol" pitchFamily="18" charset="2"/>
@@ -33127,7 +32636,7 @@
               <a:t>u</a:t>
             </a:r>
             <a:r>
-              <a:rPr lang="en-US" altLang="zh-CN" sz="1600" i="1" baseline="-30000" dirty="0" err="1">
+              <a:rPr lang="en-US" altLang="zh-CN" sz="1600" i="1" baseline="-30000">
                 <a:ea typeface="SimSun" pitchFamily="2" charset="-122"/>
                 <a:cs typeface="Times New Roman" pitchFamily="18" charset="0"/>
                 <a:sym typeface="Symbol" pitchFamily="18" charset="2"/>
@@ -33135,14 +32644,14 @@
               <a:t>M</a:t>
             </a:r>
             <a:r>
-              <a:rPr lang="en-US" altLang="zh-CN" sz="1600" dirty="0">
+              <a:rPr lang="en-US" altLang="zh-CN" sz="1600">
                 <a:ea typeface="SimSun" pitchFamily="2" charset="-122"/>
                 <a:cs typeface="Times New Roman" pitchFamily="18" charset="0"/>
                 <a:sym typeface="Symbol" pitchFamily="18" charset="2"/>
               </a:rPr>
               <a:t>)</a:t>
             </a:r>
-            <a:endParaRPr lang="en-US" altLang="zh-CN" sz="1600" i="1" dirty="0">
+            <a:endParaRPr lang="en-US" altLang="zh-CN" sz="1600" i="1">
               <a:ea typeface="SimSun" pitchFamily="2" charset="-122"/>
               <a:cs typeface="Times New Roman" pitchFamily="18" charset="0"/>
               <a:sym typeface="Symbol" pitchFamily="18" charset="2"/>
@@ -33152,7 +32661,7 @@
       </p:sp>
       <p:sp>
         <p:nvSpPr>
-          <p:cNvPr id="5150" name="Oval 19"/>
+          <p:cNvPr id="5149" name="Oval 19"/>
           <p:cNvSpPr>
             <a:spLocks noChangeArrowheads="1"/>
           </p:cNvSpPr>
@@ -33160,8 +32669,8 @@
         </p:nvSpPr>
         <p:spPr bwMode="auto">
           <a:xfrm>
-            <a:off x="6410235" y="3140508"/>
-            <a:ext cx="1675183" cy="420456"/>
+            <a:off x="6410325" y="3140075"/>
+            <a:ext cx="1674813" cy="420688"/>
           </a:xfrm>
           <a:prstGeom prst="ellipse">
             <a:avLst/>
@@ -33188,14 +32697,14 @@
               </a:tabLst>
             </a:pPr>
             <a:r>
-              <a:rPr lang="ru-RU" altLang="zh-CN" sz="1600" i="1" dirty="0">
+              <a:rPr lang="ru-RU" altLang="zh-CN" sz="1600" i="1">
                 <a:cs typeface="Times New Roman" pitchFamily="18" charset="0"/>
                 <a:sym typeface="Symbol" pitchFamily="18" charset="2"/>
               </a:rPr>
               <a:t></a:t>
             </a:r>
             <a:r>
-              <a:rPr lang="en-US" altLang="zh-CN" sz="1600" i="1" baseline="-30000" dirty="0">
+              <a:rPr lang="en-US" altLang="zh-CN" sz="1600" i="1" baseline="-30000">
                 <a:latin typeface="Arial" pitchFamily="34" charset="0"/>
                 <a:ea typeface="SimSun" pitchFamily="2" charset="-122"/>
                 <a:cs typeface="Times New Roman" pitchFamily="18" charset="0"/>
@@ -33203,7 +32712,7 @@
               <a:t>M</a:t>
             </a:r>
             <a:r>
-              <a:rPr lang="en-US" altLang="zh-CN" sz="1600" dirty="0">
+              <a:rPr lang="en-US" altLang="zh-CN" sz="1600">
                 <a:ea typeface="SimSun" pitchFamily="2" charset="-122"/>
                 <a:cs typeface="Times New Roman" pitchFamily="18" charset="0"/>
                 <a:sym typeface="Symbol" pitchFamily="18" charset="2"/>
@@ -33211,7 +32720,7 @@
               <a:t>(</a:t>
             </a:r>
             <a:r>
-              <a:rPr lang="en-US" altLang="zh-CN" sz="1600" i="1" dirty="0">
+              <a:rPr lang="en-US" altLang="zh-CN" sz="1600" i="1">
                 <a:ea typeface="SimSun" pitchFamily="2" charset="-122"/>
                 <a:cs typeface="Times New Roman" pitchFamily="18" charset="0"/>
                 <a:sym typeface="Symbol" pitchFamily="18" charset="2"/>
@@ -33219,7 +32728,7 @@
               <a:t>u</a:t>
             </a:r>
             <a:r>
-              <a:rPr lang="en-US" altLang="zh-CN" sz="1600" baseline="-30000" dirty="0">
+              <a:rPr lang="en-US" altLang="zh-CN" sz="1600" baseline="-30000">
                 <a:ea typeface="SimSun" pitchFamily="2" charset="-122"/>
                 <a:cs typeface="Times New Roman" pitchFamily="18" charset="0"/>
                 <a:sym typeface="Symbol" pitchFamily="18" charset="2"/>
@@ -33227,7 +32736,7 @@
               <a:t>1,…,</a:t>
             </a:r>
             <a:r>
-              <a:rPr lang="en-US" altLang="zh-CN" sz="1600" i="1" dirty="0" err="1">
+              <a:rPr lang="en-US" altLang="zh-CN" sz="1600" i="1">
                 <a:ea typeface="SimSun" pitchFamily="2" charset="-122"/>
                 <a:cs typeface="Times New Roman" pitchFamily="18" charset="0"/>
                 <a:sym typeface="Symbol" pitchFamily="18" charset="2"/>
@@ -33235,7 +32744,7 @@
               <a:t>u</a:t>
             </a:r>
             <a:r>
-              <a:rPr lang="en-US" altLang="zh-CN" sz="1600" i="1" baseline="-30000" dirty="0" err="1">
+              <a:rPr lang="en-US" altLang="zh-CN" sz="1600" i="1" baseline="-30000">
                 <a:ea typeface="SimSun" pitchFamily="2" charset="-122"/>
                 <a:cs typeface="Times New Roman" pitchFamily="18" charset="0"/>
                 <a:sym typeface="Symbol" pitchFamily="18" charset="2"/>
@@ -33243,14 +32752,14 @@
               <a:t>M</a:t>
             </a:r>
             <a:r>
-              <a:rPr lang="en-US" altLang="zh-CN" sz="1600" dirty="0">
+              <a:rPr lang="en-US" altLang="zh-CN" sz="1600">
                 <a:ea typeface="SimSun" pitchFamily="2" charset="-122"/>
                 <a:cs typeface="Times New Roman" pitchFamily="18" charset="0"/>
                 <a:sym typeface="Symbol" pitchFamily="18" charset="2"/>
               </a:rPr>
               <a:t>)</a:t>
             </a:r>
-            <a:endParaRPr lang="en-US" altLang="zh-CN" sz="1600" i="1" dirty="0">
+            <a:endParaRPr lang="en-US" altLang="zh-CN" sz="1600" i="1">
               <a:ea typeface="SimSun" pitchFamily="2" charset="-122"/>
               <a:cs typeface="Times New Roman" pitchFamily="18" charset="0"/>
               <a:sym typeface="Symbol" pitchFamily="18" charset="2"/>
@@ -33262,7 +32771,7 @@
                 <a:tab pos="90488" algn="l"/>
               </a:tabLst>
             </a:pPr>
-            <a:endParaRPr lang="en-US" altLang="zh-CN" sz="1600" i="1" dirty="0">
+            <a:endParaRPr lang="en-US" altLang="zh-CN" sz="1600" i="1">
               <a:ea typeface="SimSun" pitchFamily="2" charset="-122"/>
               <a:cs typeface="Times New Roman" pitchFamily="18" charset="0"/>
               <a:sym typeface="Symbol" pitchFamily="18" charset="2"/>
@@ -33272,7 +32781,7 @@
       </p:sp>
       <p:sp>
         <p:nvSpPr>
-          <p:cNvPr id="5151" name="Oval 18"/>
+          <p:cNvPr id="5150" name="Oval 18"/>
           <p:cNvSpPr>
             <a:spLocks noChangeArrowheads="1"/>
           </p:cNvSpPr>
@@ -33280,8 +32789,8 @@
         </p:nvSpPr>
         <p:spPr bwMode="auto">
           <a:xfrm>
-            <a:off x="835552" y="2339979"/>
-            <a:ext cx="1674257" cy="420456"/>
+            <a:off x="835025" y="2339975"/>
+            <a:ext cx="1674813" cy="420688"/>
           </a:xfrm>
           <a:prstGeom prst="ellipse">
             <a:avLst/>
@@ -33308,14 +32817,14 @@
               </a:tabLst>
             </a:pPr>
             <a:r>
-              <a:rPr lang="ru-RU" altLang="zh-CN" sz="1600" i="1" dirty="0">
+              <a:rPr lang="ru-RU" altLang="zh-CN" sz="1600" i="1">
                 <a:cs typeface="Times New Roman" pitchFamily="18" charset="0"/>
                 <a:sym typeface="Symbol" pitchFamily="18" charset="2"/>
               </a:rPr>
               <a:t></a:t>
             </a:r>
             <a:r>
-              <a:rPr lang="en-US" altLang="zh-CN" sz="1600" i="1" baseline="-30000" dirty="0">
+              <a:rPr lang="en-US" altLang="zh-CN" sz="1600" i="1" baseline="-30000">
                 <a:latin typeface="Arial" pitchFamily="34" charset="0"/>
                 <a:ea typeface="SimSun" pitchFamily="2" charset="-122"/>
                 <a:cs typeface="Times New Roman" pitchFamily="18" charset="0"/>
@@ -33323,7 +32832,7 @@
               <a:t>M</a:t>
             </a:r>
             <a:r>
-              <a:rPr lang="en-US" altLang="zh-CN" sz="1600" baseline="-30000" dirty="0">
+              <a:rPr lang="en-US" altLang="zh-CN" sz="1600" baseline="-30000">
                 <a:ea typeface="SimSun" pitchFamily="2" charset="-122"/>
                 <a:cs typeface="Times New Roman" pitchFamily="18" charset="0"/>
                 <a:sym typeface="Symbol" pitchFamily="18" charset="2"/>
@@ -33331,7 +32840,7 @@
               <a:t></a:t>
             </a:r>
             <a:r>
-              <a:rPr lang="en-US" altLang="zh-CN" sz="1600" baseline="-30000" dirty="0">
+              <a:rPr lang="en-US" altLang="zh-CN" sz="1600" baseline="-30000">
                 <a:latin typeface="Arial" pitchFamily="34" charset="0"/>
                 <a:ea typeface="SimSun" pitchFamily="2" charset="-122"/>
                 <a:cs typeface="Times New Roman" pitchFamily="18" charset="0"/>
@@ -33339,7 +32848,7 @@
               <a:t>1</a:t>
             </a:r>
             <a:r>
-              <a:rPr lang="en-US" altLang="zh-CN" sz="1600" dirty="0">
+              <a:rPr lang="en-US" altLang="zh-CN" sz="1600">
                 <a:ea typeface="SimSun" pitchFamily="2" charset="-122"/>
                 <a:cs typeface="Times New Roman" pitchFamily="18" charset="0"/>
                 <a:sym typeface="Symbol" pitchFamily="18" charset="2"/>
@@ -33347,7 +32856,7 @@
               <a:t>(</a:t>
             </a:r>
             <a:r>
-              <a:rPr lang="en-US" altLang="zh-CN" sz="1600" i="1" baseline="-30000" dirty="0">
+              <a:rPr lang="en-US" altLang="zh-CN" sz="1600" i="1" baseline="-30000">
                 <a:ea typeface="SimSun" pitchFamily="2" charset="-122"/>
                 <a:cs typeface="Times New Roman" pitchFamily="18" charset="0"/>
                 <a:sym typeface="Symbol" pitchFamily="18" charset="2"/>
@@ -33355,7 +32864,7 @@
               <a:t>u</a:t>
             </a:r>
             <a:r>
-              <a:rPr lang="en-US" altLang="zh-CN" sz="1600" baseline="-30000" dirty="0">
+              <a:rPr lang="en-US" altLang="zh-CN" sz="1600" baseline="-30000">
                 <a:ea typeface="SimSun" pitchFamily="2" charset="-122"/>
                 <a:cs typeface="Times New Roman" pitchFamily="18" charset="0"/>
                 <a:sym typeface="Symbol" pitchFamily="18" charset="2"/>
@@ -33363,7 +32872,7 @@
               <a:t>1,.,</a:t>
             </a:r>
             <a:r>
-              <a:rPr lang="en-US" altLang="zh-CN" sz="1600" i="1" dirty="0">
+              <a:rPr lang="en-US" altLang="zh-CN" sz="1600" i="1">
                 <a:ea typeface="SimSun" pitchFamily="2" charset="-122"/>
                 <a:cs typeface="Times New Roman" pitchFamily="18" charset="0"/>
                 <a:sym typeface="Symbol" pitchFamily="18" charset="2"/>
@@ -33371,7 +32880,7 @@
               <a:t>u</a:t>
             </a:r>
             <a:r>
-              <a:rPr lang="en-US" altLang="zh-CN" sz="1600" i="1" baseline="-30000" dirty="0">
+              <a:rPr lang="en-US" altLang="zh-CN" sz="1600" i="1" baseline="-30000">
                 <a:ea typeface="SimSun" pitchFamily="2" charset="-122"/>
                 <a:cs typeface="Times New Roman" pitchFamily="18" charset="0"/>
                 <a:sym typeface="Symbol" pitchFamily="18" charset="2"/>
@@ -33379,7 +32888,7 @@
               <a:t>M</a:t>
             </a:r>
             <a:r>
-              <a:rPr lang="en-US" altLang="zh-CN" sz="1600" baseline="-30000" dirty="0">
+              <a:rPr lang="en-US" altLang="zh-CN" sz="1600" baseline="-30000">
                 <a:ea typeface="SimSun" pitchFamily="2" charset="-122"/>
                 <a:cs typeface="Times New Roman" pitchFamily="18" charset="0"/>
                 <a:sym typeface="Symbol" pitchFamily="18" charset="2"/>
@@ -33387,7 +32896,7 @@
               <a:t></a:t>
             </a:r>
             <a:r>
-              <a:rPr lang="en-US" altLang="zh-CN" sz="1600" baseline="-30000" dirty="0">
+              <a:rPr lang="en-US" altLang="zh-CN" sz="1600" baseline="-30000">
                 <a:latin typeface="Arial" pitchFamily="34" charset="0"/>
                 <a:ea typeface="SimSun" pitchFamily="2" charset="-122"/>
                 <a:cs typeface="Times New Roman" pitchFamily="18" charset="0"/>
@@ -33395,14 +32904,14 @@
               <a:t>1</a:t>
             </a:r>
             <a:r>
-              <a:rPr lang="en-US" altLang="zh-CN" sz="1600" dirty="0">
+              <a:rPr lang="en-US" altLang="zh-CN" sz="1600">
                 <a:ea typeface="SimSun" pitchFamily="2" charset="-122"/>
                 <a:cs typeface="Times New Roman" pitchFamily="18" charset="0"/>
                 <a:sym typeface="Symbol" pitchFamily="18" charset="2"/>
               </a:rPr>
               <a:t>)</a:t>
             </a:r>
-            <a:endParaRPr lang="en-US" altLang="zh-CN" sz="1600" baseline="-30000" dirty="0">
+            <a:endParaRPr lang="en-US" altLang="zh-CN" sz="1600" baseline="-30000">
               <a:ea typeface="SimSun" pitchFamily="2" charset="-122"/>
               <a:cs typeface="Times New Roman" pitchFamily="18" charset="0"/>
               <a:sym typeface="Symbol" pitchFamily="18" charset="2"/>
@@ -33412,7 +32921,7 @@
       </p:sp>
       <p:sp>
         <p:nvSpPr>
-          <p:cNvPr id="5152" name="Oval 17"/>
+          <p:cNvPr id="5151" name="Oval 17"/>
           <p:cNvSpPr>
             <a:spLocks noChangeArrowheads="1"/>
           </p:cNvSpPr>
@@ -33420,8 +32929,8 @@
         </p:nvSpPr>
         <p:spPr bwMode="auto">
           <a:xfrm>
-            <a:off x="6376898" y="2332853"/>
-            <a:ext cx="1692778" cy="420456"/>
+            <a:off x="6376988" y="2333625"/>
+            <a:ext cx="1692275" cy="419100"/>
           </a:xfrm>
           <a:prstGeom prst="ellipse">
             <a:avLst/>
@@ -33448,14 +32957,14 @@
               </a:tabLst>
             </a:pPr>
             <a:r>
-              <a:rPr lang="ru-RU" altLang="zh-CN" sz="1600" i="1" dirty="0">
+              <a:rPr lang="ru-RU" altLang="zh-CN" sz="1600" i="1">
                 <a:cs typeface="Times New Roman" pitchFamily="18" charset="0"/>
                 <a:sym typeface="Symbol" pitchFamily="18" charset="2"/>
               </a:rPr>
               <a:t></a:t>
             </a:r>
             <a:r>
-              <a:rPr lang="en-US" altLang="zh-CN" sz="1600" i="1" baseline="-30000" dirty="0">
+              <a:rPr lang="en-US" altLang="zh-CN" sz="1600" i="1" baseline="-30000">
                 <a:latin typeface="Arial" pitchFamily="34" charset="0"/>
                 <a:ea typeface="SimSun" pitchFamily="2" charset="-122"/>
                 <a:cs typeface="Times New Roman" pitchFamily="18" charset="0"/>
@@ -33463,7 +32972,7 @@
               <a:t>M</a:t>
             </a:r>
             <a:r>
-              <a:rPr lang="en-US" altLang="zh-CN" sz="1600" baseline="-30000" dirty="0">
+              <a:rPr lang="en-US" altLang="zh-CN" sz="1600" baseline="-30000">
                 <a:ea typeface="SimSun" pitchFamily="2" charset="-122"/>
                 <a:cs typeface="Times New Roman" pitchFamily="18" charset="0"/>
                 <a:sym typeface="Symbol" pitchFamily="18" charset="2"/>
@@ -33471,7 +32980,7 @@
               <a:t></a:t>
             </a:r>
             <a:r>
-              <a:rPr lang="en-US" altLang="zh-CN" sz="1600" baseline="-30000" dirty="0">
+              <a:rPr lang="en-US" altLang="zh-CN" sz="1600" baseline="-30000">
                 <a:latin typeface="Arial" pitchFamily="34" charset="0"/>
                 <a:ea typeface="SimSun" pitchFamily="2" charset="-122"/>
                 <a:cs typeface="Times New Roman" pitchFamily="18" charset="0"/>
@@ -33479,7 +32988,7 @@
               <a:t>1</a:t>
             </a:r>
             <a:r>
-              <a:rPr lang="en-US" altLang="zh-CN" sz="1600" dirty="0">
+              <a:rPr lang="en-US" altLang="zh-CN" sz="1600">
                 <a:ea typeface="SimSun" pitchFamily="2" charset="-122"/>
                 <a:cs typeface="Times New Roman" pitchFamily="18" charset="0"/>
                 <a:sym typeface="Symbol" pitchFamily="18" charset="2"/>
@@ -33487,7 +32996,7 @@
               <a:t>(</a:t>
             </a:r>
             <a:r>
-              <a:rPr lang="en-US" altLang="zh-CN" sz="1600" i="1" baseline="-30000" dirty="0">
+              <a:rPr lang="en-US" altLang="zh-CN" sz="1600" i="1" baseline="-30000">
                 <a:ea typeface="SimSun" pitchFamily="2" charset="-122"/>
                 <a:cs typeface="Times New Roman" pitchFamily="18" charset="0"/>
                 <a:sym typeface="Symbol" pitchFamily="18" charset="2"/>
@@ -33495,7 +33004,7 @@
               <a:t>u</a:t>
             </a:r>
             <a:r>
-              <a:rPr lang="en-US" altLang="zh-CN" sz="1600" baseline="-30000" dirty="0">
+              <a:rPr lang="en-US" altLang="zh-CN" sz="1600" baseline="-30000">
                 <a:ea typeface="SimSun" pitchFamily="2" charset="-122"/>
                 <a:cs typeface="Times New Roman" pitchFamily="18" charset="0"/>
                 <a:sym typeface="Symbol" pitchFamily="18" charset="2"/>
@@ -33503,7 +33012,7 @@
               <a:t>1,.,</a:t>
             </a:r>
             <a:r>
-              <a:rPr lang="en-US" altLang="zh-CN" sz="1600" i="1" dirty="0">
+              <a:rPr lang="en-US" altLang="zh-CN" sz="1600" i="1">
                 <a:ea typeface="SimSun" pitchFamily="2" charset="-122"/>
                 <a:cs typeface="Times New Roman" pitchFamily="18" charset="0"/>
                 <a:sym typeface="Symbol" pitchFamily="18" charset="2"/>
@@ -33511,7 +33020,7 @@
               <a:t>u</a:t>
             </a:r>
             <a:r>
-              <a:rPr lang="en-US" altLang="zh-CN" sz="1600" i="1" baseline="-30000" dirty="0">
+              <a:rPr lang="en-US" altLang="zh-CN" sz="1600" i="1" baseline="-30000">
                 <a:ea typeface="SimSun" pitchFamily="2" charset="-122"/>
                 <a:cs typeface="Times New Roman" pitchFamily="18" charset="0"/>
                 <a:sym typeface="Symbol" pitchFamily="18" charset="2"/>
@@ -33519,7 +33028,7 @@
               <a:t>M</a:t>
             </a:r>
             <a:r>
-              <a:rPr lang="en-US" altLang="zh-CN" sz="1600" baseline="-30000" dirty="0">
+              <a:rPr lang="en-US" altLang="zh-CN" sz="1600" baseline="-30000">
                 <a:ea typeface="SimSun" pitchFamily="2" charset="-122"/>
                 <a:cs typeface="Times New Roman" pitchFamily="18" charset="0"/>
                 <a:sym typeface="Symbol" pitchFamily="18" charset="2"/>
@@ -33527,7 +33036,7 @@
               <a:t></a:t>
             </a:r>
             <a:r>
-              <a:rPr lang="en-US" altLang="zh-CN" sz="1600" baseline="-30000" dirty="0">
+              <a:rPr lang="en-US" altLang="zh-CN" sz="1600" baseline="-30000">
                 <a:latin typeface="Arial" pitchFamily="34" charset="0"/>
                 <a:ea typeface="SimSun" pitchFamily="2" charset="-122"/>
                 <a:cs typeface="Times New Roman" pitchFamily="18" charset="0"/>
@@ -33535,14 +33044,14 @@
               <a:t>1</a:t>
             </a:r>
             <a:r>
-              <a:rPr lang="en-US" altLang="zh-CN" sz="1600" dirty="0">
+              <a:rPr lang="en-US" altLang="zh-CN" sz="1600">
                 <a:ea typeface="SimSun" pitchFamily="2" charset="-122"/>
                 <a:cs typeface="Times New Roman" pitchFamily="18" charset="0"/>
                 <a:sym typeface="Symbol" pitchFamily="18" charset="2"/>
               </a:rPr>
               <a:t>)</a:t>
             </a:r>
-            <a:endParaRPr lang="en-US" altLang="zh-CN" sz="1600" baseline="-30000" dirty="0">
+            <a:endParaRPr lang="en-US" altLang="zh-CN" sz="1600" baseline="-30000">
               <a:ea typeface="SimSun" pitchFamily="2" charset="-122"/>
               <a:cs typeface="Times New Roman" pitchFamily="18" charset="0"/>
               <a:sym typeface="Symbol" pitchFamily="18" charset="2"/>
@@ -33554,7 +33063,7 @@
                 <a:tab pos="90488" algn="l"/>
               </a:tabLst>
             </a:pPr>
-            <a:endParaRPr lang="en-US" altLang="zh-CN" sz="1600" baseline="-30000" dirty="0">
+            <a:endParaRPr lang="en-US" altLang="zh-CN" sz="1600" baseline="-30000">
               <a:ea typeface="SimSun" pitchFamily="2" charset="-122"/>
               <a:cs typeface="Times New Roman" pitchFamily="18" charset="0"/>
               <a:sym typeface="Symbol" pitchFamily="18" charset="2"/>
@@ -33564,7 +33073,7 @@
       </p:sp>
       <p:sp>
         <p:nvSpPr>
-          <p:cNvPr id="5153" name="AutoShape 16" descr="Светлый вертикальный"/>
+          <p:cNvPr id="5152" name="AutoShape 16" descr="Светлый вертикальный"/>
           <p:cNvSpPr>
             <a:spLocks noChangeArrowheads="1"/>
           </p:cNvSpPr>
@@ -33572,8 +33081,8 @@
         </p:nvSpPr>
         <p:spPr bwMode="auto">
           <a:xfrm>
-            <a:off x="1199480" y="2760435"/>
-            <a:ext cx="903802" cy="385616"/>
+            <a:off x="1200150" y="2760663"/>
+            <a:ext cx="903288" cy="385762"/>
           </a:xfrm>
           <a:prstGeom prst="upDownArrow">
             <a:avLst>
@@ -33608,7 +33117,7 @@
       </p:sp>
       <p:sp>
         <p:nvSpPr>
-          <p:cNvPr id="5154" name="AutoShape 15" descr="Светлый вертикальный"/>
+          <p:cNvPr id="5153" name="AutoShape 15" descr="Светлый вертикальный"/>
           <p:cNvSpPr>
             <a:spLocks noChangeArrowheads="1"/>
           </p:cNvSpPr>
@@ -33616,8 +33125,8 @@
         </p:nvSpPr>
         <p:spPr bwMode="auto">
           <a:xfrm>
-            <a:off x="6782498" y="2743015"/>
-            <a:ext cx="903802" cy="369779"/>
+            <a:off x="6781800" y="2743200"/>
+            <a:ext cx="904875" cy="369888"/>
           </a:xfrm>
           <a:prstGeom prst="upDownArrow">
             <a:avLst>
@@ -33652,7 +33161,7 @@
       </p:sp>
       <p:sp>
         <p:nvSpPr>
-          <p:cNvPr id="5155" name="Oval 14"/>
+          <p:cNvPr id="5154" name="Oval 14"/>
           <p:cNvSpPr>
             <a:spLocks noChangeArrowheads="1"/>
           </p:cNvSpPr>
@@ -33660,8 +33169,8 @@
         </p:nvSpPr>
         <p:spPr bwMode="auto">
           <a:xfrm>
-            <a:off x="2682976" y="3167430"/>
-            <a:ext cx="1674257" cy="420456"/>
+            <a:off x="2682875" y="3167063"/>
+            <a:ext cx="1674813" cy="420687"/>
           </a:xfrm>
           <a:prstGeom prst="ellipse">
             <a:avLst/>
@@ -33760,7 +33269,7 @@
       </p:sp>
       <p:sp>
         <p:nvSpPr>
-          <p:cNvPr id="5156" name="Oval 13"/>
+          <p:cNvPr id="5155" name="Oval 13"/>
           <p:cNvSpPr>
             <a:spLocks noChangeArrowheads="1"/>
           </p:cNvSpPr>
@@ -33768,8 +33277,8 @@
         </p:nvSpPr>
         <p:spPr bwMode="auto">
           <a:xfrm>
-            <a:off x="2696866" y="2339979"/>
-            <a:ext cx="1674257" cy="420456"/>
+            <a:off x="2697163" y="2339975"/>
+            <a:ext cx="1673225" cy="420688"/>
           </a:xfrm>
           <a:prstGeom prst="ellipse">
             <a:avLst/>
@@ -33900,7 +33409,7 @@
       </p:sp>
       <p:sp>
         <p:nvSpPr>
-          <p:cNvPr id="5157" name="AutoShape 12" descr="Светлый вертикальный"/>
+          <p:cNvPr id="5156" name="AutoShape 12" descr="Светлый вертикальный"/>
           <p:cNvSpPr>
             <a:spLocks noChangeArrowheads="1"/>
           </p:cNvSpPr>
@@ -33908,8 +33417,8 @@
         </p:nvSpPr>
         <p:spPr bwMode="auto">
           <a:xfrm>
-            <a:off x="3060795" y="2760435"/>
-            <a:ext cx="903802" cy="385616"/>
+            <a:off x="3060700" y="2760663"/>
+            <a:ext cx="903288" cy="385762"/>
           </a:xfrm>
           <a:prstGeom prst="upDownArrow">
             <a:avLst>
@@ -33944,7 +33453,7 @@
       </p:sp>
       <p:sp>
         <p:nvSpPr>
-          <p:cNvPr id="5158" name="Oval 11"/>
+          <p:cNvPr id="5157" name="Oval 11"/>
           <p:cNvSpPr>
             <a:spLocks noChangeArrowheads="1"/>
           </p:cNvSpPr>
@@ -33952,8 +33461,8 @@
         </p:nvSpPr>
         <p:spPr bwMode="auto">
           <a:xfrm>
-            <a:off x="4516510" y="3167430"/>
-            <a:ext cx="1674257" cy="420456"/>
+            <a:off x="4516438" y="3167063"/>
+            <a:ext cx="1674812" cy="420687"/>
           </a:xfrm>
           <a:prstGeom prst="ellipse">
             <a:avLst/>
@@ -34052,7 +33561,7 @@
       </p:sp>
       <p:sp>
         <p:nvSpPr>
-          <p:cNvPr id="5159" name="Oval 10"/>
+          <p:cNvPr id="5158" name="Oval 10"/>
           <p:cNvSpPr>
             <a:spLocks noChangeArrowheads="1"/>
           </p:cNvSpPr>
@@ -34060,8 +33569,8 @@
         </p:nvSpPr>
         <p:spPr bwMode="auto">
           <a:xfrm>
-            <a:off x="4530400" y="2339979"/>
-            <a:ext cx="1674257" cy="420456"/>
+            <a:off x="4530725" y="2339975"/>
+            <a:ext cx="1673225" cy="420688"/>
           </a:xfrm>
           <a:prstGeom prst="ellipse">
             <a:avLst/>
@@ -34192,7 +33701,7 @@
       </p:sp>
       <p:sp>
         <p:nvSpPr>
-          <p:cNvPr id="5160" name="AutoShape 9" descr="Светлый вертикальный"/>
+          <p:cNvPr id="5159" name="AutoShape 9" descr="Светлый вертикальный"/>
           <p:cNvSpPr>
             <a:spLocks noChangeArrowheads="1"/>
           </p:cNvSpPr>
@@ -34200,8 +33709,8 @@
         </p:nvSpPr>
         <p:spPr bwMode="auto">
           <a:xfrm>
-            <a:off x="4894329" y="2760435"/>
-            <a:ext cx="903802" cy="385616"/>
+            <a:off x="4894263" y="2760663"/>
+            <a:ext cx="903287" cy="385762"/>
           </a:xfrm>
           <a:prstGeom prst="upDownArrow">
             <a:avLst>
